--- a/Grupo 3/Presentación identidad digital.pptx
+++ b/Grupo 3/Presentación identidad digital.pptx
@@ -5,25 +5,25 @@
     <p:sldMasterId id="2147483648" r:id="rId1"/>
   </p:sldMasterIdLst>
   <p:sldIdLst>
-    <p:sldId id="256" r:id="rId2"/>
-    <p:sldId id="257" r:id="rId3"/>
-    <p:sldId id="258" r:id="rId4"/>
-    <p:sldId id="259" r:id="rId5"/>
-    <p:sldId id="260" r:id="rId6"/>
-    <p:sldId id="261" r:id="rId7"/>
-    <p:sldId id="262" r:id="rId8"/>
-    <p:sldId id="263" r:id="rId9"/>
-    <p:sldId id="264" r:id="rId10"/>
-    <p:sldId id="265" r:id="rId11"/>
-    <p:sldId id="266" r:id="rId12"/>
-    <p:sldId id="267" r:id="rId13"/>
-    <p:sldId id="268" r:id="rId14"/>
-    <p:sldId id="269" r:id="rId15"/>
-    <p:sldId id="270" r:id="rId16"/>
-    <p:sldId id="271" r:id="rId17"/>
-    <p:sldId id="272" r:id="rId18"/>
-    <p:sldId id="273" r:id="rId19"/>
-    <p:sldId id="274" r:id="rId20"/>
+    <p:sldId id="274" r:id="rId2"/>
+    <p:sldId id="256" r:id="rId3"/>
+    <p:sldId id="257" r:id="rId4"/>
+    <p:sldId id="258" r:id="rId5"/>
+    <p:sldId id="259" r:id="rId6"/>
+    <p:sldId id="260" r:id="rId7"/>
+    <p:sldId id="261" r:id="rId8"/>
+    <p:sldId id="262" r:id="rId9"/>
+    <p:sldId id="263" r:id="rId10"/>
+    <p:sldId id="264" r:id="rId11"/>
+    <p:sldId id="265" r:id="rId12"/>
+    <p:sldId id="266" r:id="rId13"/>
+    <p:sldId id="267" r:id="rId14"/>
+    <p:sldId id="268" r:id="rId15"/>
+    <p:sldId id="269" r:id="rId16"/>
+    <p:sldId id="270" r:id="rId17"/>
+    <p:sldId id="271" r:id="rId18"/>
+    <p:sldId id="272" r:id="rId19"/>
+    <p:sldId id="273" r:id="rId20"/>
     <p:sldId id="275" r:id="rId21"/>
   </p:sldIdLst>
   <p:sldSz cx="12192000" cy="6858000"/>
@@ -123,6 +123,11 @@
       </a:defRPr>
     </a:lvl9pPr>
   </p:defaultTextStyle>
+  <p:extLst>
+    <p:ext uri="{EFAFB233-063F-42B5-8137-9DF3F51BA10A}">
+      <p15:sldGuideLst xmlns:p15="http://schemas.microsoft.com/office/powerpoint/2012/main"/>
+    </p:ext>
+  </p:extLst>
 </p:presentation>
 </file>
 
@@ -275,7 +280,7 @@
           <a:p>
             <a:fld id="{51A6CD36-4D4B-46BD-9B67-2BAEF2766258}" type="datetimeFigureOut">
               <a:rPr lang="es-CO" smtClean="0"/>
-              <a:t>14/10/2024</a:t>
+              <a:t>16/10/2024</a:t>
             </a:fld>
             <a:endParaRPr lang="es-CO"/>
           </a:p>
@@ -345,6 +350,14 @@
   <p:clrMapOvr>
     <a:masterClrMapping/>
   </p:clrMapOvr>
+  <mc:AlternateContent xmlns:mc="http://schemas.openxmlformats.org/markup-compatibility/2006" xmlns:p14="http://schemas.microsoft.com/office/powerpoint/2010/main">
+    <mc:Choice Requires="p14">
+      <p:transition p14:dur="10" advTm="0"/>
+    </mc:Choice>
+    <mc:Fallback xmlns="">
+      <p:transition advTm="0"/>
+    </mc:Fallback>
+  </mc:AlternateContent>
 </p:sldLayout>
 </file>
 
@@ -475,7 +488,7 @@
           <a:p>
             <a:fld id="{51A6CD36-4D4B-46BD-9B67-2BAEF2766258}" type="datetimeFigureOut">
               <a:rPr lang="es-CO" smtClean="0"/>
-              <a:t>14/10/2024</a:t>
+              <a:t>16/10/2024</a:t>
             </a:fld>
             <a:endParaRPr lang="es-CO"/>
           </a:p>
@@ -545,6 +558,14 @@
   <p:clrMapOvr>
     <a:masterClrMapping/>
   </p:clrMapOvr>
+  <mc:AlternateContent xmlns:mc="http://schemas.openxmlformats.org/markup-compatibility/2006" xmlns:p14="http://schemas.microsoft.com/office/powerpoint/2010/main">
+    <mc:Choice Requires="p14">
+      <p:transition p14:dur="10" advTm="0"/>
+    </mc:Choice>
+    <mc:Fallback xmlns="">
+      <p:transition advTm="0"/>
+    </mc:Fallback>
+  </mc:AlternateContent>
 </p:sldLayout>
 </file>
 
@@ -685,7 +706,7 @@
           <a:p>
             <a:fld id="{51A6CD36-4D4B-46BD-9B67-2BAEF2766258}" type="datetimeFigureOut">
               <a:rPr lang="es-CO" smtClean="0"/>
-              <a:t>14/10/2024</a:t>
+              <a:t>16/10/2024</a:t>
             </a:fld>
             <a:endParaRPr lang="es-CO"/>
           </a:p>
@@ -755,6 +776,14 @@
   <p:clrMapOvr>
     <a:masterClrMapping/>
   </p:clrMapOvr>
+  <mc:AlternateContent xmlns:mc="http://schemas.openxmlformats.org/markup-compatibility/2006" xmlns:p14="http://schemas.microsoft.com/office/powerpoint/2010/main">
+    <mc:Choice Requires="p14">
+      <p:transition p14:dur="10" advTm="0"/>
+    </mc:Choice>
+    <mc:Fallback xmlns="">
+      <p:transition advTm="0"/>
+    </mc:Fallback>
+  </mc:AlternateContent>
 </p:sldLayout>
 </file>
 
@@ -885,7 +914,7 @@
           <a:p>
             <a:fld id="{51A6CD36-4D4B-46BD-9B67-2BAEF2766258}" type="datetimeFigureOut">
               <a:rPr lang="es-CO" smtClean="0"/>
-              <a:t>14/10/2024</a:t>
+              <a:t>16/10/2024</a:t>
             </a:fld>
             <a:endParaRPr lang="es-CO"/>
           </a:p>
@@ -955,6 +984,14 @@
   <p:clrMapOvr>
     <a:masterClrMapping/>
   </p:clrMapOvr>
+  <mc:AlternateContent xmlns:mc="http://schemas.openxmlformats.org/markup-compatibility/2006" xmlns:p14="http://schemas.microsoft.com/office/powerpoint/2010/main">
+    <mc:Choice Requires="p14">
+      <p:transition p14:dur="10" advTm="0"/>
+    </mc:Choice>
+    <mc:Fallback xmlns="">
+      <p:transition advTm="0"/>
+    </mc:Fallback>
+  </mc:AlternateContent>
 </p:sldLayout>
 </file>
 
@@ -1161,7 +1198,7 @@
           <a:p>
             <a:fld id="{51A6CD36-4D4B-46BD-9B67-2BAEF2766258}" type="datetimeFigureOut">
               <a:rPr lang="es-CO" smtClean="0"/>
-              <a:t>14/10/2024</a:t>
+              <a:t>16/10/2024</a:t>
             </a:fld>
             <a:endParaRPr lang="es-CO"/>
           </a:p>
@@ -1231,6 +1268,14 @@
   <p:clrMapOvr>
     <a:masterClrMapping/>
   </p:clrMapOvr>
+  <mc:AlternateContent xmlns:mc="http://schemas.openxmlformats.org/markup-compatibility/2006" xmlns:p14="http://schemas.microsoft.com/office/powerpoint/2010/main">
+    <mc:Choice Requires="p14">
+      <p:transition p14:dur="10" advTm="0"/>
+    </mc:Choice>
+    <mc:Fallback xmlns="">
+      <p:transition advTm="0"/>
+    </mc:Fallback>
+  </mc:AlternateContent>
 </p:sldLayout>
 </file>
 
@@ -1429,7 +1474,7 @@
           <a:p>
             <a:fld id="{51A6CD36-4D4B-46BD-9B67-2BAEF2766258}" type="datetimeFigureOut">
               <a:rPr lang="es-CO" smtClean="0"/>
-              <a:t>14/10/2024</a:t>
+              <a:t>16/10/2024</a:t>
             </a:fld>
             <a:endParaRPr lang="es-CO"/>
           </a:p>
@@ -1499,6 +1544,14 @@
   <p:clrMapOvr>
     <a:masterClrMapping/>
   </p:clrMapOvr>
+  <mc:AlternateContent xmlns:mc="http://schemas.openxmlformats.org/markup-compatibility/2006" xmlns:p14="http://schemas.microsoft.com/office/powerpoint/2010/main">
+    <mc:Choice Requires="p14">
+      <p:transition p14:dur="10" advTm="0"/>
+    </mc:Choice>
+    <mc:Fallback xmlns="">
+      <p:transition advTm="0"/>
+    </mc:Fallback>
+  </mc:AlternateContent>
 </p:sldLayout>
 </file>
 
@@ -1844,7 +1897,7 @@
           <a:p>
             <a:fld id="{51A6CD36-4D4B-46BD-9B67-2BAEF2766258}" type="datetimeFigureOut">
               <a:rPr lang="es-CO" smtClean="0"/>
-              <a:t>14/10/2024</a:t>
+              <a:t>16/10/2024</a:t>
             </a:fld>
             <a:endParaRPr lang="es-CO"/>
           </a:p>
@@ -1914,6 +1967,14 @@
   <p:clrMapOvr>
     <a:masterClrMapping/>
   </p:clrMapOvr>
+  <mc:AlternateContent xmlns:mc="http://schemas.openxmlformats.org/markup-compatibility/2006" xmlns:p14="http://schemas.microsoft.com/office/powerpoint/2010/main">
+    <mc:Choice Requires="p14">
+      <p:transition p14:dur="10" advTm="0"/>
+    </mc:Choice>
+    <mc:Fallback xmlns="">
+      <p:transition advTm="0"/>
+    </mc:Fallback>
+  </mc:AlternateContent>
 </p:sldLayout>
 </file>
 
@@ -1986,7 +2047,7 @@
           <a:p>
             <a:fld id="{51A6CD36-4D4B-46BD-9B67-2BAEF2766258}" type="datetimeFigureOut">
               <a:rPr lang="es-CO" smtClean="0"/>
-              <a:t>14/10/2024</a:t>
+              <a:t>16/10/2024</a:t>
             </a:fld>
             <a:endParaRPr lang="es-CO"/>
           </a:p>
@@ -2056,6 +2117,14 @@
   <p:clrMapOvr>
     <a:masterClrMapping/>
   </p:clrMapOvr>
+  <mc:AlternateContent xmlns:mc="http://schemas.openxmlformats.org/markup-compatibility/2006" xmlns:p14="http://schemas.microsoft.com/office/powerpoint/2010/main">
+    <mc:Choice Requires="p14">
+      <p:transition p14:dur="10" advTm="0"/>
+    </mc:Choice>
+    <mc:Fallback xmlns="">
+      <p:transition advTm="0"/>
+    </mc:Fallback>
+  </mc:AlternateContent>
 </p:sldLayout>
 </file>
 
@@ -2099,7 +2168,7 @@
           <a:p>
             <a:fld id="{51A6CD36-4D4B-46BD-9B67-2BAEF2766258}" type="datetimeFigureOut">
               <a:rPr lang="es-CO" smtClean="0"/>
-              <a:t>14/10/2024</a:t>
+              <a:t>16/10/2024</a:t>
             </a:fld>
             <a:endParaRPr lang="es-CO"/>
           </a:p>
@@ -2169,6 +2238,14 @@
   <p:clrMapOvr>
     <a:masterClrMapping/>
   </p:clrMapOvr>
+  <mc:AlternateContent xmlns:mc="http://schemas.openxmlformats.org/markup-compatibility/2006" xmlns:p14="http://schemas.microsoft.com/office/powerpoint/2010/main">
+    <mc:Choice Requires="p14">
+      <p:transition p14:dur="10" advTm="0"/>
+    </mc:Choice>
+    <mc:Fallback xmlns="">
+      <p:transition advTm="0"/>
+    </mc:Fallback>
+  </mc:AlternateContent>
 </p:sldLayout>
 </file>
 
@@ -2412,7 +2489,7 @@
           <a:p>
             <a:fld id="{51A6CD36-4D4B-46BD-9B67-2BAEF2766258}" type="datetimeFigureOut">
               <a:rPr lang="es-CO" smtClean="0"/>
-              <a:t>14/10/2024</a:t>
+              <a:t>16/10/2024</a:t>
             </a:fld>
             <a:endParaRPr lang="es-CO"/>
           </a:p>
@@ -2482,6 +2559,14 @@
   <p:clrMapOvr>
     <a:masterClrMapping/>
   </p:clrMapOvr>
+  <mc:AlternateContent xmlns:mc="http://schemas.openxmlformats.org/markup-compatibility/2006" xmlns:p14="http://schemas.microsoft.com/office/powerpoint/2010/main">
+    <mc:Choice Requires="p14">
+      <p:transition p14:dur="10" advTm="0"/>
+    </mc:Choice>
+    <mc:Fallback xmlns="">
+      <p:transition advTm="0"/>
+    </mc:Fallback>
+  </mc:AlternateContent>
 </p:sldLayout>
 </file>
 
@@ -2701,7 +2786,7 @@
           <a:p>
             <a:fld id="{51A6CD36-4D4B-46BD-9B67-2BAEF2766258}" type="datetimeFigureOut">
               <a:rPr lang="es-CO" smtClean="0"/>
-              <a:t>14/10/2024</a:t>
+              <a:t>16/10/2024</a:t>
             </a:fld>
             <a:endParaRPr lang="es-CO"/>
           </a:p>
@@ -2771,6 +2856,14 @@
   <p:clrMapOvr>
     <a:masterClrMapping/>
   </p:clrMapOvr>
+  <mc:AlternateContent xmlns:mc="http://schemas.openxmlformats.org/markup-compatibility/2006" xmlns:p14="http://schemas.microsoft.com/office/powerpoint/2010/main">
+    <mc:Choice Requires="p14">
+      <p:transition p14:dur="10" advTm="0"/>
+    </mc:Choice>
+    <mc:Fallback xmlns="">
+      <p:transition advTm="0"/>
+    </mc:Fallback>
+  </mc:AlternateContent>
 </p:sldLayout>
 </file>
 
@@ -2944,7 +3037,7 @@
           <a:p>
             <a:fld id="{51A6CD36-4D4B-46BD-9B67-2BAEF2766258}" type="datetimeFigureOut">
               <a:rPr lang="es-CO" smtClean="0"/>
-              <a:t>14/10/2024</a:t>
+              <a:t>16/10/2024</a:t>
             </a:fld>
             <a:endParaRPr lang="es-CO"/>
           </a:p>
@@ -3061,6 +3154,14 @@
     <p:sldLayoutId id="2147483658" r:id="rId10"/>
     <p:sldLayoutId id="2147483659" r:id="rId11"/>
   </p:sldLayoutIdLst>
+  <mc:AlternateContent xmlns:mc="http://schemas.openxmlformats.org/markup-compatibility/2006" xmlns:p14="http://schemas.microsoft.com/office/powerpoint/2010/main">
+    <mc:Choice Requires="p14">
+      <p:transition p14:dur="10" advTm="0"/>
+    </mc:Choice>
+    <mc:Fallback xmlns="">
+      <p:transition advTm="0"/>
+    </mc:Fallback>
+  </mc:AlternateContent>
   <p:txStyles>
     <p:titleStyle>
       <a:lvl1pPr algn="l" defTabSz="914400" rtl="0" eaLnBrk="1" latinLnBrk="0" hangingPunct="1">
@@ -3366,15 +3467,15 @@
           <p:cNvPr id="2" name="Título 1">
             <a:extLst>
               <a:ext uri="{FF2B5EF4-FFF2-40B4-BE49-F238E27FC236}">
-                <a16:creationId xmlns:a16="http://schemas.microsoft.com/office/drawing/2014/main" id="{AC374E6B-9E5B-4001-875F-63578C431AC7}"/>
-              </a:ext>
-            </a:extLst>
-          </p:cNvPr>
-          <p:cNvSpPr>
-            <a:spLocks noGrp="1"/>
-          </p:cNvSpPr>
-          <p:nvPr>
-            <p:ph type="ctrTitle"/>
+                <a16:creationId xmlns:a16="http://schemas.microsoft.com/office/drawing/2014/main" id="{8A8CA72E-13F2-464E-A168-51157B5FC0D1}"/>
+              </a:ext>
+            </a:extLst>
+          </p:cNvPr>
+          <p:cNvSpPr>
+            <a:spLocks noGrp="1"/>
+          </p:cNvSpPr>
+          <p:nvPr>
+            <p:ph type="title"/>
           </p:nvPr>
         </p:nvSpPr>
         <p:spPr/>
@@ -3382,24 +3483,28 @@
           <a:bodyPr/>
           <a:lstStyle/>
           <a:p>
-            <a:endParaRPr lang="es-CO"/>
-          </a:p>
-        </p:txBody>
-      </p:sp>
-      <p:sp>
-        <p:nvSpPr>
-          <p:cNvPr id="3" name="Subtítulo 2">
-            <a:extLst>
-              <a:ext uri="{FF2B5EF4-FFF2-40B4-BE49-F238E27FC236}">
-                <a16:creationId xmlns:a16="http://schemas.microsoft.com/office/drawing/2014/main" id="{011DA0AB-AD76-4F94-AAA6-82C7D77F1508}"/>
-              </a:ext>
-            </a:extLst>
-          </p:cNvPr>
-          <p:cNvSpPr>
-            <a:spLocks noGrp="1"/>
-          </p:cNvSpPr>
-          <p:nvPr>
-            <p:ph type="subTitle" idx="1"/>
+            <a:r>
+              <a:rPr lang="es-MX" dirty="0"/>
+              <a:t>TITULO</a:t>
+            </a:r>
+            <a:endParaRPr lang="es-CO" dirty="0"/>
+          </a:p>
+        </p:txBody>
+      </p:sp>
+      <p:sp>
+        <p:nvSpPr>
+          <p:cNvPr id="3" name="Marcador de contenido 2">
+            <a:extLst>
+              <a:ext uri="{FF2B5EF4-FFF2-40B4-BE49-F238E27FC236}">
+                <a16:creationId xmlns:a16="http://schemas.microsoft.com/office/drawing/2014/main" id="{A7DD5374-B9C1-4D75-ACB3-0CC597CC5622}"/>
+              </a:ext>
+            </a:extLst>
+          </p:cNvPr>
+          <p:cNvSpPr>
+            <a:spLocks noGrp="1"/>
+          </p:cNvSpPr>
+          <p:nvPr>
+            <p:ph idx="1"/>
           </p:nvPr>
         </p:nvSpPr>
         <p:spPr/>
@@ -3414,13 +3519,21 @@
     </p:spTree>
     <p:extLst>
       <p:ext uri="{BB962C8B-B14F-4D97-AF65-F5344CB8AC3E}">
-        <p14:creationId xmlns:p14="http://schemas.microsoft.com/office/powerpoint/2010/main" val="945219257"/>
+        <p14:creationId xmlns:p14="http://schemas.microsoft.com/office/powerpoint/2010/main" val="3606563548"/>
       </p:ext>
     </p:extLst>
   </p:cSld>
   <p:clrMapOvr>
     <a:masterClrMapping/>
   </p:clrMapOvr>
+  <mc:AlternateContent xmlns:mc="http://schemas.openxmlformats.org/markup-compatibility/2006" xmlns:p14="http://schemas.microsoft.com/office/powerpoint/2010/main">
+    <mc:Choice Requires="p14">
+      <p:transition p14:dur="10" advClick="0" advTm="5400000"/>
+    </mc:Choice>
+    <mc:Fallback xmlns="">
+      <p:transition advClick="0" advTm="5400000"/>
+    </mc:Fallback>
+  </mc:AlternateContent>
 </p:sld>
 </file>
 
@@ -3446,7 +3559,7 @@
           <p:cNvPr id="2" name="Título 1">
             <a:extLst>
               <a:ext uri="{FF2B5EF4-FFF2-40B4-BE49-F238E27FC236}">
-                <a16:creationId xmlns:a16="http://schemas.microsoft.com/office/drawing/2014/main" id="{3F361DB4-A6EB-4F05-AB49-4E4B16CCFD4E}"/>
+                <a16:creationId xmlns:a16="http://schemas.microsoft.com/office/drawing/2014/main" id="{55E123AC-0D93-45D3-92F4-7F96A7BE8A99}"/>
               </a:ext>
             </a:extLst>
           </p:cNvPr>
@@ -3462,7 +3575,11 @@
           <a:bodyPr/>
           <a:lstStyle/>
           <a:p>
-            <a:endParaRPr lang="es-CO"/>
+            <a:r>
+              <a:rPr lang="es-MX" dirty="0"/>
+              <a:t>6.	Gobernanza de datos y regulación</a:t>
+            </a:r>
+            <a:endParaRPr lang="es-CO" dirty="0"/>
           </a:p>
         </p:txBody>
       </p:sp>
@@ -3471,7 +3588,7 @@
           <p:cNvPr id="3" name="Marcador de contenido 2">
             <a:extLst>
               <a:ext uri="{FF2B5EF4-FFF2-40B4-BE49-F238E27FC236}">
-                <a16:creationId xmlns:a16="http://schemas.microsoft.com/office/drawing/2014/main" id="{668AE8F9-B399-4572-8A5B-9123D989DB70}"/>
+                <a16:creationId xmlns:a16="http://schemas.microsoft.com/office/drawing/2014/main" id="{4AB839DF-87B6-4A27-B203-B32B4CEA8E44}"/>
               </a:ext>
             </a:extLst>
           </p:cNvPr>
@@ -3494,13 +3611,21 @@
     </p:spTree>
     <p:extLst>
       <p:ext uri="{BB962C8B-B14F-4D97-AF65-F5344CB8AC3E}">
-        <p14:creationId xmlns:p14="http://schemas.microsoft.com/office/powerpoint/2010/main" val="3542240161"/>
+        <p14:creationId xmlns:p14="http://schemas.microsoft.com/office/powerpoint/2010/main" val="2504175435"/>
       </p:ext>
     </p:extLst>
   </p:cSld>
   <p:clrMapOvr>
     <a:masterClrMapping/>
   </p:clrMapOvr>
+  <mc:AlternateContent xmlns:mc="http://schemas.openxmlformats.org/markup-compatibility/2006" xmlns:p14="http://schemas.microsoft.com/office/powerpoint/2010/main">
+    <mc:Choice Requires="p14">
+      <p:transition p14:dur="10" advClick="0" advTm="5400000"/>
+    </mc:Choice>
+    <mc:Fallback xmlns="">
+      <p:transition advClick="0" advTm="5400000"/>
+    </mc:Fallback>
+  </mc:AlternateContent>
 </p:sld>
 </file>
 
@@ -3526,7 +3651,7 @@
           <p:cNvPr id="2" name="Título 1">
             <a:extLst>
               <a:ext uri="{FF2B5EF4-FFF2-40B4-BE49-F238E27FC236}">
-                <a16:creationId xmlns:a16="http://schemas.microsoft.com/office/drawing/2014/main" id="{89297980-9926-4BC2-A8D7-07E223093F88}"/>
+                <a16:creationId xmlns:a16="http://schemas.microsoft.com/office/drawing/2014/main" id="{3F361DB4-A6EB-4F05-AB49-4E4B16CCFD4E}"/>
               </a:ext>
             </a:extLst>
           </p:cNvPr>
@@ -3542,7 +3667,19 @@
           <a:bodyPr/>
           <a:lstStyle/>
           <a:p>
-            <a:endParaRPr lang="es-CO"/>
+            <a:r>
+              <a:rPr lang="es-MX" dirty="0"/>
+              <a:t>Pedro </a:t>
+            </a:r>
+            <a:r>
+              <a:rPr lang="es-MX" dirty="0" err="1"/>
+              <a:t>TellezTendencias</a:t>
+            </a:r>
+            <a:r>
+              <a:rPr lang="es-MX" dirty="0"/>
+              <a:t> emergentes en la identidad digital</a:t>
+            </a:r>
+            <a:endParaRPr lang="es-CO" dirty="0"/>
           </a:p>
         </p:txBody>
       </p:sp>
@@ -3551,7 +3688,7 @@
           <p:cNvPr id="3" name="Marcador de contenido 2">
             <a:extLst>
               <a:ext uri="{FF2B5EF4-FFF2-40B4-BE49-F238E27FC236}">
-                <a16:creationId xmlns:a16="http://schemas.microsoft.com/office/drawing/2014/main" id="{185897CF-C3D0-40E2-834E-A874EC2D4EE6}"/>
+                <a16:creationId xmlns:a16="http://schemas.microsoft.com/office/drawing/2014/main" id="{668AE8F9-B399-4572-8A5B-9123D989DB70}"/>
               </a:ext>
             </a:extLst>
           </p:cNvPr>
@@ -3567,20 +3704,28 @@
           <a:bodyPr/>
           <a:lstStyle/>
           <a:p>
-            <a:endParaRPr lang="es-CO"/>
+            <a:endParaRPr lang="es-CO" dirty="0"/>
           </a:p>
         </p:txBody>
       </p:sp>
     </p:spTree>
     <p:extLst>
       <p:ext uri="{BB962C8B-B14F-4D97-AF65-F5344CB8AC3E}">
-        <p14:creationId xmlns:p14="http://schemas.microsoft.com/office/powerpoint/2010/main" val="3717883405"/>
+        <p14:creationId xmlns:p14="http://schemas.microsoft.com/office/powerpoint/2010/main" val="3542240161"/>
       </p:ext>
     </p:extLst>
   </p:cSld>
   <p:clrMapOvr>
     <a:masterClrMapping/>
   </p:clrMapOvr>
+  <mc:AlternateContent xmlns:mc="http://schemas.openxmlformats.org/markup-compatibility/2006" xmlns:p14="http://schemas.microsoft.com/office/powerpoint/2010/main">
+    <mc:Choice Requires="p14">
+      <p:transition p14:dur="10" advClick="0" advTm="5400000"/>
+    </mc:Choice>
+    <mc:Fallback xmlns="">
+      <p:transition advClick="0" advTm="5400000"/>
+    </mc:Fallback>
+  </mc:AlternateContent>
 </p:sld>
 </file>
 
@@ -3606,7 +3751,7 @@
           <p:cNvPr id="2" name="Título 1">
             <a:extLst>
               <a:ext uri="{FF2B5EF4-FFF2-40B4-BE49-F238E27FC236}">
-                <a16:creationId xmlns:a16="http://schemas.microsoft.com/office/drawing/2014/main" id="{71DACC77-52D2-493C-AB4D-0FD945B4619A}"/>
+                <a16:creationId xmlns:a16="http://schemas.microsoft.com/office/drawing/2014/main" id="{89297980-9926-4BC2-A8D7-07E223093F88}"/>
               </a:ext>
             </a:extLst>
           </p:cNvPr>
@@ -3619,10 +3764,43 @@
         </p:nvSpPr>
         <p:spPr/>
         <p:txBody>
-          <a:bodyPr/>
-          <a:lstStyle/>
-          <a:p>
-            <a:endParaRPr lang="es-CO"/>
+          <a:bodyPr>
+            <a:normAutofit fontScale="90000"/>
+          </a:bodyPr>
+          <a:lstStyle/>
+          <a:p>
+            <a:r>
+              <a:rPr lang="es-MX" dirty="0"/>
+              <a:t>1.	Identidad </a:t>
+            </a:r>
+            <a:r>
+              <a:rPr lang="es-MX" dirty="0" err="1"/>
+              <a:t>Auto-soberana</a:t>
+            </a:r>
+            <a:r>
+              <a:rPr lang="es-MX" dirty="0"/>
+              <a:t> (</a:t>
+            </a:r>
+            <a:r>
+              <a:rPr lang="es-MX" dirty="0" err="1"/>
+              <a:t>Self-Sovereign</a:t>
+            </a:r>
+            <a:r>
+              <a:rPr lang="es-MX" dirty="0"/>
+              <a:t> </a:t>
+            </a:r>
+            <a:r>
+              <a:rPr lang="es-MX" dirty="0" err="1"/>
+              <a:t>Identity</a:t>
+            </a:r>
+            <a:r>
+              <a:rPr lang="es-MX" dirty="0"/>
+              <a:t> - SSI)</a:t>
+            </a:r>
+            <a:br>
+              <a:rPr lang="es-CO" dirty="0"/>
+            </a:br>
+            <a:endParaRPr lang="es-CO" dirty="0"/>
           </a:p>
         </p:txBody>
       </p:sp>
@@ -3631,7 +3809,7 @@
           <p:cNvPr id="3" name="Marcador de contenido 2">
             <a:extLst>
               <a:ext uri="{FF2B5EF4-FFF2-40B4-BE49-F238E27FC236}">
-                <a16:creationId xmlns:a16="http://schemas.microsoft.com/office/drawing/2014/main" id="{7F0859F7-7836-456D-93DF-8C0DA39B5E52}"/>
+                <a16:creationId xmlns:a16="http://schemas.microsoft.com/office/drawing/2014/main" id="{185897CF-C3D0-40E2-834E-A874EC2D4EE6}"/>
               </a:ext>
             </a:extLst>
           </p:cNvPr>
@@ -3654,13 +3832,21 @@
     </p:spTree>
     <p:extLst>
       <p:ext uri="{BB962C8B-B14F-4D97-AF65-F5344CB8AC3E}">
-        <p14:creationId xmlns:p14="http://schemas.microsoft.com/office/powerpoint/2010/main" val="3417628777"/>
+        <p14:creationId xmlns:p14="http://schemas.microsoft.com/office/powerpoint/2010/main" val="3717883405"/>
       </p:ext>
     </p:extLst>
   </p:cSld>
   <p:clrMapOvr>
     <a:masterClrMapping/>
   </p:clrMapOvr>
+  <mc:AlternateContent xmlns:mc="http://schemas.openxmlformats.org/markup-compatibility/2006" xmlns:p14="http://schemas.microsoft.com/office/powerpoint/2010/main">
+    <mc:Choice Requires="p14">
+      <p:transition p14:dur="10" advClick="0" advTm="5400000"/>
+    </mc:Choice>
+    <mc:Fallback xmlns="">
+      <p:transition advClick="0" advTm="5400000"/>
+    </mc:Fallback>
+  </mc:AlternateContent>
 </p:sld>
 </file>
 
@@ -3686,7 +3872,7 @@
           <p:cNvPr id="2" name="Título 1">
             <a:extLst>
               <a:ext uri="{FF2B5EF4-FFF2-40B4-BE49-F238E27FC236}">
-                <a16:creationId xmlns:a16="http://schemas.microsoft.com/office/drawing/2014/main" id="{EDC3F24B-364C-4C44-82C5-2C13CE3059A0}"/>
+                <a16:creationId xmlns:a16="http://schemas.microsoft.com/office/drawing/2014/main" id="{71DACC77-52D2-493C-AB4D-0FD945B4619A}"/>
               </a:ext>
             </a:extLst>
           </p:cNvPr>
@@ -3702,7 +3888,19 @@
           <a:bodyPr/>
           <a:lstStyle/>
           <a:p>
-            <a:endParaRPr lang="es-CO"/>
+            <a:r>
+              <a:rPr lang="es-MX" dirty="0"/>
+              <a:t>2.  </a:t>
+            </a:r>
+            <a:r>
+              <a:rPr lang="es-MX" dirty="0" err="1"/>
+              <a:t>Blockchain</a:t>
+            </a:r>
+            <a:r>
+              <a:rPr lang="es-MX" dirty="0"/>
+              <a:t> y tecnologías descentralizadas</a:t>
+            </a:r>
+            <a:endParaRPr lang="es-CO" dirty="0"/>
           </a:p>
         </p:txBody>
       </p:sp>
@@ -3711,7 +3909,7 @@
           <p:cNvPr id="3" name="Marcador de contenido 2">
             <a:extLst>
               <a:ext uri="{FF2B5EF4-FFF2-40B4-BE49-F238E27FC236}">
-                <a16:creationId xmlns:a16="http://schemas.microsoft.com/office/drawing/2014/main" id="{094386A6-2D45-4B42-84C8-836F9BBDA414}"/>
+                <a16:creationId xmlns:a16="http://schemas.microsoft.com/office/drawing/2014/main" id="{7F0859F7-7836-456D-93DF-8C0DA39B5E52}"/>
               </a:ext>
             </a:extLst>
           </p:cNvPr>
@@ -3734,13 +3932,21 @@
     </p:spTree>
     <p:extLst>
       <p:ext uri="{BB962C8B-B14F-4D97-AF65-F5344CB8AC3E}">
-        <p14:creationId xmlns:p14="http://schemas.microsoft.com/office/powerpoint/2010/main" val="910729627"/>
+        <p14:creationId xmlns:p14="http://schemas.microsoft.com/office/powerpoint/2010/main" val="3417628777"/>
       </p:ext>
     </p:extLst>
   </p:cSld>
   <p:clrMapOvr>
     <a:masterClrMapping/>
   </p:clrMapOvr>
+  <mc:AlternateContent xmlns:mc="http://schemas.openxmlformats.org/markup-compatibility/2006" xmlns:p14="http://schemas.microsoft.com/office/powerpoint/2010/main">
+    <mc:Choice Requires="p14">
+      <p:transition p14:dur="10" advClick="0" advTm="5400000"/>
+    </mc:Choice>
+    <mc:Fallback xmlns="">
+      <p:transition advClick="0" advTm="5400000"/>
+    </mc:Fallback>
+  </mc:AlternateContent>
 </p:sld>
 </file>
 
@@ -3766,7 +3972,7 @@
           <p:cNvPr id="2" name="Título 1">
             <a:extLst>
               <a:ext uri="{FF2B5EF4-FFF2-40B4-BE49-F238E27FC236}">
-                <a16:creationId xmlns:a16="http://schemas.microsoft.com/office/drawing/2014/main" id="{3F6C0E19-FE85-47E3-A4F3-57D359B6DACC}"/>
+                <a16:creationId xmlns:a16="http://schemas.microsoft.com/office/drawing/2014/main" id="{EDC3F24B-364C-4C44-82C5-2C13CE3059A0}"/>
               </a:ext>
             </a:extLst>
           </p:cNvPr>
@@ -3782,7 +3988,11 @@
           <a:bodyPr/>
           <a:lstStyle/>
           <a:p>
-            <a:endParaRPr lang="es-CO"/>
+            <a:r>
+              <a:rPr lang="es-MX" dirty="0"/>
+              <a:t>Oscar</a:t>
+            </a:r>
+            <a:endParaRPr lang="es-CO" dirty="0"/>
           </a:p>
         </p:txBody>
       </p:sp>
@@ -3791,7 +4001,7 @@
           <p:cNvPr id="3" name="Marcador de contenido 2">
             <a:extLst>
               <a:ext uri="{FF2B5EF4-FFF2-40B4-BE49-F238E27FC236}">
-                <a16:creationId xmlns:a16="http://schemas.microsoft.com/office/drawing/2014/main" id="{9B737E46-58B6-4F22-A80A-71241E96733A}"/>
+                <a16:creationId xmlns:a16="http://schemas.microsoft.com/office/drawing/2014/main" id="{094386A6-2D45-4B42-84C8-836F9BBDA414}"/>
               </a:ext>
             </a:extLst>
           </p:cNvPr>
@@ -3814,13 +4024,21 @@
     </p:spTree>
     <p:extLst>
       <p:ext uri="{BB962C8B-B14F-4D97-AF65-F5344CB8AC3E}">
-        <p14:creationId xmlns:p14="http://schemas.microsoft.com/office/powerpoint/2010/main" val="2787419759"/>
+        <p14:creationId xmlns:p14="http://schemas.microsoft.com/office/powerpoint/2010/main" val="910729627"/>
       </p:ext>
     </p:extLst>
   </p:cSld>
   <p:clrMapOvr>
     <a:masterClrMapping/>
   </p:clrMapOvr>
+  <mc:AlternateContent xmlns:mc="http://schemas.openxmlformats.org/markup-compatibility/2006" xmlns:p14="http://schemas.microsoft.com/office/powerpoint/2010/main">
+    <mc:Choice Requires="p14">
+      <p:transition p14:dur="10" advClick="0" advTm="5400000"/>
+    </mc:Choice>
+    <mc:Fallback xmlns="">
+      <p:transition advClick="0" advTm="5400000"/>
+    </mc:Fallback>
+  </mc:AlternateContent>
 </p:sld>
 </file>
 
@@ -3846,7 +4064,7 @@
           <p:cNvPr id="2" name="Título 1">
             <a:extLst>
               <a:ext uri="{FF2B5EF4-FFF2-40B4-BE49-F238E27FC236}">
-                <a16:creationId xmlns:a16="http://schemas.microsoft.com/office/drawing/2014/main" id="{76D5CDF9-F150-44D5-AB46-78F0F5C348AC}"/>
+                <a16:creationId xmlns:a16="http://schemas.microsoft.com/office/drawing/2014/main" id="{3F6C0E19-FE85-47E3-A4F3-57D359B6DACC}"/>
               </a:ext>
             </a:extLst>
           </p:cNvPr>
@@ -3862,7 +4080,27 @@
           <a:bodyPr/>
           <a:lstStyle/>
           <a:p>
-            <a:endParaRPr lang="es-CO"/>
+            <a:r>
+              <a:rPr lang="es-MX" dirty="0"/>
+              <a:t>3. Autenticación sin contraseña (</a:t>
+            </a:r>
+            <a:r>
+              <a:rPr lang="es-MX" dirty="0" err="1"/>
+              <a:t>Passwordless</a:t>
+            </a:r>
+            <a:r>
+              <a:rPr lang="es-MX" dirty="0"/>
+              <a:t> </a:t>
+            </a:r>
+            <a:r>
+              <a:rPr lang="es-MX" dirty="0" err="1"/>
+              <a:t>Authentication</a:t>
+            </a:r>
+            <a:r>
+              <a:rPr lang="es-MX" dirty="0"/>
+              <a:t>)</a:t>
+            </a:r>
+            <a:endParaRPr lang="es-CO" dirty="0"/>
           </a:p>
         </p:txBody>
       </p:sp>
@@ -3871,7 +4109,7 @@
           <p:cNvPr id="3" name="Marcador de contenido 2">
             <a:extLst>
               <a:ext uri="{FF2B5EF4-FFF2-40B4-BE49-F238E27FC236}">
-                <a16:creationId xmlns:a16="http://schemas.microsoft.com/office/drawing/2014/main" id="{BCFA120E-5CBF-4B20-B891-69A81CC2061C}"/>
+                <a16:creationId xmlns:a16="http://schemas.microsoft.com/office/drawing/2014/main" id="{9B737E46-58B6-4F22-A80A-71241E96733A}"/>
               </a:ext>
             </a:extLst>
           </p:cNvPr>
@@ -3894,13 +4132,21 @@
     </p:spTree>
     <p:extLst>
       <p:ext uri="{BB962C8B-B14F-4D97-AF65-F5344CB8AC3E}">
-        <p14:creationId xmlns:p14="http://schemas.microsoft.com/office/powerpoint/2010/main" val="1631633433"/>
+        <p14:creationId xmlns:p14="http://schemas.microsoft.com/office/powerpoint/2010/main" val="2787419759"/>
       </p:ext>
     </p:extLst>
   </p:cSld>
   <p:clrMapOvr>
     <a:masterClrMapping/>
   </p:clrMapOvr>
+  <mc:AlternateContent xmlns:mc="http://schemas.openxmlformats.org/markup-compatibility/2006" xmlns:p14="http://schemas.microsoft.com/office/powerpoint/2010/main">
+    <mc:Choice Requires="p14">
+      <p:transition p14:dur="10" advClick="0" advTm="5400000"/>
+    </mc:Choice>
+    <mc:Fallback xmlns="">
+      <p:transition advClick="0" advTm="5400000"/>
+    </mc:Fallback>
+  </mc:AlternateContent>
 </p:sld>
 </file>
 
@@ -3926,7 +4172,7 @@
           <p:cNvPr id="2" name="Título 1">
             <a:extLst>
               <a:ext uri="{FF2B5EF4-FFF2-40B4-BE49-F238E27FC236}">
-                <a16:creationId xmlns:a16="http://schemas.microsoft.com/office/drawing/2014/main" id="{99E569F5-7491-44A0-AE96-19B11C7CECAA}"/>
+                <a16:creationId xmlns:a16="http://schemas.microsoft.com/office/drawing/2014/main" id="{76D5CDF9-F150-44D5-AB46-78F0F5C348AC}"/>
               </a:ext>
             </a:extLst>
           </p:cNvPr>
@@ -3942,7 +4188,19 @@
           <a:bodyPr/>
           <a:lstStyle/>
           <a:p>
-            <a:endParaRPr lang="es-CO"/>
+            <a:r>
+              <a:rPr lang="es-MX" dirty="0"/>
+              <a:t>4. Autenticación </a:t>
+            </a:r>
+            <a:r>
+              <a:rPr lang="es-MX" dirty="0" err="1"/>
+              <a:t>multifactor</a:t>
+            </a:r>
+            <a:r>
+              <a:rPr lang="es-MX" dirty="0"/>
+              <a:t> (MFA) mejorada con IA</a:t>
+            </a:r>
+            <a:endParaRPr lang="es-CO" dirty="0"/>
           </a:p>
         </p:txBody>
       </p:sp>
@@ -3951,7 +4209,7 @@
           <p:cNvPr id="3" name="Marcador de contenido 2">
             <a:extLst>
               <a:ext uri="{FF2B5EF4-FFF2-40B4-BE49-F238E27FC236}">
-                <a16:creationId xmlns:a16="http://schemas.microsoft.com/office/drawing/2014/main" id="{42582AD2-309F-409B-BFA0-A6BBABF3F1FD}"/>
+                <a16:creationId xmlns:a16="http://schemas.microsoft.com/office/drawing/2014/main" id="{BCFA120E-5CBF-4B20-B891-69A81CC2061C}"/>
               </a:ext>
             </a:extLst>
           </p:cNvPr>
@@ -3974,13 +4232,21 @@
     </p:spTree>
     <p:extLst>
       <p:ext uri="{BB962C8B-B14F-4D97-AF65-F5344CB8AC3E}">
-        <p14:creationId xmlns:p14="http://schemas.microsoft.com/office/powerpoint/2010/main" val="1053201561"/>
+        <p14:creationId xmlns:p14="http://schemas.microsoft.com/office/powerpoint/2010/main" val="1631633433"/>
       </p:ext>
     </p:extLst>
   </p:cSld>
   <p:clrMapOvr>
     <a:masterClrMapping/>
   </p:clrMapOvr>
+  <mc:AlternateContent xmlns:mc="http://schemas.openxmlformats.org/markup-compatibility/2006" xmlns:p14="http://schemas.microsoft.com/office/powerpoint/2010/main">
+    <mc:Choice Requires="p14">
+      <p:transition p14:dur="10" advClick="0" advTm="5400000"/>
+    </mc:Choice>
+    <mc:Fallback xmlns="">
+      <p:transition advClick="0" advTm="5400000"/>
+    </mc:Fallback>
+  </mc:AlternateContent>
 </p:sld>
 </file>
 
@@ -4006,7 +4272,7 @@
           <p:cNvPr id="2" name="Título 1">
             <a:extLst>
               <a:ext uri="{FF2B5EF4-FFF2-40B4-BE49-F238E27FC236}">
-                <a16:creationId xmlns:a16="http://schemas.microsoft.com/office/drawing/2014/main" id="{D18B5F6A-F3C0-4585-BB00-74D7826DA468}"/>
+                <a16:creationId xmlns:a16="http://schemas.microsoft.com/office/drawing/2014/main" id="{99E569F5-7491-44A0-AE96-19B11C7CECAA}"/>
               </a:ext>
             </a:extLst>
           </p:cNvPr>
@@ -4022,7 +4288,15 @@
           <a:bodyPr/>
           <a:lstStyle/>
           <a:p>
-            <a:endParaRPr lang="es-CO"/>
+            <a:r>
+              <a:rPr lang="es-CO" dirty="0"/>
+              <a:t>Andrés </a:t>
+            </a:r>
+            <a:r>
+              <a:rPr lang="es-CO" dirty="0" err="1"/>
+              <a:t>Berdugo</a:t>
+            </a:r>
+            <a:endParaRPr lang="es-CO" dirty="0"/>
           </a:p>
         </p:txBody>
       </p:sp>
@@ -4031,7 +4305,7 @@
           <p:cNvPr id="3" name="Marcador de contenido 2">
             <a:extLst>
               <a:ext uri="{FF2B5EF4-FFF2-40B4-BE49-F238E27FC236}">
-                <a16:creationId xmlns:a16="http://schemas.microsoft.com/office/drawing/2014/main" id="{70B49BBE-0DFB-4914-A250-5D7564E2EBE0}"/>
+                <a16:creationId xmlns:a16="http://schemas.microsoft.com/office/drawing/2014/main" id="{42582AD2-309F-409B-BFA0-A6BBABF3F1FD}"/>
               </a:ext>
             </a:extLst>
           </p:cNvPr>
@@ -4054,13 +4328,21 @@
     </p:spTree>
     <p:extLst>
       <p:ext uri="{BB962C8B-B14F-4D97-AF65-F5344CB8AC3E}">
-        <p14:creationId xmlns:p14="http://schemas.microsoft.com/office/powerpoint/2010/main" val="2636334350"/>
+        <p14:creationId xmlns:p14="http://schemas.microsoft.com/office/powerpoint/2010/main" val="1053201561"/>
       </p:ext>
     </p:extLst>
   </p:cSld>
   <p:clrMapOvr>
     <a:masterClrMapping/>
   </p:clrMapOvr>
+  <mc:AlternateContent xmlns:mc="http://schemas.openxmlformats.org/markup-compatibility/2006" xmlns:p14="http://schemas.microsoft.com/office/powerpoint/2010/main">
+    <mc:Choice Requires="p14">
+      <p:transition p14:dur="10" advClick="0" advTm="5400000"/>
+    </mc:Choice>
+    <mc:Fallback xmlns="">
+      <p:transition advClick="0" advTm="5400000"/>
+    </mc:Fallback>
+  </mc:AlternateContent>
 </p:sld>
 </file>
 
@@ -4086,7 +4368,7 @@
           <p:cNvPr id="2" name="Título 1">
             <a:extLst>
               <a:ext uri="{FF2B5EF4-FFF2-40B4-BE49-F238E27FC236}">
-                <a16:creationId xmlns:a16="http://schemas.microsoft.com/office/drawing/2014/main" id="{D3F22A96-46D9-4EB8-88F3-7E4ED79F3A34}"/>
+                <a16:creationId xmlns:a16="http://schemas.microsoft.com/office/drawing/2014/main" id="{D18B5F6A-F3C0-4585-BB00-74D7826DA468}"/>
               </a:ext>
             </a:extLst>
           </p:cNvPr>
@@ -4099,10 +4381,16 @@
         </p:nvSpPr>
         <p:spPr/>
         <p:txBody>
-          <a:bodyPr/>
-          <a:lstStyle/>
-          <a:p>
-            <a:endParaRPr lang="es-CO"/>
+          <a:bodyPr>
+            <a:normAutofit/>
+          </a:bodyPr>
+          <a:lstStyle/>
+          <a:p>
+            <a:r>
+              <a:rPr lang="es-MX" dirty="0"/>
+              <a:t>5.	Identidad Digital Federada</a:t>
+            </a:r>
+            <a:endParaRPr lang="es-CO" dirty="0"/>
           </a:p>
         </p:txBody>
       </p:sp>
@@ -4111,7 +4399,7 @@
           <p:cNvPr id="3" name="Marcador de contenido 2">
             <a:extLst>
               <a:ext uri="{FF2B5EF4-FFF2-40B4-BE49-F238E27FC236}">
-                <a16:creationId xmlns:a16="http://schemas.microsoft.com/office/drawing/2014/main" id="{6D54B4EB-7A49-43F4-B865-65E058C81D6C}"/>
+                <a16:creationId xmlns:a16="http://schemas.microsoft.com/office/drawing/2014/main" id="{70B49BBE-0DFB-4914-A250-5D7564E2EBE0}"/>
               </a:ext>
             </a:extLst>
           </p:cNvPr>
@@ -4134,13 +4422,21 @@
     </p:spTree>
     <p:extLst>
       <p:ext uri="{BB962C8B-B14F-4D97-AF65-F5344CB8AC3E}">
-        <p14:creationId xmlns:p14="http://schemas.microsoft.com/office/powerpoint/2010/main" val="1835682298"/>
+        <p14:creationId xmlns:p14="http://schemas.microsoft.com/office/powerpoint/2010/main" val="2636334350"/>
       </p:ext>
     </p:extLst>
   </p:cSld>
   <p:clrMapOvr>
     <a:masterClrMapping/>
   </p:clrMapOvr>
+  <mc:AlternateContent xmlns:mc="http://schemas.openxmlformats.org/markup-compatibility/2006" xmlns:p14="http://schemas.microsoft.com/office/powerpoint/2010/main">
+    <mc:Choice Requires="p14">
+      <p:transition p14:dur="10" advClick="0" advTm="5400000"/>
+    </mc:Choice>
+    <mc:Fallback xmlns="">
+      <p:transition advClick="0" advTm="5400000"/>
+    </mc:Fallback>
+  </mc:AlternateContent>
 </p:sld>
 </file>
 
@@ -4166,7 +4462,7 @@
           <p:cNvPr id="2" name="Título 1">
             <a:extLst>
               <a:ext uri="{FF2B5EF4-FFF2-40B4-BE49-F238E27FC236}">
-                <a16:creationId xmlns:a16="http://schemas.microsoft.com/office/drawing/2014/main" id="{8A8CA72E-13F2-464E-A168-51157B5FC0D1}"/>
+                <a16:creationId xmlns:a16="http://schemas.microsoft.com/office/drawing/2014/main" id="{D3F22A96-46D9-4EB8-88F3-7E4ED79F3A34}"/>
               </a:ext>
             </a:extLst>
           </p:cNvPr>
@@ -4182,7 +4478,19 @@
           <a:bodyPr/>
           <a:lstStyle/>
           <a:p>
-            <a:endParaRPr lang="es-CO"/>
+            <a:r>
+              <a:rPr lang="es-MX" dirty="0"/>
+              <a:t>6.	Identidad Digital para el Internet de las Cosas (</a:t>
+            </a:r>
+            <a:r>
+              <a:rPr lang="es-MX" dirty="0" err="1"/>
+              <a:t>IoT</a:t>
+            </a:r>
+            <a:r>
+              <a:rPr lang="es-MX" dirty="0"/>
+              <a:t>)</a:t>
+            </a:r>
+            <a:endParaRPr lang="es-CO" dirty="0"/>
           </a:p>
         </p:txBody>
       </p:sp>
@@ -4191,7 +4499,7 @@
           <p:cNvPr id="3" name="Marcador de contenido 2">
             <a:extLst>
               <a:ext uri="{FF2B5EF4-FFF2-40B4-BE49-F238E27FC236}">
-                <a16:creationId xmlns:a16="http://schemas.microsoft.com/office/drawing/2014/main" id="{A7DD5374-B9C1-4D75-ACB3-0CC597CC5622}"/>
+                <a16:creationId xmlns:a16="http://schemas.microsoft.com/office/drawing/2014/main" id="{6D54B4EB-7A49-43F4-B865-65E058C81D6C}"/>
               </a:ext>
             </a:extLst>
           </p:cNvPr>
@@ -4214,13 +4522,21 @@
     </p:spTree>
     <p:extLst>
       <p:ext uri="{BB962C8B-B14F-4D97-AF65-F5344CB8AC3E}">
-        <p14:creationId xmlns:p14="http://schemas.microsoft.com/office/powerpoint/2010/main" val="3606563548"/>
+        <p14:creationId xmlns:p14="http://schemas.microsoft.com/office/powerpoint/2010/main" val="1835682298"/>
       </p:ext>
     </p:extLst>
   </p:cSld>
   <p:clrMapOvr>
     <a:masterClrMapping/>
   </p:clrMapOvr>
+  <mc:AlternateContent xmlns:mc="http://schemas.openxmlformats.org/markup-compatibility/2006" xmlns:p14="http://schemas.microsoft.com/office/powerpoint/2010/main">
+    <mc:Choice Requires="p14">
+      <p:transition p14:dur="10" advClick="0" advTm="5400000"/>
+    </mc:Choice>
+    <mc:Fallback xmlns="">
+      <p:transition advClick="0" advTm="5400000"/>
+    </mc:Fallback>
+  </mc:AlternateContent>
 </p:sld>
 </file>
 
@@ -4241,66 +4557,784 @@
           <a:chExt cx="0" cy="0"/>
         </a:xfrm>
       </p:grpSpPr>
-      <p:sp>
-        <p:nvSpPr>
-          <p:cNvPr id="2" name="Título 1">
-            <a:extLst>
-              <a:ext uri="{FF2B5EF4-FFF2-40B4-BE49-F238E27FC236}">
-                <a16:creationId xmlns:a16="http://schemas.microsoft.com/office/drawing/2014/main" id="{5B16F082-CFE2-41C8-98CA-8E6376D0D047}"/>
-              </a:ext>
-            </a:extLst>
-          </p:cNvPr>
-          <p:cNvSpPr>
-            <a:spLocks noGrp="1"/>
-          </p:cNvSpPr>
-          <p:nvPr>
-            <p:ph type="title"/>
-          </p:nvPr>
-        </p:nvSpPr>
-        <p:spPr/>
-        <p:txBody>
-          <a:bodyPr/>
-          <a:lstStyle/>
-          <a:p>
-            <a:endParaRPr lang="es-CO"/>
-          </a:p>
-        </p:txBody>
-      </p:sp>
-      <p:sp>
-        <p:nvSpPr>
-          <p:cNvPr id="3" name="Marcador de contenido 2">
-            <a:extLst>
-              <a:ext uri="{FF2B5EF4-FFF2-40B4-BE49-F238E27FC236}">
-                <a16:creationId xmlns:a16="http://schemas.microsoft.com/office/drawing/2014/main" id="{44712DC9-686C-444F-8CD8-ACDBDE10001D}"/>
-              </a:ext>
-            </a:extLst>
-          </p:cNvPr>
-          <p:cNvSpPr>
-            <a:spLocks noGrp="1"/>
-          </p:cNvSpPr>
-          <p:nvPr>
-            <p:ph idx="1"/>
-          </p:nvPr>
-        </p:nvSpPr>
-        <p:spPr/>
-        <p:txBody>
-          <a:bodyPr/>
-          <a:lstStyle/>
-          <a:p>
-            <a:endParaRPr lang="es-CO"/>
-          </a:p>
-        </p:txBody>
-      </p:sp>
+      <p:pic>
+        <p:nvPicPr>
+          <p:cNvPr id="1026" name="Picture 2" descr="La Identidad Digital Web3 en una Sociedad Descentralizada (SBTs) - Juan  Merodio">
+            <a:extLst>
+              <a:ext uri="{FF2B5EF4-FFF2-40B4-BE49-F238E27FC236}">
+                <a16:creationId xmlns:a16="http://schemas.microsoft.com/office/drawing/2014/main" id="{9F1140A1-9705-4605-A852-D4D2421C25A0}"/>
+              </a:ext>
+            </a:extLst>
+          </p:cNvPr>
+          <p:cNvPicPr>
+            <a:picLocks noChangeAspect="1" noChangeArrowheads="1"/>
+          </p:cNvPicPr>
+          <p:nvPr/>
+        </p:nvPicPr>
+        <p:blipFill>
+          <a:blip r:embed="rId2">
+            <a:extLst>
+              <a:ext uri="{28A0092B-C50C-407E-A947-70E740481C1C}">
+                <a14:useLocalDpi xmlns:a14="http://schemas.microsoft.com/office/drawing/2010/main" val="0"/>
+              </a:ext>
+            </a:extLst>
+          </a:blip>
+          <a:srcRect/>
+          <a:stretch>
+            <a:fillRect/>
+          </a:stretch>
+        </p:blipFill>
+        <p:spPr bwMode="auto">
+          <a:xfrm>
+            <a:off x="-914400" y="0"/>
+            <a:ext cx="13106400" cy="6858000"/>
+          </a:xfrm>
+          <a:prstGeom prst="rect">
+            <a:avLst/>
+          </a:prstGeom>
+          <a:noFill/>
+          <a:extLst>
+            <a:ext uri="{909E8E84-426E-40DD-AFC4-6F175D3DCCD1}">
+              <a14:hiddenFill xmlns:a14="http://schemas.microsoft.com/office/drawing/2010/main">
+                <a:solidFill>
+                  <a:srgbClr val="FFFFFF"/>
+                </a:solidFill>
+              </a14:hiddenFill>
+            </a:ext>
+          </a:extLst>
+        </p:spPr>
+      </p:pic>
+      <p:sp>
+        <p:nvSpPr>
+          <p:cNvPr id="6" name="CuadroTexto 5">
+            <a:extLst>
+              <a:ext uri="{FF2B5EF4-FFF2-40B4-BE49-F238E27FC236}">
+                <a16:creationId xmlns:a16="http://schemas.microsoft.com/office/drawing/2014/main" id="{8BE63573-B47C-4BFE-B2C3-BC8ACBE94EF3}"/>
+              </a:ext>
+            </a:extLst>
+          </p:cNvPr>
+          <p:cNvSpPr txBox="1"/>
+          <p:nvPr/>
+        </p:nvSpPr>
+        <p:spPr>
+          <a:xfrm>
+            <a:off x="8048625" y="228600"/>
+            <a:ext cx="3619500" cy="1107996"/>
+          </a:xfrm>
+          <a:prstGeom prst="rect">
+            <a:avLst/>
+          </a:prstGeom>
+          <a:noFill/>
+        </p:spPr>
+        <p:txBody>
+          <a:bodyPr wrap="square" rtlCol="0">
+            <a:spAutoFit/>
+          </a:bodyPr>
+          <a:lstStyle/>
+          <a:p>
+            <a:pPr algn="ctr"/>
+            <a:r>
+              <a:rPr lang="es-ES" sz="6600" b="1" dirty="0">
+                <a:solidFill>
+                  <a:schemeClr val="bg1"/>
+                </a:solidFill>
+              </a:rPr>
+              <a:t>¿Qué es?</a:t>
+            </a:r>
+            <a:endParaRPr lang="es-CO" sz="6600" b="1" dirty="0">
+              <a:solidFill>
+                <a:schemeClr val="bg1"/>
+              </a:solidFill>
+            </a:endParaRPr>
+          </a:p>
+        </p:txBody>
+      </p:sp>
+      <p:sp>
+        <p:nvSpPr>
+          <p:cNvPr id="7" name="CuadroTexto 6">
+            <a:extLst>
+              <a:ext uri="{FF2B5EF4-FFF2-40B4-BE49-F238E27FC236}">
+                <a16:creationId xmlns:a16="http://schemas.microsoft.com/office/drawing/2014/main" id="{E30DB31E-E67B-4530-93F1-837AF8F9EAA3}"/>
+              </a:ext>
+            </a:extLst>
+          </p:cNvPr>
+          <p:cNvSpPr txBox="1"/>
+          <p:nvPr/>
+        </p:nvSpPr>
+        <p:spPr>
+          <a:xfrm>
+            <a:off x="5000625" y="1392109"/>
+            <a:ext cx="6572250" cy="830997"/>
+          </a:xfrm>
+          <a:prstGeom prst="rect">
+            <a:avLst/>
+          </a:prstGeom>
+          <a:noFill/>
+        </p:spPr>
+        <p:txBody>
+          <a:bodyPr wrap="square" rtlCol="0">
+            <a:spAutoFit/>
+          </a:bodyPr>
+          <a:lstStyle/>
+          <a:p>
+            <a:pPr algn="just"/>
+            <a:r>
+              <a:rPr lang="es-ES" sz="2400" dirty="0">
+                <a:solidFill>
+                  <a:schemeClr val="bg1"/>
+                </a:solidFill>
+              </a:rPr>
+              <a:t>Se refiere a la representación electrónica de una persona, entidad o cosa en el entorno digital.</a:t>
+            </a:r>
+            <a:endParaRPr lang="es-CO" sz="2400" dirty="0">
+              <a:solidFill>
+                <a:schemeClr val="bg1"/>
+              </a:solidFill>
+            </a:endParaRPr>
+          </a:p>
+        </p:txBody>
+      </p:sp>
+      <p:sp>
+        <p:nvSpPr>
+          <p:cNvPr id="8" name="CuadroTexto 7">
+            <a:extLst>
+              <a:ext uri="{FF2B5EF4-FFF2-40B4-BE49-F238E27FC236}">
+                <a16:creationId xmlns:a16="http://schemas.microsoft.com/office/drawing/2014/main" id="{9841AE1C-89D4-41BA-A9EB-340FFA46AA3B}"/>
+              </a:ext>
+            </a:extLst>
+          </p:cNvPr>
+          <p:cNvSpPr txBox="1"/>
+          <p:nvPr/>
+        </p:nvSpPr>
+        <p:spPr>
+          <a:xfrm>
+            <a:off x="8905875" y="4088800"/>
+            <a:ext cx="2933700" cy="369332"/>
+          </a:xfrm>
+          <a:prstGeom prst="rect">
+            <a:avLst/>
+          </a:prstGeom>
+        </p:spPr>
+        <p:style>
+          <a:lnRef idx="0">
+            <a:schemeClr val="accent4"/>
+          </a:lnRef>
+          <a:fillRef idx="3">
+            <a:schemeClr val="accent4"/>
+          </a:fillRef>
+          <a:effectRef idx="3">
+            <a:schemeClr val="accent4"/>
+          </a:effectRef>
+          <a:fontRef idx="minor">
+            <a:schemeClr val="lt1"/>
+          </a:fontRef>
+        </p:style>
+        <p:txBody>
+          <a:bodyPr wrap="square" rtlCol="0">
+            <a:spAutoFit/>
+          </a:bodyPr>
+          <a:lstStyle/>
+          <a:p>
+            <a:pPr algn="ctr"/>
+            <a:r>
+              <a:rPr lang="es-ES" dirty="0"/>
+              <a:t>Información personal</a:t>
+            </a:r>
+            <a:endParaRPr lang="es-CO" dirty="0"/>
+          </a:p>
+        </p:txBody>
+      </p:sp>
+      <p:sp>
+        <p:nvSpPr>
+          <p:cNvPr id="10" name="CuadroTexto 9">
+            <a:extLst>
+              <a:ext uri="{FF2B5EF4-FFF2-40B4-BE49-F238E27FC236}">
+                <a16:creationId xmlns:a16="http://schemas.microsoft.com/office/drawing/2014/main" id="{E063B991-68AE-4DA3-88D6-0571572D0E63}"/>
+              </a:ext>
+            </a:extLst>
+          </p:cNvPr>
+          <p:cNvSpPr txBox="1"/>
+          <p:nvPr/>
+        </p:nvSpPr>
+        <p:spPr>
+          <a:xfrm>
+            <a:off x="5181600" y="6156602"/>
+            <a:ext cx="2933700" cy="369332"/>
+          </a:xfrm>
+          <a:prstGeom prst="rect">
+            <a:avLst/>
+          </a:prstGeom>
+        </p:spPr>
+        <p:style>
+          <a:lnRef idx="0">
+            <a:schemeClr val="accent4"/>
+          </a:lnRef>
+          <a:fillRef idx="3">
+            <a:schemeClr val="accent4"/>
+          </a:fillRef>
+          <a:effectRef idx="3">
+            <a:schemeClr val="accent4"/>
+          </a:effectRef>
+          <a:fontRef idx="minor">
+            <a:schemeClr val="lt1"/>
+          </a:fontRef>
+        </p:style>
+        <p:txBody>
+          <a:bodyPr wrap="square" rtlCol="0">
+            <a:spAutoFit/>
+          </a:bodyPr>
+          <a:lstStyle/>
+          <a:p>
+            <a:pPr algn="ctr"/>
+            <a:r>
+              <a:rPr lang="es-ES" dirty="0"/>
+              <a:t>Datos de autenticación</a:t>
+            </a:r>
+            <a:endParaRPr lang="es-CO" dirty="0"/>
+          </a:p>
+        </p:txBody>
+      </p:sp>
+      <p:sp>
+        <p:nvSpPr>
+          <p:cNvPr id="11" name="CuadroTexto 10">
+            <a:extLst>
+              <a:ext uri="{FF2B5EF4-FFF2-40B4-BE49-F238E27FC236}">
+                <a16:creationId xmlns:a16="http://schemas.microsoft.com/office/drawing/2014/main" id="{AA4877FF-34E0-4D34-8DC0-32667C1AD4B4}"/>
+              </a:ext>
+            </a:extLst>
+          </p:cNvPr>
+          <p:cNvSpPr txBox="1"/>
+          <p:nvPr/>
+        </p:nvSpPr>
+        <p:spPr>
+          <a:xfrm>
+            <a:off x="5200650" y="5455205"/>
+            <a:ext cx="2933700" cy="369332"/>
+          </a:xfrm>
+          <a:prstGeom prst="rect">
+            <a:avLst/>
+          </a:prstGeom>
+        </p:spPr>
+        <p:style>
+          <a:lnRef idx="0">
+            <a:schemeClr val="accent4"/>
+          </a:lnRef>
+          <a:fillRef idx="3">
+            <a:schemeClr val="accent4"/>
+          </a:fillRef>
+          <a:effectRef idx="3">
+            <a:schemeClr val="accent4"/>
+          </a:effectRef>
+          <a:fontRef idx="minor">
+            <a:schemeClr val="lt1"/>
+          </a:fontRef>
+        </p:style>
+        <p:txBody>
+          <a:bodyPr wrap="square" rtlCol="0">
+            <a:spAutoFit/>
+          </a:bodyPr>
+          <a:lstStyle/>
+          <a:p>
+            <a:pPr algn="ctr"/>
+            <a:r>
+              <a:rPr lang="es-ES" dirty="0"/>
+              <a:t>Actividades digitales</a:t>
+            </a:r>
+            <a:endParaRPr lang="es-CO" dirty="0"/>
+          </a:p>
+        </p:txBody>
+      </p:sp>
+      <p:sp>
+        <p:nvSpPr>
+          <p:cNvPr id="12" name="CuadroTexto 11">
+            <a:extLst>
+              <a:ext uri="{FF2B5EF4-FFF2-40B4-BE49-F238E27FC236}">
+                <a16:creationId xmlns:a16="http://schemas.microsoft.com/office/drawing/2014/main" id="{FF92689A-DDDD-4C88-9C80-99D4D36FB8E7}"/>
+              </a:ext>
+            </a:extLst>
+          </p:cNvPr>
+          <p:cNvSpPr txBox="1"/>
+          <p:nvPr/>
+        </p:nvSpPr>
+        <p:spPr>
+          <a:xfrm>
+            <a:off x="5191125" y="4791075"/>
+            <a:ext cx="2933700" cy="369332"/>
+          </a:xfrm>
+          <a:prstGeom prst="rect">
+            <a:avLst/>
+          </a:prstGeom>
+        </p:spPr>
+        <p:style>
+          <a:lnRef idx="0">
+            <a:schemeClr val="accent4"/>
+          </a:lnRef>
+          <a:fillRef idx="3">
+            <a:schemeClr val="accent4"/>
+          </a:fillRef>
+          <a:effectRef idx="3">
+            <a:schemeClr val="accent4"/>
+          </a:effectRef>
+          <a:fontRef idx="minor">
+            <a:schemeClr val="lt1"/>
+          </a:fontRef>
+        </p:style>
+        <p:txBody>
+          <a:bodyPr wrap="square" rtlCol="0">
+            <a:spAutoFit/>
+          </a:bodyPr>
+          <a:lstStyle/>
+          <a:p>
+            <a:pPr algn="ctr"/>
+            <a:r>
+              <a:rPr lang="es-ES" dirty="0"/>
+              <a:t>Registros</a:t>
+            </a:r>
+            <a:endParaRPr lang="es-CO" dirty="0"/>
+          </a:p>
+        </p:txBody>
+      </p:sp>
+      <p:sp>
+        <p:nvSpPr>
+          <p:cNvPr id="15" name="CuadroTexto 14">
+            <a:extLst>
+              <a:ext uri="{FF2B5EF4-FFF2-40B4-BE49-F238E27FC236}">
+                <a16:creationId xmlns:a16="http://schemas.microsoft.com/office/drawing/2014/main" id="{5F573346-E5D5-4040-9024-07FB1538CBB1}"/>
+              </a:ext>
+            </a:extLst>
+          </p:cNvPr>
+          <p:cNvSpPr txBox="1"/>
+          <p:nvPr/>
+        </p:nvSpPr>
+        <p:spPr>
+          <a:xfrm>
+            <a:off x="8905875" y="4772441"/>
+            <a:ext cx="2933700" cy="369332"/>
+          </a:xfrm>
+          <a:prstGeom prst="rect">
+            <a:avLst/>
+          </a:prstGeom>
+        </p:spPr>
+        <p:style>
+          <a:lnRef idx="0">
+            <a:schemeClr val="accent4"/>
+          </a:lnRef>
+          <a:fillRef idx="3">
+            <a:schemeClr val="accent4"/>
+          </a:fillRef>
+          <a:effectRef idx="3">
+            <a:schemeClr val="accent4"/>
+          </a:effectRef>
+          <a:fontRef idx="minor">
+            <a:schemeClr val="lt1"/>
+          </a:fontRef>
+        </p:style>
+        <p:txBody>
+          <a:bodyPr wrap="square" rtlCol="0">
+            <a:spAutoFit/>
+          </a:bodyPr>
+          <a:lstStyle/>
+          <a:p>
+            <a:pPr algn="ctr"/>
+            <a:r>
+              <a:rPr lang="es-ES" dirty="0"/>
+              <a:t>Biometría</a:t>
+            </a:r>
+            <a:endParaRPr lang="es-CO" dirty="0"/>
+          </a:p>
+        </p:txBody>
+      </p:sp>
+      <p:sp>
+        <p:nvSpPr>
+          <p:cNvPr id="16" name="CuadroTexto 15">
+            <a:extLst>
+              <a:ext uri="{FF2B5EF4-FFF2-40B4-BE49-F238E27FC236}">
+                <a16:creationId xmlns:a16="http://schemas.microsoft.com/office/drawing/2014/main" id="{02CF0935-4663-465D-8C35-8CDCF9EC9A05}"/>
+              </a:ext>
+            </a:extLst>
+          </p:cNvPr>
+          <p:cNvSpPr txBox="1"/>
+          <p:nvPr/>
+        </p:nvSpPr>
+        <p:spPr>
+          <a:xfrm>
+            <a:off x="8905875" y="5426095"/>
+            <a:ext cx="2933700" cy="369332"/>
+          </a:xfrm>
+          <a:prstGeom prst="rect">
+            <a:avLst/>
+          </a:prstGeom>
+        </p:spPr>
+        <p:style>
+          <a:lnRef idx="0">
+            <a:schemeClr val="accent4"/>
+          </a:lnRef>
+          <a:fillRef idx="3">
+            <a:schemeClr val="accent4"/>
+          </a:fillRef>
+          <a:effectRef idx="3">
+            <a:schemeClr val="accent4"/>
+          </a:effectRef>
+          <a:fontRef idx="minor">
+            <a:schemeClr val="lt1"/>
+          </a:fontRef>
+        </p:style>
+        <p:txBody>
+          <a:bodyPr wrap="square" rtlCol="0">
+            <a:spAutoFit/>
+          </a:bodyPr>
+          <a:lstStyle/>
+          <a:p>
+            <a:pPr algn="ctr"/>
+            <a:r>
+              <a:rPr lang="es-ES" dirty="0"/>
+              <a:t>Certificación digitales</a:t>
+            </a:r>
+            <a:endParaRPr lang="es-CO" dirty="0"/>
+          </a:p>
+        </p:txBody>
+      </p:sp>
+      <p:sp>
+        <p:nvSpPr>
+          <p:cNvPr id="17" name="CuadroTexto 16">
+            <a:extLst>
+              <a:ext uri="{FF2B5EF4-FFF2-40B4-BE49-F238E27FC236}">
+                <a16:creationId xmlns:a16="http://schemas.microsoft.com/office/drawing/2014/main" id="{CDC1FF37-20C3-42EC-8E75-E9D3711696A3}"/>
+              </a:ext>
+            </a:extLst>
+          </p:cNvPr>
+          <p:cNvSpPr txBox="1"/>
+          <p:nvPr/>
+        </p:nvSpPr>
+        <p:spPr>
+          <a:xfrm>
+            <a:off x="8905875" y="6156602"/>
+            <a:ext cx="2933700" cy="369332"/>
+          </a:xfrm>
+          <a:prstGeom prst="rect">
+            <a:avLst/>
+          </a:prstGeom>
+        </p:spPr>
+        <p:style>
+          <a:lnRef idx="0">
+            <a:schemeClr val="accent4"/>
+          </a:lnRef>
+          <a:fillRef idx="3">
+            <a:schemeClr val="accent4"/>
+          </a:fillRef>
+          <a:effectRef idx="3">
+            <a:schemeClr val="accent4"/>
+          </a:effectRef>
+          <a:fontRef idx="minor">
+            <a:schemeClr val="lt1"/>
+          </a:fontRef>
+        </p:style>
+        <p:txBody>
+          <a:bodyPr wrap="square" rtlCol="0">
+            <a:spAutoFit/>
+          </a:bodyPr>
+          <a:lstStyle/>
+          <a:p>
+            <a:pPr algn="ctr"/>
+            <a:r>
+              <a:rPr lang="es-ES" dirty="0"/>
+              <a:t>Redes sociales</a:t>
+            </a:r>
+            <a:endParaRPr lang="es-CO" dirty="0"/>
+          </a:p>
+        </p:txBody>
+      </p:sp>
+      <p:pic>
+        <p:nvPicPr>
+          <p:cNvPr id="18" name="Gráfico 17" descr="Identificación de empleado con relleno sólido">
+            <a:extLst>
+              <a:ext uri="{FF2B5EF4-FFF2-40B4-BE49-F238E27FC236}">
+                <a16:creationId xmlns:a16="http://schemas.microsoft.com/office/drawing/2014/main" id="{32378042-80C8-45C0-87DB-DC4E1141C49A}"/>
+              </a:ext>
+            </a:extLst>
+          </p:cNvPr>
+          <p:cNvPicPr>
+            <a:picLocks noChangeAspect="1"/>
+          </p:cNvPicPr>
+          <p:nvPr/>
+        </p:nvPicPr>
+        <p:blipFill>
+          <a:blip r:embed="rId3">
+            <a:extLst>
+              <a:ext uri="{28A0092B-C50C-407E-A947-70E740481C1C}">
+                <a14:useLocalDpi xmlns:a14="http://schemas.microsoft.com/office/drawing/2010/main" val="0"/>
+              </a:ext>
+              <a:ext uri="{96DAC541-7B7A-43D3-8B79-37D633B846F1}">
+                <asvg:svgBlip xmlns:asvg="http://schemas.microsoft.com/office/drawing/2016/SVG/main" r:embed="rId4"/>
+              </a:ext>
+            </a:extLst>
+          </a:blip>
+          <a:stretch>
+            <a:fillRect/>
+          </a:stretch>
+        </p:blipFill>
+        <p:spPr>
+          <a:xfrm>
+            <a:off x="4419600" y="4634895"/>
+            <a:ext cx="619125" cy="619125"/>
+          </a:xfrm>
+          <a:prstGeom prst="rect">
+            <a:avLst/>
+          </a:prstGeom>
+        </p:spPr>
+      </p:pic>
+      <p:pic>
+        <p:nvPicPr>
+          <p:cNvPr id="20" name="Gráfico 19" descr="Identificación de empleado con relleno sólido">
+            <a:extLst>
+              <a:ext uri="{FF2B5EF4-FFF2-40B4-BE49-F238E27FC236}">
+                <a16:creationId xmlns:a16="http://schemas.microsoft.com/office/drawing/2014/main" id="{4BCA02C2-D32A-40EE-B48D-8F31F2DCA076}"/>
+              </a:ext>
+            </a:extLst>
+          </p:cNvPr>
+          <p:cNvPicPr>
+            <a:picLocks noChangeAspect="1"/>
+          </p:cNvPicPr>
+          <p:nvPr/>
+        </p:nvPicPr>
+        <p:blipFill>
+          <a:blip r:embed="rId3">
+            <a:extLst>
+              <a:ext uri="{28A0092B-C50C-407E-A947-70E740481C1C}">
+                <a14:useLocalDpi xmlns:a14="http://schemas.microsoft.com/office/drawing/2010/main" val="0"/>
+              </a:ext>
+              <a:ext uri="{96DAC541-7B7A-43D3-8B79-37D633B846F1}">
+                <asvg:svgBlip xmlns:asvg="http://schemas.microsoft.com/office/drawing/2016/SVG/main" r:embed="rId4"/>
+              </a:ext>
+            </a:extLst>
+          </a:blip>
+          <a:stretch>
+            <a:fillRect/>
+          </a:stretch>
+        </p:blipFill>
+        <p:spPr>
+          <a:xfrm>
+            <a:off x="8220074" y="3968196"/>
+            <a:ext cx="619125" cy="619125"/>
+          </a:xfrm>
+          <a:prstGeom prst="rect">
+            <a:avLst/>
+          </a:prstGeom>
+        </p:spPr>
+      </p:pic>
+      <p:pic>
+        <p:nvPicPr>
+          <p:cNvPr id="21" name="Gráfico 20" descr="Identificación de empleado con relleno sólido">
+            <a:extLst>
+              <a:ext uri="{FF2B5EF4-FFF2-40B4-BE49-F238E27FC236}">
+                <a16:creationId xmlns:a16="http://schemas.microsoft.com/office/drawing/2014/main" id="{74CB75BD-E1A1-42EF-9163-E1949F76E31B}"/>
+              </a:ext>
+            </a:extLst>
+          </p:cNvPr>
+          <p:cNvPicPr>
+            <a:picLocks noChangeAspect="1"/>
+          </p:cNvPicPr>
+          <p:nvPr/>
+        </p:nvPicPr>
+        <p:blipFill>
+          <a:blip r:embed="rId3">
+            <a:extLst>
+              <a:ext uri="{28A0092B-C50C-407E-A947-70E740481C1C}">
+                <a14:useLocalDpi xmlns:a14="http://schemas.microsoft.com/office/drawing/2010/main" val="0"/>
+              </a:ext>
+              <a:ext uri="{96DAC541-7B7A-43D3-8B79-37D633B846F1}">
+                <asvg:svgBlip xmlns:asvg="http://schemas.microsoft.com/office/drawing/2016/SVG/main" r:embed="rId4"/>
+              </a:ext>
+            </a:extLst>
+          </a:blip>
+          <a:stretch>
+            <a:fillRect/>
+          </a:stretch>
+        </p:blipFill>
+        <p:spPr>
+          <a:xfrm>
+            <a:off x="8205787" y="4647544"/>
+            <a:ext cx="619125" cy="619125"/>
+          </a:xfrm>
+          <a:prstGeom prst="rect">
+            <a:avLst/>
+          </a:prstGeom>
+        </p:spPr>
+      </p:pic>
+      <p:pic>
+        <p:nvPicPr>
+          <p:cNvPr id="22" name="Gráfico 21" descr="Identificación de empleado con relleno sólido">
+            <a:extLst>
+              <a:ext uri="{FF2B5EF4-FFF2-40B4-BE49-F238E27FC236}">
+                <a16:creationId xmlns:a16="http://schemas.microsoft.com/office/drawing/2014/main" id="{2DA41EF5-3C40-484C-B40B-494A94DEF9CC}"/>
+              </a:ext>
+            </a:extLst>
+          </p:cNvPr>
+          <p:cNvPicPr>
+            <a:picLocks noChangeAspect="1"/>
+          </p:cNvPicPr>
+          <p:nvPr/>
+        </p:nvPicPr>
+        <p:blipFill>
+          <a:blip r:embed="rId3">
+            <a:extLst>
+              <a:ext uri="{28A0092B-C50C-407E-A947-70E740481C1C}">
+                <a14:useLocalDpi xmlns:a14="http://schemas.microsoft.com/office/drawing/2010/main" val="0"/>
+              </a:ext>
+              <a:ext uri="{96DAC541-7B7A-43D3-8B79-37D633B846F1}">
+                <asvg:svgBlip xmlns:asvg="http://schemas.microsoft.com/office/drawing/2016/SVG/main" r:embed="rId4"/>
+              </a:ext>
+            </a:extLst>
+          </a:blip>
+          <a:stretch>
+            <a:fillRect/>
+          </a:stretch>
+        </p:blipFill>
+        <p:spPr>
+          <a:xfrm>
+            <a:off x="4438649" y="5300989"/>
+            <a:ext cx="619125" cy="619125"/>
+          </a:xfrm>
+          <a:prstGeom prst="rect">
+            <a:avLst/>
+          </a:prstGeom>
+        </p:spPr>
+      </p:pic>
+      <p:pic>
+        <p:nvPicPr>
+          <p:cNvPr id="23" name="Gráfico 22" descr="Identificación de empleado con relleno sólido">
+            <a:extLst>
+              <a:ext uri="{FF2B5EF4-FFF2-40B4-BE49-F238E27FC236}">
+                <a16:creationId xmlns:a16="http://schemas.microsoft.com/office/drawing/2014/main" id="{6B524AAF-855A-4D32-B62F-73D8E8EA024B}"/>
+              </a:ext>
+            </a:extLst>
+          </p:cNvPr>
+          <p:cNvPicPr>
+            <a:picLocks noChangeAspect="1"/>
+          </p:cNvPicPr>
+          <p:nvPr/>
+        </p:nvPicPr>
+        <p:blipFill>
+          <a:blip r:embed="rId3">
+            <a:extLst>
+              <a:ext uri="{28A0092B-C50C-407E-A947-70E740481C1C}">
+                <a14:useLocalDpi xmlns:a14="http://schemas.microsoft.com/office/drawing/2010/main" val="0"/>
+              </a:ext>
+              <a:ext uri="{96DAC541-7B7A-43D3-8B79-37D633B846F1}">
+                <asvg:svgBlip xmlns:asvg="http://schemas.microsoft.com/office/drawing/2016/SVG/main" r:embed="rId4"/>
+              </a:ext>
+            </a:extLst>
+          </a:blip>
+          <a:stretch>
+            <a:fillRect/>
+          </a:stretch>
+        </p:blipFill>
+        <p:spPr>
+          <a:xfrm>
+            <a:off x="4452937" y="5966147"/>
+            <a:ext cx="619125" cy="619125"/>
+          </a:xfrm>
+          <a:prstGeom prst="rect">
+            <a:avLst/>
+          </a:prstGeom>
+        </p:spPr>
+      </p:pic>
+      <p:pic>
+        <p:nvPicPr>
+          <p:cNvPr id="24" name="Gráfico 23" descr="Identificación de empleado con relleno sólido">
+            <a:extLst>
+              <a:ext uri="{FF2B5EF4-FFF2-40B4-BE49-F238E27FC236}">
+                <a16:creationId xmlns:a16="http://schemas.microsoft.com/office/drawing/2014/main" id="{9FC5B365-A4B1-4D0C-883E-DFBD826DAFBF}"/>
+              </a:ext>
+            </a:extLst>
+          </p:cNvPr>
+          <p:cNvPicPr>
+            <a:picLocks noChangeAspect="1"/>
+          </p:cNvPicPr>
+          <p:nvPr/>
+        </p:nvPicPr>
+        <p:blipFill>
+          <a:blip r:embed="rId3">
+            <a:extLst>
+              <a:ext uri="{28A0092B-C50C-407E-A947-70E740481C1C}">
+                <a14:useLocalDpi xmlns:a14="http://schemas.microsoft.com/office/drawing/2010/main" val="0"/>
+              </a:ext>
+              <a:ext uri="{96DAC541-7B7A-43D3-8B79-37D633B846F1}">
+                <asvg:svgBlip xmlns:asvg="http://schemas.microsoft.com/office/drawing/2016/SVG/main" r:embed="rId4"/>
+              </a:ext>
+            </a:extLst>
+          </a:blip>
+          <a:stretch>
+            <a:fillRect/>
+          </a:stretch>
+        </p:blipFill>
+        <p:spPr>
+          <a:xfrm>
+            <a:off x="8224837" y="5300989"/>
+            <a:ext cx="619125" cy="619125"/>
+          </a:xfrm>
+          <a:prstGeom prst="rect">
+            <a:avLst/>
+          </a:prstGeom>
+        </p:spPr>
+      </p:pic>
+      <p:pic>
+        <p:nvPicPr>
+          <p:cNvPr id="25" name="Gráfico 24" descr="Identificación de empleado con relleno sólido">
+            <a:extLst>
+              <a:ext uri="{FF2B5EF4-FFF2-40B4-BE49-F238E27FC236}">
+                <a16:creationId xmlns:a16="http://schemas.microsoft.com/office/drawing/2014/main" id="{00693B41-102F-4762-8A98-3EBEAD09C152}"/>
+              </a:ext>
+            </a:extLst>
+          </p:cNvPr>
+          <p:cNvPicPr>
+            <a:picLocks noChangeAspect="1"/>
+          </p:cNvPicPr>
+          <p:nvPr/>
+        </p:nvPicPr>
+        <p:blipFill>
+          <a:blip r:embed="rId3">
+            <a:extLst>
+              <a:ext uri="{28A0092B-C50C-407E-A947-70E740481C1C}">
+                <a14:useLocalDpi xmlns:a14="http://schemas.microsoft.com/office/drawing/2010/main" val="0"/>
+              </a:ext>
+              <a:ext uri="{96DAC541-7B7A-43D3-8B79-37D633B846F1}">
+                <asvg:svgBlip xmlns:asvg="http://schemas.microsoft.com/office/drawing/2016/SVG/main" r:embed="rId4"/>
+              </a:ext>
+            </a:extLst>
+          </a:blip>
+          <a:stretch>
+            <a:fillRect/>
+          </a:stretch>
+        </p:blipFill>
+        <p:spPr>
+          <a:xfrm>
+            <a:off x="8229600" y="5987719"/>
+            <a:ext cx="619125" cy="619125"/>
+          </a:xfrm>
+          <a:prstGeom prst="rect">
+            <a:avLst/>
+          </a:prstGeom>
+        </p:spPr>
+      </p:pic>
     </p:spTree>
     <p:extLst>
       <p:ext uri="{BB962C8B-B14F-4D97-AF65-F5344CB8AC3E}">
-        <p14:creationId xmlns:p14="http://schemas.microsoft.com/office/powerpoint/2010/main" val="1633117414"/>
+        <p14:creationId xmlns:p14="http://schemas.microsoft.com/office/powerpoint/2010/main" val="945219257"/>
       </p:ext>
     </p:extLst>
   </p:cSld>
   <p:clrMapOvr>
     <a:masterClrMapping/>
   </p:clrMapOvr>
+  <mc:AlternateContent xmlns:mc="http://schemas.openxmlformats.org/markup-compatibility/2006" xmlns:p14="http://schemas.microsoft.com/office/powerpoint/2010/main">
+    <mc:Choice Requires="p14">
+      <p:transition p14:dur="10" advClick="0" advTm="5400000"/>
+    </mc:Choice>
+    <mc:Fallback xmlns="">
+      <p:transition advClick="0" advTm="5400000"/>
+    </mc:Fallback>
+  </mc:AlternateContent>
 </p:sld>
 </file>
 
@@ -4342,7 +5376,11 @@
           <a:bodyPr/>
           <a:lstStyle/>
           <a:p>
-            <a:endParaRPr lang="es-CO"/>
+            <a:r>
+              <a:rPr lang="es-MX" dirty="0"/>
+              <a:t>Gracias</a:t>
+            </a:r>
+            <a:endParaRPr lang="es-CO" dirty="0"/>
           </a:p>
         </p:txBody>
       </p:sp>
@@ -4381,6 +5419,14 @@
   <p:clrMapOvr>
     <a:masterClrMapping/>
   </p:clrMapOvr>
+  <mc:AlternateContent xmlns:mc="http://schemas.openxmlformats.org/markup-compatibility/2006" xmlns:p14="http://schemas.microsoft.com/office/powerpoint/2010/main">
+    <mc:Choice Requires="p14">
+      <p:transition p14:dur="10" advClick="0" advTm="5400000"/>
+    </mc:Choice>
+    <mc:Fallback xmlns="">
+      <p:transition advClick="0" advTm="5400000"/>
+    </mc:Fallback>
+  </mc:AlternateContent>
 </p:sld>
 </file>
 
@@ -4401,66 +5447,640 @@
           <a:chExt cx="0" cy="0"/>
         </a:xfrm>
       </p:grpSpPr>
-      <p:sp>
-        <p:nvSpPr>
-          <p:cNvPr id="2" name="Título 1">
-            <a:extLst>
-              <a:ext uri="{FF2B5EF4-FFF2-40B4-BE49-F238E27FC236}">
-                <a16:creationId xmlns:a16="http://schemas.microsoft.com/office/drawing/2014/main" id="{21CE44BB-D189-4E76-9EBB-B0E694634822}"/>
-              </a:ext>
-            </a:extLst>
-          </p:cNvPr>
-          <p:cNvSpPr>
-            <a:spLocks noGrp="1"/>
-          </p:cNvSpPr>
-          <p:nvPr>
-            <p:ph type="title"/>
-          </p:nvPr>
-        </p:nvSpPr>
-        <p:spPr/>
-        <p:txBody>
-          <a:bodyPr/>
-          <a:lstStyle/>
-          <a:p>
-            <a:endParaRPr lang="es-CO"/>
-          </a:p>
-        </p:txBody>
-      </p:sp>
-      <p:sp>
-        <p:nvSpPr>
-          <p:cNvPr id="3" name="Marcador de contenido 2">
-            <a:extLst>
-              <a:ext uri="{FF2B5EF4-FFF2-40B4-BE49-F238E27FC236}">
-                <a16:creationId xmlns:a16="http://schemas.microsoft.com/office/drawing/2014/main" id="{9D312866-685F-4E6E-832E-D9072C52ADA1}"/>
-              </a:ext>
-            </a:extLst>
-          </p:cNvPr>
-          <p:cNvSpPr>
-            <a:spLocks noGrp="1"/>
-          </p:cNvSpPr>
-          <p:nvPr>
-            <p:ph idx="1"/>
-          </p:nvPr>
-        </p:nvSpPr>
-        <p:spPr/>
-        <p:txBody>
-          <a:bodyPr/>
-          <a:lstStyle/>
-          <a:p>
-            <a:endParaRPr lang="es-CO"/>
+      <p:pic>
+        <p:nvPicPr>
+          <p:cNvPr id="7" name="Imagen 6">
+            <a:extLst>
+              <a:ext uri="{FF2B5EF4-FFF2-40B4-BE49-F238E27FC236}">
+                <a16:creationId xmlns:a16="http://schemas.microsoft.com/office/drawing/2014/main" id="{6B6D0DF7-B6B2-47C4-B02D-A3A0D6510B34}"/>
+              </a:ext>
+            </a:extLst>
+          </p:cNvPr>
+          <p:cNvPicPr>
+            <a:picLocks noChangeAspect="1"/>
+          </p:cNvPicPr>
+          <p:nvPr/>
+        </p:nvPicPr>
+        <p:blipFill>
+          <a:blip r:embed="rId2"/>
+          <a:stretch>
+            <a:fillRect/>
+          </a:stretch>
+        </p:blipFill>
+        <p:spPr>
+          <a:xfrm>
+            <a:off x="0" y="-23813"/>
+            <a:ext cx="12192000" cy="6881813"/>
+          </a:xfrm>
+          <a:prstGeom prst="rect">
+            <a:avLst/>
+          </a:prstGeom>
+        </p:spPr>
+      </p:pic>
+      <p:sp>
+        <p:nvSpPr>
+          <p:cNvPr id="8" name="CuadroTexto 7">
+            <a:extLst>
+              <a:ext uri="{FF2B5EF4-FFF2-40B4-BE49-F238E27FC236}">
+                <a16:creationId xmlns:a16="http://schemas.microsoft.com/office/drawing/2014/main" id="{CFD24312-82C8-468E-8B3A-8E0963D5E9E2}"/>
+              </a:ext>
+            </a:extLst>
+          </p:cNvPr>
+          <p:cNvSpPr txBox="1"/>
+          <p:nvPr/>
+        </p:nvSpPr>
+        <p:spPr>
+          <a:xfrm>
+            <a:off x="123825" y="-23813"/>
+            <a:ext cx="11582400" cy="1107996"/>
+          </a:xfrm>
+          <a:prstGeom prst="rect">
+            <a:avLst/>
+          </a:prstGeom>
+          <a:noFill/>
+        </p:spPr>
+        <p:txBody>
+          <a:bodyPr wrap="square" rtlCol="0">
+            <a:spAutoFit/>
+          </a:bodyPr>
+          <a:lstStyle/>
+          <a:p>
+            <a:pPr algn="ctr"/>
+            <a:r>
+              <a:rPr lang="es-ES" sz="6600" b="1" dirty="0">
+                <a:solidFill>
+                  <a:schemeClr val="bg1"/>
+                </a:solidFill>
+              </a:rPr>
+              <a:t>Evolución de la identidad digital</a:t>
+            </a:r>
+            <a:endParaRPr lang="es-CO" sz="6600" b="1" dirty="0">
+              <a:solidFill>
+                <a:schemeClr val="bg1"/>
+              </a:solidFill>
+            </a:endParaRPr>
+          </a:p>
+        </p:txBody>
+      </p:sp>
+      <p:sp>
+        <p:nvSpPr>
+          <p:cNvPr id="9" name="CuadroTexto 8">
+            <a:extLst>
+              <a:ext uri="{FF2B5EF4-FFF2-40B4-BE49-F238E27FC236}">
+                <a16:creationId xmlns:a16="http://schemas.microsoft.com/office/drawing/2014/main" id="{994344CB-5E2E-4DF6-BEA9-A85F5A5D0EE4}"/>
+              </a:ext>
+            </a:extLst>
+          </p:cNvPr>
+          <p:cNvSpPr txBox="1"/>
+          <p:nvPr/>
+        </p:nvSpPr>
+        <p:spPr>
+          <a:xfrm>
+            <a:off x="809625" y="1508389"/>
+            <a:ext cx="2933700" cy="369332"/>
+          </a:xfrm>
+          <a:prstGeom prst="rect">
+            <a:avLst/>
+          </a:prstGeom>
+        </p:spPr>
+        <p:style>
+          <a:lnRef idx="2">
+            <a:schemeClr val="dk1">
+              <a:shade val="50000"/>
+            </a:schemeClr>
+          </a:lnRef>
+          <a:fillRef idx="1">
+            <a:schemeClr val="dk1"/>
+          </a:fillRef>
+          <a:effectRef idx="0">
+            <a:schemeClr val="dk1"/>
+          </a:effectRef>
+          <a:fontRef idx="minor">
+            <a:schemeClr val="lt1"/>
+          </a:fontRef>
+        </p:style>
+        <p:txBody>
+          <a:bodyPr wrap="square" rtlCol="0">
+            <a:spAutoFit/>
+          </a:bodyPr>
+          <a:lstStyle/>
+          <a:p>
+            <a:pPr algn="ctr"/>
+            <a:r>
+              <a:rPr lang="es-ES" dirty="0"/>
+              <a:t>Entorno estático</a:t>
+            </a:r>
+            <a:endParaRPr lang="es-CO" dirty="0"/>
+          </a:p>
+        </p:txBody>
+      </p:sp>
+      <p:sp>
+        <p:nvSpPr>
+          <p:cNvPr id="10" name="CuadroTexto 9">
+            <a:extLst>
+              <a:ext uri="{FF2B5EF4-FFF2-40B4-BE49-F238E27FC236}">
+                <a16:creationId xmlns:a16="http://schemas.microsoft.com/office/drawing/2014/main" id="{0BA0FCB8-CF65-4124-89E8-85308EBB2DC2}"/>
+              </a:ext>
+            </a:extLst>
+          </p:cNvPr>
+          <p:cNvSpPr txBox="1"/>
+          <p:nvPr/>
+        </p:nvSpPr>
+        <p:spPr>
+          <a:xfrm>
+            <a:off x="8181975" y="1549986"/>
+            <a:ext cx="2933700" cy="369332"/>
+          </a:xfrm>
+          <a:prstGeom prst="rect">
+            <a:avLst/>
+          </a:prstGeom>
+        </p:spPr>
+        <p:style>
+          <a:lnRef idx="2">
+            <a:schemeClr val="dk1">
+              <a:shade val="50000"/>
+            </a:schemeClr>
+          </a:lnRef>
+          <a:fillRef idx="1">
+            <a:schemeClr val="dk1"/>
+          </a:fillRef>
+          <a:effectRef idx="0">
+            <a:schemeClr val="dk1"/>
+          </a:effectRef>
+          <a:fontRef idx="minor">
+            <a:schemeClr val="lt1"/>
+          </a:fontRef>
+        </p:style>
+        <p:txBody>
+          <a:bodyPr wrap="square" rtlCol="0">
+            <a:spAutoFit/>
+          </a:bodyPr>
+          <a:lstStyle/>
+          <a:p>
+            <a:pPr algn="ctr"/>
+            <a:r>
+              <a:rPr lang="es-ES" dirty="0"/>
+              <a:t>Entorno dinámico</a:t>
+            </a:r>
+            <a:endParaRPr lang="es-CO" dirty="0"/>
+          </a:p>
+        </p:txBody>
+      </p:sp>
+      <p:sp>
+        <p:nvSpPr>
+          <p:cNvPr id="11" name="CuadroTexto 10">
+            <a:extLst>
+              <a:ext uri="{FF2B5EF4-FFF2-40B4-BE49-F238E27FC236}">
+                <a16:creationId xmlns:a16="http://schemas.microsoft.com/office/drawing/2014/main" id="{3FC1C46D-75BA-4DE5-A720-7C6212BEAF3B}"/>
+              </a:ext>
+            </a:extLst>
+          </p:cNvPr>
+          <p:cNvSpPr txBox="1"/>
+          <p:nvPr/>
+        </p:nvSpPr>
+        <p:spPr>
+          <a:xfrm>
+            <a:off x="600075" y="2274838"/>
+            <a:ext cx="3352800" cy="2308324"/>
+          </a:xfrm>
+          <a:prstGeom prst="rect">
+            <a:avLst/>
+          </a:prstGeom>
+        </p:spPr>
+        <p:style>
+          <a:lnRef idx="1">
+            <a:schemeClr val="dk1"/>
+          </a:lnRef>
+          <a:fillRef idx="2">
+            <a:schemeClr val="dk1"/>
+          </a:fillRef>
+          <a:effectRef idx="1">
+            <a:schemeClr val="dk1"/>
+          </a:effectRef>
+          <a:fontRef idx="minor">
+            <a:schemeClr val="dk1"/>
+          </a:fontRef>
+        </p:style>
+        <p:txBody>
+          <a:bodyPr wrap="square" rtlCol="0">
+            <a:spAutoFit/>
+          </a:bodyPr>
+          <a:lstStyle/>
+          <a:p>
+            <a:pPr marL="285750" indent="-285750">
+              <a:buFont typeface="Arial" panose="020B0604020202020204" pitchFamily="34" charset="0"/>
+              <a:buChar char="•"/>
+            </a:pPr>
+            <a:r>
+              <a:rPr lang="es-ES" dirty="0">
+                <a:solidFill>
+                  <a:schemeClr val="bg1"/>
+                </a:solidFill>
+              </a:rPr>
+              <a:t>Datos básicos almacenados en servidores centralizados.</a:t>
+            </a:r>
+          </a:p>
+          <a:p>
+            <a:pPr marL="285750" indent="-285750">
+              <a:buFont typeface="Arial" panose="020B0604020202020204" pitchFamily="34" charset="0"/>
+              <a:buChar char="•"/>
+            </a:pPr>
+            <a:r>
+              <a:rPr lang="es-ES" dirty="0">
+                <a:solidFill>
+                  <a:schemeClr val="bg1"/>
+                </a:solidFill>
+              </a:rPr>
+              <a:t>Uso en correos electrónicos y sector financiero.</a:t>
+            </a:r>
+          </a:p>
+          <a:p>
+            <a:pPr marL="285750" indent="-285750">
+              <a:buFont typeface="Arial" panose="020B0604020202020204" pitchFamily="34" charset="0"/>
+              <a:buChar char="•"/>
+            </a:pPr>
+            <a:r>
+              <a:rPr lang="es-CO" dirty="0">
+                <a:solidFill>
+                  <a:schemeClr val="bg1"/>
+                </a:solidFill>
+              </a:rPr>
+              <a:t>Dependiente de terceros.</a:t>
+            </a:r>
+          </a:p>
+          <a:p>
+            <a:pPr marL="285750" indent="-285750">
+              <a:buFont typeface="Arial" panose="020B0604020202020204" pitchFamily="34" charset="0"/>
+              <a:buChar char="•"/>
+            </a:pPr>
+            <a:r>
+              <a:rPr lang="es-CO" dirty="0">
+                <a:solidFill>
+                  <a:schemeClr val="bg1"/>
+                </a:solidFill>
+              </a:rPr>
+              <a:t>Enfoque aislado.</a:t>
+            </a:r>
+          </a:p>
+          <a:p>
+            <a:pPr marL="285750" indent="-285750">
+              <a:buFont typeface="Arial" panose="020B0604020202020204" pitchFamily="34" charset="0"/>
+              <a:buChar char="•"/>
+            </a:pPr>
+            <a:r>
+              <a:rPr lang="es-CO" dirty="0">
+                <a:solidFill>
+                  <a:schemeClr val="bg1"/>
+                </a:solidFill>
+              </a:rPr>
+              <a:t>Verificación manual.</a:t>
+            </a:r>
+          </a:p>
+          <a:p>
+            <a:endParaRPr lang="es-CO" dirty="0">
+              <a:solidFill>
+                <a:schemeClr val="bg1"/>
+              </a:solidFill>
+            </a:endParaRPr>
+          </a:p>
+        </p:txBody>
+      </p:sp>
+      <p:sp>
+        <p:nvSpPr>
+          <p:cNvPr id="12" name="CuadroTexto 11">
+            <a:extLst>
+              <a:ext uri="{FF2B5EF4-FFF2-40B4-BE49-F238E27FC236}">
+                <a16:creationId xmlns:a16="http://schemas.microsoft.com/office/drawing/2014/main" id="{034CE3B3-092C-4DB9-BDA9-777223169CA8}"/>
+              </a:ext>
+            </a:extLst>
+          </p:cNvPr>
+          <p:cNvSpPr txBox="1"/>
+          <p:nvPr/>
+        </p:nvSpPr>
+        <p:spPr>
+          <a:xfrm>
+            <a:off x="8048625" y="2274838"/>
+            <a:ext cx="3352800" cy="3139321"/>
+          </a:xfrm>
+          <a:prstGeom prst="rect">
+            <a:avLst/>
+          </a:prstGeom>
+        </p:spPr>
+        <p:style>
+          <a:lnRef idx="1">
+            <a:schemeClr val="dk1"/>
+          </a:lnRef>
+          <a:fillRef idx="2">
+            <a:schemeClr val="dk1"/>
+          </a:fillRef>
+          <a:effectRef idx="1">
+            <a:schemeClr val="dk1"/>
+          </a:effectRef>
+          <a:fontRef idx="minor">
+            <a:schemeClr val="dk1"/>
+          </a:fontRef>
+        </p:style>
+        <p:txBody>
+          <a:bodyPr wrap="square" rtlCol="0">
+            <a:spAutoFit/>
+          </a:bodyPr>
+          <a:lstStyle/>
+          <a:p>
+            <a:pPr marL="285750" indent="-285750">
+              <a:buFont typeface="Arial" panose="020B0604020202020204" pitchFamily="34" charset="0"/>
+              <a:buChar char="•"/>
+            </a:pPr>
+            <a:r>
+              <a:rPr lang="es-ES" dirty="0">
+                <a:solidFill>
+                  <a:schemeClr val="bg1"/>
+                </a:solidFill>
+              </a:rPr>
+              <a:t>Datos declarados de los usuarios, mas allá de la información básica.</a:t>
+            </a:r>
+          </a:p>
+          <a:p>
+            <a:pPr marL="285750" indent="-285750">
+              <a:buFont typeface="Arial" panose="020B0604020202020204" pitchFamily="34" charset="0"/>
+              <a:buChar char="•"/>
+            </a:pPr>
+            <a:r>
+              <a:rPr lang="es-ES" dirty="0">
+                <a:solidFill>
+                  <a:schemeClr val="bg1"/>
+                </a:solidFill>
+              </a:rPr>
+              <a:t>Comportamiento en la red (historial de búsquedas, compras realizadas, interacciones en redes sociales, entre otros).</a:t>
+            </a:r>
+          </a:p>
+          <a:p>
+            <a:pPr marL="285750" indent="-285750">
+              <a:buFont typeface="Arial" panose="020B0604020202020204" pitchFamily="34" charset="0"/>
+              <a:buChar char="•"/>
+            </a:pPr>
+            <a:r>
+              <a:rPr lang="es-ES" dirty="0">
+                <a:solidFill>
+                  <a:schemeClr val="bg1"/>
+                </a:solidFill>
+              </a:rPr>
+              <a:t>Garantías de seguridad y privacidad de la información.</a:t>
+            </a:r>
+            <a:endParaRPr lang="es-CO" dirty="0">
+              <a:solidFill>
+                <a:schemeClr val="bg1"/>
+              </a:solidFill>
+            </a:endParaRPr>
+          </a:p>
+          <a:p>
+            <a:endParaRPr lang="es-CO" dirty="0">
+              <a:solidFill>
+                <a:schemeClr val="bg1"/>
+              </a:solidFill>
+            </a:endParaRPr>
+          </a:p>
+        </p:txBody>
+      </p:sp>
+      <p:sp>
+        <p:nvSpPr>
+          <p:cNvPr id="13" name="Flecha: curvada hacia arriba 12">
+            <a:extLst>
+              <a:ext uri="{FF2B5EF4-FFF2-40B4-BE49-F238E27FC236}">
+                <a16:creationId xmlns:a16="http://schemas.microsoft.com/office/drawing/2014/main" id="{BA19105A-27D7-48F2-A1E8-296489138B4C}"/>
+              </a:ext>
+            </a:extLst>
+          </p:cNvPr>
+          <p:cNvSpPr/>
+          <p:nvPr/>
+        </p:nvSpPr>
+        <p:spPr>
+          <a:xfrm>
+            <a:off x="3367088" y="5414158"/>
+            <a:ext cx="4976812" cy="1443841"/>
+          </a:xfrm>
+          <a:prstGeom prst="curvedUpArrow">
+            <a:avLst>
+              <a:gd name="adj1" fmla="val 19952"/>
+              <a:gd name="adj2" fmla="val 50000"/>
+              <a:gd name="adj3" fmla="val 43890"/>
+            </a:avLst>
+          </a:prstGeom>
+        </p:spPr>
+        <p:style>
+          <a:lnRef idx="2">
+            <a:schemeClr val="accent6"/>
+          </a:lnRef>
+          <a:fillRef idx="1">
+            <a:schemeClr val="lt1"/>
+          </a:fillRef>
+          <a:effectRef idx="0">
+            <a:schemeClr val="accent6"/>
+          </a:effectRef>
+          <a:fontRef idx="minor">
+            <a:schemeClr val="dk1"/>
+          </a:fontRef>
+        </p:style>
+        <p:txBody>
+          <a:bodyPr rtlCol="0" anchor="ctr"/>
+          <a:lstStyle/>
+          <a:p>
+            <a:pPr algn="ctr"/>
+            <a:endParaRPr lang="es-CO">
+              <a:solidFill>
+                <a:schemeClr val="tx1"/>
+              </a:solidFill>
+            </a:endParaRPr>
+          </a:p>
+        </p:txBody>
+      </p:sp>
+      <p:pic>
+        <p:nvPicPr>
+          <p:cNvPr id="15" name="Gráfico 14" descr="Internet con relleno sólido">
+            <a:extLst>
+              <a:ext uri="{FF2B5EF4-FFF2-40B4-BE49-F238E27FC236}">
+                <a16:creationId xmlns:a16="http://schemas.microsoft.com/office/drawing/2014/main" id="{6EC42FC6-7A25-4A84-AA63-553A3AA7D369}"/>
+              </a:ext>
+            </a:extLst>
+          </p:cNvPr>
+          <p:cNvPicPr>
+            <a:picLocks noChangeAspect="1"/>
+          </p:cNvPicPr>
+          <p:nvPr/>
+        </p:nvPicPr>
+        <p:blipFill>
+          <a:blip r:embed="rId3">
+            <a:extLst>
+              <a:ext uri="{28A0092B-C50C-407E-A947-70E740481C1C}">
+                <a14:useLocalDpi xmlns:a14="http://schemas.microsoft.com/office/drawing/2010/main" val="0"/>
+              </a:ext>
+              <a:ext uri="{96DAC541-7B7A-43D3-8B79-37D633B846F1}">
+                <asvg:svgBlip xmlns:asvg="http://schemas.microsoft.com/office/drawing/2016/SVG/main" r:embed="rId4"/>
+              </a:ext>
+            </a:extLst>
+          </a:blip>
+          <a:stretch>
+            <a:fillRect/>
+          </a:stretch>
+        </p:blipFill>
+        <p:spPr>
+          <a:xfrm>
+            <a:off x="5439977" y="5738345"/>
+            <a:ext cx="914400" cy="914400"/>
+          </a:xfrm>
+          <a:prstGeom prst="rect">
+            <a:avLst/>
+          </a:prstGeom>
+        </p:spPr>
+      </p:pic>
+      <p:pic>
+        <p:nvPicPr>
+          <p:cNvPr id="17" name="Gráfico 16" descr="Informática en la nube con relleno sólido">
+            <a:extLst>
+              <a:ext uri="{FF2B5EF4-FFF2-40B4-BE49-F238E27FC236}">
+                <a16:creationId xmlns:a16="http://schemas.microsoft.com/office/drawing/2014/main" id="{73E4625D-101D-4020-811F-DEA3EEC8D266}"/>
+              </a:ext>
+            </a:extLst>
+          </p:cNvPr>
+          <p:cNvPicPr>
+            <a:picLocks noChangeAspect="1"/>
+          </p:cNvPicPr>
+          <p:nvPr/>
+        </p:nvPicPr>
+        <p:blipFill>
+          <a:blip r:embed="rId5">
+            <a:extLst>
+              <a:ext uri="{28A0092B-C50C-407E-A947-70E740481C1C}">
+                <a14:useLocalDpi xmlns:a14="http://schemas.microsoft.com/office/drawing/2010/main" val="0"/>
+              </a:ext>
+              <a:ext uri="{96DAC541-7B7A-43D3-8B79-37D633B846F1}">
+                <asvg:svgBlip xmlns:asvg="http://schemas.microsoft.com/office/drawing/2016/SVG/main" r:embed="rId6"/>
+              </a:ext>
+            </a:extLst>
+          </a:blip>
+          <a:stretch>
+            <a:fillRect/>
+          </a:stretch>
+        </p:blipFill>
+        <p:spPr>
+          <a:xfrm>
+            <a:off x="4528537" y="5634770"/>
+            <a:ext cx="914400" cy="914400"/>
+          </a:xfrm>
+          <a:prstGeom prst="rect">
+            <a:avLst/>
+          </a:prstGeom>
+        </p:spPr>
+      </p:pic>
+      <p:pic>
+        <p:nvPicPr>
+          <p:cNvPr id="19" name="Gráfico 18" descr="Robot con relleno sólido">
+            <a:extLst>
+              <a:ext uri="{FF2B5EF4-FFF2-40B4-BE49-F238E27FC236}">
+                <a16:creationId xmlns:a16="http://schemas.microsoft.com/office/drawing/2014/main" id="{6A88425B-4879-4DB3-8447-398344B603F8}"/>
+              </a:ext>
+            </a:extLst>
+          </p:cNvPr>
+          <p:cNvPicPr>
+            <a:picLocks noChangeAspect="1"/>
+          </p:cNvPicPr>
+          <p:nvPr/>
+        </p:nvPicPr>
+        <p:blipFill>
+          <a:blip r:embed="rId7">
+            <a:extLst>
+              <a:ext uri="{28A0092B-C50C-407E-A947-70E740481C1C}">
+                <a14:useLocalDpi xmlns:a14="http://schemas.microsoft.com/office/drawing/2010/main" val="0"/>
+              </a:ext>
+              <a:ext uri="{96DAC541-7B7A-43D3-8B79-37D633B846F1}">
+                <asvg:svgBlip xmlns:asvg="http://schemas.microsoft.com/office/drawing/2016/SVG/main" r:embed="rId8"/>
+              </a:ext>
+            </a:extLst>
+          </a:blip>
+          <a:stretch>
+            <a:fillRect/>
+          </a:stretch>
+        </p:blipFill>
+        <p:spPr>
+          <a:xfrm>
+            <a:off x="6294824" y="5663345"/>
+            <a:ext cx="914400" cy="914400"/>
+          </a:xfrm>
+          <a:prstGeom prst="rect">
+            <a:avLst/>
+          </a:prstGeom>
+        </p:spPr>
+      </p:pic>
+      <p:sp>
+        <p:nvSpPr>
+          <p:cNvPr id="20" name="CuadroTexto 19">
+            <a:extLst>
+              <a:ext uri="{FF2B5EF4-FFF2-40B4-BE49-F238E27FC236}">
+                <a16:creationId xmlns:a16="http://schemas.microsoft.com/office/drawing/2014/main" id="{62F2D9C7-8CF0-4EDF-8C92-BEEB43434842}"/>
+              </a:ext>
+            </a:extLst>
+          </p:cNvPr>
+          <p:cNvSpPr txBox="1"/>
+          <p:nvPr/>
+        </p:nvSpPr>
+        <p:spPr>
+          <a:xfrm>
+            <a:off x="8217394" y="6091970"/>
+            <a:ext cx="2933700" cy="523220"/>
+          </a:xfrm>
+          <a:prstGeom prst="rect">
+            <a:avLst/>
+          </a:prstGeom>
+          <a:solidFill>
+            <a:srgbClr val="FF0000"/>
+          </a:solidFill>
+        </p:spPr>
+        <p:style>
+          <a:lnRef idx="0">
+            <a:schemeClr val="accent4"/>
+          </a:lnRef>
+          <a:fillRef idx="3">
+            <a:schemeClr val="accent4"/>
+          </a:fillRef>
+          <a:effectRef idx="3">
+            <a:schemeClr val="accent4"/>
+          </a:effectRef>
+          <a:fontRef idx="minor">
+            <a:schemeClr val="lt1"/>
+          </a:fontRef>
+        </p:style>
+        <p:txBody>
+          <a:bodyPr wrap="square" rtlCol="0">
+            <a:spAutoFit/>
+          </a:bodyPr>
+          <a:lstStyle/>
+          <a:p>
+            <a:pPr algn="ctr"/>
+            <a:r>
+              <a:rPr lang="es-ES" sz="2800" dirty="0"/>
+              <a:t>Desafíos</a:t>
+            </a:r>
+            <a:endParaRPr lang="es-CO" sz="2800" dirty="0"/>
           </a:p>
         </p:txBody>
       </p:sp>
     </p:spTree>
     <p:extLst>
       <p:ext uri="{BB962C8B-B14F-4D97-AF65-F5344CB8AC3E}">
-        <p14:creationId xmlns:p14="http://schemas.microsoft.com/office/powerpoint/2010/main" val="3824686634"/>
+        <p14:creationId xmlns:p14="http://schemas.microsoft.com/office/powerpoint/2010/main" val="1633117414"/>
       </p:ext>
     </p:extLst>
   </p:cSld>
   <p:clrMapOvr>
     <a:masterClrMapping/>
   </p:clrMapOvr>
+  <mc:AlternateContent xmlns:mc="http://schemas.openxmlformats.org/markup-compatibility/2006" xmlns:p14="http://schemas.microsoft.com/office/powerpoint/2010/main">
+    <mc:Choice Requires="p14">
+      <p:transition p14:dur="10" advClick="0" advTm="5400000"/>
+    </mc:Choice>
+    <mc:Fallback xmlns="">
+      <p:transition advClick="0" advTm="5400000"/>
+    </mc:Fallback>
+  </mc:AlternateContent>
 </p:sld>
 </file>
 
@@ -4481,52 +6101,384 @@
           <a:chExt cx="0" cy="0"/>
         </a:xfrm>
       </p:grpSpPr>
-      <p:sp>
-        <p:nvSpPr>
-          <p:cNvPr id="2" name="Título 1">
-            <a:extLst>
-              <a:ext uri="{FF2B5EF4-FFF2-40B4-BE49-F238E27FC236}">
-                <a16:creationId xmlns:a16="http://schemas.microsoft.com/office/drawing/2014/main" id="{E2DF751F-6D7F-46EC-B522-718056DB396E}"/>
-              </a:ext>
-            </a:extLst>
-          </p:cNvPr>
-          <p:cNvSpPr>
-            <a:spLocks noGrp="1"/>
-          </p:cNvSpPr>
-          <p:nvPr>
-            <p:ph type="title"/>
-          </p:nvPr>
-        </p:nvSpPr>
-        <p:spPr/>
-        <p:txBody>
-          <a:bodyPr/>
-          <a:lstStyle/>
-          <a:p>
-            <a:endParaRPr lang="es-CO"/>
-          </a:p>
-        </p:txBody>
-      </p:sp>
-      <p:sp>
-        <p:nvSpPr>
-          <p:cNvPr id="3" name="Marcador de contenido 2">
-            <a:extLst>
-              <a:ext uri="{FF2B5EF4-FFF2-40B4-BE49-F238E27FC236}">
-                <a16:creationId xmlns:a16="http://schemas.microsoft.com/office/drawing/2014/main" id="{750E137D-099F-43D6-8CA2-EB1A916A252B}"/>
-              </a:ext>
-            </a:extLst>
-          </p:cNvPr>
-          <p:cNvSpPr>
-            <a:spLocks noGrp="1"/>
-          </p:cNvSpPr>
-          <p:nvPr>
-            <p:ph idx="1"/>
-          </p:nvPr>
-        </p:nvSpPr>
-        <p:spPr/>
-        <p:txBody>
-          <a:bodyPr/>
-          <a:lstStyle/>
-          <a:p>
+      <p:pic>
+        <p:nvPicPr>
+          <p:cNvPr id="3076" name="Picture 4">
+            <a:extLst>
+              <a:ext uri="{FF2B5EF4-FFF2-40B4-BE49-F238E27FC236}">
+                <a16:creationId xmlns:a16="http://schemas.microsoft.com/office/drawing/2014/main" id="{403EF3F3-64A8-4D70-BD65-26B25CB851FF}"/>
+              </a:ext>
+            </a:extLst>
+          </p:cNvPr>
+          <p:cNvPicPr>
+            <a:picLocks noChangeAspect="1" noChangeArrowheads="1"/>
+          </p:cNvPicPr>
+          <p:nvPr/>
+        </p:nvPicPr>
+        <p:blipFill>
+          <a:blip r:embed="rId2">
+            <a:extLst>
+              <a:ext uri="{28A0092B-C50C-407E-A947-70E740481C1C}">
+                <a14:useLocalDpi xmlns:a14="http://schemas.microsoft.com/office/drawing/2010/main" val="0"/>
+              </a:ext>
+            </a:extLst>
+          </a:blip>
+          <a:srcRect/>
+          <a:stretch>
+            <a:fillRect/>
+          </a:stretch>
+        </p:blipFill>
+        <p:spPr bwMode="auto">
+          <a:xfrm>
+            <a:off x="0" y="0"/>
+            <a:ext cx="12192000" cy="6858000"/>
+          </a:xfrm>
+          <a:prstGeom prst="rect">
+            <a:avLst/>
+          </a:prstGeom>
+          <a:noFill/>
+          <a:extLst>
+            <a:ext uri="{909E8E84-426E-40DD-AFC4-6F175D3DCCD1}">
+              <a14:hiddenFill xmlns:a14="http://schemas.microsoft.com/office/drawing/2010/main">
+                <a:solidFill>
+                  <a:srgbClr val="FFFFFF"/>
+                </a:solidFill>
+              </a14:hiddenFill>
+            </a:ext>
+          </a:extLst>
+        </p:spPr>
+      </p:pic>
+      <p:sp>
+        <p:nvSpPr>
+          <p:cNvPr id="8" name="CuadroTexto 7">
+            <a:extLst>
+              <a:ext uri="{FF2B5EF4-FFF2-40B4-BE49-F238E27FC236}">
+                <a16:creationId xmlns:a16="http://schemas.microsoft.com/office/drawing/2014/main" id="{D078429F-8DB6-49D5-88F0-832F055DB3A5}"/>
+              </a:ext>
+            </a:extLst>
+          </p:cNvPr>
+          <p:cNvSpPr txBox="1"/>
+          <p:nvPr/>
+        </p:nvSpPr>
+        <p:spPr>
+          <a:xfrm>
+            <a:off x="304800" y="19050"/>
+            <a:ext cx="11582400" cy="923330"/>
+          </a:xfrm>
+          <a:prstGeom prst="rect">
+            <a:avLst/>
+          </a:prstGeom>
+          <a:noFill/>
+        </p:spPr>
+        <p:txBody>
+          <a:bodyPr wrap="square" rtlCol="0">
+            <a:spAutoFit/>
+          </a:bodyPr>
+          <a:lstStyle/>
+          <a:p>
+            <a:pPr algn="ctr"/>
+            <a:r>
+              <a:rPr lang="es-ES" sz="5400" b="1" dirty="0">
+                <a:solidFill>
+                  <a:schemeClr val="bg1"/>
+                </a:solidFill>
+              </a:rPr>
+              <a:t>Privacidad y protección de información</a:t>
+            </a:r>
+            <a:endParaRPr lang="es-CO" sz="5400" b="1" dirty="0">
+              <a:solidFill>
+                <a:schemeClr val="bg1"/>
+              </a:solidFill>
+            </a:endParaRPr>
+          </a:p>
+        </p:txBody>
+      </p:sp>
+      <p:sp>
+        <p:nvSpPr>
+          <p:cNvPr id="6" name="CuadroTexto 5">
+            <a:extLst>
+              <a:ext uri="{FF2B5EF4-FFF2-40B4-BE49-F238E27FC236}">
+                <a16:creationId xmlns:a16="http://schemas.microsoft.com/office/drawing/2014/main" id="{9AFD180D-E730-4B7B-8CE7-D5A9905D833D}"/>
+              </a:ext>
+            </a:extLst>
+          </p:cNvPr>
+          <p:cNvSpPr txBox="1"/>
+          <p:nvPr/>
+        </p:nvSpPr>
+        <p:spPr>
+          <a:xfrm>
+            <a:off x="133349" y="2028826"/>
+            <a:ext cx="3590926" cy="646331"/>
+          </a:xfrm>
+          <a:prstGeom prst="rect">
+            <a:avLst/>
+          </a:prstGeom>
+          <a:solidFill>
+            <a:schemeClr val="accent1">
+              <a:alpha val="50000"/>
+            </a:schemeClr>
+          </a:solidFill>
+          <a:ln>
+            <a:noFill/>
+          </a:ln>
+        </p:spPr>
+        <p:style>
+          <a:lnRef idx="0">
+            <a:scrgbClr r="0" g="0" b="0"/>
+          </a:lnRef>
+          <a:fillRef idx="0">
+            <a:scrgbClr r="0" g="0" b="0"/>
+          </a:fillRef>
+          <a:effectRef idx="0">
+            <a:scrgbClr r="0" g="0" b="0"/>
+          </a:effectRef>
+          <a:fontRef idx="minor">
+            <a:schemeClr val="lt1"/>
+          </a:fontRef>
+        </p:style>
+        <p:txBody>
+          <a:bodyPr wrap="square" rtlCol="0">
+            <a:spAutoFit/>
+          </a:bodyPr>
+          <a:lstStyle/>
+          <a:p>
+            <a:pPr algn="ctr"/>
+            <a:r>
+              <a:rPr lang="es-ES" dirty="0"/>
+              <a:t>Centralización vs. Descentralización de identidades</a:t>
+            </a:r>
+            <a:endParaRPr lang="es-CO" dirty="0"/>
+          </a:p>
+        </p:txBody>
+      </p:sp>
+      <p:sp>
+        <p:nvSpPr>
+          <p:cNvPr id="10" name="CuadroTexto 9">
+            <a:extLst>
+              <a:ext uri="{FF2B5EF4-FFF2-40B4-BE49-F238E27FC236}">
+                <a16:creationId xmlns:a16="http://schemas.microsoft.com/office/drawing/2014/main" id="{E30BB307-5FE0-4A59-A19B-A49ACA9D4385}"/>
+              </a:ext>
+            </a:extLst>
+          </p:cNvPr>
+          <p:cNvSpPr txBox="1"/>
+          <p:nvPr/>
+        </p:nvSpPr>
+        <p:spPr>
+          <a:xfrm>
+            <a:off x="4300537" y="5800726"/>
+            <a:ext cx="3590926" cy="646331"/>
+          </a:xfrm>
+          <a:prstGeom prst="rect">
+            <a:avLst/>
+          </a:prstGeom>
+          <a:solidFill>
+            <a:schemeClr val="accent1">
+              <a:alpha val="50000"/>
+            </a:schemeClr>
+          </a:solidFill>
+          <a:ln>
+            <a:noFill/>
+          </a:ln>
+        </p:spPr>
+        <p:style>
+          <a:lnRef idx="0">
+            <a:scrgbClr r="0" g="0" b="0"/>
+          </a:lnRef>
+          <a:fillRef idx="0">
+            <a:scrgbClr r="0" g="0" b="0"/>
+          </a:fillRef>
+          <a:effectRef idx="0">
+            <a:scrgbClr r="0" g="0" b="0"/>
+          </a:effectRef>
+          <a:fontRef idx="minor">
+            <a:schemeClr val="lt1"/>
+          </a:fontRef>
+        </p:style>
+        <p:txBody>
+          <a:bodyPr wrap="square" rtlCol="0">
+            <a:spAutoFit/>
+          </a:bodyPr>
+          <a:lstStyle/>
+          <a:p>
+            <a:pPr algn="ctr"/>
+            <a:r>
+              <a:rPr lang="es-ES" dirty="0"/>
+              <a:t>Uso inadecuado de datos personales</a:t>
+            </a:r>
+          </a:p>
+          <a:p>
+            <a:pPr algn="ctr"/>
+            <a:r>
+              <a:rPr lang="es-ES" dirty="0"/>
+              <a:t>(Usabilidad)</a:t>
+            </a:r>
+            <a:endParaRPr lang="es-CO" dirty="0"/>
+          </a:p>
+        </p:txBody>
+      </p:sp>
+      <p:sp>
+        <p:nvSpPr>
+          <p:cNvPr id="11" name="CuadroTexto 10">
+            <a:extLst>
+              <a:ext uri="{FF2B5EF4-FFF2-40B4-BE49-F238E27FC236}">
+                <a16:creationId xmlns:a16="http://schemas.microsoft.com/office/drawing/2014/main" id="{C06CC2D3-D803-4815-921A-11CA1A33AE4A}"/>
+              </a:ext>
+            </a:extLst>
+          </p:cNvPr>
+          <p:cNvSpPr txBox="1"/>
+          <p:nvPr/>
+        </p:nvSpPr>
+        <p:spPr>
+          <a:xfrm>
+            <a:off x="323848" y="5800726"/>
+            <a:ext cx="3590926" cy="646331"/>
+          </a:xfrm>
+          <a:prstGeom prst="rect">
+            <a:avLst/>
+          </a:prstGeom>
+          <a:solidFill>
+            <a:schemeClr val="accent1">
+              <a:alpha val="50000"/>
+            </a:schemeClr>
+          </a:solidFill>
+          <a:ln>
+            <a:noFill/>
+          </a:ln>
+        </p:spPr>
+        <p:style>
+          <a:lnRef idx="0">
+            <a:scrgbClr r="0" g="0" b="0"/>
+          </a:lnRef>
+          <a:fillRef idx="0">
+            <a:scrgbClr r="0" g="0" b="0"/>
+          </a:fillRef>
+          <a:effectRef idx="0">
+            <a:scrgbClr r="0" g="0" b="0"/>
+          </a:effectRef>
+          <a:fontRef idx="minor">
+            <a:schemeClr val="lt1"/>
+          </a:fontRef>
+        </p:style>
+        <p:txBody>
+          <a:bodyPr wrap="square" rtlCol="0">
+            <a:spAutoFit/>
+          </a:bodyPr>
+          <a:lstStyle/>
+          <a:p>
+            <a:pPr algn="ctr"/>
+            <a:r>
+              <a:rPr lang="es-ES" dirty="0"/>
+              <a:t>Fuga de datos y violaciones de privacidad</a:t>
+            </a:r>
+            <a:endParaRPr lang="es-CO" dirty="0"/>
+          </a:p>
+        </p:txBody>
+      </p:sp>
+      <p:sp>
+        <p:nvSpPr>
+          <p:cNvPr id="12" name="CuadroTexto 11">
+            <a:extLst>
+              <a:ext uri="{FF2B5EF4-FFF2-40B4-BE49-F238E27FC236}">
+                <a16:creationId xmlns:a16="http://schemas.microsoft.com/office/drawing/2014/main" id="{B2C2FFE5-44AA-4999-8FC6-D86451D0E87E}"/>
+              </a:ext>
+            </a:extLst>
+          </p:cNvPr>
+          <p:cNvSpPr txBox="1"/>
+          <p:nvPr/>
+        </p:nvSpPr>
+        <p:spPr>
+          <a:xfrm>
+            <a:off x="8277226" y="5800726"/>
+            <a:ext cx="3590926" cy="646331"/>
+          </a:xfrm>
+          <a:prstGeom prst="rect">
+            <a:avLst/>
+          </a:prstGeom>
+          <a:solidFill>
+            <a:schemeClr val="accent1">
+              <a:alpha val="50000"/>
+            </a:schemeClr>
+          </a:solidFill>
+          <a:ln>
+            <a:noFill/>
+          </a:ln>
+        </p:spPr>
+        <p:style>
+          <a:lnRef idx="0">
+            <a:scrgbClr r="0" g="0" b="0"/>
+          </a:lnRef>
+          <a:fillRef idx="0">
+            <a:scrgbClr r="0" g="0" b="0"/>
+          </a:fillRef>
+          <a:effectRef idx="0">
+            <a:scrgbClr r="0" g="0" b="0"/>
+          </a:effectRef>
+          <a:fontRef idx="minor">
+            <a:schemeClr val="lt1"/>
+          </a:fontRef>
+        </p:style>
+        <p:txBody>
+          <a:bodyPr wrap="square" rtlCol="0">
+            <a:spAutoFit/>
+          </a:bodyPr>
+          <a:lstStyle/>
+          <a:p>
+            <a:pPr algn="ctr"/>
+            <a:r>
+              <a:rPr lang="es-CO" dirty="0"/>
+              <a:t>Cumplimiento de normativas globales</a:t>
+            </a:r>
+          </a:p>
+        </p:txBody>
+      </p:sp>
+      <p:sp>
+        <p:nvSpPr>
+          <p:cNvPr id="7" name="Flecha: hacia abajo 6">
+            <a:extLst>
+              <a:ext uri="{FF2B5EF4-FFF2-40B4-BE49-F238E27FC236}">
+                <a16:creationId xmlns:a16="http://schemas.microsoft.com/office/drawing/2014/main" id="{0351690C-E838-4A33-A538-52433C6BD134}"/>
+              </a:ext>
+            </a:extLst>
+          </p:cNvPr>
+          <p:cNvSpPr/>
+          <p:nvPr/>
+        </p:nvSpPr>
+        <p:spPr>
+          <a:xfrm>
+            <a:off x="1600198" y="2905125"/>
+            <a:ext cx="519113" cy="2609850"/>
+          </a:xfrm>
+          <a:prstGeom prst="downArrow">
+            <a:avLst/>
+          </a:prstGeom>
+          <a:solidFill>
+            <a:schemeClr val="accent1">
+              <a:alpha val="50000"/>
+            </a:schemeClr>
+          </a:solidFill>
+          <a:ln>
+            <a:noFill/>
+          </a:ln>
+        </p:spPr>
+        <p:style>
+          <a:lnRef idx="0">
+            <a:scrgbClr r="0" g="0" b="0"/>
+          </a:lnRef>
+          <a:fillRef idx="0">
+            <a:scrgbClr r="0" g="0" b="0"/>
+          </a:fillRef>
+          <a:effectRef idx="0">
+            <a:scrgbClr r="0" g="0" b="0"/>
+          </a:effectRef>
+          <a:fontRef idx="minor">
+            <a:schemeClr val="lt1"/>
+          </a:fontRef>
+        </p:style>
+        <p:txBody>
+          <a:bodyPr rtlCol="0" anchor="ctr"/>
+          <a:lstStyle/>
+          <a:p>
+            <a:pPr algn="ctr"/>
             <a:endParaRPr lang="es-CO"/>
           </a:p>
         </p:txBody>
@@ -4534,13 +6486,21 @@
     </p:spTree>
     <p:extLst>
       <p:ext uri="{BB962C8B-B14F-4D97-AF65-F5344CB8AC3E}">
-        <p14:creationId xmlns:p14="http://schemas.microsoft.com/office/powerpoint/2010/main" val="121238447"/>
+        <p14:creationId xmlns:p14="http://schemas.microsoft.com/office/powerpoint/2010/main" val="3824686634"/>
       </p:ext>
     </p:extLst>
   </p:cSld>
   <p:clrMapOvr>
     <a:masterClrMapping/>
   </p:clrMapOvr>
+  <mc:AlternateContent xmlns:mc="http://schemas.openxmlformats.org/markup-compatibility/2006" xmlns:p14="http://schemas.microsoft.com/office/powerpoint/2010/main">
+    <mc:Choice Requires="p14">
+      <p:transition p14:dur="10" advClick="0" advTm="5400000"/>
+    </mc:Choice>
+    <mc:Fallback xmlns="">
+      <p:transition advClick="0" advTm="5400000"/>
+    </mc:Fallback>
+  </mc:AlternateContent>
 </p:sld>
 </file>
 
@@ -4566,7 +6526,7 @@
           <p:cNvPr id="2" name="Título 1">
             <a:extLst>
               <a:ext uri="{FF2B5EF4-FFF2-40B4-BE49-F238E27FC236}">
-                <a16:creationId xmlns:a16="http://schemas.microsoft.com/office/drawing/2014/main" id="{04C1A636-D3A2-4FA3-ADBF-CF55EC8AD1BE}"/>
+                <a16:creationId xmlns:a16="http://schemas.microsoft.com/office/drawing/2014/main" id="{E2DF751F-6D7F-46EC-B522-718056DB396E}"/>
               </a:ext>
             </a:extLst>
           </p:cNvPr>
@@ -4582,7 +6542,11 @@
           <a:bodyPr/>
           <a:lstStyle/>
           <a:p>
-            <a:endParaRPr lang="es-CO"/>
+            <a:r>
+              <a:rPr lang="es-MX" dirty="0"/>
+              <a:t>Enrique</a:t>
+            </a:r>
+            <a:endParaRPr lang="es-CO" dirty="0"/>
           </a:p>
         </p:txBody>
       </p:sp>
@@ -4591,7 +6555,7 @@
           <p:cNvPr id="3" name="Marcador de contenido 2">
             <a:extLst>
               <a:ext uri="{FF2B5EF4-FFF2-40B4-BE49-F238E27FC236}">
-                <a16:creationId xmlns:a16="http://schemas.microsoft.com/office/drawing/2014/main" id="{5BADBB80-1CBF-445F-91DD-84C4F76158C4}"/>
+                <a16:creationId xmlns:a16="http://schemas.microsoft.com/office/drawing/2014/main" id="{750E137D-099F-43D6-8CA2-EB1A916A252B}"/>
               </a:ext>
             </a:extLst>
           </p:cNvPr>
@@ -4614,13 +6578,21 @@
     </p:spTree>
     <p:extLst>
       <p:ext uri="{BB962C8B-B14F-4D97-AF65-F5344CB8AC3E}">
-        <p14:creationId xmlns:p14="http://schemas.microsoft.com/office/powerpoint/2010/main" val="3638649812"/>
+        <p14:creationId xmlns:p14="http://schemas.microsoft.com/office/powerpoint/2010/main" val="121238447"/>
       </p:ext>
     </p:extLst>
   </p:cSld>
   <p:clrMapOvr>
     <a:masterClrMapping/>
   </p:clrMapOvr>
+  <mc:AlternateContent xmlns:mc="http://schemas.openxmlformats.org/markup-compatibility/2006" xmlns:p14="http://schemas.microsoft.com/office/powerpoint/2010/main">
+    <mc:Choice Requires="p14">
+      <p:transition p14:dur="10" advClick="0" advTm="5400000"/>
+    </mc:Choice>
+    <mc:Fallback xmlns="">
+      <p:transition advClick="0" advTm="5400000"/>
+    </mc:Fallback>
+  </mc:AlternateContent>
 </p:sld>
 </file>
 
@@ -4646,7 +6618,7 @@
           <p:cNvPr id="2" name="Título 1">
             <a:extLst>
               <a:ext uri="{FF2B5EF4-FFF2-40B4-BE49-F238E27FC236}">
-                <a16:creationId xmlns:a16="http://schemas.microsoft.com/office/drawing/2014/main" id="{141575A2-32DE-424C-A701-5330758742F2}"/>
+                <a16:creationId xmlns:a16="http://schemas.microsoft.com/office/drawing/2014/main" id="{04C1A636-D3A2-4FA3-ADBF-CF55EC8AD1BE}"/>
               </a:ext>
             </a:extLst>
           </p:cNvPr>
@@ -4662,7 +6634,11 @@
           <a:bodyPr/>
           <a:lstStyle/>
           <a:p>
-            <a:endParaRPr lang="es-CO"/>
+            <a:r>
+              <a:rPr lang="es-MX" dirty="0"/>
+              <a:t>3. Interoperabilidad</a:t>
+            </a:r>
+            <a:endParaRPr lang="es-CO" dirty="0"/>
           </a:p>
         </p:txBody>
       </p:sp>
@@ -4671,7 +6647,7 @@
           <p:cNvPr id="3" name="Marcador de contenido 2">
             <a:extLst>
               <a:ext uri="{FF2B5EF4-FFF2-40B4-BE49-F238E27FC236}">
-                <a16:creationId xmlns:a16="http://schemas.microsoft.com/office/drawing/2014/main" id="{D4A48BB2-44AA-4BDC-AE5E-47FB5B869CC6}"/>
+                <a16:creationId xmlns:a16="http://schemas.microsoft.com/office/drawing/2014/main" id="{5BADBB80-1CBF-445F-91DD-84C4F76158C4}"/>
               </a:ext>
             </a:extLst>
           </p:cNvPr>
@@ -4694,13 +6670,21 @@
     </p:spTree>
     <p:extLst>
       <p:ext uri="{BB962C8B-B14F-4D97-AF65-F5344CB8AC3E}">
-        <p14:creationId xmlns:p14="http://schemas.microsoft.com/office/powerpoint/2010/main" val="3909752439"/>
+        <p14:creationId xmlns:p14="http://schemas.microsoft.com/office/powerpoint/2010/main" val="3638649812"/>
       </p:ext>
     </p:extLst>
   </p:cSld>
   <p:clrMapOvr>
     <a:masterClrMapping/>
   </p:clrMapOvr>
+  <mc:AlternateContent xmlns:mc="http://schemas.openxmlformats.org/markup-compatibility/2006" xmlns:p14="http://schemas.microsoft.com/office/powerpoint/2010/main">
+    <mc:Choice Requires="p14">
+      <p:transition p14:dur="10" advClick="0" advTm="5400000"/>
+    </mc:Choice>
+    <mc:Fallback xmlns="">
+      <p:transition advClick="0" advTm="5400000"/>
+    </mc:Fallback>
+  </mc:AlternateContent>
 </p:sld>
 </file>
 
@@ -4726,7 +6710,7 @@
           <p:cNvPr id="2" name="Título 1">
             <a:extLst>
               <a:ext uri="{FF2B5EF4-FFF2-40B4-BE49-F238E27FC236}">
-                <a16:creationId xmlns:a16="http://schemas.microsoft.com/office/drawing/2014/main" id="{C96D7D7A-8958-4FA2-B276-117158E345E0}"/>
+                <a16:creationId xmlns:a16="http://schemas.microsoft.com/office/drawing/2014/main" id="{141575A2-32DE-424C-A701-5330758742F2}"/>
               </a:ext>
             </a:extLst>
           </p:cNvPr>
@@ -4742,7 +6726,11 @@
           <a:bodyPr/>
           <a:lstStyle/>
           <a:p>
-            <a:endParaRPr lang="es-CO"/>
+            <a:r>
+              <a:rPr lang="es-MX" dirty="0"/>
+              <a:t>4. Seguridad y fraude</a:t>
+            </a:r>
+            <a:endParaRPr lang="es-CO" dirty="0"/>
           </a:p>
         </p:txBody>
       </p:sp>
@@ -4751,7 +6739,7 @@
           <p:cNvPr id="3" name="Marcador de contenido 2">
             <a:extLst>
               <a:ext uri="{FF2B5EF4-FFF2-40B4-BE49-F238E27FC236}">
-                <a16:creationId xmlns:a16="http://schemas.microsoft.com/office/drawing/2014/main" id="{80C5BB57-E45C-47FD-8AC8-E5D3BE66B2A4}"/>
+                <a16:creationId xmlns:a16="http://schemas.microsoft.com/office/drawing/2014/main" id="{D4A48BB2-44AA-4BDC-AE5E-47FB5B869CC6}"/>
               </a:ext>
             </a:extLst>
           </p:cNvPr>
@@ -4774,13 +6762,21 @@
     </p:spTree>
     <p:extLst>
       <p:ext uri="{BB962C8B-B14F-4D97-AF65-F5344CB8AC3E}">
-        <p14:creationId xmlns:p14="http://schemas.microsoft.com/office/powerpoint/2010/main" val="2095245258"/>
+        <p14:creationId xmlns:p14="http://schemas.microsoft.com/office/powerpoint/2010/main" val="3909752439"/>
       </p:ext>
     </p:extLst>
   </p:cSld>
   <p:clrMapOvr>
     <a:masterClrMapping/>
   </p:clrMapOvr>
+  <mc:AlternateContent xmlns:mc="http://schemas.openxmlformats.org/markup-compatibility/2006" xmlns:p14="http://schemas.microsoft.com/office/powerpoint/2010/main">
+    <mc:Choice Requires="p14">
+      <p:transition p14:dur="10" advClick="0" advTm="5400000"/>
+    </mc:Choice>
+    <mc:Fallback xmlns="">
+      <p:transition advClick="0" advTm="5400000"/>
+    </mc:Fallback>
+  </mc:AlternateContent>
 </p:sld>
 </file>
 
@@ -4806,7 +6802,7 @@
           <p:cNvPr id="2" name="Título 1">
             <a:extLst>
               <a:ext uri="{FF2B5EF4-FFF2-40B4-BE49-F238E27FC236}">
-                <a16:creationId xmlns:a16="http://schemas.microsoft.com/office/drawing/2014/main" id="{075B7DE7-63C5-48E2-ABD6-C29042A28050}"/>
+                <a16:creationId xmlns:a16="http://schemas.microsoft.com/office/drawing/2014/main" id="{C96D7D7A-8958-4FA2-B276-117158E345E0}"/>
               </a:ext>
             </a:extLst>
           </p:cNvPr>
@@ -4822,7 +6818,15 @@
           <a:bodyPr/>
           <a:lstStyle/>
           <a:p>
-            <a:endParaRPr lang="es-CO"/>
+            <a:r>
+              <a:rPr lang="es-MX" dirty="0" err="1"/>
+              <a:t>Raul</a:t>
+            </a:r>
+            <a:r>
+              <a:rPr lang="es-MX" dirty="0"/>
+              <a:t> Garay</a:t>
+            </a:r>
+            <a:endParaRPr lang="es-CO" dirty="0"/>
           </a:p>
         </p:txBody>
       </p:sp>
@@ -4831,7 +6835,7 @@
           <p:cNvPr id="3" name="Marcador de contenido 2">
             <a:extLst>
               <a:ext uri="{FF2B5EF4-FFF2-40B4-BE49-F238E27FC236}">
-                <a16:creationId xmlns:a16="http://schemas.microsoft.com/office/drawing/2014/main" id="{39C09A13-4035-4711-87ED-8DE3DE2ED9AA}"/>
+                <a16:creationId xmlns:a16="http://schemas.microsoft.com/office/drawing/2014/main" id="{80C5BB57-E45C-47FD-8AC8-E5D3BE66B2A4}"/>
               </a:ext>
             </a:extLst>
           </p:cNvPr>
@@ -4854,13 +6858,21 @@
     </p:spTree>
     <p:extLst>
       <p:ext uri="{BB962C8B-B14F-4D97-AF65-F5344CB8AC3E}">
-        <p14:creationId xmlns:p14="http://schemas.microsoft.com/office/powerpoint/2010/main" val="1600950127"/>
+        <p14:creationId xmlns:p14="http://schemas.microsoft.com/office/powerpoint/2010/main" val="2095245258"/>
       </p:ext>
     </p:extLst>
   </p:cSld>
   <p:clrMapOvr>
     <a:masterClrMapping/>
   </p:clrMapOvr>
+  <mc:AlternateContent xmlns:mc="http://schemas.openxmlformats.org/markup-compatibility/2006" xmlns:p14="http://schemas.microsoft.com/office/powerpoint/2010/main">
+    <mc:Choice Requires="p14">
+      <p:transition p14:dur="10" advClick="0" advTm="5400000"/>
+    </mc:Choice>
+    <mc:Fallback xmlns="">
+      <p:transition advClick="0" advTm="5400000"/>
+    </mc:Fallback>
+  </mc:AlternateContent>
 </p:sld>
 </file>
 
@@ -4886,7 +6898,7 @@
           <p:cNvPr id="2" name="Título 1">
             <a:extLst>
               <a:ext uri="{FF2B5EF4-FFF2-40B4-BE49-F238E27FC236}">
-                <a16:creationId xmlns:a16="http://schemas.microsoft.com/office/drawing/2014/main" id="{55E123AC-0D93-45D3-92F4-7F96A7BE8A99}"/>
+                <a16:creationId xmlns:a16="http://schemas.microsoft.com/office/drawing/2014/main" id="{075B7DE7-63C5-48E2-ABD6-C29042A28050}"/>
               </a:ext>
             </a:extLst>
           </p:cNvPr>
@@ -4902,7 +6914,11 @@
           <a:bodyPr/>
           <a:lstStyle/>
           <a:p>
-            <a:endParaRPr lang="es-CO"/>
+            <a:r>
+              <a:rPr lang="es-MX" dirty="0"/>
+              <a:t>5.	Autenticación y acceso</a:t>
+            </a:r>
+            <a:endParaRPr lang="es-CO" dirty="0"/>
           </a:p>
         </p:txBody>
       </p:sp>
@@ -4911,7 +6927,7 @@
           <p:cNvPr id="3" name="Marcador de contenido 2">
             <a:extLst>
               <a:ext uri="{FF2B5EF4-FFF2-40B4-BE49-F238E27FC236}">
-                <a16:creationId xmlns:a16="http://schemas.microsoft.com/office/drawing/2014/main" id="{4AB839DF-87B6-4A27-B203-B32B4CEA8E44}"/>
+                <a16:creationId xmlns:a16="http://schemas.microsoft.com/office/drawing/2014/main" id="{39C09A13-4035-4711-87ED-8DE3DE2ED9AA}"/>
               </a:ext>
             </a:extLst>
           </p:cNvPr>
@@ -4934,13 +6950,21 @@
     </p:spTree>
     <p:extLst>
       <p:ext uri="{BB962C8B-B14F-4D97-AF65-F5344CB8AC3E}">
-        <p14:creationId xmlns:p14="http://schemas.microsoft.com/office/powerpoint/2010/main" val="2504175435"/>
+        <p14:creationId xmlns:p14="http://schemas.microsoft.com/office/powerpoint/2010/main" val="1600950127"/>
       </p:ext>
     </p:extLst>
   </p:cSld>
   <p:clrMapOvr>
     <a:masterClrMapping/>
   </p:clrMapOvr>
+  <mc:AlternateContent xmlns:mc="http://schemas.openxmlformats.org/markup-compatibility/2006" xmlns:p14="http://schemas.microsoft.com/office/powerpoint/2010/main">
+    <mc:Choice Requires="p14">
+      <p:transition p14:dur="10" advClick="0" advTm="5400000"/>
+    </mc:Choice>
+    <mc:Fallback xmlns="">
+      <p:transition advClick="0" advTm="5400000"/>
+    </mc:Fallback>
+  </mc:AlternateContent>
 </p:sld>
 </file>
 

--- a/Grupo 3/Presentación identidad digital.pptx
+++ b/Grupo 3/Presentación identidad digital.pptx
@@ -17,7 +17,7 @@
     <p:sldId id="264" r:id="rId11"/>
     <p:sldId id="265" r:id="rId12"/>
     <p:sldId id="266" r:id="rId13"/>
-    <p:sldId id="267" r:id="rId14"/>
+    <p:sldId id="279" r:id="rId14"/>
     <p:sldId id="268" r:id="rId15"/>
     <p:sldId id="269" r:id="rId16"/>
     <p:sldId id="270" r:id="rId17"/>
@@ -280,7 +280,7 @@
           <a:p>
             <a:fld id="{51A6CD36-4D4B-46BD-9B67-2BAEF2766258}" type="datetimeFigureOut">
               <a:rPr lang="es-CO" smtClean="0"/>
-              <a:t>16/10/2024</a:t>
+              <a:t>17/10/2024</a:t>
             </a:fld>
             <a:endParaRPr lang="es-CO"/>
           </a:p>
@@ -488,7 +488,7 @@
           <a:p>
             <a:fld id="{51A6CD36-4D4B-46BD-9B67-2BAEF2766258}" type="datetimeFigureOut">
               <a:rPr lang="es-CO" smtClean="0"/>
-              <a:t>16/10/2024</a:t>
+              <a:t>17/10/2024</a:t>
             </a:fld>
             <a:endParaRPr lang="es-CO"/>
           </a:p>
@@ -706,7 +706,7 @@
           <a:p>
             <a:fld id="{51A6CD36-4D4B-46BD-9B67-2BAEF2766258}" type="datetimeFigureOut">
               <a:rPr lang="es-CO" smtClean="0"/>
-              <a:t>16/10/2024</a:t>
+              <a:t>17/10/2024</a:t>
             </a:fld>
             <a:endParaRPr lang="es-CO"/>
           </a:p>
@@ -914,7 +914,7 @@
           <a:p>
             <a:fld id="{51A6CD36-4D4B-46BD-9B67-2BAEF2766258}" type="datetimeFigureOut">
               <a:rPr lang="es-CO" smtClean="0"/>
-              <a:t>16/10/2024</a:t>
+              <a:t>17/10/2024</a:t>
             </a:fld>
             <a:endParaRPr lang="es-CO"/>
           </a:p>
@@ -1198,7 +1198,7 @@
           <a:p>
             <a:fld id="{51A6CD36-4D4B-46BD-9B67-2BAEF2766258}" type="datetimeFigureOut">
               <a:rPr lang="es-CO" smtClean="0"/>
-              <a:t>16/10/2024</a:t>
+              <a:t>17/10/2024</a:t>
             </a:fld>
             <a:endParaRPr lang="es-CO"/>
           </a:p>
@@ -1474,7 +1474,7 @@
           <a:p>
             <a:fld id="{51A6CD36-4D4B-46BD-9B67-2BAEF2766258}" type="datetimeFigureOut">
               <a:rPr lang="es-CO" smtClean="0"/>
-              <a:t>16/10/2024</a:t>
+              <a:t>17/10/2024</a:t>
             </a:fld>
             <a:endParaRPr lang="es-CO"/>
           </a:p>
@@ -1897,7 +1897,7 @@
           <a:p>
             <a:fld id="{51A6CD36-4D4B-46BD-9B67-2BAEF2766258}" type="datetimeFigureOut">
               <a:rPr lang="es-CO" smtClean="0"/>
-              <a:t>16/10/2024</a:t>
+              <a:t>17/10/2024</a:t>
             </a:fld>
             <a:endParaRPr lang="es-CO"/>
           </a:p>
@@ -2047,7 +2047,7 @@
           <a:p>
             <a:fld id="{51A6CD36-4D4B-46BD-9B67-2BAEF2766258}" type="datetimeFigureOut">
               <a:rPr lang="es-CO" smtClean="0"/>
-              <a:t>16/10/2024</a:t>
+              <a:t>17/10/2024</a:t>
             </a:fld>
             <a:endParaRPr lang="es-CO"/>
           </a:p>
@@ -2168,7 +2168,7 @@
           <a:p>
             <a:fld id="{51A6CD36-4D4B-46BD-9B67-2BAEF2766258}" type="datetimeFigureOut">
               <a:rPr lang="es-CO" smtClean="0"/>
-              <a:t>16/10/2024</a:t>
+              <a:t>17/10/2024</a:t>
             </a:fld>
             <a:endParaRPr lang="es-CO"/>
           </a:p>
@@ -2489,7 +2489,7 @@
           <a:p>
             <a:fld id="{51A6CD36-4D4B-46BD-9B67-2BAEF2766258}" type="datetimeFigureOut">
               <a:rPr lang="es-CO" smtClean="0"/>
-              <a:t>16/10/2024</a:t>
+              <a:t>17/10/2024</a:t>
             </a:fld>
             <a:endParaRPr lang="es-CO"/>
           </a:p>
@@ -2786,7 +2786,7 @@
           <a:p>
             <a:fld id="{51A6CD36-4D4B-46BD-9B67-2BAEF2766258}" type="datetimeFigureOut">
               <a:rPr lang="es-CO" smtClean="0"/>
-              <a:t>16/10/2024</a:t>
+              <a:t>17/10/2024</a:t>
             </a:fld>
             <a:endParaRPr lang="es-CO"/>
           </a:p>
@@ -3037,7 +3037,7 @@
           <a:p>
             <a:fld id="{51A6CD36-4D4B-46BD-9B67-2BAEF2766258}" type="datetimeFigureOut">
               <a:rPr lang="es-CO" smtClean="0"/>
-              <a:t>16/10/2024</a:t>
+              <a:t>17/10/2024</a:t>
             </a:fld>
             <a:endParaRPr lang="es-CO"/>
           </a:p>
@@ -3632,6 +3632,14 @@
 <file path=ppt/slides/slide11.xml><?xml version="1.0" encoding="utf-8"?>
 <p:sld xmlns:a="http://schemas.openxmlformats.org/drawingml/2006/main" xmlns:r="http://schemas.openxmlformats.org/officeDocument/2006/relationships" xmlns:p="http://schemas.openxmlformats.org/presentationml/2006/main">
   <p:cSld>
+    <p:bg>
+      <p:bgPr>
+        <a:solidFill>
+          <a:schemeClr val="bg1"/>
+        </a:solidFill>
+        <a:effectLst/>
+      </p:bgPr>
+    </p:bg>
     <p:spTree>
       <p:nvGrpSpPr>
         <p:cNvPr id="1" name=""/>
@@ -3646,6 +3654,66 @@
           <a:chExt cx="0" cy="0"/>
         </a:xfrm>
       </p:grpSpPr>
+      <p:sp useBgFill="1">
+        <p:nvSpPr>
+          <p:cNvPr id="49" name="Rectangle 48">
+            <a:extLst>
+              <a:ext uri="{FF2B5EF4-FFF2-40B4-BE49-F238E27FC236}">
+                <a16:creationId xmlns:a16="http://schemas.microsoft.com/office/drawing/2014/main" id="{D009D6D5-DAC2-4A8B-A17A-E206B9012D09}"/>
+              </a:ext>
+              <a:ext uri="{C183D7F6-B498-43B3-948B-1728B52AA6E4}">
+                <adec:decorative xmlns:adec="http://schemas.microsoft.com/office/drawing/2017/decorative" val="1"/>
+              </a:ext>
+            </a:extLst>
+          </p:cNvPr>
+          <p:cNvSpPr>
+            <a:spLocks noGrp="1" noRot="1" noChangeAspect="1" noMove="1" noResize="1" noEditPoints="1" noAdjustHandles="1" noChangeArrowheads="1" noChangeShapeType="1" noTextEdit="1"/>
+          </p:cNvSpPr>
+          <p:nvPr>
+            <p:extLst>
+              <p:ext uri="{386F3935-93C4-4BCD-93E2-E3B085C9AB24}">
+                <p16:designElem xmlns:p16="http://schemas.microsoft.com/office/powerpoint/2015/main" val="1"/>
+              </p:ext>
+            </p:extLst>
+          </p:nvPr>
+        </p:nvSpPr>
+        <p:spPr>
+          <a:xfrm>
+            <a:off x="0" y="0"/>
+            <a:ext cx="12188952" cy="6858000"/>
+          </a:xfrm>
+          <a:prstGeom prst="rect">
+            <a:avLst/>
+          </a:prstGeom>
+          <a:ln>
+            <a:noFill/>
+          </a:ln>
+        </p:spPr>
+        <p:style>
+          <a:lnRef idx="2">
+            <a:schemeClr val="accent1">
+              <a:shade val="50000"/>
+            </a:schemeClr>
+          </a:lnRef>
+          <a:fillRef idx="1">
+            <a:schemeClr val="accent1"/>
+          </a:fillRef>
+          <a:effectRef idx="0">
+            <a:schemeClr val="accent1"/>
+          </a:effectRef>
+          <a:fontRef idx="minor">
+            <a:schemeClr val="lt1"/>
+          </a:fontRef>
+        </p:style>
+        <p:txBody>
+          <a:bodyPr rtlCol="0" anchor="ctr"/>
+          <a:lstStyle/>
+          <a:p>
+            <a:pPr algn="ctr"/>
+            <a:endParaRPr lang="en-US"/>
+          </a:p>
+        </p:txBody>
+      </p:sp>
       <p:sp>
         <p:nvSpPr>
           <p:cNvPr id="2" name="Título 1">
@@ -3662,24 +3730,23 @@
             <p:ph type="title"/>
           </p:nvPr>
         </p:nvSpPr>
-        <p:spPr/>
-        <p:txBody>
-          <a:bodyPr/>
+        <p:spPr>
+          <a:xfrm>
+            <a:off x="838201" y="365125"/>
+            <a:ext cx="5251316" cy="1807305"/>
+          </a:xfrm>
+        </p:spPr>
+        <p:txBody>
+          <a:bodyPr>
+            <a:normAutofit/>
+          </a:bodyPr>
           <a:lstStyle/>
           <a:p>
             <a:r>
-              <a:rPr lang="es-MX" dirty="0"/>
-              <a:t>Pedro </a:t>
-            </a:r>
-            <a:r>
-              <a:rPr lang="es-MX" dirty="0" err="1"/>
-              <a:t>TellezTendencias</a:t>
-            </a:r>
-            <a:r>
-              <a:rPr lang="es-MX" dirty="0"/>
-              <a:t> emergentes en la identidad digital</a:t>
-            </a:r>
-            <a:endParaRPr lang="es-CO" dirty="0"/>
+              <a:rPr lang="es-MX" sz="4100" dirty="0"/>
+              <a:t>Tendencias emergentes en la identidad digital</a:t>
+            </a:r>
+            <a:endParaRPr lang="es-CO" sz="4100" dirty="0"/>
           </a:p>
         </p:txBody>
       </p:sp>
@@ -3699,15 +3766,541 @@
             <p:ph idx="1"/>
           </p:nvPr>
         </p:nvSpPr>
-        <p:spPr/>
-        <p:txBody>
-          <a:bodyPr/>
+        <p:spPr>
+          <a:xfrm>
+            <a:off x="838200" y="2333297"/>
+            <a:ext cx="4619621" cy="3843666"/>
+          </a:xfrm>
+        </p:spPr>
+        <p:txBody>
+          <a:bodyPr>
+            <a:normAutofit/>
+          </a:bodyPr>
           <a:lstStyle/>
           <a:p>
-            <a:endParaRPr lang="es-CO" dirty="0"/>
-          </a:p>
-        </p:txBody>
-      </p:sp>
+            <a:r>
+              <a:rPr lang="es-MX" sz="2000" dirty="0">
+                <a:latin typeface="Arial" panose="020B0604020202020204" pitchFamily="34" charset="0"/>
+                <a:ea typeface="Times New Roman" panose="02020603050405020304" pitchFamily="18" charset="0"/>
+              </a:rPr>
+              <a:t>Incluyen la digitalización de la identidad, innovaciones tecnológicas de identidad con IA, biometría, identidad digital descentralizada, redes sociales y ciberseguridad. </a:t>
+            </a:r>
+            <a:endParaRPr lang="es-MX" sz="2000">
+              <a:latin typeface="Arial" panose="020B0604020202020204" pitchFamily="34" charset="0"/>
+              <a:ea typeface="Times New Roman" panose="02020603050405020304" pitchFamily="18" charset="0"/>
+            </a:endParaRPr>
+          </a:p>
+          <a:p>
+            <a:endParaRPr lang="es-MX" sz="2000">
+              <a:latin typeface="Arial" panose="020B0604020202020204" pitchFamily="34" charset="0"/>
+              <a:ea typeface="Times New Roman" panose="02020603050405020304" pitchFamily="18" charset="0"/>
+            </a:endParaRPr>
+          </a:p>
+          <a:p>
+            <a:r>
+              <a:rPr lang="es-MX" sz="2000" dirty="0">
+                <a:latin typeface="Arial" panose="020B0604020202020204" pitchFamily="34" charset="0"/>
+                <a:ea typeface="Times New Roman" panose="02020603050405020304" pitchFamily="18" charset="0"/>
+              </a:rPr>
+              <a:t>Estas tendencias cambiarán la forma en que interactuamos con los sistemas digitales y cómo protegemos nuestra información confidencial.</a:t>
+            </a:r>
+            <a:endParaRPr lang="es-CO" sz="2000"/>
+          </a:p>
+        </p:txBody>
+      </p:sp>
+      <p:pic>
+        <p:nvPicPr>
+          <p:cNvPr id="8" name="Imagen 7">
+            <a:extLst>
+              <a:ext uri="{FF2B5EF4-FFF2-40B4-BE49-F238E27FC236}">
+                <a16:creationId xmlns:a16="http://schemas.microsoft.com/office/drawing/2014/main" id="{6FC332BE-FD95-F921-23B8-41C99C82FAD3}"/>
+              </a:ext>
+            </a:extLst>
+          </p:cNvPr>
+          <p:cNvPicPr>
+            <a:picLocks noChangeAspect="1"/>
+          </p:cNvPicPr>
+          <p:nvPr/>
+        </p:nvPicPr>
+        <p:blipFill>
+          <a:blip r:embed="rId2"/>
+          <a:srcRect l="25171" r="27878"/>
+          <a:stretch/>
+        </p:blipFill>
+        <p:spPr>
+          <a:xfrm>
+            <a:off x="6229215" y="10"/>
+            <a:ext cx="5962785" cy="6857990"/>
+          </a:xfrm>
+          <a:custGeom>
+            <a:avLst/>
+            <a:gdLst/>
+            <a:ahLst/>
+            <a:cxnLst/>
+            <a:rect l="l" t="t" r="r" b="b"/>
+            <a:pathLst>
+              <a:path w="5962785" h="6858000">
+                <a:moveTo>
+                  <a:pt x="1044839" y="0"/>
+                </a:moveTo>
+                <a:lnTo>
+                  <a:pt x="5962785" y="0"/>
+                </a:lnTo>
+                <a:lnTo>
+                  <a:pt x="5962785" y="6858000"/>
+                </a:lnTo>
+                <a:lnTo>
+                  <a:pt x="1469886" y="6858000"/>
+                </a:lnTo>
+                <a:lnTo>
+                  <a:pt x="1416006" y="6823984"/>
+                </a:lnTo>
+                <a:cubicBezTo>
+                  <a:pt x="1356767" y="6787940"/>
+                  <a:pt x="1296437" y="6755500"/>
+                  <a:pt x="1232473" y="6733873"/>
+                </a:cubicBezTo>
+                <a:cubicBezTo>
+                  <a:pt x="1145250" y="6705037"/>
+                  <a:pt x="1060933" y="6654575"/>
+                  <a:pt x="1075471" y="6503186"/>
+                </a:cubicBezTo>
+                <a:cubicBezTo>
+                  <a:pt x="1078378" y="6459932"/>
+                  <a:pt x="1055118" y="6427493"/>
+                  <a:pt x="1020229" y="6438306"/>
+                </a:cubicBezTo>
+                <a:cubicBezTo>
+                  <a:pt x="953358" y="6459932"/>
+                  <a:pt x="921375" y="6398656"/>
+                  <a:pt x="883579" y="6351798"/>
+                </a:cubicBezTo>
+                <a:cubicBezTo>
+                  <a:pt x="816707" y="6268895"/>
+                  <a:pt x="752743" y="6182387"/>
+                  <a:pt x="645167" y="6167969"/>
+                </a:cubicBezTo>
+                <a:cubicBezTo>
+                  <a:pt x="665519" y="6103088"/>
+                  <a:pt x="700408" y="6110298"/>
+                  <a:pt x="732391" y="6124716"/>
+                </a:cubicBezTo>
+                <a:cubicBezTo>
+                  <a:pt x="816707" y="6160761"/>
+                  <a:pt x="901023" y="6200410"/>
+                  <a:pt x="985339" y="6236455"/>
+                </a:cubicBezTo>
+                <a:cubicBezTo>
+                  <a:pt x="1040581" y="6258081"/>
+                  <a:pt x="1095822" y="6290522"/>
+                  <a:pt x="1168509" y="6265291"/>
+                </a:cubicBezTo>
+                <a:cubicBezTo>
+                  <a:pt x="1104545" y="6135530"/>
+                  <a:pt x="996969" y="6110298"/>
+                  <a:pt x="909746" y="6070649"/>
+                </a:cubicBezTo>
+                <a:cubicBezTo>
+                  <a:pt x="802169" y="6020185"/>
+                  <a:pt x="738206" y="5926470"/>
+                  <a:pt x="659704" y="5818335"/>
+                </a:cubicBezTo>
+                <a:cubicBezTo>
+                  <a:pt x="738206" y="5789500"/>
+                  <a:pt x="787632" y="5868798"/>
+                  <a:pt x="851597" y="5865193"/>
+                </a:cubicBezTo>
+                <a:cubicBezTo>
+                  <a:pt x="854504" y="5854380"/>
+                  <a:pt x="860319" y="5832753"/>
+                  <a:pt x="860319" y="5832753"/>
+                </a:cubicBezTo>
+                <a:cubicBezTo>
+                  <a:pt x="755650" y="5775081"/>
+                  <a:pt x="709132" y="5666947"/>
+                  <a:pt x="691686" y="5533581"/>
+                </a:cubicBezTo>
+                <a:cubicBezTo>
+                  <a:pt x="685872" y="5465095"/>
+                  <a:pt x="648075" y="5443468"/>
+                  <a:pt x="610278" y="5411029"/>
+                </a:cubicBezTo>
+                <a:cubicBezTo>
+                  <a:pt x="482350" y="5299289"/>
+                  <a:pt x="345700" y="5198364"/>
+                  <a:pt x="238123" y="5046976"/>
+                </a:cubicBezTo>
+                <a:cubicBezTo>
+                  <a:pt x="363144" y="5064998"/>
+                  <a:pt x="461997" y="5165924"/>
+                  <a:pt x="592833" y="5209177"/>
+                </a:cubicBezTo>
+                <a:cubicBezTo>
+                  <a:pt x="488165" y="5043371"/>
+                  <a:pt x="351514" y="4956864"/>
+                  <a:pt x="226494" y="4855939"/>
+                </a:cubicBezTo>
+                <a:cubicBezTo>
+                  <a:pt x="168344" y="4809081"/>
+                  <a:pt x="116011" y="4751408"/>
+                  <a:pt x="49139" y="4726177"/>
+                </a:cubicBezTo>
+                <a:cubicBezTo>
+                  <a:pt x="25879" y="4718968"/>
+                  <a:pt x="-14825" y="4700947"/>
+                  <a:pt x="5527" y="4650483"/>
+                </a:cubicBezTo>
+                <a:cubicBezTo>
+                  <a:pt x="22972" y="4607230"/>
+                  <a:pt x="54954" y="4621648"/>
+                  <a:pt x="84029" y="4632460"/>
+                </a:cubicBezTo>
+                <a:cubicBezTo>
+                  <a:pt x="153807" y="4661296"/>
+                  <a:pt x="229401" y="4661296"/>
+                  <a:pt x="325347" y="4661296"/>
+                </a:cubicBezTo>
+                <a:cubicBezTo>
+                  <a:pt x="243939" y="4524326"/>
+                  <a:pt x="95658" y="4567580"/>
+                  <a:pt x="25879" y="4423401"/>
+                </a:cubicBezTo>
+                <a:cubicBezTo>
+                  <a:pt x="113103" y="4398170"/>
+                  <a:pt x="179975" y="4448632"/>
+                  <a:pt x="249753" y="4459446"/>
+                </a:cubicBezTo>
+                <a:cubicBezTo>
+                  <a:pt x="313718" y="4470259"/>
+                  <a:pt x="328254" y="4445028"/>
+                  <a:pt x="313718" y="4365729"/>
+                </a:cubicBezTo>
+                <a:cubicBezTo>
+                  <a:pt x="290458" y="4243177"/>
+                  <a:pt x="325347" y="4181900"/>
+                  <a:pt x="418386" y="4214341"/>
+                </a:cubicBezTo>
+                <a:cubicBezTo>
+                  <a:pt x="505609" y="4246781"/>
+                  <a:pt x="514332" y="4199922"/>
+                  <a:pt x="491072" y="4131438"/>
+                </a:cubicBezTo>
+                <a:cubicBezTo>
+                  <a:pt x="456183" y="4030512"/>
+                  <a:pt x="493979" y="3951214"/>
+                  <a:pt x="520147" y="3864706"/>
+                </a:cubicBezTo>
+                <a:cubicBezTo>
+                  <a:pt x="560851" y="3734945"/>
+                  <a:pt x="543407" y="3670064"/>
+                  <a:pt x="459090" y="3572743"/>
+                </a:cubicBezTo>
+                <a:cubicBezTo>
+                  <a:pt x="409664" y="3518676"/>
+                  <a:pt x="360236" y="3471818"/>
+                  <a:pt x="290458" y="3424959"/>
+                </a:cubicBezTo>
+                <a:cubicBezTo>
+                  <a:pt x="450368" y="3399728"/>
+                  <a:pt x="284643" y="3313221"/>
+                  <a:pt x="339884" y="3259153"/>
+                </a:cubicBezTo>
+                <a:cubicBezTo>
+                  <a:pt x="453275" y="3237527"/>
+                  <a:pt x="543407" y="3410542"/>
+                  <a:pt x="697501" y="3360078"/>
+                </a:cubicBezTo>
+                <a:cubicBezTo>
+                  <a:pt x="511425" y="3212294"/>
+                  <a:pt x="302087" y="3165436"/>
+                  <a:pt x="165437" y="2967190"/>
+                </a:cubicBezTo>
+                <a:cubicBezTo>
+                  <a:pt x="197419" y="2923937"/>
+                  <a:pt x="229401" y="2967190"/>
+                  <a:pt x="255568" y="2949167"/>
+                </a:cubicBezTo>
+                <a:cubicBezTo>
+                  <a:pt x="255568" y="2938354"/>
+                  <a:pt x="560851" y="3006840"/>
+                  <a:pt x="578296" y="2725691"/>
+                </a:cubicBezTo>
+                <a:cubicBezTo>
+                  <a:pt x="584111" y="2725691"/>
+                  <a:pt x="589926" y="2725691"/>
+                  <a:pt x="595740" y="2714876"/>
+                </a:cubicBezTo>
+                <a:cubicBezTo>
+                  <a:pt x="627722" y="2675228"/>
+                  <a:pt x="598648" y="2581510"/>
+                  <a:pt x="650982" y="2574301"/>
+                </a:cubicBezTo>
+                <a:cubicBezTo>
+                  <a:pt x="709132" y="2567092"/>
+                  <a:pt x="764373" y="2534653"/>
+                  <a:pt x="825429" y="2552674"/>
+                </a:cubicBezTo>
+                <a:cubicBezTo>
+                  <a:pt x="871949" y="2567092"/>
+                  <a:pt x="921375" y="2585115"/>
+                  <a:pt x="970802" y="2585115"/>
+                </a:cubicBezTo>
+                <a:cubicBezTo>
+                  <a:pt x="1023136" y="2585115"/>
+                  <a:pt x="1095822" y="2707668"/>
+                  <a:pt x="1127805" y="2545465"/>
+                </a:cubicBezTo>
+                <a:cubicBezTo>
+                  <a:pt x="1127805" y="2538257"/>
+                  <a:pt x="1217936" y="2556280"/>
+                  <a:pt x="1267362" y="2563488"/>
+                </a:cubicBezTo>
+                <a:cubicBezTo>
+                  <a:pt x="1308067" y="2570698"/>
+                  <a:pt x="1357494" y="2603137"/>
+                  <a:pt x="1386568" y="2538257"/>
+                </a:cubicBezTo>
+                <a:cubicBezTo>
+                  <a:pt x="1401105" y="2498607"/>
+                  <a:pt x="1331326" y="2426518"/>
+                  <a:pt x="1270270" y="2419309"/>
+                </a:cubicBezTo>
+                <a:cubicBezTo>
+                  <a:pt x="1215029" y="2412101"/>
+                  <a:pt x="1159787" y="2404892"/>
+                  <a:pt x="1107453" y="2419309"/>
+                </a:cubicBezTo>
+                <a:cubicBezTo>
+                  <a:pt x="1043489" y="2437331"/>
+                  <a:pt x="1008599" y="2408495"/>
+                  <a:pt x="991154" y="2343615"/>
+                </a:cubicBezTo>
+                <a:cubicBezTo>
+                  <a:pt x="970802" y="2275131"/>
+                  <a:pt x="933005" y="2239085"/>
+                  <a:pt x="880671" y="2206645"/>
+                </a:cubicBezTo>
+                <a:cubicBezTo>
+                  <a:pt x="752743" y="2127346"/>
+                  <a:pt x="630630" y="2033629"/>
+                  <a:pt x="491072" y="1986771"/>
+                </a:cubicBezTo>
+                <a:cubicBezTo>
+                  <a:pt x="464905" y="1979562"/>
+                  <a:pt x="432923" y="1965145"/>
+                  <a:pt x="421293" y="1903868"/>
+                </a:cubicBezTo>
+                <a:cubicBezTo>
+                  <a:pt x="799262" y="1997584"/>
+                  <a:pt x="1142342" y="2239085"/>
+                  <a:pt x="1531941" y="2224667"/>
+                </a:cubicBezTo>
+                <a:cubicBezTo>
+                  <a:pt x="1427272" y="2148974"/>
+                  <a:pt x="1302252" y="2145369"/>
+                  <a:pt x="1188861" y="2091301"/>
+                </a:cubicBezTo>
+                <a:cubicBezTo>
+                  <a:pt x="1270270" y="2051652"/>
+                  <a:pt x="1345864" y="2094906"/>
+                  <a:pt x="1421458" y="2116532"/>
+                </a:cubicBezTo>
+                <a:cubicBezTo>
+                  <a:pt x="1485422" y="2134554"/>
+                  <a:pt x="1543571" y="2138160"/>
+                  <a:pt x="1549386" y="2026420"/>
+                </a:cubicBezTo>
+                <a:cubicBezTo>
+                  <a:pt x="1549386" y="2015607"/>
+                  <a:pt x="1549386" y="2008398"/>
+                  <a:pt x="1549386" y="1997584"/>
+                </a:cubicBezTo>
+                <a:cubicBezTo>
+                  <a:pt x="1526126" y="1950727"/>
+                  <a:pt x="1494144" y="1929099"/>
+                  <a:pt x="1453440" y="1914682"/>
+                </a:cubicBezTo>
+                <a:cubicBezTo>
+                  <a:pt x="1430180" y="1907473"/>
+                  <a:pt x="1398198" y="1893056"/>
+                  <a:pt x="1398198" y="1860614"/>
+                </a:cubicBezTo>
+                <a:cubicBezTo>
+                  <a:pt x="1401105" y="1738063"/>
+                  <a:pt x="1322604" y="1702018"/>
+                  <a:pt x="1247011" y="1665972"/>
+                </a:cubicBezTo>
+                <a:cubicBezTo>
+                  <a:pt x="1287715" y="1604696"/>
+                  <a:pt x="1322604" y="1647950"/>
+                  <a:pt x="1354586" y="1644345"/>
+                </a:cubicBezTo>
+                <a:cubicBezTo>
+                  <a:pt x="1374939" y="1640741"/>
+                  <a:pt x="1395290" y="1637138"/>
+                  <a:pt x="1395290" y="1604696"/>
+                </a:cubicBezTo>
+                <a:cubicBezTo>
+                  <a:pt x="1395290" y="1579465"/>
+                  <a:pt x="1386568" y="1547025"/>
+                  <a:pt x="1366216" y="1547025"/>
+                </a:cubicBezTo>
+                <a:cubicBezTo>
+                  <a:pt x="1238288" y="1543420"/>
+                  <a:pt x="1165601" y="1370405"/>
+                  <a:pt x="1031858" y="1370405"/>
+                </a:cubicBezTo>
+                <a:cubicBezTo>
+                  <a:pt x="950450" y="1370405"/>
+                  <a:pt x="1072563" y="1273083"/>
+                  <a:pt x="1005692" y="1233435"/>
+                </a:cubicBezTo>
+                <a:cubicBezTo>
+                  <a:pt x="991154" y="1222621"/>
+                  <a:pt x="1046396" y="1208203"/>
+                  <a:pt x="1069655" y="1211808"/>
+                </a:cubicBezTo>
+                <a:cubicBezTo>
+                  <a:pt x="1092915" y="1215412"/>
+                  <a:pt x="1113268" y="1240644"/>
+                  <a:pt x="1142342" y="1222621"/>
+                </a:cubicBezTo>
+                <a:cubicBezTo>
+                  <a:pt x="1156879" y="1157741"/>
+                  <a:pt x="1119082" y="1132510"/>
+                  <a:pt x="1084193" y="1114487"/>
+                </a:cubicBezTo>
+                <a:cubicBezTo>
+                  <a:pt x="1008599" y="1071234"/>
+                  <a:pt x="933005" y="1020771"/>
+                  <a:pt x="848689" y="1006353"/>
+                </a:cubicBezTo>
+                <a:cubicBezTo>
+                  <a:pt x="819615" y="1002748"/>
+                  <a:pt x="802169" y="984726"/>
+                  <a:pt x="805077" y="948681"/>
+                </a:cubicBezTo>
+                <a:cubicBezTo>
+                  <a:pt x="810892" y="901822"/>
+                  <a:pt x="839967" y="916240"/>
+                  <a:pt x="863226" y="919844"/>
+                </a:cubicBezTo>
+                <a:cubicBezTo>
+                  <a:pt x="877764" y="923450"/>
+                  <a:pt x="892301" y="934263"/>
+                  <a:pt x="906838" y="909031"/>
+                </a:cubicBezTo>
+                <a:cubicBezTo>
+                  <a:pt x="566666" y="653113"/>
+                  <a:pt x="386404" y="667532"/>
+                  <a:pt x="5527" y="458471"/>
+                </a:cubicBezTo>
+                <a:cubicBezTo>
+                  <a:pt x="89843" y="418822"/>
+                  <a:pt x="150900" y="447658"/>
+                  <a:pt x="209049" y="454867"/>
+                </a:cubicBezTo>
+                <a:cubicBezTo>
+                  <a:pt x="354422" y="472890"/>
+                  <a:pt x="264290" y="505329"/>
+                  <a:pt x="409664" y="526956"/>
+                </a:cubicBezTo>
+                <a:cubicBezTo>
+                  <a:pt x="479443" y="537770"/>
+                  <a:pt x="543407" y="573815"/>
+                  <a:pt x="621908" y="516143"/>
+                </a:cubicBezTo>
+                <a:cubicBezTo>
+                  <a:pt x="674242" y="476494"/>
+                  <a:pt x="758558" y="519747"/>
+                  <a:pt x="822522" y="552188"/>
+                </a:cubicBezTo>
+                <a:cubicBezTo>
+                  <a:pt x="874856" y="581024"/>
+                  <a:pt x="927190" y="588232"/>
+                  <a:pt x="996969" y="552188"/>
+                </a:cubicBezTo>
+                <a:cubicBezTo>
+                  <a:pt x="933005" y="530562"/>
+                  <a:pt x="883579" y="512539"/>
+                  <a:pt x="834151" y="498120"/>
+                </a:cubicBezTo>
+                <a:cubicBezTo>
+                  <a:pt x="793447" y="487307"/>
+                  <a:pt x="770187" y="462076"/>
+                  <a:pt x="773095" y="408008"/>
+                </a:cubicBezTo>
+                <a:cubicBezTo>
+                  <a:pt x="773095" y="379172"/>
+                  <a:pt x="764373" y="339523"/>
+                  <a:pt x="793447" y="325106"/>
+                </a:cubicBezTo>
+                <a:cubicBezTo>
+                  <a:pt x="816707" y="310688"/>
+                  <a:pt x="848689" y="325106"/>
+                  <a:pt x="860319" y="350336"/>
+                </a:cubicBezTo>
+                <a:cubicBezTo>
+                  <a:pt x="874856" y="397195"/>
+                  <a:pt x="889393" y="440449"/>
+                  <a:pt x="938820" y="444054"/>
+                </a:cubicBezTo>
+                <a:cubicBezTo>
+                  <a:pt x="1005692" y="451262"/>
+                  <a:pt x="967894" y="422426"/>
+                  <a:pt x="956265" y="386381"/>
+                </a:cubicBezTo>
+                <a:cubicBezTo>
+                  <a:pt x="944635" y="346733"/>
+                  <a:pt x="979525" y="335919"/>
+                  <a:pt x="1002784" y="343127"/>
+                </a:cubicBezTo>
+                <a:cubicBezTo>
+                  <a:pt x="1090008" y="375569"/>
+                  <a:pt x="1180139" y="317897"/>
+                  <a:pt x="1270270" y="364755"/>
+                </a:cubicBezTo>
+                <a:cubicBezTo>
+                  <a:pt x="1247011" y="249411"/>
+                  <a:pt x="1197583" y="198949"/>
+                  <a:pt x="1092915" y="180926"/>
+                </a:cubicBezTo>
+                <a:cubicBezTo>
+                  <a:pt x="1055118" y="177322"/>
+                  <a:pt x="1014414" y="184530"/>
+                  <a:pt x="979525" y="152090"/>
+                </a:cubicBezTo>
+                <a:cubicBezTo>
+                  <a:pt x="959172" y="134068"/>
+                  <a:pt x="938820" y="112441"/>
+                  <a:pt x="953358" y="76396"/>
+                </a:cubicBezTo>
+                <a:cubicBezTo>
+                  <a:pt x="962080" y="51165"/>
+                  <a:pt x="985339" y="51165"/>
+                  <a:pt x="1005692" y="58373"/>
+                </a:cubicBezTo>
+                <a:cubicBezTo>
+                  <a:pt x="1090008" y="98023"/>
+                  <a:pt x="1180139" y="108837"/>
+                  <a:pt x="1267362" y="123254"/>
+                </a:cubicBezTo>
+                <a:cubicBezTo>
+                  <a:pt x="1281900" y="126859"/>
+                  <a:pt x="1296437" y="134068"/>
+                  <a:pt x="1310975" y="98023"/>
+                </a:cubicBezTo>
+                <a:cubicBezTo>
+                  <a:pt x="1260095" y="81803"/>
+                  <a:pt x="1209941" y="62879"/>
+                  <a:pt x="1159787" y="43505"/>
+                </a:cubicBezTo>
+                <a:close/>
+              </a:path>
+            </a:pathLst>
+          </a:custGeom>
+        </p:spPr>
+      </p:pic>
     </p:spTree>
     <p:extLst>
       <p:ext uri="{BB962C8B-B14F-4D97-AF65-F5344CB8AC3E}">
@@ -3726,12 +4319,328 @@
       <p:transition advClick="0" advTm="5400000"/>
     </mc:Fallback>
   </mc:AlternateContent>
+  <p:timing>
+    <p:tnLst>
+      <p:par>
+        <p:cTn id="1" dur="indefinite" restart="never" nodeType="tmRoot">
+          <p:childTnLst>
+            <p:seq concurrent="1" nextAc="seek">
+              <p:cTn id="2" dur="indefinite" nodeType="mainSeq">
+                <p:childTnLst>
+                  <p:par>
+                    <p:cTn id="3" fill="hold">
+                      <p:stCondLst>
+                        <p:cond delay="indefinite"/>
+                      </p:stCondLst>
+                      <p:childTnLst>
+                        <p:par>
+                          <p:cTn id="4" fill="hold">
+                            <p:stCondLst>
+                              <p:cond delay="0"/>
+                            </p:stCondLst>
+                            <p:childTnLst>
+                              <p:par>
+                                <p:cTn id="5" presetID="1" presetClass="entr" presetSubtype="0" fill="hold" grpId="0" nodeType="clickEffect">
+                                  <p:stCondLst>
+                                    <p:cond delay="0"/>
+                                  </p:stCondLst>
+                                  <p:childTnLst>
+                                    <p:set>
+                                      <p:cBhvr>
+                                        <p:cTn id="6" dur="1" fill="hold">
+                                          <p:stCondLst>
+                                            <p:cond delay="0"/>
+                                          </p:stCondLst>
+                                        </p:cTn>
+                                        <p:tgtEl>
+                                          <p:spTgt spid="2"/>
+                                        </p:tgtEl>
+                                        <p:attrNameLst>
+                                          <p:attrName>style.visibility</p:attrName>
+                                        </p:attrNameLst>
+                                      </p:cBhvr>
+                                      <p:to>
+                                        <p:strVal val="visible"/>
+                                      </p:to>
+                                    </p:set>
+                                  </p:childTnLst>
+                                </p:cTn>
+                              </p:par>
+                            </p:childTnLst>
+                          </p:cTn>
+                        </p:par>
+                      </p:childTnLst>
+                    </p:cTn>
+                  </p:par>
+                  <p:par>
+                    <p:cTn id="7" fill="hold">
+                      <p:stCondLst>
+                        <p:cond delay="indefinite"/>
+                      </p:stCondLst>
+                      <p:childTnLst>
+                        <p:par>
+                          <p:cTn id="8" fill="hold">
+                            <p:stCondLst>
+                              <p:cond delay="0"/>
+                            </p:stCondLst>
+                            <p:childTnLst>
+                              <p:par>
+                                <p:cTn id="9" presetID="53" presetClass="entr" presetSubtype="16" fill="hold" nodeType="clickEffect">
+                                  <p:stCondLst>
+                                    <p:cond delay="0"/>
+                                  </p:stCondLst>
+                                  <p:childTnLst>
+                                    <p:set>
+                                      <p:cBhvr>
+                                        <p:cTn id="10" dur="1" fill="hold">
+                                          <p:stCondLst>
+                                            <p:cond delay="0"/>
+                                          </p:stCondLst>
+                                        </p:cTn>
+                                        <p:tgtEl>
+                                          <p:spTgt spid="3">
+                                            <p:txEl>
+                                              <p:pRg st="0" end="0"/>
+                                            </p:txEl>
+                                          </p:spTgt>
+                                        </p:tgtEl>
+                                        <p:attrNameLst>
+                                          <p:attrName>style.visibility</p:attrName>
+                                        </p:attrNameLst>
+                                      </p:cBhvr>
+                                      <p:to>
+                                        <p:strVal val="visible"/>
+                                      </p:to>
+                                    </p:set>
+                                    <p:anim calcmode="lin" valueType="num">
+                                      <p:cBhvr>
+                                        <p:cTn id="11" dur="500" fill="hold"/>
+                                        <p:tgtEl>
+                                          <p:spTgt spid="3">
+                                            <p:txEl>
+                                              <p:pRg st="0" end="0"/>
+                                            </p:txEl>
+                                          </p:spTgt>
+                                        </p:tgtEl>
+                                        <p:attrNameLst>
+                                          <p:attrName>ppt_w</p:attrName>
+                                        </p:attrNameLst>
+                                      </p:cBhvr>
+                                      <p:tavLst>
+                                        <p:tav tm="0">
+                                          <p:val>
+                                            <p:fltVal val="0"/>
+                                          </p:val>
+                                        </p:tav>
+                                        <p:tav tm="100000">
+                                          <p:val>
+                                            <p:strVal val="#ppt_w"/>
+                                          </p:val>
+                                        </p:tav>
+                                      </p:tavLst>
+                                    </p:anim>
+                                    <p:anim calcmode="lin" valueType="num">
+                                      <p:cBhvr>
+                                        <p:cTn id="12" dur="500" fill="hold"/>
+                                        <p:tgtEl>
+                                          <p:spTgt spid="3">
+                                            <p:txEl>
+                                              <p:pRg st="0" end="0"/>
+                                            </p:txEl>
+                                          </p:spTgt>
+                                        </p:tgtEl>
+                                        <p:attrNameLst>
+                                          <p:attrName>ppt_h</p:attrName>
+                                        </p:attrNameLst>
+                                      </p:cBhvr>
+                                      <p:tavLst>
+                                        <p:tav tm="0">
+                                          <p:val>
+                                            <p:fltVal val="0"/>
+                                          </p:val>
+                                        </p:tav>
+                                        <p:tav tm="100000">
+                                          <p:val>
+                                            <p:strVal val="#ppt_h"/>
+                                          </p:val>
+                                        </p:tav>
+                                      </p:tavLst>
+                                    </p:anim>
+                                    <p:animEffect transition="in" filter="fade">
+                                      <p:cBhvr>
+                                        <p:cTn id="13" dur="500"/>
+                                        <p:tgtEl>
+                                          <p:spTgt spid="3">
+                                            <p:txEl>
+                                              <p:pRg st="0" end="0"/>
+                                            </p:txEl>
+                                          </p:spTgt>
+                                        </p:tgtEl>
+                                      </p:cBhvr>
+                                    </p:animEffect>
+                                  </p:childTnLst>
+                                </p:cTn>
+                              </p:par>
+                            </p:childTnLst>
+                          </p:cTn>
+                        </p:par>
+                      </p:childTnLst>
+                    </p:cTn>
+                  </p:par>
+                  <p:par>
+                    <p:cTn id="14" fill="hold">
+                      <p:stCondLst>
+                        <p:cond delay="indefinite"/>
+                      </p:stCondLst>
+                      <p:childTnLst>
+                        <p:par>
+                          <p:cTn id="15" fill="hold">
+                            <p:stCondLst>
+                              <p:cond delay="0"/>
+                            </p:stCondLst>
+                            <p:childTnLst>
+                              <p:par>
+                                <p:cTn id="16" presetID="53" presetClass="entr" presetSubtype="16" fill="hold" nodeType="clickEffect">
+                                  <p:stCondLst>
+                                    <p:cond delay="0"/>
+                                  </p:stCondLst>
+                                  <p:childTnLst>
+                                    <p:set>
+                                      <p:cBhvr>
+                                        <p:cTn id="17" dur="1" fill="hold">
+                                          <p:stCondLst>
+                                            <p:cond delay="0"/>
+                                          </p:stCondLst>
+                                        </p:cTn>
+                                        <p:tgtEl>
+                                          <p:spTgt spid="3">
+                                            <p:txEl>
+                                              <p:pRg st="2" end="2"/>
+                                            </p:txEl>
+                                          </p:spTgt>
+                                        </p:tgtEl>
+                                        <p:attrNameLst>
+                                          <p:attrName>style.visibility</p:attrName>
+                                        </p:attrNameLst>
+                                      </p:cBhvr>
+                                      <p:to>
+                                        <p:strVal val="visible"/>
+                                      </p:to>
+                                    </p:set>
+                                    <p:anim calcmode="lin" valueType="num">
+                                      <p:cBhvr>
+                                        <p:cTn id="18" dur="500" fill="hold"/>
+                                        <p:tgtEl>
+                                          <p:spTgt spid="3">
+                                            <p:txEl>
+                                              <p:pRg st="2" end="2"/>
+                                            </p:txEl>
+                                          </p:spTgt>
+                                        </p:tgtEl>
+                                        <p:attrNameLst>
+                                          <p:attrName>ppt_w</p:attrName>
+                                        </p:attrNameLst>
+                                      </p:cBhvr>
+                                      <p:tavLst>
+                                        <p:tav tm="0">
+                                          <p:val>
+                                            <p:fltVal val="0"/>
+                                          </p:val>
+                                        </p:tav>
+                                        <p:tav tm="100000">
+                                          <p:val>
+                                            <p:strVal val="#ppt_w"/>
+                                          </p:val>
+                                        </p:tav>
+                                      </p:tavLst>
+                                    </p:anim>
+                                    <p:anim calcmode="lin" valueType="num">
+                                      <p:cBhvr>
+                                        <p:cTn id="19" dur="500" fill="hold"/>
+                                        <p:tgtEl>
+                                          <p:spTgt spid="3">
+                                            <p:txEl>
+                                              <p:pRg st="2" end="2"/>
+                                            </p:txEl>
+                                          </p:spTgt>
+                                        </p:tgtEl>
+                                        <p:attrNameLst>
+                                          <p:attrName>ppt_h</p:attrName>
+                                        </p:attrNameLst>
+                                      </p:cBhvr>
+                                      <p:tavLst>
+                                        <p:tav tm="0">
+                                          <p:val>
+                                            <p:fltVal val="0"/>
+                                          </p:val>
+                                        </p:tav>
+                                        <p:tav tm="100000">
+                                          <p:val>
+                                            <p:strVal val="#ppt_h"/>
+                                          </p:val>
+                                        </p:tav>
+                                      </p:tavLst>
+                                    </p:anim>
+                                    <p:animEffect transition="in" filter="fade">
+                                      <p:cBhvr>
+                                        <p:cTn id="20" dur="500"/>
+                                        <p:tgtEl>
+                                          <p:spTgt spid="3">
+                                            <p:txEl>
+                                              <p:pRg st="2" end="2"/>
+                                            </p:txEl>
+                                          </p:spTgt>
+                                        </p:tgtEl>
+                                      </p:cBhvr>
+                                    </p:animEffect>
+                                  </p:childTnLst>
+                                </p:cTn>
+                              </p:par>
+                            </p:childTnLst>
+                          </p:cTn>
+                        </p:par>
+                      </p:childTnLst>
+                    </p:cTn>
+                  </p:par>
+                </p:childTnLst>
+              </p:cTn>
+              <p:prevCondLst>
+                <p:cond evt="onPrev" delay="0">
+                  <p:tgtEl>
+                    <p:sldTgt/>
+                  </p:tgtEl>
+                </p:cond>
+              </p:prevCondLst>
+              <p:nextCondLst>
+                <p:cond evt="onNext" delay="0">
+                  <p:tgtEl>
+                    <p:sldTgt/>
+                  </p:tgtEl>
+                </p:cond>
+              </p:nextCondLst>
+            </p:seq>
+          </p:childTnLst>
+        </p:cTn>
+      </p:par>
+    </p:tnLst>
+    <p:bldLst>
+      <p:bldP spid="2" grpId="0"/>
+    </p:bldLst>
+  </p:timing>
 </p:sld>
 </file>
 
 <file path=ppt/slides/slide12.xml><?xml version="1.0" encoding="utf-8"?>
 <p:sld xmlns:a="http://schemas.openxmlformats.org/drawingml/2006/main" xmlns:r="http://schemas.openxmlformats.org/officeDocument/2006/relationships" xmlns:p="http://schemas.openxmlformats.org/presentationml/2006/main">
   <p:cSld>
+    <p:bg>
+      <p:bgPr>
+        <a:solidFill>
+          <a:schemeClr val="bg1"/>
+        </a:solidFill>
+        <a:effectLst/>
+      </p:bgPr>
+    </p:bg>
     <p:spTree>
       <p:nvGrpSpPr>
         <p:cNvPr id="1" name=""/>
@@ -3746,61 +4655,929 @@
           <a:chExt cx="0" cy="0"/>
         </a:xfrm>
       </p:grpSpPr>
-      <p:sp>
-        <p:nvSpPr>
-          <p:cNvPr id="2" name="Título 1">
-            <a:extLst>
-              <a:ext uri="{FF2B5EF4-FFF2-40B4-BE49-F238E27FC236}">
-                <a16:creationId xmlns:a16="http://schemas.microsoft.com/office/drawing/2014/main" id="{89297980-9926-4BC2-A8D7-07E223093F88}"/>
-              </a:ext>
-            </a:extLst>
-          </p:cNvPr>
-          <p:cNvSpPr>
-            <a:spLocks noGrp="1"/>
-          </p:cNvSpPr>
-          <p:nvPr>
-            <p:ph type="title"/>
-          </p:nvPr>
-        </p:nvSpPr>
-        <p:spPr/>
-        <p:txBody>
-          <a:bodyPr>
-            <a:normAutofit fontScale="90000"/>
+      <p:sp useBgFill="1">
+        <p:nvSpPr>
+          <p:cNvPr id="34" name="Rectangle 33">
+            <a:extLst>
+              <a:ext uri="{FF2B5EF4-FFF2-40B4-BE49-F238E27FC236}">
+                <a16:creationId xmlns:a16="http://schemas.microsoft.com/office/drawing/2014/main" id="{61293230-B0F6-45B1-96D1-13D18E242995}"/>
+              </a:ext>
+              <a:ext uri="{C183D7F6-B498-43B3-948B-1728B52AA6E4}">
+                <adec:decorative xmlns:adec="http://schemas.microsoft.com/office/drawing/2017/decorative" val="1"/>
+              </a:ext>
+            </a:extLst>
+          </p:cNvPr>
+          <p:cNvSpPr>
+            <a:spLocks noGrp="1" noRot="1" noChangeAspect="1" noMove="1" noResize="1" noEditPoints="1" noAdjustHandles="1" noChangeArrowheads="1" noChangeShapeType="1" noTextEdit="1"/>
+          </p:cNvSpPr>
+          <p:nvPr>
+            <p:extLst>
+              <p:ext uri="{386F3935-93C4-4BCD-93E2-E3B085C9AB24}">
+                <p16:designElem xmlns:p16="http://schemas.microsoft.com/office/powerpoint/2015/main" val="1"/>
+              </p:ext>
+            </p:extLst>
+          </p:nvPr>
+        </p:nvSpPr>
+        <p:spPr>
+          <a:xfrm>
+            <a:off x="0" y="0"/>
+            <a:ext cx="12192000" cy="6858000"/>
+          </a:xfrm>
+          <a:prstGeom prst="rect">
+            <a:avLst/>
+          </a:prstGeom>
+          <a:ln w="12700" cap="flat" cmpd="sng" algn="ctr">
+            <a:noFill/>
+            <a:prstDash val="solid"/>
+            <a:miter lim="800000"/>
+          </a:ln>
+          <a:effectLst/>
+          <a:extLst>
+            <a:ext uri="{91240B29-F687-4F45-9708-019B960494DF}">
+              <a14:hiddenLine xmlns:a14="http://schemas.microsoft.com/office/drawing/2010/main" w="12700" cap="flat" cmpd="sng" algn="ctr">
+                <a:solidFill>
+                  <a:schemeClr val="accent1">
+                    <a:shade val="50000"/>
+                  </a:schemeClr>
+                </a:solidFill>
+                <a:prstDash val="solid"/>
+                <a:miter lim="800000"/>
+              </a14:hiddenLine>
+            </a:ext>
+          </a:extLst>
+        </p:spPr>
+        <p:style>
+          <a:lnRef idx="2">
+            <a:schemeClr val="accent1">
+              <a:shade val="50000"/>
+            </a:schemeClr>
+          </a:lnRef>
+          <a:fillRef idx="1">
+            <a:schemeClr val="accent1"/>
+          </a:fillRef>
+          <a:effectRef idx="0">
+            <a:schemeClr val="accent1"/>
+          </a:effectRef>
+          <a:fontRef idx="minor">
+            <a:schemeClr val="lt1"/>
+          </a:fontRef>
+        </p:style>
+        <p:txBody>
+          <a:bodyPr rtlCol="0" anchor="ctr"/>
+          <a:lstStyle/>
+          <a:p>
+            <a:pPr algn="ctr"/>
+            <a:endParaRPr lang="en-US"/>
+          </a:p>
+        </p:txBody>
+      </p:sp>
+      <p:sp>
+        <p:nvSpPr>
+          <p:cNvPr id="36" name="Freeform: Shape 35">
+            <a:extLst>
+              <a:ext uri="{FF2B5EF4-FFF2-40B4-BE49-F238E27FC236}">
+                <a16:creationId xmlns:a16="http://schemas.microsoft.com/office/drawing/2014/main" id="{DB74BAD7-F0FC-4719-A31F-1ABDB62116DA}"/>
+              </a:ext>
+              <a:ext uri="{C183D7F6-B498-43B3-948B-1728B52AA6E4}">
+                <adec:decorative xmlns:adec="http://schemas.microsoft.com/office/drawing/2017/decorative" val="1"/>
+              </a:ext>
+            </a:extLst>
+          </p:cNvPr>
+          <p:cNvSpPr>
+            <a:spLocks noGrp="1" noRot="1" noChangeAspect="1" noMove="1" noResize="1" noEditPoints="1" noAdjustHandles="1" noChangeArrowheads="1" noChangeShapeType="1" noTextEdit="1"/>
+          </p:cNvSpPr>
+          <p:nvPr>
+            <p:extLst>
+              <p:ext uri="{386F3935-93C4-4BCD-93E2-E3B085C9AB24}">
+                <p16:designElem xmlns:p16="http://schemas.microsoft.com/office/powerpoint/2015/main" val="1"/>
+              </p:ext>
+            </p:extLst>
+          </p:nvPr>
+        </p:nvSpPr>
+        <p:spPr>
+          <a:xfrm>
+            <a:off x="0" y="0"/>
+            <a:ext cx="8748215" cy="6857999"/>
+          </a:xfrm>
+          <a:custGeom>
+            <a:avLst/>
+            <a:gdLst>
+              <a:gd name="connsiteX0" fmla="*/ 0 w 9024730"/>
+              <a:gd name="connsiteY0" fmla="*/ 0 h 6857999"/>
+              <a:gd name="connsiteX1" fmla="*/ 9024730 w 9024730"/>
+              <a:gd name="connsiteY1" fmla="*/ 0 h 6857999"/>
+              <a:gd name="connsiteX2" fmla="*/ 9024730 w 9024730"/>
+              <a:gd name="connsiteY2" fmla="*/ 2 h 6857999"/>
+              <a:gd name="connsiteX3" fmla="*/ 8447016 w 9024730"/>
+              <a:gd name="connsiteY3" fmla="*/ 2 h 6857999"/>
+              <a:gd name="connsiteX4" fmla="*/ 8441214 w 9024730"/>
+              <a:gd name="connsiteY4" fmla="*/ 14562 h 6857999"/>
+              <a:gd name="connsiteX5" fmla="*/ 8445389 w 9024730"/>
+              <a:gd name="connsiteY5" fmla="*/ 59077 h 6857999"/>
+              <a:gd name="connsiteX6" fmla="*/ 8437086 w 9024730"/>
+              <a:gd name="connsiteY6" fmla="*/ 107668 h 6857999"/>
+              <a:gd name="connsiteX7" fmla="*/ 8458599 w 9024730"/>
+              <a:gd name="connsiteY7" fmla="*/ 246136 h 6857999"/>
+              <a:gd name="connsiteX8" fmla="*/ 8433237 w 9024730"/>
+              <a:gd name="connsiteY8" fmla="*/ 372908 h 6857999"/>
+              <a:gd name="connsiteX9" fmla="*/ 8430194 w 9024730"/>
+              <a:gd name="connsiteY9" fmla="*/ 450607 h 6857999"/>
+              <a:gd name="connsiteX10" fmla="*/ 8443315 w 9024730"/>
+              <a:gd name="connsiteY10" fmla="*/ 812800 h 6857999"/>
+              <a:gd name="connsiteX11" fmla="*/ 8453042 w 9024730"/>
+              <a:gd name="connsiteY11" fmla="*/ 912727 h 6857999"/>
+              <a:gd name="connsiteX12" fmla="*/ 8451649 w 9024730"/>
+              <a:gd name="connsiteY12" fmla="*/ 989950 h 6857999"/>
+              <a:gd name="connsiteX13" fmla="*/ 8455592 w 9024730"/>
+              <a:gd name="connsiteY13" fmla="*/ 1141745 h 6857999"/>
+              <a:gd name="connsiteX14" fmla="*/ 8470203 w 9024730"/>
+              <a:gd name="connsiteY14" fmla="*/ 1265454 h 6857999"/>
+              <a:gd name="connsiteX15" fmla="*/ 8499638 w 9024730"/>
+              <a:gd name="connsiteY15" fmla="*/ 1385480 h 6857999"/>
+              <a:gd name="connsiteX16" fmla="*/ 8518660 w 9024730"/>
+              <a:gd name="connsiteY16" fmla="*/ 1458060 h 6857999"/>
+              <a:gd name="connsiteX17" fmla="*/ 8539125 w 9024730"/>
+              <a:gd name="connsiteY17" fmla="*/ 1513175 h 6857999"/>
+              <a:gd name="connsiteX18" fmla="*/ 8570281 w 9024730"/>
+              <a:gd name="connsiteY18" fmla="*/ 1570809 h 6857999"/>
+              <a:gd name="connsiteX19" fmla="*/ 8605212 w 9024730"/>
+              <a:gd name="connsiteY19" fmla="*/ 1638391 h 6857999"/>
+              <a:gd name="connsiteX20" fmla="*/ 8626457 w 9024730"/>
+              <a:gd name="connsiteY20" fmla="*/ 1742490 h 6857999"/>
+              <a:gd name="connsiteX21" fmla="*/ 8654861 w 9024730"/>
+              <a:gd name="connsiteY21" fmla="*/ 1818229 h 6857999"/>
+              <a:gd name="connsiteX22" fmla="*/ 8648005 w 9024730"/>
+              <a:gd name="connsiteY22" fmla="*/ 1862723 h 6857999"/>
+              <a:gd name="connsiteX23" fmla="*/ 8654469 w 9024730"/>
+              <a:gd name="connsiteY23" fmla="*/ 1917476 h 6857999"/>
+              <a:gd name="connsiteX24" fmla="*/ 8649702 w 9024730"/>
+              <a:gd name="connsiteY24" fmla="*/ 1972204 h 6857999"/>
+              <a:gd name="connsiteX25" fmla="*/ 8656357 w 9024730"/>
+              <a:gd name="connsiteY25" fmla="*/ 2054291 h 6857999"/>
+              <a:gd name="connsiteX26" fmla="*/ 8648660 w 9024730"/>
+              <a:gd name="connsiteY26" fmla="*/ 2227417 h 6857999"/>
+              <a:gd name="connsiteX27" fmla="*/ 8607609 w 9024730"/>
+              <a:gd name="connsiteY27" fmla="*/ 2510933 h 6857999"/>
+              <a:gd name="connsiteX28" fmla="*/ 8608432 w 9024730"/>
+              <a:gd name="connsiteY28" fmla="*/ 2741866 h 6857999"/>
+              <a:gd name="connsiteX29" fmla="*/ 8619112 w 9024730"/>
+              <a:gd name="connsiteY29" fmla="*/ 2864935 h 6857999"/>
+              <a:gd name="connsiteX30" fmla="*/ 8627742 w 9024730"/>
+              <a:gd name="connsiteY30" fmla="*/ 2950807 h 6857999"/>
+              <a:gd name="connsiteX31" fmla="*/ 8611822 w 9024730"/>
+              <a:gd name="connsiteY31" fmla="*/ 2978246 h 6857999"/>
+              <a:gd name="connsiteX32" fmla="*/ 8608239 w 9024730"/>
+              <a:gd name="connsiteY32" fmla="*/ 2995916 h 6857999"/>
+              <a:gd name="connsiteX33" fmla="*/ 8598647 w 9024730"/>
+              <a:gd name="connsiteY33" fmla="*/ 2998648 h 6857999"/>
+              <a:gd name="connsiteX34" fmla="*/ 8587108 w 9024730"/>
+              <a:gd name="connsiteY34" fmla="*/ 3023630 h 6857999"/>
+              <a:gd name="connsiteX35" fmla="*/ 8577885 w 9024730"/>
+              <a:gd name="connsiteY35" fmla="*/ 3096975 h 6857999"/>
+              <a:gd name="connsiteX36" fmla="*/ 8557492 w 9024730"/>
+              <a:gd name="connsiteY36" fmla="*/ 3216657 h 6857999"/>
+              <a:gd name="connsiteX37" fmla="*/ 8560894 w 9024730"/>
+              <a:gd name="connsiteY37" fmla="*/ 3310980 h 6857999"/>
+              <a:gd name="connsiteX38" fmla="*/ 8547852 w 9024730"/>
+              <a:gd name="connsiteY38" fmla="*/ 3344725 h 6857999"/>
+              <a:gd name="connsiteX39" fmla="*/ 8535427 w 9024730"/>
+              <a:gd name="connsiteY39" fmla="*/ 3393250 h 6857999"/>
+              <a:gd name="connsiteX40" fmla="*/ 8520092 w 9024730"/>
+              <a:gd name="connsiteY40" fmla="*/ 3514536 h 6857999"/>
+              <a:gd name="connsiteX41" fmla="*/ 8497231 w 9024730"/>
+              <a:gd name="connsiteY41" fmla="*/ 3686149 h 6857999"/>
+              <a:gd name="connsiteX42" fmla="*/ 8489799 w 9024730"/>
+              <a:gd name="connsiteY42" fmla="*/ 3692208 h 6857999"/>
+              <a:gd name="connsiteX43" fmla="*/ 8475804 w 9024730"/>
+              <a:gd name="connsiteY43" fmla="*/ 3776022 h 6857999"/>
+              <a:gd name="connsiteX44" fmla="*/ 8471279 w 9024730"/>
+              <a:gd name="connsiteY44" fmla="*/ 3977138 h 6857999"/>
+              <a:gd name="connsiteX45" fmla="*/ 8408913 w 9024730"/>
+              <a:gd name="connsiteY45" fmla="*/ 4222149 h 6857999"/>
+              <a:gd name="connsiteX46" fmla="*/ 8402112 w 9024730"/>
+              <a:gd name="connsiteY46" fmla="*/ 4364683 h 6857999"/>
+              <a:gd name="connsiteX47" fmla="*/ 8393355 w 9024730"/>
+              <a:gd name="connsiteY47" fmla="*/ 4462471 h 6857999"/>
+              <a:gd name="connsiteX48" fmla="*/ 8376166 w 9024730"/>
+              <a:gd name="connsiteY48" fmla="*/ 4574052 h 6857999"/>
+              <a:gd name="connsiteX49" fmla="*/ 8341678 w 9024730"/>
+              <a:gd name="connsiteY49" fmla="*/ 4667756 h 6857999"/>
+              <a:gd name="connsiteX50" fmla="*/ 8273661 w 9024730"/>
+              <a:gd name="connsiteY50" fmla="*/ 4799019 h 6857999"/>
+              <a:gd name="connsiteX51" fmla="*/ 8256132 w 9024730"/>
+              <a:gd name="connsiteY51" fmla="*/ 4849614 h 6857999"/>
+              <a:gd name="connsiteX52" fmla="*/ 8226804 w 9024730"/>
+              <a:gd name="connsiteY52" fmla="*/ 4919971 h 6857999"/>
+              <a:gd name="connsiteX53" fmla="*/ 8171825 w 9024730"/>
+              <a:gd name="connsiteY53" fmla="*/ 5010766 h 6857999"/>
+              <a:gd name="connsiteX54" fmla="*/ 8143172 w 9024730"/>
+              <a:gd name="connsiteY54" fmla="*/ 5088190 h 6857999"/>
+              <a:gd name="connsiteX55" fmla="*/ 8126363 w 9024730"/>
+              <a:gd name="connsiteY55" fmla="*/ 5143922 h 6857999"/>
+              <a:gd name="connsiteX56" fmla="*/ 8103782 w 9024730"/>
+              <a:gd name="connsiteY56" fmla="*/ 5284346 h 6857999"/>
+              <a:gd name="connsiteX57" fmla="*/ 8084361 w 9024730"/>
+              <a:gd name="connsiteY57" fmla="*/ 5390948 h 6857999"/>
+              <a:gd name="connsiteX58" fmla="*/ 8062552 w 9024730"/>
+              <a:gd name="connsiteY58" fmla="*/ 5470854 h 6857999"/>
+              <a:gd name="connsiteX59" fmla="*/ 8057342 w 9024730"/>
+              <a:gd name="connsiteY59" fmla="*/ 5529643 h 6857999"/>
+              <a:gd name="connsiteX60" fmla="*/ 8044923 w 9024730"/>
+              <a:gd name="connsiteY60" fmla="*/ 5597292 h 6857999"/>
+              <a:gd name="connsiteX61" fmla="*/ 8035233 w 9024730"/>
+              <a:gd name="connsiteY61" fmla="*/ 5608899 h 6857999"/>
+              <a:gd name="connsiteX62" fmla="*/ 8018178 w 9024730"/>
+              <a:gd name="connsiteY62" fmla="*/ 5684911 h 6857999"/>
+              <a:gd name="connsiteX63" fmla="*/ 8018018 w 9024730"/>
+              <a:gd name="connsiteY63" fmla="*/ 5755776 h 6857999"/>
+              <a:gd name="connsiteX64" fmla="*/ 8008640 w 9024730"/>
+              <a:gd name="connsiteY64" fmla="*/ 5889599 h 6857999"/>
+              <a:gd name="connsiteX65" fmla="*/ 8013542 w 9024730"/>
+              <a:gd name="connsiteY65" fmla="*/ 5989744 h 6857999"/>
+              <a:gd name="connsiteX66" fmla="*/ 7980757 w 9024730"/>
+              <a:gd name="connsiteY66" fmla="*/ 6084926 h 6857999"/>
+              <a:gd name="connsiteX67" fmla="*/ 7975907 w 9024730"/>
+              <a:gd name="connsiteY67" fmla="*/ 6346549 h 6857999"/>
+              <a:gd name="connsiteX68" fmla="*/ 7974221 w 9024730"/>
+              <a:gd name="connsiteY68" fmla="*/ 6527527 h 6857999"/>
+              <a:gd name="connsiteX69" fmla="*/ 7979135 w 9024730"/>
+              <a:gd name="connsiteY69" fmla="*/ 6627129 h 6857999"/>
+              <a:gd name="connsiteX70" fmla="*/ 7979404 w 9024730"/>
+              <a:gd name="connsiteY70" fmla="*/ 6694819 h 6857999"/>
+              <a:gd name="connsiteX71" fmla="*/ 8009526 w 9024730"/>
+              <a:gd name="connsiteY71" fmla="*/ 6765445 h 6857999"/>
+              <a:gd name="connsiteX72" fmla="*/ 8018211 w 9024730"/>
+              <a:gd name="connsiteY72" fmla="*/ 6844697 h 6857999"/>
+              <a:gd name="connsiteX73" fmla="*/ 8019608 w 9024730"/>
+              <a:gd name="connsiteY73" fmla="*/ 6857999 h 6857999"/>
+              <a:gd name="connsiteX74" fmla="*/ 0 w 9024730"/>
+              <a:gd name="connsiteY74" fmla="*/ 6857999 h 6857999"/>
+            </a:gdLst>
+            <a:ahLst/>
+            <a:cxnLst>
+              <a:cxn ang="0">
+                <a:pos x="connsiteX0" y="connsiteY0"/>
+              </a:cxn>
+              <a:cxn ang="0">
+                <a:pos x="connsiteX1" y="connsiteY1"/>
+              </a:cxn>
+              <a:cxn ang="0">
+                <a:pos x="connsiteX2" y="connsiteY2"/>
+              </a:cxn>
+              <a:cxn ang="0">
+                <a:pos x="connsiteX3" y="connsiteY3"/>
+              </a:cxn>
+              <a:cxn ang="0">
+                <a:pos x="connsiteX4" y="connsiteY4"/>
+              </a:cxn>
+              <a:cxn ang="0">
+                <a:pos x="connsiteX5" y="connsiteY5"/>
+              </a:cxn>
+              <a:cxn ang="0">
+                <a:pos x="connsiteX6" y="connsiteY6"/>
+              </a:cxn>
+              <a:cxn ang="0">
+                <a:pos x="connsiteX7" y="connsiteY7"/>
+              </a:cxn>
+              <a:cxn ang="0">
+                <a:pos x="connsiteX8" y="connsiteY8"/>
+              </a:cxn>
+              <a:cxn ang="0">
+                <a:pos x="connsiteX9" y="connsiteY9"/>
+              </a:cxn>
+              <a:cxn ang="0">
+                <a:pos x="connsiteX10" y="connsiteY10"/>
+              </a:cxn>
+              <a:cxn ang="0">
+                <a:pos x="connsiteX11" y="connsiteY11"/>
+              </a:cxn>
+              <a:cxn ang="0">
+                <a:pos x="connsiteX12" y="connsiteY12"/>
+              </a:cxn>
+              <a:cxn ang="0">
+                <a:pos x="connsiteX13" y="connsiteY13"/>
+              </a:cxn>
+              <a:cxn ang="0">
+                <a:pos x="connsiteX14" y="connsiteY14"/>
+              </a:cxn>
+              <a:cxn ang="0">
+                <a:pos x="connsiteX15" y="connsiteY15"/>
+              </a:cxn>
+              <a:cxn ang="0">
+                <a:pos x="connsiteX16" y="connsiteY16"/>
+              </a:cxn>
+              <a:cxn ang="0">
+                <a:pos x="connsiteX17" y="connsiteY17"/>
+              </a:cxn>
+              <a:cxn ang="0">
+                <a:pos x="connsiteX18" y="connsiteY18"/>
+              </a:cxn>
+              <a:cxn ang="0">
+                <a:pos x="connsiteX19" y="connsiteY19"/>
+              </a:cxn>
+              <a:cxn ang="0">
+                <a:pos x="connsiteX20" y="connsiteY20"/>
+              </a:cxn>
+              <a:cxn ang="0">
+                <a:pos x="connsiteX21" y="connsiteY21"/>
+              </a:cxn>
+              <a:cxn ang="0">
+                <a:pos x="connsiteX22" y="connsiteY22"/>
+              </a:cxn>
+              <a:cxn ang="0">
+                <a:pos x="connsiteX23" y="connsiteY23"/>
+              </a:cxn>
+              <a:cxn ang="0">
+                <a:pos x="connsiteX24" y="connsiteY24"/>
+              </a:cxn>
+              <a:cxn ang="0">
+                <a:pos x="connsiteX25" y="connsiteY25"/>
+              </a:cxn>
+              <a:cxn ang="0">
+                <a:pos x="connsiteX26" y="connsiteY26"/>
+              </a:cxn>
+              <a:cxn ang="0">
+                <a:pos x="connsiteX27" y="connsiteY27"/>
+              </a:cxn>
+              <a:cxn ang="0">
+                <a:pos x="connsiteX28" y="connsiteY28"/>
+              </a:cxn>
+              <a:cxn ang="0">
+                <a:pos x="connsiteX29" y="connsiteY29"/>
+              </a:cxn>
+              <a:cxn ang="0">
+                <a:pos x="connsiteX30" y="connsiteY30"/>
+              </a:cxn>
+              <a:cxn ang="0">
+                <a:pos x="connsiteX31" y="connsiteY31"/>
+              </a:cxn>
+              <a:cxn ang="0">
+                <a:pos x="connsiteX32" y="connsiteY32"/>
+              </a:cxn>
+              <a:cxn ang="0">
+                <a:pos x="connsiteX33" y="connsiteY33"/>
+              </a:cxn>
+              <a:cxn ang="0">
+                <a:pos x="connsiteX34" y="connsiteY34"/>
+              </a:cxn>
+              <a:cxn ang="0">
+                <a:pos x="connsiteX35" y="connsiteY35"/>
+              </a:cxn>
+              <a:cxn ang="0">
+                <a:pos x="connsiteX36" y="connsiteY36"/>
+              </a:cxn>
+              <a:cxn ang="0">
+                <a:pos x="connsiteX37" y="connsiteY37"/>
+              </a:cxn>
+              <a:cxn ang="0">
+                <a:pos x="connsiteX38" y="connsiteY38"/>
+              </a:cxn>
+              <a:cxn ang="0">
+                <a:pos x="connsiteX39" y="connsiteY39"/>
+              </a:cxn>
+              <a:cxn ang="0">
+                <a:pos x="connsiteX40" y="connsiteY40"/>
+              </a:cxn>
+              <a:cxn ang="0">
+                <a:pos x="connsiteX41" y="connsiteY41"/>
+              </a:cxn>
+              <a:cxn ang="0">
+                <a:pos x="connsiteX42" y="connsiteY42"/>
+              </a:cxn>
+              <a:cxn ang="0">
+                <a:pos x="connsiteX43" y="connsiteY43"/>
+              </a:cxn>
+              <a:cxn ang="0">
+                <a:pos x="connsiteX44" y="connsiteY44"/>
+              </a:cxn>
+              <a:cxn ang="0">
+                <a:pos x="connsiteX45" y="connsiteY45"/>
+              </a:cxn>
+              <a:cxn ang="0">
+                <a:pos x="connsiteX46" y="connsiteY46"/>
+              </a:cxn>
+              <a:cxn ang="0">
+                <a:pos x="connsiteX47" y="connsiteY47"/>
+              </a:cxn>
+              <a:cxn ang="0">
+                <a:pos x="connsiteX48" y="connsiteY48"/>
+              </a:cxn>
+              <a:cxn ang="0">
+                <a:pos x="connsiteX49" y="connsiteY49"/>
+              </a:cxn>
+              <a:cxn ang="0">
+                <a:pos x="connsiteX50" y="connsiteY50"/>
+              </a:cxn>
+              <a:cxn ang="0">
+                <a:pos x="connsiteX51" y="connsiteY51"/>
+              </a:cxn>
+              <a:cxn ang="0">
+                <a:pos x="connsiteX52" y="connsiteY52"/>
+              </a:cxn>
+              <a:cxn ang="0">
+                <a:pos x="connsiteX53" y="connsiteY53"/>
+              </a:cxn>
+              <a:cxn ang="0">
+                <a:pos x="connsiteX54" y="connsiteY54"/>
+              </a:cxn>
+              <a:cxn ang="0">
+                <a:pos x="connsiteX55" y="connsiteY55"/>
+              </a:cxn>
+              <a:cxn ang="0">
+                <a:pos x="connsiteX56" y="connsiteY56"/>
+              </a:cxn>
+              <a:cxn ang="0">
+                <a:pos x="connsiteX57" y="connsiteY57"/>
+              </a:cxn>
+              <a:cxn ang="0">
+                <a:pos x="connsiteX58" y="connsiteY58"/>
+              </a:cxn>
+              <a:cxn ang="0">
+                <a:pos x="connsiteX59" y="connsiteY59"/>
+              </a:cxn>
+              <a:cxn ang="0">
+                <a:pos x="connsiteX60" y="connsiteY60"/>
+              </a:cxn>
+              <a:cxn ang="0">
+                <a:pos x="connsiteX61" y="connsiteY61"/>
+              </a:cxn>
+              <a:cxn ang="0">
+                <a:pos x="connsiteX62" y="connsiteY62"/>
+              </a:cxn>
+              <a:cxn ang="0">
+                <a:pos x="connsiteX63" y="connsiteY63"/>
+              </a:cxn>
+              <a:cxn ang="0">
+                <a:pos x="connsiteX64" y="connsiteY64"/>
+              </a:cxn>
+              <a:cxn ang="0">
+                <a:pos x="connsiteX65" y="connsiteY65"/>
+              </a:cxn>
+              <a:cxn ang="0">
+                <a:pos x="connsiteX66" y="connsiteY66"/>
+              </a:cxn>
+              <a:cxn ang="0">
+                <a:pos x="connsiteX67" y="connsiteY67"/>
+              </a:cxn>
+              <a:cxn ang="0">
+                <a:pos x="connsiteX68" y="connsiteY68"/>
+              </a:cxn>
+              <a:cxn ang="0">
+                <a:pos x="connsiteX69" y="connsiteY69"/>
+              </a:cxn>
+              <a:cxn ang="0">
+                <a:pos x="connsiteX70" y="connsiteY70"/>
+              </a:cxn>
+              <a:cxn ang="0">
+                <a:pos x="connsiteX71" y="connsiteY71"/>
+              </a:cxn>
+              <a:cxn ang="0">
+                <a:pos x="connsiteX72" y="connsiteY72"/>
+              </a:cxn>
+              <a:cxn ang="0">
+                <a:pos x="connsiteX73" y="connsiteY73"/>
+              </a:cxn>
+              <a:cxn ang="0">
+                <a:pos x="connsiteX74" y="connsiteY74"/>
+              </a:cxn>
+            </a:cxnLst>
+            <a:rect l="l" t="t" r="r" b="b"/>
+            <a:pathLst>
+              <a:path w="9024730" h="6857999">
+                <a:moveTo>
+                  <a:pt x="0" y="0"/>
+                </a:moveTo>
+                <a:lnTo>
+                  <a:pt x="9024730" y="0"/>
+                </a:lnTo>
+                <a:lnTo>
+                  <a:pt x="9024730" y="2"/>
+                </a:lnTo>
+                <a:lnTo>
+                  <a:pt x="8447016" y="2"/>
+                </a:lnTo>
+                <a:lnTo>
+                  <a:pt x="8441214" y="14562"/>
+                </a:lnTo>
+                <a:lnTo>
+                  <a:pt x="8445389" y="59077"/>
+                </a:lnTo>
+                <a:cubicBezTo>
+                  <a:pt x="8445971" y="76949"/>
+                  <a:pt x="8436504" y="89796"/>
+                  <a:pt x="8437086" y="107668"/>
+                </a:cubicBezTo>
+                <a:cubicBezTo>
+                  <a:pt x="8417947" y="138162"/>
+                  <a:pt x="8459241" y="201929"/>
+                  <a:pt x="8458599" y="246136"/>
+                </a:cubicBezTo>
+                <a:cubicBezTo>
+                  <a:pt x="8457958" y="290343"/>
+                  <a:pt x="8471649" y="364179"/>
+                  <a:pt x="8433237" y="372908"/>
+                </a:cubicBezTo>
+                <a:cubicBezTo>
+                  <a:pt x="8426916" y="431308"/>
+                  <a:pt x="8438389" y="357606"/>
+                  <a:pt x="8430194" y="450607"/>
+                </a:cubicBezTo>
+                <a:cubicBezTo>
+                  <a:pt x="8466727" y="551950"/>
+                  <a:pt x="8430182" y="787036"/>
+                  <a:pt x="8443315" y="812800"/>
+                </a:cubicBezTo>
+                <a:cubicBezTo>
+                  <a:pt x="8478999" y="860799"/>
+                  <a:pt x="8435788" y="854953"/>
+                  <a:pt x="8453042" y="912727"/>
+                </a:cubicBezTo>
+                <a:cubicBezTo>
+                  <a:pt x="8462900" y="945986"/>
+                  <a:pt x="8451223" y="951781"/>
+                  <a:pt x="8451649" y="989950"/>
+                </a:cubicBezTo>
+                <a:cubicBezTo>
+                  <a:pt x="8452074" y="1028120"/>
+                  <a:pt x="8452500" y="1095828"/>
+                  <a:pt x="8455592" y="1141745"/>
+                </a:cubicBezTo>
+                <a:cubicBezTo>
+                  <a:pt x="8458684" y="1187662"/>
+                  <a:pt x="8470047" y="1234783"/>
+                  <a:pt x="8470203" y="1265454"/>
+                </a:cubicBezTo>
+                <a:cubicBezTo>
+                  <a:pt x="8458947" y="1304052"/>
+                  <a:pt x="8496012" y="1370755"/>
+                  <a:pt x="8499638" y="1385480"/>
+                </a:cubicBezTo>
+                <a:cubicBezTo>
+                  <a:pt x="8514485" y="1422714"/>
+                  <a:pt x="8525070" y="1428103"/>
+                  <a:pt x="8518660" y="1458060"/>
+                </a:cubicBezTo>
+                <a:cubicBezTo>
+                  <a:pt x="8518783" y="1468057"/>
+                  <a:pt x="8539003" y="1503177"/>
+                  <a:pt x="8539125" y="1513175"/>
+                </a:cubicBezTo>
+                <a:lnTo>
+                  <a:pt x="8570281" y="1570809"/>
+                </a:lnTo>
+                <a:cubicBezTo>
+                  <a:pt x="8597636" y="1617136"/>
+                  <a:pt x="8594573" y="1601443"/>
+                  <a:pt x="8605212" y="1638391"/>
+                </a:cubicBezTo>
+                <a:cubicBezTo>
+                  <a:pt x="8629645" y="1719640"/>
+                  <a:pt x="8613884" y="1715203"/>
+                  <a:pt x="8626457" y="1742490"/>
+                </a:cubicBezTo>
+                <a:lnTo>
+                  <a:pt x="8654861" y="1818229"/>
+                </a:lnTo>
+                <a:cubicBezTo>
+                  <a:pt x="8657202" y="1824059"/>
+                  <a:pt x="8651899" y="1851211"/>
+                  <a:pt x="8648005" y="1862723"/>
+                </a:cubicBezTo>
+                <a:lnTo>
+                  <a:pt x="8654469" y="1917476"/>
+                </a:lnTo>
+                <a:lnTo>
+                  <a:pt x="8649702" y="1972204"/>
+                </a:lnTo>
+                <a:cubicBezTo>
+                  <a:pt x="8652251" y="1979569"/>
+                  <a:pt x="8651461" y="2048203"/>
+                  <a:pt x="8656357" y="2054291"/>
+                </a:cubicBezTo>
+                <a:cubicBezTo>
+                  <a:pt x="8672645" y="2141657"/>
+                  <a:pt x="8632397" y="2189849"/>
+                  <a:pt x="8648660" y="2227417"/>
+                </a:cubicBezTo>
+                <a:cubicBezTo>
+                  <a:pt x="8639941" y="2317591"/>
+                  <a:pt x="8613796" y="2407644"/>
+                  <a:pt x="8607609" y="2510933"/>
+                </a:cubicBezTo>
+                <a:cubicBezTo>
+                  <a:pt x="8633490" y="2597916"/>
+                  <a:pt x="8602674" y="2649734"/>
+                  <a:pt x="8608432" y="2741866"/>
+                </a:cubicBezTo>
+                <a:cubicBezTo>
+                  <a:pt x="8630300" y="2779815"/>
+                  <a:pt x="8631929" y="2817058"/>
+                  <a:pt x="8619112" y="2864935"/>
+                </a:cubicBezTo>
+                <a:cubicBezTo>
+                  <a:pt x="8655820" y="2860552"/>
+                  <a:pt x="8588374" y="2937673"/>
+                  <a:pt x="8627742" y="2950807"/>
+                </a:cubicBezTo>
+                <a:lnTo>
+                  <a:pt x="8611822" y="2978246"/>
+                </a:lnTo>
+                <a:lnTo>
+                  <a:pt x="8608239" y="2995916"/>
+                </a:lnTo>
+                <a:lnTo>
+                  <a:pt x="8598647" y="2998648"/>
+                </a:lnTo>
+                <a:lnTo>
+                  <a:pt x="8587108" y="3023630"/>
+                </a:lnTo>
+                <a:cubicBezTo>
+                  <a:pt x="8584111" y="3033333"/>
+                  <a:pt x="8577413" y="3084375"/>
+                  <a:pt x="8577885" y="3096975"/>
+                </a:cubicBezTo>
+                <a:cubicBezTo>
+                  <a:pt x="8594321" y="3142205"/>
+                  <a:pt x="8535131" y="3160433"/>
+                  <a:pt x="8557492" y="3216657"/>
+                </a:cubicBezTo>
+                <a:cubicBezTo>
+                  <a:pt x="8562518" y="3237178"/>
+                  <a:pt x="8573573" y="3299737"/>
+                  <a:pt x="8560894" y="3310980"/>
+                </a:cubicBezTo>
+                <a:cubicBezTo>
+                  <a:pt x="8557601" y="3323902"/>
+                  <a:pt x="8561083" y="3339340"/>
+                  <a:pt x="8547852" y="3344725"/>
+                </a:cubicBezTo>
+                <a:cubicBezTo>
+                  <a:pt x="8531788" y="3353908"/>
+                  <a:pt x="8553430" y="3400659"/>
+                  <a:pt x="8535427" y="3393250"/>
+                </a:cubicBezTo>
+                <a:cubicBezTo>
+                  <a:pt x="8550195" y="3426421"/>
+                  <a:pt x="8529553" y="3487753"/>
+                  <a:pt x="8520092" y="3514536"/>
+                </a:cubicBezTo>
+                <a:cubicBezTo>
+                  <a:pt x="8513726" y="3563353"/>
+                  <a:pt x="8500070" y="3650327"/>
+                  <a:pt x="8497231" y="3686149"/>
+                </a:cubicBezTo>
+                <a:cubicBezTo>
+                  <a:pt x="8494574" y="3687657"/>
+                  <a:pt x="8493370" y="3677229"/>
+                  <a:pt x="8489799" y="3692208"/>
+                </a:cubicBezTo>
+                <a:cubicBezTo>
+                  <a:pt x="8486228" y="3707187"/>
+                  <a:pt x="8465938" y="3757479"/>
+                  <a:pt x="8475804" y="3776022"/>
+                </a:cubicBezTo>
+                <a:cubicBezTo>
+                  <a:pt x="8441061" y="3875691"/>
+                  <a:pt x="8487451" y="3939839"/>
+                  <a:pt x="8471279" y="3977138"/>
+                </a:cubicBezTo>
+                <a:cubicBezTo>
+                  <a:pt x="8465599" y="4067300"/>
+                  <a:pt x="8419685" y="4164564"/>
+                  <a:pt x="8408913" y="4222149"/>
+                </a:cubicBezTo>
+                <a:cubicBezTo>
+                  <a:pt x="8403583" y="4287917"/>
+                  <a:pt x="8398240" y="4339232"/>
+                  <a:pt x="8402112" y="4364683"/>
+                </a:cubicBezTo>
+                <a:lnTo>
+                  <a:pt x="8393355" y="4462471"/>
+                </a:lnTo>
+                <a:cubicBezTo>
+                  <a:pt x="8396004" y="4503329"/>
+                  <a:pt x="8376320" y="4548111"/>
+                  <a:pt x="8376166" y="4574052"/>
+                </a:cubicBezTo>
+                <a:cubicBezTo>
+                  <a:pt x="8369380" y="4670665"/>
+                  <a:pt x="8352302" y="4649921"/>
+                  <a:pt x="8341678" y="4667756"/>
+                </a:cubicBezTo>
+                <a:cubicBezTo>
+                  <a:pt x="8320864" y="4705850"/>
+                  <a:pt x="8290794" y="4758928"/>
+                  <a:pt x="8273661" y="4799019"/>
+                </a:cubicBezTo>
+                <a:cubicBezTo>
+                  <a:pt x="8254323" y="4834076"/>
+                  <a:pt x="8262378" y="4811645"/>
+                  <a:pt x="8256132" y="4849614"/>
+                </a:cubicBezTo>
+                <a:cubicBezTo>
+                  <a:pt x="8239320" y="4853334"/>
+                  <a:pt x="8207060" y="4883089"/>
+                  <a:pt x="8226804" y="4919971"/>
+                </a:cubicBezTo>
+                <a:lnTo>
+                  <a:pt x="8171825" y="5010766"/>
+                </a:lnTo>
+                <a:cubicBezTo>
+                  <a:pt x="8150097" y="4983259"/>
+                  <a:pt x="8165842" y="5107656"/>
+                  <a:pt x="8143172" y="5088190"/>
+                </a:cubicBezTo>
+                <a:cubicBezTo>
+                  <a:pt x="8128060" y="5102008"/>
+                  <a:pt x="8138350" y="5118851"/>
+                  <a:pt x="8126363" y="5143922"/>
+                </a:cubicBezTo>
+                <a:cubicBezTo>
+                  <a:pt x="8116335" y="5192745"/>
+                  <a:pt x="8111851" y="5226225"/>
+                  <a:pt x="8103782" y="5284346"/>
+                </a:cubicBezTo>
+                <a:cubicBezTo>
+                  <a:pt x="8101016" y="5338386"/>
+                  <a:pt x="8095811" y="5337325"/>
+                  <a:pt x="8084361" y="5390948"/>
+                </a:cubicBezTo>
+                <a:cubicBezTo>
+                  <a:pt x="8082912" y="5429655"/>
+                  <a:pt x="8063705" y="5449508"/>
+                  <a:pt x="8062552" y="5470854"/>
+                </a:cubicBezTo>
+                <a:cubicBezTo>
+                  <a:pt x="8086776" y="5526328"/>
+                  <a:pt x="8037513" y="5496377"/>
+                  <a:pt x="8057342" y="5529643"/>
+                </a:cubicBezTo>
+                <a:cubicBezTo>
+                  <a:pt x="8050653" y="5550879"/>
+                  <a:pt x="8055939" y="5587444"/>
+                  <a:pt x="8044923" y="5597292"/>
+                </a:cubicBezTo>
+                <a:lnTo>
+                  <a:pt x="8035233" y="5608899"/>
+                </a:lnTo>
+                <a:cubicBezTo>
+                  <a:pt x="8030775" y="5623501"/>
+                  <a:pt x="8021047" y="5660431"/>
+                  <a:pt x="8018178" y="5684911"/>
+                </a:cubicBezTo>
+                <a:cubicBezTo>
+                  <a:pt x="8005590" y="5692608"/>
+                  <a:pt x="8011744" y="5734344"/>
+                  <a:pt x="8018018" y="5755776"/>
+                </a:cubicBezTo>
+                <a:cubicBezTo>
+                  <a:pt x="8019409" y="5792777"/>
+                  <a:pt x="7989082" y="5848613"/>
+                  <a:pt x="8008640" y="5889599"/>
+                </a:cubicBezTo>
+                <a:cubicBezTo>
+                  <a:pt x="8011480" y="5932097"/>
+                  <a:pt x="8009486" y="5940901"/>
+                  <a:pt x="8013542" y="5989744"/>
+                </a:cubicBezTo>
+                <a:cubicBezTo>
+                  <a:pt x="8022089" y="6020787"/>
+                  <a:pt x="7982918" y="6024963"/>
+                  <a:pt x="7980757" y="6084926"/>
+                </a:cubicBezTo>
+                <a:cubicBezTo>
+                  <a:pt x="7974117" y="6134231"/>
+                  <a:pt x="7999371" y="6240432"/>
+                  <a:pt x="7975907" y="6346549"/>
+                </a:cubicBezTo>
+                <a:cubicBezTo>
+                  <a:pt x="7987225" y="6409741"/>
+                  <a:pt x="7980509" y="6468689"/>
+                  <a:pt x="7974221" y="6527527"/>
+                </a:cubicBezTo>
+                <a:cubicBezTo>
+                  <a:pt x="7955361" y="6585667"/>
+                  <a:pt x="7987786" y="6579284"/>
+                  <a:pt x="7979135" y="6627129"/>
+                </a:cubicBezTo>
+                <a:cubicBezTo>
+                  <a:pt x="7983057" y="6635153"/>
+                  <a:pt x="7984986" y="6697665"/>
+                  <a:pt x="7979404" y="6694819"/>
+                </a:cubicBezTo>
+                <a:cubicBezTo>
+                  <a:pt x="7981755" y="6716947"/>
+                  <a:pt x="8003903" y="6732844"/>
+                  <a:pt x="8009526" y="6765445"/>
+                </a:cubicBezTo>
+                <a:cubicBezTo>
+                  <a:pt x="8011113" y="6776325"/>
+                  <a:pt x="8014662" y="6810511"/>
+                  <a:pt x="8018211" y="6844697"/>
+                </a:cubicBezTo>
+                <a:lnTo>
+                  <a:pt x="8019608" y="6857999"/>
+                </a:lnTo>
+                <a:lnTo>
+                  <a:pt x="0" y="6857999"/>
+                </a:lnTo>
+                <a:close/>
+              </a:path>
+            </a:pathLst>
+          </a:custGeom>
+          <a:solidFill>
+            <a:srgbClr val="82766A">
+              <a:alpha val="15000"/>
+            </a:srgbClr>
+          </a:solidFill>
+          <a:ln>
+            <a:noFill/>
+          </a:ln>
+        </p:spPr>
+        <p:style>
+          <a:lnRef idx="2">
+            <a:schemeClr val="accent1">
+              <a:shade val="50000"/>
+            </a:schemeClr>
+          </a:lnRef>
+          <a:fillRef idx="1">
+            <a:schemeClr val="accent1"/>
+          </a:fillRef>
+          <a:effectRef idx="0">
+            <a:schemeClr val="accent1"/>
+          </a:effectRef>
+          <a:fontRef idx="minor">
+            <a:schemeClr val="lt1"/>
+          </a:fontRef>
+        </p:style>
+        <p:txBody>
+          <a:bodyPr wrap="square" rtlCol="0" anchor="ctr">
+            <a:noAutofit/>
           </a:bodyPr>
           <a:lstStyle/>
           <a:p>
-            <a:r>
-              <a:rPr lang="es-MX" dirty="0"/>
-              <a:t>1.	Identidad </a:t>
-            </a:r>
-            <a:r>
-              <a:rPr lang="es-MX" dirty="0" err="1"/>
+            <a:pPr algn="ctr"/>
+            <a:endParaRPr lang="en-US"/>
+          </a:p>
+        </p:txBody>
+      </p:sp>
+      <p:sp>
+        <p:nvSpPr>
+          <p:cNvPr id="2" name="Título 1">
+            <a:extLst>
+              <a:ext uri="{FF2B5EF4-FFF2-40B4-BE49-F238E27FC236}">
+                <a16:creationId xmlns:a16="http://schemas.microsoft.com/office/drawing/2014/main" id="{89297980-9926-4BC2-A8D7-07E223093F88}"/>
+              </a:ext>
+            </a:extLst>
+          </p:cNvPr>
+          <p:cNvSpPr>
+            <a:spLocks noGrp="1"/>
+          </p:cNvSpPr>
+          <p:nvPr>
+            <p:ph type="title"/>
+          </p:nvPr>
+        </p:nvSpPr>
+        <p:spPr>
+          <a:xfrm>
+            <a:off x="466085" y="293061"/>
+            <a:ext cx="7364651" cy="1322888"/>
+          </a:xfrm>
+        </p:spPr>
+        <p:txBody>
+          <a:bodyPr>
+            <a:normAutofit/>
+          </a:bodyPr>
+          <a:lstStyle/>
+          <a:p>
+            <a:r>
+              <a:rPr lang="es-MX" b="1" dirty="0"/>
+              <a:t>Identidad </a:t>
+            </a:r>
+            <a:r>
+              <a:rPr lang="es-MX" b="1" dirty="0" err="1"/>
               <a:t>Auto-soberana</a:t>
             </a:r>
             <a:r>
-              <a:rPr lang="es-MX" dirty="0"/>
+              <a:rPr lang="es-MX" b="1" dirty="0"/>
               <a:t> (</a:t>
             </a:r>
             <a:r>
-              <a:rPr lang="es-MX" dirty="0" err="1"/>
+              <a:rPr lang="es-MX" b="1" dirty="0" err="1"/>
               <a:t>Self-Sovereign</a:t>
             </a:r>
             <a:r>
-              <a:rPr lang="es-MX" dirty="0"/>
+              <a:rPr lang="es-MX" b="1" dirty="0"/>
               <a:t> </a:t>
             </a:r>
             <a:r>
-              <a:rPr lang="es-MX" dirty="0" err="1"/>
+              <a:rPr lang="es-MX" b="1" dirty="0" err="1"/>
               <a:t>Identity</a:t>
             </a:r>
             <a:r>
-              <a:rPr lang="es-MX" dirty="0"/>
+              <a:rPr lang="es-MX" b="1" dirty="0"/>
               <a:t> - SSI)</a:t>
             </a:r>
-            <a:br>
-              <a:rPr lang="es-CO" dirty="0"/>
-            </a:br>
-            <a:endParaRPr lang="es-CO" dirty="0"/>
+            <a:endParaRPr lang="es-CO" b="1" dirty="0"/>
           </a:p>
         </p:txBody>
       </p:sp>
@@ -3820,15 +5597,296 @@
             <p:ph idx="1"/>
           </p:nvPr>
         </p:nvSpPr>
-        <p:spPr/>
-        <p:txBody>
-          <a:bodyPr/>
+        <p:spPr>
+          <a:xfrm>
+            <a:off x="197224" y="2042598"/>
+            <a:ext cx="7364651" cy="3706713"/>
+          </a:xfrm>
+        </p:spPr>
+        <p:txBody>
+          <a:bodyPr>
+            <a:noAutofit/>
+          </a:bodyPr>
           <a:lstStyle/>
           <a:p>
-            <a:endParaRPr lang="es-CO"/>
-          </a:p>
-        </p:txBody>
-      </p:sp>
+            <a:pPr indent="220980">
+              <a:spcAft>
+                <a:spcPts val="800"/>
+              </a:spcAft>
+            </a:pPr>
+            <a:r>
+              <a:rPr lang="es-CO" sz="2000" dirty="0">
+                <a:latin typeface="Arial" panose="020B0604020202020204" pitchFamily="34" charset="0"/>
+                <a:ea typeface="Times New Roman" panose="02020603050405020304" pitchFamily="18" charset="0"/>
+                <a:cs typeface="Times New Roman" panose="02020603050405020304" pitchFamily="18" charset="0"/>
+              </a:rPr>
+              <a:t>L</a:t>
+            </a:r>
+            <a:r>
+              <a:rPr lang="es-CO" sz="2000" dirty="0">
+                <a:effectLst/>
+                <a:latin typeface="Arial" panose="020B0604020202020204" pitchFamily="34" charset="0"/>
+                <a:ea typeface="Times New Roman" panose="02020603050405020304" pitchFamily="18" charset="0"/>
+                <a:cs typeface="Times New Roman" panose="02020603050405020304" pitchFamily="18" charset="0"/>
+              </a:rPr>
+              <a:t>as tendencia más disruptiva que permite que los usuarios posean y controlen sus propios datos de identidad, sin </a:t>
+            </a:r>
+            <a:r>
+              <a:rPr lang="es-CO" sz="2000" u="sng" dirty="0">
+                <a:effectLst/>
+                <a:latin typeface="Arial" panose="020B0604020202020204" pitchFamily="34" charset="0"/>
+                <a:ea typeface="Times New Roman" panose="02020603050405020304" pitchFamily="18" charset="0"/>
+                <a:cs typeface="Times New Roman" panose="02020603050405020304" pitchFamily="18" charset="0"/>
+              </a:rPr>
+              <a:t>depender</a:t>
+            </a:r>
+            <a:r>
+              <a:rPr lang="es-CO" sz="2000" dirty="0">
+                <a:effectLst/>
+                <a:latin typeface="Arial" panose="020B0604020202020204" pitchFamily="34" charset="0"/>
+                <a:ea typeface="Times New Roman" panose="02020603050405020304" pitchFamily="18" charset="0"/>
+                <a:cs typeface="Times New Roman" panose="02020603050405020304" pitchFamily="18" charset="0"/>
+              </a:rPr>
+              <a:t> de una </a:t>
+            </a:r>
+            <a:r>
+              <a:rPr lang="es-CO" sz="2000" u="sng" dirty="0">
+                <a:effectLst/>
+                <a:latin typeface="Arial" panose="020B0604020202020204" pitchFamily="34" charset="0"/>
+                <a:ea typeface="Times New Roman" panose="02020603050405020304" pitchFamily="18" charset="0"/>
+                <a:cs typeface="Times New Roman" panose="02020603050405020304" pitchFamily="18" charset="0"/>
+              </a:rPr>
+              <a:t>entidad centralizada</a:t>
+            </a:r>
+            <a:r>
+              <a:rPr lang="es-CO" sz="2000" dirty="0">
+                <a:effectLst/>
+                <a:latin typeface="Arial" panose="020B0604020202020204" pitchFamily="34" charset="0"/>
+                <a:ea typeface="Times New Roman" panose="02020603050405020304" pitchFamily="18" charset="0"/>
+                <a:cs typeface="Times New Roman" panose="02020603050405020304" pitchFamily="18" charset="0"/>
+              </a:rPr>
+              <a:t> que actúe como intermediario. </a:t>
+            </a:r>
+          </a:p>
+          <a:p>
+            <a:pPr indent="220980" algn="just">
+              <a:spcAft>
+                <a:spcPts val="800"/>
+              </a:spcAft>
+            </a:pPr>
+            <a:r>
+              <a:rPr lang="es-CO" sz="2000" dirty="0">
+                <a:latin typeface="Arial" panose="020B0604020202020204" pitchFamily="34" charset="0"/>
+                <a:ea typeface="Times New Roman" panose="02020603050405020304" pitchFamily="18" charset="0"/>
+                <a:cs typeface="Times New Roman" panose="02020603050405020304" pitchFamily="18" charset="0"/>
+              </a:rPr>
+              <a:t>Sin embargo, la adopción masiva de la SSI enfrenta retos en cuanto a la interoperabilidad entre sistemas y la aceptación de modelos descentralizados en jurisdicciones reguladas (Allen, 2016).</a:t>
+            </a:r>
+            <a:endParaRPr lang="es-CO" sz="2000" dirty="0">
+              <a:latin typeface="Times New Roman" panose="02020603050405020304" pitchFamily="18" charset="0"/>
+              <a:ea typeface="Calibri" panose="020F0502020204030204" pitchFamily="34" charset="0"/>
+              <a:cs typeface="Times New Roman" panose="02020603050405020304" pitchFamily="18" charset="0"/>
+            </a:endParaRPr>
+          </a:p>
+          <a:p>
+            <a:pPr indent="220980">
+              <a:spcAft>
+                <a:spcPts val="800"/>
+              </a:spcAft>
+            </a:pPr>
+            <a:r>
+              <a:rPr lang="es-CO" sz="2000" dirty="0">
+                <a:latin typeface="Arial" panose="020B0604020202020204" pitchFamily="34" charset="0"/>
+                <a:ea typeface="Times New Roman" panose="02020603050405020304" pitchFamily="18" charset="0"/>
+                <a:cs typeface="Times New Roman" panose="02020603050405020304" pitchFamily="18" charset="0"/>
+              </a:rPr>
+              <a:t>P</a:t>
+            </a:r>
+            <a:r>
+              <a:rPr lang="es-CO" sz="2000" dirty="0">
+                <a:effectLst/>
+                <a:latin typeface="Arial" panose="020B0604020202020204" pitchFamily="34" charset="0"/>
+                <a:ea typeface="Times New Roman" panose="02020603050405020304" pitchFamily="18" charset="0"/>
+                <a:cs typeface="Times New Roman" panose="02020603050405020304" pitchFamily="18" charset="0"/>
+              </a:rPr>
+              <a:t>lataformas como </a:t>
+            </a:r>
+            <a:r>
+              <a:rPr lang="es-CO" sz="2000" dirty="0" err="1">
+                <a:effectLst/>
+                <a:latin typeface="Arial" panose="020B0604020202020204" pitchFamily="34" charset="0"/>
+                <a:ea typeface="Times New Roman" panose="02020603050405020304" pitchFamily="18" charset="0"/>
+                <a:cs typeface="Times New Roman" panose="02020603050405020304" pitchFamily="18" charset="0"/>
+              </a:rPr>
+              <a:t>uPort</a:t>
+            </a:r>
+            <a:r>
+              <a:rPr lang="es-CO" sz="2000" dirty="0">
+                <a:effectLst/>
+                <a:latin typeface="Arial" panose="020B0604020202020204" pitchFamily="34" charset="0"/>
+                <a:ea typeface="Times New Roman" panose="02020603050405020304" pitchFamily="18" charset="0"/>
+                <a:cs typeface="Times New Roman" panose="02020603050405020304" pitchFamily="18" charset="0"/>
+              </a:rPr>
+              <a:t> y </a:t>
+            </a:r>
+            <a:r>
+              <a:rPr lang="es-CO" sz="2000" dirty="0" err="1">
+                <a:effectLst/>
+                <a:latin typeface="Arial" panose="020B0604020202020204" pitchFamily="34" charset="0"/>
+                <a:ea typeface="Times New Roman" panose="02020603050405020304" pitchFamily="18" charset="0"/>
+                <a:cs typeface="Times New Roman" panose="02020603050405020304" pitchFamily="18" charset="0"/>
+              </a:rPr>
+              <a:t>Sovrin</a:t>
+            </a:r>
+            <a:r>
+              <a:rPr lang="es-CO" sz="2000" dirty="0">
+                <a:effectLst/>
+                <a:latin typeface="Arial" panose="020B0604020202020204" pitchFamily="34" charset="0"/>
+                <a:ea typeface="Times New Roman" panose="02020603050405020304" pitchFamily="18" charset="0"/>
+                <a:cs typeface="Times New Roman" panose="02020603050405020304" pitchFamily="18" charset="0"/>
+              </a:rPr>
+              <a:t> ya están explorando implementaciones reales de este modelo, lo que sugiere que la SSI podría transformar la forma en que se gestionan las identidades digitales en sectores como la banca, la salud y el comercio electrónico (</a:t>
+            </a:r>
+            <a:r>
+              <a:rPr lang="es-CO" sz="2000" dirty="0" err="1">
+                <a:effectLst/>
+                <a:latin typeface="Arial" panose="020B0604020202020204" pitchFamily="34" charset="0"/>
+                <a:ea typeface="Times New Roman" panose="02020603050405020304" pitchFamily="18" charset="0"/>
+                <a:cs typeface="Times New Roman" panose="02020603050405020304" pitchFamily="18" charset="0"/>
+              </a:rPr>
+              <a:t>Mühle</a:t>
+            </a:r>
+            <a:r>
+              <a:rPr lang="es-CO" sz="2000" dirty="0">
+                <a:effectLst/>
+                <a:latin typeface="Arial" panose="020B0604020202020204" pitchFamily="34" charset="0"/>
+                <a:ea typeface="Times New Roman" panose="02020603050405020304" pitchFamily="18" charset="0"/>
+                <a:cs typeface="Times New Roman" panose="02020603050405020304" pitchFamily="18" charset="0"/>
+              </a:rPr>
+              <a:t> et al., 2018).</a:t>
+            </a:r>
+          </a:p>
+        </p:txBody>
+      </p:sp>
+      <p:pic>
+        <p:nvPicPr>
+          <p:cNvPr id="7" name="Imagen 6" descr="Diagrama&#10;&#10;Descripción generada automáticamente">
+            <a:extLst>
+              <a:ext uri="{FF2B5EF4-FFF2-40B4-BE49-F238E27FC236}">
+                <a16:creationId xmlns:a16="http://schemas.microsoft.com/office/drawing/2014/main" id="{8E181746-FB24-7BA9-A8AF-E1D12661F1BD}"/>
+              </a:ext>
+            </a:extLst>
+          </p:cNvPr>
+          <p:cNvPicPr>
+            <a:picLocks noChangeAspect="1"/>
+          </p:cNvPicPr>
+          <p:nvPr/>
+        </p:nvPicPr>
+        <p:blipFill>
+          <a:blip r:embed="rId2"/>
+          <a:srcRect r="-4" b="7313"/>
+          <a:stretch/>
+        </p:blipFill>
+        <p:spPr>
+          <a:xfrm>
+            <a:off x="8557364" y="3534657"/>
+            <a:ext cx="2884171" cy="2997922"/>
+          </a:xfrm>
+          <a:prstGeom prst="rect">
+            <a:avLst/>
+          </a:prstGeom>
+        </p:spPr>
+      </p:pic>
+      <p:pic>
+        <p:nvPicPr>
+          <p:cNvPr id="13" name="Imagen 12">
+            <a:extLst>
+              <a:ext uri="{FF2B5EF4-FFF2-40B4-BE49-F238E27FC236}">
+                <a16:creationId xmlns:a16="http://schemas.microsoft.com/office/drawing/2014/main" id="{726A56A1-0AC2-74AE-292A-526BBCF4AA59}"/>
+              </a:ext>
+            </a:extLst>
+          </p:cNvPr>
+          <p:cNvPicPr>
+            <a:picLocks noChangeAspect="1"/>
+          </p:cNvPicPr>
+          <p:nvPr/>
+        </p:nvPicPr>
+        <p:blipFill>
+          <a:blip r:embed="rId3"/>
+          <a:stretch>
+            <a:fillRect/>
+          </a:stretch>
+        </p:blipFill>
+        <p:spPr>
+          <a:xfrm>
+            <a:off x="1603903" y="6235174"/>
+            <a:ext cx="1539576" cy="484093"/>
+          </a:xfrm>
+          <a:prstGeom prst="rect">
+            <a:avLst/>
+          </a:prstGeom>
+        </p:spPr>
+      </p:pic>
+      <p:pic>
+        <p:nvPicPr>
+          <p:cNvPr id="9" name="Imagen 8">
+            <a:extLst>
+              <a:ext uri="{FF2B5EF4-FFF2-40B4-BE49-F238E27FC236}">
+                <a16:creationId xmlns:a16="http://schemas.microsoft.com/office/drawing/2014/main" id="{ADF7195E-F9B7-B1C5-F715-084B32F48DF1}"/>
+              </a:ext>
+            </a:extLst>
+          </p:cNvPr>
+          <p:cNvPicPr>
+            <a:picLocks noChangeAspect="1"/>
+          </p:cNvPicPr>
+          <p:nvPr/>
+        </p:nvPicPr>
+        <p:blipFill>
+          <a:blip r:embed="rId4"/>
+          <a:stretch>
+            <a:fillRect/>
+          </a:stretch>
+        </p:blipFill>
+        <p:spPr>
+          <a:xfrm>
+            <a:off x="3248223" y="6235174"/>
+            <a:ext cx="1662054" cy="484093"/>
+          </a:xfrm>
+          <a:prstGeom prst="rect">
+            <a:avLst/>
+          </a:prstGeom>
+        </p:spPr>
+      </p:pic>
+      <p:pic>
+        <p:nvPicPr>
+          <p:cNvPr id="4" name="Imagen 3">
+            <a:extLst>
+              <a:ext uri="{FF2B5EF4-FFF2-40B4-BE49-F238E27FC236}">
+                <a16:creationId xmlns:a16="http://schemas.microsoft.com/office/drawing/2014/main" id="{99478FC3-B129-8F3C-5E7E-678BBE2B8FCE}"/>
+              </a:ext>
+            </a:extLst>
+          </p:cNvPr>
+          <p:cNvPicPr>
+            <a:picLocks noChangeAspect="1"/>
+          </p:cNvPicPr>
+          <p:nvPr/>
+        </p:nvPicPr>
+        <p:blipFill>
+          <a:blip r:embed="rId5"/>
+          <a:stretch>
+            <a:fillRect/>
+          </a:stretch>
+        </p:blipFill>
+        <p:spPr>
+          <a:xfrm>
+            <a:off x="8489520" y="293061"/>
+            <a:ext cx="3702480" cy="2438401"/>
+          </a:xfrm>
+          <a:prstGeom prst="rect">
+            <a:avLst/>
+          </a:prstGeom>
+        </p:spPr>
+      </p:pic>
     </p:spTree>
     <p:extLst>
       <p:ext uri="{BB962C8B-B14F-4D97-AF65-F5344CB8AC3E}">
@@ -3847,12 +5905,1064 @@
       <p:transition advClick="0" advTm="5400000"/>
     </mc:Fallback>
   </mc:AlternateContent>
+  <p:timing>
+    <p:tnLst>
+      <p:par>
+        <p:cTn id="1" dur="indefinite" restart="never" nodeType="tmRoot">
+          <p:childTnLst>
+            <p:seq concurrent="1" nextAc="seek">
+              <p:cTn id="2" dur="indefinite" nodeType="mainSeq">
+                <p:childTnLst>
+                  <p:par>
+                    <p:cTn id="3" fill="hold">
+                      <p:stCondLst>
+                        <p:cond delay="indefinite"/>
+                      </p:stCondLst>
+                      <p:childTnLst>
+                        <p:par>
+                          <p:cTn id="4" fill="hold">
+                            <p:stCondLst>
+                              <p:cond delay="0"/>
+                            </p:stCondLst>
+                            <p:childTnLst>
+                              <p:par>
+                                <p:cTn id="5" presetID="31" presetClass="entr" presetSubtype="0" fill="hold" grpId="0" nodeType="clickEffect">
+                                  <p:stCondLst>
+                                    <p:cond delay="0"/>
+                                  </p:stCondLst>
+                                  <p:childTnLst>
+                                    <p:set>
+                                      <p:cBhvr>
+                                        <p:cTn id="6" dur="1" fill="hold">
+                                          <p:stCondLst>
+                                            <p:cond delay="0"/>
+                                          </p:stCondLst>
+                                        </p:cTn>
+                                        <p:tgtEl>
+                                          <p:spTgt spid="2"/>
+                                        </p:tgtEl>
+                                        <p:attrNameLst>
+                                          <p:attrName>style.visibility</p:attrName>
+                                        </p:attrNameLst>
+                                      </p:cBhvr>
+                                      <p:to>
+                                        <p:strVal val="visible"/>
+                                      </p:to>
+                                    </p:set>
+                                    <p:anim calcmode="lin" valueType="num">
+                                      <p:cBhvr>
+                                        <p:cTn id="7" dur="1000" fill="hold"/>
+                                        <p:tgtEl>
+                                          <p:spTgt spid="2"/>
+                                        </p:tgtEl>
+                                        <p:attrNameLst>
+                                          <p:attrName>ppt_w</p:attrName>
+                                        </p:attrNameLst>
+                                      </p:cBhvr>
+                                      <p:tavLst>
+                                        <p:tav tm="0">
+                                          <p:val>
+                                            <p:fltVal val="0"/>
+                                          </p:val>
+                                        </p:tav>
+                                        <p:tav tm="100000">
+                                          <p:val>
+                                            <p:strVal val="#ppt_w"/>
+                                          </p:val>
+                                        </p:tav>
+                                      </p:tavLst>
+                                    </p:anim>
+                                    <p:anim calcmode="lin" valueType="num">
+                                      <p:cBhvr>
+                                        <p:cTn id="8" dur="1000" fill="hold"/>
+                                        <p:tgtEl>
+                                          <p:spTgt spid="2"/>
+                                        </p:tgtEl>
+                                        <p:attrNameLst>
+                                          <p:attrName>ppt_h</p:attrName>
+                                        </p:attrNameLst>
+                                      </p:cBhvr>
+                                      <p:tavLst>
+                                        <p:tav tm="0">
+                                          <p:val>
+                                            <p:fltVal val="0"/>
+                                          </p:val>
+                                        </p:tav>
+                                        <p:tav tm="100000">
+                                          <p:val>
+                                            <p:strVal val="#ppt_h"/>
+                                          </p:val>
+                                        </p:tav>
+                                      </p:tavLst>
+                                    </p:anim>
+                                    <p:anim calcmode="lin" valueType="num">
+                                      <p:cBhvr>
+                                        <p:cTn id="9" dur="1000" fill="hold"/>
+                                        <p:tgtEl>
+                                          <p:spTgt spid="2"/>
+                                        </p:tgtEl>
+                                        <p:attrNameLst>
+                                          <p:attrName>style.rotation</p:attrName>
+                                        </p:attrNameLst>
+                                      </p:cBhvr>
+                                      <p:tavLst>
+                                        <p:tav tm="0">
+                                          <p:val>
+                                            <p:fltVal val="90"/>
+                                          </p:val>
+                                        </p:tav>
+                                        <p:tav tm="100000">
+                                          <p:val>
+                                            <p:fltVal val="0"/>
+                                          </p:val>
+                                        </p:tav>
+                                      </p:tavLst>
+                                    </p:anim>
+                                    <p:animEffect transition="in" filter="fade">
+                                      <p:cBhvr>
+                                        <p:cTn id="10" dur="1000"/>
+                                        <p:tgtEl>
+                                          <p:spTgt spid="2"/>
+                                        </p:tgtEl>
+                                      </p:cBhvr>
+                                    </p:animEffect>
+                                  </p:childTnLst>
+                                </p:cTn>
+                              </p:par>
+                            </p:childTnLst>
+                          </p:cTn>
+                        </p:par>
+                      </p:childTnLst>
+                    </p:cTn>
+                  </p:par>
+                  <p:par>
+                    <p:cTn id="11" fill="hold">
+                      <p:stCondLst>
+                        <p:cond delay="indefinite"/>
+                      </p:stCondLst>
+                      <p:childTnLst>
+                        <p:par>
+                          <p:cTn id="12" fill="hold">
+                            <p:stCondLst>
+                              <p:cond delay="0"/>
+                            </p:stCondLst>
+                            <p:childTnLst>
+                              <p:par>
+                                <p:cTn id="13" presetID="31" presetClass="entr" presetSubtype="0" fill="hold" nodeType="clickEffect">
+                                  <p:stCondLst>
+                                    <p:cond delay="0"/>
+                                  </p:stCondLst>
+                                  <p:childTnLst>
+                                    <p:set>
+                                      <p:cBhvr>
+                                        <p:cTn id="14" dur="1" fill="hold">
+                                          <p:stCondLst>
+                                            <p:cond delay="0"/>
+                                          </p:stCondLst>
+                                        </p:cTn>
+                                        <p:tgtEl>
+                                          <p:spTgt spid="7"/>
+                                        </p:tgtEl>
+                                        <p:attrNameLst>
+                                          <p:attrName>style.visibility</p:attrName>
+                                        </p:attrNameLst>
+                                      </p:cBhvr>
+                                      <p:to>
+                                        <p:strVal val="visible"/>
+                                      </p:to>
+                                    </p:set>
+                                    <p:anim calcmode="lin" valueType="num">
+                                      <p:cBhvr>
+                                        <p:cTn id="15" dur="1000" fill="hold"/>
+                                        <p:tgtEl>
+                                          <p:spTgt spid="7"/>
+                                        </p:tgtEl>
+                                        <p:attrNameLst>
+                                          <p:attrName>ppt_w</p:attrName>
+                                        </p:attrNameLst>
+                                      </p:cBhvr>
+                                      <p:tavLst>
+                                        <p:tav tm="0">
+                                          <p:val>
+                                            <p:fltVal val="0"/>
+                                          </p:val>
+                                        </p:tav>
+                                        <p:tav tm="100000">
+                                          <p:val>
+                                            <p:strVal val="#ppt_w"/>
+                                          </p:val>
+                                        </p:tav>
+                                      </p:tavLst>
+                                    </p:anim>
+                                    <p:anim calcmode="lin" valueType="num">
+                                      <p:cBhvr>
+                                        <p:cTn id="16" dur="1000" fill="hold"/>
+                                        <p:tgtEl>
+                                          <p:spTgt spid="7"/>
+                                        </p:tgtEl>
+                                        <p:attrNameLst>
+                                          <p:attrName>ppt_h</p:attrName>
+                                        </p:attrNameLst>
+                                      </p:cBhvr>
+                                      <p:tavLst>
+                                        <p:tav tm="0">
+                                          <p:val>
+                                            <p:fltVal val="0"/>
+                                          </p:val>
+                                        </p:tav>
+                                        <p:tav tm="100000">
+                                          <p:val>
+                                            <p:strVal val="#ppt_h"/>
+                                          </p:val>
+                                        </p:tav>
+                                      </p:tavLst>
+                                    </p:anim>
+                                    <p:anim calcmode="lin" valueType="num">
+                                      <p:cBhvr>
+                                        <p:cTn id="17" dur="1000" fill="hold"/>
+                                        <p:tgtEl>
+                                          <p:spTgt spid="7"/>
+                                        </p:tgtEl>
+                                        <p:attrNameLst>
+                                          <p:attrName>style.rotation</p:attrName>
+                                        </p:attrNameLst>
+                                      </p:cBhvr>
+                                      <p:tavLst>
+                                        <p:tav tm="0">
+                                          <p:val>
+                                            <p:fltVal val="90"/>
+                                          </p:val>
+                                        </p:tav>
+                                        <p:tav tm="100000">
+                                          <p:val>
+                                            <p:fltVal val="0"/>
+                                          </p:val>
+                                        </p:tav>
+                                      </p:tavLst>
+                                    </p:anim>
+                                    <p:animEffect transition="in" filter="fade">
+                                      <p:cBhvr>
+                                        <p:cTn id="18" dur="1000"/>
+                                        <p:tgtEl>
+                                          <p:spTgt spid="7"/>
+                                        </p:tgtEl>
+                                      </p:cBhvr>
+                                    </p:animEffect>
+                                  </p:childTnLst>
+                                </p:cTn>
+                              </p:par>
+                            </p:childTnLst>
+                          </p:cTn>
+                        </p:par>
+                      </p:childTnLst>
+                    </p:cTn>
+                  </p:par>
+                  <p:par>
+                    <p:cTn id="19" fill="hold">
+                      <p:stCondLst>
+                        <p:cond delay="indefinite"/>
+                      </p:stCondLst>
+                      <p:childTnLst>
+                        <p:par>
+                          <p:cTn id="20" fill="hold">
+                            <p:stCondLst>
+                              <p:cond delay="0"/>
+                            </p:stCondLst>
+                            <p:childTnLst>
+                              <p:par>
+                                <p:cTn id="21" presetID="31" presetClass="entr" presetSubtype="0" fill="hold" nodeType="clickEffect">
+                                  <p:stCondLst>
+                                    <p:cond delay="0"/>
+                                  </p:stCondLst>
+                                  <p:childTnLst>
+                                    <p:set>
+                                      <p:cBhvr>
+                                        <p:cTn id="22" dur="1" fill="hold">
+                                          <p:stCondLst>
+                                            <p:cond delay="0"/>
+                                          </p:stCondLst>
+                                        </p:cTn>
+                                        <p:tgtEl>
+                                          <p:spTgt spid="3">
+                                            <p:txEl>
+                                              <p:pRg st="0" end="0"/>
+                                            </p:txEl>
+                                          </p:spTgt>
+                                        </p:tgtEl>
+                                        <p:attrNameLst>
+                                          <p:attrName>style.visibility</p:attrName>
+                                        </p:attrNameLst>
+                                      </p:cBhvr>
+                                      <p:to>
+                                        <p:strVal val="visible"/>
+                                      </p:to>
+                                    </p:set>
+                                    <p:anim calcmode="lin" valueType="num">
+                                      <p:cBhvr>
+                                        <p:cTn id="23" dur="1000" fill="hold"/>
+                                        <p:tgtEl>
+                                          <p:spTgt spid="3">
+                                            <p:txEl>
+                                              <p:pRg st="0" end="0"/>
+                                            </p:txEl>
+                                          </p:spTgt>
+                                        </p:tgtEl>
+                                        <p:attrNameLst>
+                                          <p:attrName>ppt_w</p:attrName>
+                                        </p:attrNameLst>
+                                      </p:cBhvr>
+                                      <p:tavLst>
+                                        <p:tav tm="0">
+                                          <p:val>
+                                            <p:fltVal val="0"/>
+                                          </p:val>
+                                        </p:tav>
+                                        <p:tav tm="100000">
+                                          <p:val>
+                                            <p:strVal val="#ppt_w"/>
+                                          </p:val>
+                                        </p:tav>
+                                      </p:tavLst>
+                                    </p:anim>
+                                    <p:anim calcmode="lin" valueType="num">
+                                      <p:cBhvr>
+                                        <p:cTn id="24" dur="1000" fill="hold"/>
+                                        <p:tgtEl>
+                                          <p:spTgt spid="3">
+                                            <p:txEl>
+                                              <p:pRg st="0" end="0"/>
+                                            </p:txEl>
+                                          </p:spTgt>
+                                        </p:tgtEl>
+                                        <p:attrNameLst>
+                                          <p:attrName>ppt_h</p:attrName>
+                                        </p:attrNameLst>
+                                      </p:cBhvr>
+                                      <p:tavLst>
+                                        <p:tav tm="0">
+                                          <p:val>
+                                            <p:fltVal val="0"/>
+                                          </p:val>
+                                        </p:tav>
+                                        <p:tav tm="100000">
+                                          <p:val>
+                                            <p:strVal val="#ppt_h"/>
+                                          </p:val>
+                                        </p:tav>
+                                      </p:tavLst>
+                                    </p:anim>
+                                    <p:anim calcmode="lin" valueType="num">
+                                      <p:cBhvr>
+                                        <p:cTn id="25" dur="1000" fill="hold"/>
+                                        <p:tgtEl>
+                                          <p:spTgt spid="3">
+                                            <p:txEl>
+                                              <p:pRg st="0" end="0"/>
+                                            </p:txEl>
+                                          </p:spTgt>
+                                        </p:tgtEl>
+                                        <p:attrNameLst>
+                                          <p:attrName>style.rotation</p:attrName>
+                                        </p:attrNameLst>
+                                      </p:cBhvr>
+                                      <p:tavLst>
+                                        <p:tav tm="0">
+                                          <p:val>
+                                            <p:fltVal val="90"/>
+                                          </p:val>
+                                        </p:tav>
+                                        <p:tav tm="100000">
+                                          <p:val>
+                                            <p:fltVal val="0"/>
+                                          </p:val>
+                                        </p:tav>
+                                      </p:tavLst>
+                                    </p:anim>
+                                    <p:animEffect transition="in" filter="fade">
+                                      <p:cBhvr>
+                                        <p:cTn id="26" dur="1000"/>
+                                        <p:tgtEl>
+                                          <p:spTgt spid="3">
+                                            <p:txEl>
+                                              <p:pRg st="0" end="0"/>
+                                            </p:txEl>
+                                          </p:spTgt>
+                                        </p:tgtEl>
+                                      </p:cBhvr>
+                                    </p:animEffect>
+                                  </p:childTnLst>
+                                </p:cTn>
+                              </p:par>
+                            </p:childTnLst>
+                          </p:cTn>
+                        </p:par>
+                      </p:childTnLst>
+                    </p:cTn>
+                  </p:par>
+                  <p:par>
+                    <p:cTn id="27" fill="hold">
+                      <p:stCondLst>
+                        <p:cond delay="indefinite"/>
+                      </p:stCondLst>
+                      <p:childTnLst>
+                        <p:par>
+                          <p:cTn id="28" fill="hold">
+                            <p:stCondLst>
+                              <p:cond delay="0"/>
+                            </p:stCondLst>
+                            <p:childTnLst>
+                              <p:par>
+                                <p:cTn id="29" presetID="53" presetClass="entr" presetSubtype="16" fill="hold" nodeType="clickEffect">
+                                  <p:stCondLst>
+                                    <p:cond delay="0"/>
+                                  </p:stCondLst>
+                                  <p:childTnLst>
+                                    <p:set>
+                                      <p:cBhvr>
+                                        <p:cTn id="30" dur="1" fill="hold">
+                                          <p:stCondLst>
+                                            <p:cond delay="0"/>
+                                          </p:stCondLst>
+                                        </p:cTn>
+                                        <p:tgtEl>
+                                          <p:spTgt spid="13"/>
+                                        </p:tgtEl>
+                                        <p:attrNameLst>
+                                          <p:attrName>style.visibility</p:attrName>
+                                        </p:attrNameLst>
+                                      </p:cBhvr>
+                                      <p:to>
+                                        <p:strVal val="visible"/>
+                                      </p:to>
+                                    </p:set>
+                                    <p:anim calcmode="lin" valueType="num">
+                                      <p:cBhvr>
+                                        <p:cTn id="31" dur="500" fill="hold"/>
+                                        <p:tgtEl>
+                                          <p:spTgt spid="13"/>
+                                        </p:tgtEl>
+                                        <p:attrNameLst>
+                                          <p:attrName>ppt_w</p:attrName>
+                                        </p:attrNameLst>
+                                      </p:cBhvr>
+                                      <p:tavLst>
+                                        <p:tav tm="0">
+                                          <p:val>
+                                            <p:fltVal val="0"/>
+                                          </p:val>
+                                        </p:tav>
+                                        <p:tav tm="100000">
+                                          <p:val>
+                                            <p:strVal val="#ppt_w"/>
+                                          </p:val>
+                                        </p:tav>
+                                      </p:tavLst>
+                                    </p:anim>
+                                    <p:anim calcmode="lin" valueType="num">
+                                      <p:cBhvr>
+                                        <p:cTn id="32" dur="500" fill="hold"/>
+                                        <p:tgtEl>
+                                          <p:spTgt spid="13"/>
+                                        </p:tgtEl>
+                                        <p:attrNameLst>
+                                          <p:attrName>ppt_h</p:attrName>
+                                        </p:attrNameLst>
+                                      </p:cBhvr>
+                                      <p:tavLst>
+                                        <p:tav tm="0">
+                                          <p:val>
+                                            <p:fltVal val="0"/>
+                                          </p:val>
+                                        </p:tav>
+                                        <p:tav tm="100000">
+                                          <p:val>
+                                            <p:strVal val="#ppt_h"/>
+                                          </p:val>
+                                        </p:tav>
+                                      </p:tavLst>
+                                    </p:anim>
+                                    <p:animEffect transition="in" filter="fade">
+                                      <p:cBhvr>
+                                        <p:cTn id="33" dur="500"/>
+                                        <p:tgtEl>
+                                          <p:spTgt spid="13"/>
+                                        </p:tgtEl>
+                                      </p:cBhvr>
+                                    </p:animEffect>
+                                  </p:childTnLst>
+                                </p:cTn>
+                              </p:par>
+                            </p:childTnLst>
+                          </p:cTn>
+                        </p:par>
+                      </p:childTnLst>
+                    </p:cTn>
+                  </p:par>
+                  <p:par>
+                    <p:cTn id="34" fill="hold">
+                      <p:stCondLst>
+                        <p:cond delay="indefinite"/>
+                      </p:stCondLst>
+                      <p:childTnLst>
+                        <p:par>
+                          <p:cTn id="35" fill="hold">
+                            <p:stCondLst>
+                              <p:cond delay="0"/>
+                            </p:stCondLst>
+                            <p:childTnLst>
+                              <p:par>
+                                <p:cTn id="36" presetID="26" presetClass="entr" presetSubtype="0" fill="hold" nodeType="clickEffect">
+                                  <p:stCondLst>
+                                    <p:cond delay="0"/>
+                                  </p:stCondLst>
+                                  <p:childTnLst>
+                                    <p:set>
+                                      <p:cBhvr>
+                                        <p:cTn id="37" dur="1" fill="hold">
+                                          <p:stCondLst>
+                                            <p:cond delay="0"/>
+                                          </p:stCondLst>
+                                        </p:cTn>
+                                        <p:tgtEl>
+                                          <p:spTgt spid="9"/>
+                                        </p:tgtEl>
+                                        <p:attrNameLst>
+                                          <p:attrName>style.visibility</p:attrName>
+                                        </p:attrNameLst>
+                                      </p:cBhvr>
+                                      <p:to>
+                                        <p:strVal val="visible"/>
+                                      </p:to>
+                                    </p:set>
+                                    <p:animEffect transition="in" filter="wipe(down)">
+                                      <p:cBhvr>
+                                        <p:cTn id="38" dur="580">
+                                          <p:stCondLst>
+                                            <p:cond delay="0"/>
+                                          </p:stCondLst>
+                                        </p:cTn>
+                                        <p:tgtEl>
+                                          <p:spTgt spid="9"/>
+                                        </p:tgtEl>
+                                      </p:cBhvr>
+                                    </p:animEffect>
+                                    <p:anim calcmode="lin" valueType="num">
+                                      <p:cBhvr>
+                                        <p:cTn id="39" dur="1822" tmFilter="0,0; 0.14,0.36; 0.43,0.73; 0.71,0.91; 1.0,1.0">
+                                          <p:stCondLst>
+                                            <p:cond delay="0"/>
+                                          </p:stCondLst>
+                                        </p:cTn>
+                                        <p:tgtEl>
+                                          <p:spTgt spid="9"/>
+                                        </p:tgtEl>
+                                        <p:attrNameLst>
+                                          <p:attrName>ppt_x</p:attrName>
+                                        </p:attrNameLst>
+                                      </p:cBhvr>
+                                      <p:tavLst>
+                                        <p:tav tm="0">
+                                          <p:val>
+                                            <p:strVal val="#ppt_x-0.25"/>
+                                          </p:val>
+                                        </p:tav>
+                                        <p:tav tm="100000">
+                                          <p:val>
+                                            <p:strVal val="#ppt_x"/>
+                                          </p:val>
+                                        </p:tav>
+                                      </p:tavLst>
+                                    </p:anim>
+                                    <p:anim calcmode="lin" valueType="num">
+                                      <p:cBhvr>
+                                        <p:cTn id="40" dur="664" tmFilter="0.0,0.0; 0.25,0.07; 0.50,0.2; 0.75,0.467; 1.0,1.0">
+                                          <p:stCondLst>
+                                            <p:cond delay="0"/>
+                                          </p:stCondLst>
+                                        </p:cTn>
+                                        <p:tgtEl>
+                                          <p:spTgt spid="9"/>
+                                        </p:tgtEl>
+                                        <p:attrNameLst>
+                                          <p:attrName>ppt_y</p:attrName>
+                                        </p:attrNameLst>
+                                      </p:cBhvr>
+                                      <p:tavLst>
+                                        <p:tav tm="0" fmla="#ppt_y-sin(pi*$)/3">
+                                          <p:val>
+                                            <p:fltVal val="0.5"/>
+                                          </p:val>
+                                        </p:tav>
+                                        <p:tav tm="100000">
+                                          <p:val>
+                                            <p:fltVal val="1"/>
+                                          </p:val>
+                                        </p:tav>
+                                      </p:tavLst>
+                                    </p:anim>
+                                    <p:anim calcmode="lin" valueType="num">
+                                      <p:cBhvr>
+                                        <p:cTn id="41" dur="664" tmFilter="0, 0; 0.125,0.2665; 0.25,0.4; 0.375,0.465; 0.5,0.5;  0.625,0.535; 0.75,0.6; 0.875,0.7335; 1,1">
+                                          <p:stCondLst>
+                                            <p:cond delay="664"/>
+                                          </p:stCondLst>
+                                        </p:cTn>
+                                        <p:tgtEl>
+                                          <p:spTgt spid="9"/>
+                                        </p:tgtEl>
+                                        <p:attrNameLst>
+                                          <p:attrName>ppt_y</p:attrName>
+                                        </p:attrNameLst>
+                                      </p:cBhvr>
+                                      <p:tavLst>
+                                        <p:tav tm="0" fmla="#ppt_y-sin(pi*$)/9">
+                                          <p:val>
+                                            <p:fltVal val="0"/>
+                                          </p:val>
+                                        </p:tav>
+                                        <p:tav tm="100000">
+                                          <p:val>
+                                            <p:fltVal val="1"/>
+                                          </p:val>
+                                        </p:tav>
+                                      </p:tavLst>
+                                    </p:anim>
+                                    <p:anim calcmode="lin" valueType="num">
+                                      <p:cBhvr>
+                                        <p:cTn id="42" dur="332" tmFilter="0, 0; 0.125,0.2665; 0.25,0.4; 0.375,0.465; 0.5,0.5;  0.625,0.535; 0.75,0.6; 0.875,0.7335; 1,1">
+                                          <p:stCondLst>
+                                            <p:cond delay="1324"/>
+                                          </p:stCondLst>
+                                        </p:cTn>
+                                        <p:tgtEl>
+                                          <p:spTgt spid="9"/>
+                                        </p:tgtEl>
+                                        <p:attrNameLst>
+                                          <p:attrName>ppt_y</p:attrName>
+                                        </p:attrNameLst>
+                                      </p:cBhvr>
+                                      <p:tavLst>
+                                        <p:tav tm="0" fmla="#ppt_y-sin(pi*$)/27">
+                                          <p:val>
+                                            <p:fltVal val="0"/>
+                                          </p:val>
+                                        </p:tav>
+                                        <p:tav tm="100000">
+                                          <p:val>
+                                            <p:fltVal val="1"/>
+                                          </p:val>
+                                        </p:tav>
+                                      </p:tavLst>
+                                    </p:anim>
+                                    <p:anim calcmode="lin" valueType="num">
+                                      <p:cBhvr>
+                                        <p:cTn id="43" dur="164" tmFilter="0, 0; 0.125,0.2665; 0.25,0.4; 0.375,0.465; 0.5,0.5;  0.625,0.535; 0.75,0.6; 0.875,0.7335; 1,1">
+                                          <p:stCondLst>
+                                            <p:cond delay="1656"/>
+                                          </p:stCondLst>
+                                        </p:cTn>
+                                        <p:tgtEl>
+                                          <p:spTgt spid="9"/>
+                                        </p:tgtEl>
+                                        <p:attrNameLst>
+                                          <p:attrName>ppt_y</p:attrName>
+                                        </p:attrNameLst>
+                                      </p:cBhvr>
+                                      <p:tavLst>
+                                        <p:tav tm="0" fmla="#ppt_y-sin(pi*$)/81">
+                                          <p:val>
+                                            <p:fltVal val="0"/>
+                                          </p:val>
+                                        </p:tav>
+                                        <p:tav tm="100000">
+                                          <p:val>
+                                            <p:fltVal val="1"/>
+                                          </p:val>
+                                        </p:tav>
+                                      </p:tavLst>
+                                    </p:anim>
+                                    <p:animScale>
+                                      <p:cBhvr>
+                                        <p:cTn id="44" dur="26">
+                                          <p:stCondLst>
+                                            <p:cond delay="650"/>
+                                          </p:stCondLst>
+                                        </p:cTn>
+                                        <p:tgtEl>
+                                          <p:spTgt spid="9"/>
+                                        </p:tgtEl>
+                                      </p:cBhvr>
+                                      <p:to x="100000" y="60000"/>
+                                    </p:animScale>
+                                    <p:animScale>
+                                      <p:cBhvr>
+                                        <p:cTn id="45" dur="166" decel="50000">
+                                          <p:stCondLst>
+                                            <p:cond delay="676"/>
+                                          </p:stCondLst>
+                                        </p:cTn>
+                                        <p:tgtEl>
+                                          <p:spTgt spid="9"/>
+                                        </p:tgtEl>
+                                      </p:cBhvr>
+                                      <p:to x="100000" y="100000"/>
+                                    </p:animScale>
+                                    <p:animScale>
+                                      <p:cBhvr>
+                                        <p:cTn id="46" dur="26">
+                                          <p:stCondLst>
+                                            <p:cond delay="1312"/>
+                                          </p:stCondLst>
+                                        </p:cTn>
+                                        <p:tgtEl>
+                                          <p:spTgt spid="9"/>
+                                        </p:tgtEl>
+                                      </p:cBhvr>
+                                      <p:to x="100000" y="80000"/>
+                                    </p:animScale>
+                                    <p:animScale>
+                                      <p:cBhvr>
+                                        <p:cTn id="47" dur="166" decel="50000">
+                                          <p:stCondLst>
+                                            <p:cond delay="1338"/>
+                                          </p:stCondLst>
+                                        </p:cTn>
+                                        <p:tgtEl>
+                                          <p:spTgt spid="9"/>
+                                        </p:tgtEl>
+                                      </p:cBhvr>
+                                      <p:to x="100000" y="100000"/>
+                                    </p:animScale>
+                                    <p:animScale>
+                                      <p:cBhvr>
+                                        <p:cTn id="48" dur="26">
+                                          <p:stCondLst>
+                                            <p:cond delay="1642"/>
+                                          </p:stCondLst>
+                                        </p:cTn>
+                                        <p:tgtEl>
+                                          <p:spTgt spid="9"/>
+                                        </p:tgtEl>
+                                      </p:cBhvr>
+                                      <p:to x="100000" y="90000"/>
+                                    </p:animScale>
+                                    <p:animScale>
+                                      <p:cBhvr>
+                                        <p:cTn id="49" dur="166" decel="50000">
+                                          <p:stCondLst>
+                                            <p:cond delay="1668"/>
+                                          </p:stCondLst>
+                                        </p:cTn>
+                                        <p:tgtEl>
+                                          <p:spTgt spid="9"/>
+                                        </p:tgtEl>
+                                      </p:cBhvr>
+                                      <p:to x="100000" y="100000"/>
+                                    </p:animScale>
+                                    <p:animScale>
+                                      <p:cBhvr>
+                                        <p:cTn id="50" dur="26">
+                                          <p:stCondLst>
+                                            <p:cond delay="1808"/>
+                                          </p:stCondLst>
+                                        </p:cTn>
+                                        <p:tgtEl>
+                                          <p:spTgt spid="9"/>
+                                        </p:tgtEl>
+                                      </p:cBhvr>
+                                      <p:to x="100000" y="95000"/>
+                                    </p:animScale>
+                                    <p:animScale>
+                                      <p:cBhvr>
+                                        <p:cTn id="51" dur="166" decel="50000">
+                                          <p:stCondLst>
+                                            <p:cond delay="1834"/>
+                                          </p:stCondLst>
+                                        </p:cTn>
+                                        <p:tgtEl>
+                                          <p:spTgt spid="9"/>
+                                        </p:tgtEl>
+                                      </p:cBhvr>
+                                      <p:to x="100000" y="100000"/>
+                                    </p:animScale>
+                                  </p:childTnLst>
+                                </p:cTn>
+                              </p:par>
+                            </p:childTnLst>
+                          </p:cTn>
+                        </p:par>
+                      </p:childTnLst>
+                    </p:cTn>
+                  </p:par>
+                  <p:par>
+                    <p:cTn id="52" fill="hold">
+                      <p:stCondLst>
+                        <p:cond delay="indefinite"/>
+                      </p:stCondLst>
+                      <p:childTnLst>
+                        <p:par>
+                          <p:cTn id="53" fill="hold">
+                            <p:stCondLst>
+                              <p:cond delay="0"/>
+                            </p:stCondLst>
+                            <p:childTnLst>
+                              <p:par>
+                                <p:cTn id="54" presetID="53" presetClass="entr" presetSubtype="16" fill="hold" nodeType="clickEffect">
+                                  <p:stCondLst>
+                                    <p:cond delay="0"/>
+                                  </p:stCondLst>
+                                  <p:childTnLst>
+                                    <p:set>
+                                      <p:cBhvr>
+                                        <p:cTn id="55" dur="1" fill="hold">
+                                          <p:stCondLst>
+                                            <p:cond delay="0"/>
+                                          </p:stCondLst>
+                                        </p:cTn>
+                                        <p:tgtEl>
+                                          <p:spTgt spid="3">
+                                            <p:txEl>
+                                              <p:pRg st="2" end="2"/>
+                                            </p:txEl>
+                                          </p:spTgt>
+                                        </p:tgtEl>
+                                        <p:attrNameLst>
+                                          <p:attrName>style.visibility</p:attrName>
+                                        </p:attrNameLst>
+                                      </p:cBhvr>
+                                      <p:to>
+                                        <p:strVal val="visible"/>
+                                      </p:to>
+                                    </p:set>
+                                    <p:anim calcmode="lin" valueType="num">
+                                      <p:cBhvr>
+                                        <p:cTn id="56" dur="500" fill="hold"/>
+                                        <p:tgtEl>
+                                          <p:spTgt spid="3">
+                                            <p:txEl>
+                                              <p:pRg st="2" end="2"/>
+                                            </p:txEl>
+                                          </p:spTgt>
+                                        </p:tgtEl>
+                                        <p:attrNameLst>
+                                          <p:attrName>ppt_w</p:attrName>
+                                        </p:attrNameLst>
+                                      </p:cBhvr>
+                                      <p:tavLst>
+                                        <p:tav tm="0">
+                                          <p:val>
+                                            <p:fltVal val="0"/>
+                                          </p:val>
+                                        </p:tav>
+                                        <p:tav tm="100000">
+                                          <p:val>
+                                            <p:strVal val="#ppt_w"/>
+                                          </p:val>
+                                        </p:tav>
+                                      </p:tavLst>
+                                    </p:anim>
+                                    <p:anim calcmode="lin" valueType="num">
+                                      <p:cBhvr>
+                                        <p:cTn id="57" dur="500" fill="hold"/>
+                                        <p:tgtEl>
+                                          <p:spTgt spid="3">
+                                            <p:txEl>
+                                              <p:pRg st="2" end="2"/>
+                                            </p:txEl>
+                                          </p:spTgt>
+                                        </p:tgtEl>
+                                        <p:attrNameLst>
+                                          <p:attrName>ppt_h</p:attrName>
+                                        </p:attrNameLst>
+                                      </p:cBhvr>
+                                      <p:tavLst>
+                                        <p:tav tm="0">
+                                          <p:val>
+                                            <p:fltVal val="0"/>
+                                          </p:val>
+                                        </p:tav>
+                                        <p:tav tm="100000">
+                                          <p:val>
+                                            <p:strVal val="#ppt_h"/>
+                                          </p:val>
+                                        </p:tav>
+                                      </p:tavLst>
+                                    </p:anim>
+                                    <p:animEffect transition="in" filter="fade">
+                                      <p:cBhvr>
+                                        <p:cTn id="58" dur="500"/>
+                                        <p:tgtEl>
+                                          <p:spTgt spid="3">
+                                            <p:txEl>
+                                              <p:pRg st="2" end="2"/>
+                                            </p:txEl>
+                                          </p:spTgt>
+                                        </p:tgtEl>
+                                      </p:cBhvr>
+                                    </p:animEffect>
+                                  </p:childTnLst>
+                                </p:cTn>
+                              </p:par>
+                            </p:childTnLst>
+                          </p:cTn>
+                        </p:par>
+                      </p:childTnLst>
+                    </p:cTn>
+                  </p:par>
+                  <p:par>
+                    <p:cTn id="59" fill="hold">
+                      <p:stCondLst>
+                        <p:cond delay="indefinite"/>
+                      </p:stCondLst>
+                      <p:childTnLst>
+                        <p:par>
+                          <p:cTn id="60" fill="hold">
+                            <p:stCondLst>
+                              <p:cond delay="0"/>
+                            </p:stCondLst>
+                            <p:childTnLst>
+                              <p:par>
+                                <p:cTn id="61" presetID="53" presetClass="entr" presetSubtype="16" fill="hold" nodeType="clickEffect">
+                                  <p:stCondLst>
+                                    <p:cond delay="0"/>
+                                  </p:stCondLst>
+                                  <p:childTnLst>
+                                    <p:set>
+                                      <p:cBhvr>
+                                        <p:cTn id="62" dur="1" fill="hold">
+                                          <p:stCondLst>
+                                            <p:cond delay="0"/>
+                                          </p:stCondLst>
+                                        </p:cTn>
+                                        <p:tgtEl>
+                                          <p:spTgt spid="3">
+                                            <p:txEl>
+                                              <p:pRg st="1" end="1"/>
+                                            </p:txEl>
+                                          </p:spTgt>
+                                        </p:tgtEl>
+                                        <p:attrNameLst>
+                                          <p:attrName>style.visibility</p:attrName>
+                                        </p:attrNameLst>
+                                      </p:cBhvr>
+                                      <p:to>
+                                        <p:strVal val="visible"/>
+                                      </p:to>
+                                    </p:set>
+                                    <p:anim calcmode="lin" valueType="num">
+                                      <p:cBhvr>
+                                        <p:cTn id="63" dur="500" fill="hold"/>
+                                        <p:tgtEl>
+                                          <p:spTgt spid="3">
+                                            <p:txEl>
+                                              <p:pRg st="1" end="1"/>
+                                            </p:txEl>
+                                          </p:spTgt>
+                                        </p:tgtEl>
+                                        <p:attrNameLst>
+                                          <p:attrName>ppt_w</p:attrName>
+                                        </p:attrNameLst>
+                                      </p:cBhvr>
+                                      <p:tavLst>
+                                        <p:tav tm="0">
+                                          <p:val>
+                                            <p:fltVal val="0"/>
+                                          </p:val>
+                                        </p:tav>
+                                        <p:tav tm="100000">
+                                          <p:val>
+                                            <p:strVal val="#ppt_w"/>
+                                          </p:val>
+                                        </p:tav>
+                                      </p:tavLst>
+                                    </p:anim>
+                                    <p:anim calcmode="lin" valueType="num">
+                                      <p:cBhvr>
+                                        <p:cTn id="64" dur="500" fill="hold"/>
+                                        <p:tgtEl>
+                                          <p:spTgt spid="3">
+                                            <p:txEl>
+                                              <p:pRg st="1" end="1"/>
+                                            </p:txEl>
+                                          </p:spTgt>
+                                        </p:tgtEl>
+                                        <p:attrNameLst>
+                                          <p:attrName>ppt_h</p:attrName>
+                                        </p:attrNameLst>
+                                      </p:cBhvr>
+                                      <p:tavLst>
+                                        <p:tav tm="0">
+                                          <p:val>
+                                            <p:fltVal val="0"/>
+                                          </p:val>
+                                        </p:tav>
+                                        <p:tav tm="100000">
+                                          <p:val>
+                                            <p:strVal val="#ppt_h"/>
+                                          </p:val>
+                                        </p:tav>
+                                      </p:tavLst>
+                                    </p:anim>
+                                    <p:animEffect transition="in" filter="fade">
+                                      <p:cBhvr>
+                                        <p:cTn id="65" dur="500"/>
+                                        <p:tgtEl>
+                                          <p:spTgt spid="3">
+                                            <p:txEl>
+                                              <p:pRg st="1" end="1"/>
+                                            </p:txEl>
+                                          </p:spTgt>
+                                        </p:tgtEl>
+                                      </p:cBhvr>
+                                    </p:animEffect>
+                                  </p:childTnLst>
+                                </p:cTn>
+                              </p:par>
+                            </p:childTnLst>
+                          </p:cTn>
+                        </p:par>
+                      </p:childTnLst>
+                    </p:cTn>
+                  </p:par>
+                </p:childTnLst>
+              </p:cTn>
+              <p:prevCondLst>
+                <p:cond evt="onPrev" delay="0">
+                  <p:tgtEl>
+                    <p:sldTgt/>
+                  </p:tgtEl>
+                </p:cond>
+              </p:prevCondLst>
+              <p:nextCondLst>
+                <p:cond evt="onNext" delay="0">
+                  <p:tgtEl>
+                    <p:sldTgt/>
+                  </p:tgtEl>
+                </p:cond>
+              </p:nextCondLst>
+            </p:seq>
+          </p:childTnLst>
+        </p:cTn>
+      </p:par>
+    </p:tnLst>
+    <p:bldLst>
+      <p:bldP spid="2" grpId="0"/>
+    </p:bldLst>
+  </p:timing>
 </p:sld>
 </file>
 
 <file path=ppt/slides/slide13.xml><?xml version="1.0" encoding="utf-8"?>
 <p:sld xmlns:a="http://schemas.openxmlformats.org/drawingml/2006/main" xmlns:r="http://schemas.openxmlformats.org/officeDocument/2006/relationships" xmlns:p="http://schemas.openxmlformats.org/presentationml/2006/main">
   <p:cSld>
+    <p:bg>
+      <p:bgPr>
+        <a:solidFill>
+          <a:schemeClr val="bg1"/>
+        </a:solidFill>
+        <a:effectLst/>
+      </p:bgPr>
+    </p:bg>
     <p:spTree>
       <p:nvGrpSpPr>
         <p:cNvPr id="1" name=""/>
@@ -3867,12 +6977,72 @@
           <a:chExt cx="0" cy="0"/>
         </a:xfrm>
       </p:grpSpPr>
+      <p:sp useBgFill="1">
+        <p:nvSpPr>
+          <p:cNvPr id="44" name="Rectangle 43">
+            <a:extLst>
+              <a:ext uri="{FF2B5EF4-FFF2-40B4-BE49-F238E27FC236}">
+                <a16:creationId xmlns:a16="http://schemas.microsoft.com/office/drawing/2014/main" id="{D009D6D5-DAC2-4A8B-A17A-E206B9012D09}"/>
+              </a:ext>
+              <a:ext uri="{C183D7F6-B498-43B3-948B-1728B52AA6E4}">
+                <adec:decorative xmlns:adec="http://schemas.microsoft.com/office/drawing/2017/decorative" val="1"/>
+              </a:ext>
+            </a:extLst>
+          </p:cNvPr>
+          <p:cNvSpPr>
+            <a:spLocks noGrp="1" noRot="1" noChangeAspect="1" noMove="1" noResize="1" noEditPoints="1" noAdjustHandles="1" noChangeArrowheads="1" noChangeShapeType="1" noTextEdit="1"/>
+          </p:cNvSpPr>
+          <p:nvPr>
+            <p:extLst>
+              <p:ext uri="{386F3935-93C4-4BCD-93E2-E3B085C9AB24}">
+                <p16:designElem xmlns:p16="http://schemas.microsoft.com/office/powerpoint/2015/main" val="1"/>
+              </p:ext>
+            </p:extLst>
+          </p:nvPr>
+        </p:nvSpPr>
+        <p:spPr>
+          <a:xfrm>
+            <a:off x="0" y="0"/>
+            <a:ext cx="12188952" cy="6858000"/>
+          </a:xfrm>
+          <a:prstGeom prst="rect">
+            <a:avLst/>
+          </a:prstGeom>
+          <a:ln>
+            <a:noFill/>
+          </a:ln>
+        </p:spPr>
+        <p:style>
+          <a:lnRef idx="2">
+            <a:schemeClr val="accent1">
+              <a:shade val="50000"/>
+            </a:schemeClr>
+          </a:lnRef>
+          <a:fillRef idx="1">
+            <a:schemeClr val="accent1"/>
+          </a:fillRef>
+          <a:effectRef idx="0">
+            <a:schemeClr val="accent1"/>
+          </a:effectRef>
+          <a:fontRef idx="minor">
+            <a:schemeClr val="lt1"/>
+          </a:fontRef>
+        </p:style>
+        <p:txBody>
+          <a:bodyPr rtlCol="0" anchor="ctr"/>
+          <a:lstStyle/>
+          <a:p>
+            <a:pPr algn="ctr"/>
+            <a:endParaRPr lang="en-US"/>
+          </a:p>
+        </p:txBody>
+      </p:sp>
       <p:sp>
         <p:nvSpPr>
           <p:cNvPr id="2" name="Título 1">
             <a:extLst>
               <a:ext uri="{FF2B5EF4-FFF2-40B4-BE49-F238E27FC236}">
-                <a16:creationId xmlns:a16="http://schemas.microsoft.com/office/drawing/2014/main" id="{71DACC77-52D2-493C-AB4D-0FD945B4619A}"/>
+                <a16:creationId xmlns:a16="http://schemas.microsoft.com/office/drawing/2014/main" id="{3F361DB4-A6EB-4F05-AB49-4E4B16CCFD4E}"/>
               </a:ext>
             </a:extLst>
           </p:cNvPr>
@@ -3883,24 +7053,23 @@
             <p:ph type="title"/>
           </p:nvPr>
         </p:nvSpPr>
-        <p:spPr/>
-        <p:txBody>
-          <a:bodyPr/>
+        <p:spPr>
+          <a:xfrm>
+            <a:off x="1842248" y="293109"/>
+            <a:ext cx="9040905" cy="665815"/>
+          </a:xfrm>
+        </p:spPr>
+        <p:txBody>
+          <a:bodyPr>
+            <a:normAutofit/>
+          </a:bodyPr>
           <a:lstStyle/>
           <a:p>
             <a:r>
-              <a:rPr lang="es-MX" dirty="0"/>
-              <a:t>2.  </a:t>
-            </a:r>
-            <a:r>
-              <a:rPr lang="es-MX" dirty="0" err="1"/>
-              <a:t>Blockchain</a:t>
-            </a:r>
-            <a:r>
-              <a:rPr lang="es-MX" dirty="0"/>
-              <a:t> y tecnologías descentralizadas</a:t>
-            </a:r>
-            <a:endParaRPr lang="es-CO" dirty="0"/>
+              <a:rPr lang="es-MX" sz="4000" b="1" dirty="0"/>
+              <a:t>2. Blockchain y tecnologías descentralizadas</a:t>
+            </a:r>
+            <a:endParaRPr lang="es-CO" sz="4100" b="1" dirty="0"/>
           </a:p>
         </p:txBody>
       </p:sp>
@@ -3909,7 +7078,7 @@
           <p:cNvPr id="3" name="Marcador de contenido 2">
             <a:extLst>
               <a:ext uri="{FF2B5EF4-FFF2-40B4-BE49-F238E27FC236}">
-                <a16:creationId xmlns:a16="http://schemas.microsoft.com/office/drawing/2014/main" id="{7F0859F7-7836-456D-93DF-8C0DA39B5E52}"/>
+                <a16:creationId xmlns:a16="http://schemas.microsoft.com/office/drawing/2014/main" id="{668AE8F9-B399-4572-8A5B-9123D989DB70}"/>
               </a:ext>
             </a:extLst>
           </p:cNvPr>
@@ -3920,33 +7089,890 @@
             <p:ph idx="1"/>
           </p:nvPr>
         </p:nvSpPr>
-        <p:spPr/>
-        <p:txBody>
-          <a:bodyPr/>
+        <p:spPr>
+          <a:xfrm>
+            <a:off x="7125264" y="2162908"/>
+            <a:ext cx="4619621" cy="4517012"/>
+          </a:xfrm>
+        </p:spPr>
+        <p:txBody>
+          <a:bodyPr>
+            <a:normAutofit/>
+          </a:bodyPr>
           <a:lstStyle/>
           <a:p>
-            <a:endParaRPr lang="es-CO"/>
-          </a:p>
-        </p:txBody>
-      </p:sp>
+            <a:pPr lvl="0" algn="just"/>
+            <a:r>
+              <a:rPr lang="es-CO" sz="2000" dirty="0"/>
+              <a:t>En ecosistemas </a:t>
+            </a:r>
+            <a:r>
+              <a:rPr lang="es-CO" sz="2000" dirty="0" err="1"/>
+              <a:t>IoT</a:t>
+            </a:r>
+            <a:r>
+              <a:rPr lang="es-CO" sz="2000" dirty="0"/>
+              <a:t>, cada dispositivo conectado puede tener su propia identidad digital verificada y gestionada de manera autónoma, esto incrementa la seguridad de los dispositivos y reduce la posibilidad de ciberataques a gran escala.</a:t>
+            </a:r>
+          </a:p>
+          <a:p>
+            <a:pPr lvl="0" algn="just"/>
+            <a:endParaRPr lang="es-CO" sz="2000" dirty="0"/>
+          </a:p>
+          <a:p>
+            <a:pPr algn="just"/>
+            <a:r>
+              <a:rPr lang="es-CO" sz="2000" dirty="0"/>
+              <a:t>El uso de </a:t>
+            </a:r>
+            <a:r>
+              <a:rPr lang="es-CO" sz="2000" dirty="0" err="1"/>
+              <a:t>BlockChain</a:t>
+            </a:r>
+            <a:r>
+              <a:rPr lang="es-CO" sz="2000" dirty="0"/>
+              <a:t> en la gestión de identidades ha ganado terreno por garantizar la seguridad y la inmutabilidad de los datos. </a:t>
+            </a:r>
+            <a:endParaRPr lang="en-US" sz="2000" dirty="0"/>
+          </a:p>
+        </p:txBody>
+      </p:sp>
+      <p:sp>
+        <p:nvSpPr>
+          <p:cNvPr id="4" name="Marcador de contenido 2">
+            <a:extLst>
+              <a:ext uri="{FF2B5EF4-FFF2-40B4-BE49-F238E27FC236}">
+                <a16:creationId xmlns:a16="http://schemas.microsoft.com/office/drawing/2014/main" id="{EC5C3171-7E2E-ABD1-9474-77D79EE3598F}"/>
+              </a:ext>
+            </a:extLst>
+          </p:cNvPr>
+          <p:cNvSpPr txBox="1">
+            <a:spLocks/>
+          </p:cNvSpPr>
+          <p:nvPr/>
+        </p:nvSpPr>
+        <p:spPr>
+          <a:xfrm>
+            <a:off x="337017" y="3429000"/>
+            <a:ext cx="6657975" cy="3250920"/>
+          </a:xfrm>
+          <a:prstGeom prst="rect">
+            <a:avLst/>
+          </a:prstGeom>
+        </p:spPr>
+        <p:txBody>
+          <a:bodyPr vert="horz" lIns="91440" tIns="45720" rIns="91440" bIns="45720" rtlCol="0">
+            <a:normAutofit/>
+          </a:bodyPr>
+          <a:lstStyle>
+            <a:lvl1pPr marL="228600" indent="-228600" algn="l" defTabSz="914400" rtl="0" eaLnBrk="1" latinLnBrk="0" hangingPunct="1">
+              <a:lnSpc>
+                <a:spcPct val="90000"/>
+              </a:lnSpc>
+              <a:spcBef>
+                <a:spcPts val="1000"/>
+              </a:spcBef>
+              <a:buFont typeface="Arial" panose="020B0604020202020204" pitchFamily="34" charset="0"/>
+              <a:buChar char="•"/>
+              <a:defRPr sz="2800" kern="1200">
+                <a:solidFill>
+                  <a:schemeClr val="tx1"/>
+                </a:solidFill>
+                <a:latin typeface="+mn-lt"/>
+                <a:ea typeface="+mn-ea"/>
+                <a:cs typeface="+mn-cs"/>
+              </a:defRPr>
+            </a:lvl1pPr>
+            <a:lvl2pPr marL="685800" indent="-228600" algn="l" defTabSz="914400" rtl="0" eaLnBrk="1" latinLnBrk="0" hangingPunct="1">
+              <a:lnSpc>
+                <a:spcPct val="90000"/>
+              </a:lnSpc>
+              <a:spcBef>
+                <a:spcPts val="500"/>
+              </a:spcBef>
+              <a:buFont typeface="Arial" panose="020B0604020202020204" pitchFamily="34" charset="0"/>
+              <a:buChar char="•"/>
+              <a:defRPr sz="2400" kern="1200">
+                <a:solidFill>
+                  <a:schemeClr val="tx1"/>
+                </a:solidFill>
+                <a:latin typeface="+mn-lt"/>
+                <a:ea typeface="+mn-ea"/>
+                <a:cs typeface="+mn-cs"/>
+              </a:defRPr>
+            </a:lvl2pPr>
+            <a:lvl3pPr marL="1143000" indent="-228600" algn="l" defTabSz="914400" rtl="0" eaLnBrk="1" latinLnBrk="0" hangingPunct="1">
+              <a:lnSpc>
+                <a:spcPct val="90000"/>
+              </a:lnSpc>
+              <a:spcBef>
+                <a:spcPts val="500"/>
+              </a:spcBef>
+              <a:buFont typeface="Arial" panose="020B0604020202020204" pitchFamily="34" charset="0"/>
+              <a:buChar char="•"/>
+              <a:defRPr sz="2000" kern="1200">
+                <a:solidFill>
+                  <a:schemeClr val="tx1"/>
+                </a:solidFill>
+                <a:latin typeface="+mn-lt"/>
+                <a:ea typeface="+mn-ea"/>
+                <a:cs typeface="+mn-cs"/>
+              </a:defRPr>
+            </a:lvl3pPr>
+            <a:lvl4pPr marL="1600200" indent="-228600" algn="l" defTabSz="914400" rtl="0" eaLnBrk="1" latinLnBrk="0" hangingPunct="1">
+              <a:lnSpc>
+                <a:spcPct val="90000"/>
+              </a:lnSpc>
+              <a:spcBef>
+                <a:spcPts val="500"/>
+              </a:spcBef>
+              <a:buFont typeface="Arial" panose="020B0604020202020204" pitchFamily="34" charset="0"/>
+              <a:buChar char="•"/>
+              <a:defRPr sz="1800" kern="1200">
+                <a:solidFill>
+                  <a:schemeClr val="tx1"/>
+                </a:solidFill>
+                <a:latin typeface="+mn-lt"/>
+                <a:ea typeface="+mn-ea"/>
+                <a:cs typeface="+mn-cs"/>
+              </a:defRPr>
+            </a:lvl4pPr>
+            <a:lvl5pPr marL="2057400" indent="-228600" algn="l" defTabSz="914400" rtl="0" eaLnBrk="1" latinLnBrk="0" hangingPunct="1">
+              <a:lnSpc>
+                <a:spcPct val="90000"/>
+              </a:lnSpc>
+              <a:spcBef>
+                <a:spcPts val="500"/>
+              </a:spcBef>
+              <a:buFont typeface="Arial" panose="020B0604020202020204" pitchFamily="34" charset="0"/>
+              <a:buChar char="•"/>
+              <a:defRPr sz="1800" kern="1200">
+                <a:solidFill>
+                  <a:schemeClr val="tx1"/>
+                </a:solidFill>
+                <a:latin typeface="+mn-lt"/>
+                <a:ea typeface="+mn-ea"/>
+                <a:cs typeface="+mn-cs"/>
+              </a:defRPr>
+            </a:lvl5pPr>
+            <a:lvl6pPr marL="2514600" indent="-228600" algn="l" defTabSz="914400" rtl="0" eaLnBrk="1" latinLnBrk="0" hangingPunct="1">
+              <a:lnSpc>
+                <a:spcPct val="90000"/>
+              </a:lnSpc>
+              <a:spcBef>
+                <a:spcPts val="500"/>
+              </a:spcBef>
+              <a:buFont typeface="Arial" panose="020B0604020202020204" pitchFamily="34" charset="0"/>
+              <a:buChar char="•"/>
+              <a:defRPr sz="1800" kern="1200">
+                <a:solidFill>
+                  <a:schemeClr val="tx1"/>
+                </a:solidFill>
+                <a:latin typeface="+mn-lt"/>
+                <a:ea typeface="+mn-ea"/>
+                <a:cs typeface="+mn-cs"/>
+              </a:defRPr>
+            </a:lvl6pPr>
+            <a:lvl7pPr marL="2971800" indent="-228600" algn="l" defTabSz="914400" rtl="0" eaLnBrk="1" latinLnBrk="0" hangingPunct="1">
+              <a:lnSpc>
+                <a:spcPct val="90000"/>
+              </a:lnSpc>
+              <a:spcBef>
+                <a:spcPts val="500"/>
+              </a:spcBef>
+              <a:buFont typeface="Arial" panose="020B0604020202020204" pitchFamily="34" charset="0"/>
+              <a:buChar char="•"/>
+              <a:defRPr sz="1800" kern="1200">
+                <a:solidFill>
+                  <a:schemeClr val="tx1"/>
+                </a:solidFill>
+                <a:latin typeface="+mn-lt"/>
+                <a:ea typeface="+mn-ea"/>
+                <a:cs typeface="+mn-cs"/>
+              </a:defRPr>
+            </a:lvl7pPr>
+            <a:lvl8pPr marL="3429000" indent="-228600" algn="l" defTabSz="914400" rtl="0" eaLnBrk="1" latinLnBrk="0" hangingPunct="1">
+              <a:lnSpc>
+                <a:spcPct val="90000"/>
+              </a:lnSpc>
+              <a:spcBef>
+                <a:spcPts val="500"/>
+              </a:spcBef>
+              <a:buFont typeface="Arial" panose="020B0604020202020204" pitchFamily="34" charset="0"/>
+              <a:buChar char="•"/>
+              <a:defRPr sz="1800" kern="1200">
+                <a:solidFill>
+                  <a:schemeClr val="tx1"/>
+                </a:solidFill>
+                <a:latin typeface="+mn-lt"/>
+                <a:ea typeface="+mn-ea"/>
+                <a:cs typeface="+mn-cs"/>
+              </a:defRPr>
+            </a:lvl8pPr>
+            <a:lvl9pPr marL="3886200" indent="-228600" algn="l" defTabSz="914400" rtl="0" eaLnBrk="1" latinLnBrk="0" hangingPunct="1">
+              <a:lnSpc>
+                <a:spcPct val="90000"/>
+              </a:lnSpc>
+              <a:spcBef>
+                <a:spcPts val="500"/>
+              </a:spcBef>
+              <a:buFont typeface="Arial" panose="020B0604020202020204" pitchFamily="34" charset="0"/>
+              <a:buChar char="•"/>
+              <a:defRPr sz="1800" kern="1200">
+                <a:solidFill>
+                  <a:schemeClr val="tx1"/>
+                </a:solidFill>
+                <a:latin typeface="+mn-lt"/>
+                <a:ea typeface="+mn-ea"/>
+                <a:cs typeface="+mn-cs"/>
+              </a:defRPr>
+            </a:lvl9pPr>
+          </a:lstStyle>
+          <a:p>
+            <a:r>
+              <a:rPr lang="es-CO" sz="2000" dirty="0"/>
+              <a:t>Las soluciones de identidad descentralizada, como </a:t>
+            </a:r>
+            <a:r>
+              <a:rPr lang="es-CO" sz="2000" i="1" dirty="0" err="1"/>
+              <a:t>Decentralized</a:t>
+            </a:r>
+            <a:r>
+              <a:rPr lang="es-CO" sz="2000" i="1" dirty="0"/>
+              <a:t> </a:t>
+            </a:r>
+            <a:r>
+              <a:rPr lang="es-CO" sz="2000" i="1" dirty="0" err="1"/>
+              <a:t>Identifiers</a:t>
+            </a:r>
+            <a:r>
+              <a:rPr lang="es-CO" sz="2000" i="1" dirty="0"/>
+              <a:t> (</a:t>
+            </a:r>
+            <a:r>
+              <a:rPr lang="es-CO" sz="2000" i="1" dirty="0" err="1"/>
+              <a:t>DIDs</a:t>
+            </a:r>
+            <a:r>
+              <a:rPr lang="es-CO" sz="2000" i="1" dirty="0"/>
+              <a:t>)</a:t>
+            </a:r>
+            <a:r>
+              <a:rPr lang="es-CO" sz="2000" dirty="0"/>
+              <a:t>, están emergiendo como una herramienta clave para otorgar a los individuos control sobre sus propios datos, permitiendo interacciones verificables y privadas con servicios en línea (Wang &amp; De </a:t>
+            </a:r>
+            <a:r>
+              <a:rPr lang="es-CO" sz="2000" dirty="0" err="1"/>
+              <a:t>Filippi</a:t>
+            </a:r>
+            <a:r>
+              <a:rPr lang="es-CO" sz="2000" dirty="0"/>
+              <a:t>, 2020). </a:t>
+            </a:r>
+          </a:p>
+          <a:p>
+            <a:pPr lvl="0"/>
+            <a:r>
+              <a:rPr lang="es-CO" sz="2000" dirty="0"/>
+              <a:t>Al descentralizar la verificación de la identidad, </a:t>
+            </a:r>
+            <a:r>
+              <a:rPr lang="es-CO" sz="2000" dirty="0" err="1"/>
+              <a:t>BlockChain</a:t>
+            </a:r>
+            <a:r>
+              <a:rPr lang="es-CO" sz="2000" dirty="0"/>
+              <a:t> elimina la necesidad de confiar en un único proveedor central, reduciendo la exposición de ataques y violaciones de seguridad. </a:t>
+            </a:r>
+          </a:p>
+        </p:txBody>
+      </p:sp>
+      <p:pic>
+        <p:nvPicPr>
+          <p:cNvPr id="9" name="Imagen 8">
+            <a:extLst>
+              <a:ext uri="{FF2B5EF4-FFF2-40B4-BE49-F238E27FC236}">
+                <a16:creationId xmlns:a16="http://schemas.microsoft.com/office/drawing/2014/main" id="{1F3DB1FA-DC80-BC5F-50B0-06F30CE63746}"/>
+              </a:ext>
+            </a:extLst>
+          </p:cNvPr>
+          <p:cNvPicPr>
+            <a:picLocks noChangeAspect="1"/>
+          </p:cNvPicPr>
+          <p:nvPr/>
+        </p:nvPicPr>
+        <p:blipFill>
+          <a:blip r:embed="rId2"/>
+          <a:stretch>
+            <a:fillRect/>
+          </a:stretch>
+        </p:blipFill>
+        <p:spPr>
+          <a:xfrm>
+            <a:off x="337017" y="1185254"/>
+            <a:ext cx="6657975" cy="2047875"/>
+          </a:xfrm>
+          <a:prstGeom prst="rect">
+            <a:avLst/>
+          </a:prstGeom>
+        </p:spPr>
+      </p:pic>
     </p:spTree>
     <p:extLst>
       <p:ext uri="{BB962C8B-B14F-4D97-AF65-F5344CB8AC3E}">
-        <p14:creationId xmlns:p14="http://schemas.microsoft.com/office/powerpoint/2010/main" val="3417628777"/>
+        <p14:creationId xmlns:p14="http://schemas.microsoft.com/office/powerpoint/2010/main" val="2969410398"/>
       </p:ext>
     </p:extLst>
   </p:cSld>
   <p:clrMapOvr>
     <a:masterClrMapping/>
   </p:clrMapOvr>
-  <mc:AlternateContent xmlns:mc="http://schemas.openxmlformats.org/markup-compatibility/2006" xmlns:p14="http://schemas.microsoft.com/office/powerpoint/2010/main">
-    <mc:Choice Requires="p14">
+  <mc:AlternateContent xmlns:mc="http://schemas.openxmlformats.org/markup-compatibility/2006">
+    <mc:Choice xmlns:p14="http://schemas.microsoft.com/office/powerpoint/2010/main" Requires="p14">
       <p:transition p14:dur="10" advClick="0" advTm="5400000"/>
     </mc:Choice>
-    <mc:Fallback xmlns="">
+    <mc:Fallback>
       <p:transition advClick="0" advTm="5400000"/>
     </mc:Fallback>
   </mc:AlternateContent>
+  <p:timing>
+    <p:tnLst>
+      <p:par>
+        <p:cTn id="1" dur="indefinite" restart="never" nodeType="tmRoot">
+          <p:childTnLst>
+            <p:seq concurrent="1" nextAc="seek">
+              <p:cTn id="2" dur="indefinite" nodeType="mainSeq">
+                <p:childTnLst>
+                  <p:par>
+                    <p:cTn id="3" fill="hold">
+                      <p:stCondLst>
+                        <p:cond delay="indefinite"/>
+                      </p:stCondLst>
+                      <p:childTnLst>
+                        <p:par>
+                          <p:cTn id="4" fill="hold">
+                            <p:stCondLst>
+                              <p:cond delay="0"/>
+                            </p:stCondLst>
+                            <p:childTnLst>
+                              <p:par>
+                                <p:cTn id="5" presetID="1" presetClass="entr" presetSubtype="0" fill="hold" grpId="0" nodeType="clickEffect">
+                                  <p:stCondLst>
+                                    <p:cond delay="0"/>
+                                  </p:stCondLst>
+                                  <p:childTnLst>
+                                    <p:set>
+                                      <p:cBhvr>
+                                        <p:cTn id="6" dur="1" fill="hold">
+                                          <p:stCondLst>
+                                            <p:cond delay="0"/>
+                                          </p:stCondLst>
+                                        </p:cTn>
+                                        <p:tgtEl>
+                                          <p:spTgt spid="2"/>
+                                        </p:tgtEl>
+                                        <p:attrNameLst>
+                                          <p:attrName>style.visibility</p:attrName>
+                                        </p:attrNameLst>
+                                      </p:cBhvr>
+                                      <p:to>
+                                        <p:strVal val="visible"/>
+                                      </p:to>
+                                    </p:set>
+                                  </p:childTnLst>
+                                </p:cTn>
+                              </p:par>
+                            </p:childTnLst>
+                          </p:cTn>
+                        </p:par>
+                      </p:childTnLst>
+                    </p:cTn>
+                  </p:par>
+                  <p:par>
+                    <p:cTn id="7" fill="hold">
+                      <p:stCondLst>
+                        <p:cond delay="indefinite"/>
+                      </p:stCondLst>
+                      <p:childTnLst>
+                        <p:par>
+                          <p:cTn id="8" fill="hold">
+                            <p:stCondLst>
+                              <p:cond delay="0"/>
+                            </p:stCondLst>
+                            <p:childTnLst>
+                              <p:par>
+                                <p:cTn id="9" presetID="53" presetClass="entr" presetSubtype="16" fill="hold" nodeType="clickEffect">
+                                  <p:stCondLst>
+                                    <p:cond delay="0"/>
+                                  </p:stCondLst>
+                                  <p:childTnLst>
+                                    <p:set>
+                                      <p:cBhvr>
+                                        <p:cTn id="10" dur="1" fill="hold">
+                                          <p:stCondLst>
+                                            <p:cond delay="0"/>
+                                          </p:stCondLst>
+                                        </p:cTn>
+                                        <p:tgtEl>
+                                          <p:spTgt spid="3">
+                                            <p:txEl>
+                                              <p:pRg st="0" end="0"/>
+                                            </p:txEl>
+                                          </p:spTgt>
+                                        </p:tgtEl>
+                                        <p:attrNameLst>
+                                          <p:attrName>style.visibility</p:attrName>
+                                        </p:attrNameLst>
+                                      </p:cBhvr>
+                                      <p:to>
+                                        <p:strVal val="visible"/>
+                                      </p:to>
+                                    </p:set>
+                                    <p:anim calcmode="lin" valueType="num">
+                                      <p:cBhvr>
+                                        <p:cTn id="11" dur="500" fill="hold"/>
+                                        <p:tgtEl>
+                                          <p:spTgt spid="3">
+                                            <p:txEl>
+                                              <p:pRg st="0" end="0"/>
+                                            </p:txEl>
+                                          </p:spTgt>
+                                        </p:tgtEl>
+                                        <p:attrNameLst>
+                                          <p:attrName>ppt_w</p:attrName>
+                                        </p:attrNameLst>
+                                      </p:cBhvr>
+                                      <p:tavLst>
+                                        <p:tav tm="0">
+                                          <p:val>
+                                            <p:fltVal val="0"/>
+                                          </p:val>
+                                        </p:tav>
+                                        <p:tav tm="100000">
+                                          <p:val>
+                                            <p:strVal val="#ppt_w"/>
+                                          </p:val>
+                                        </p:tav>
+                                      </p:tavLst>
+                                    </p:anim>
+                                    <p:anim calcmode="lin" valueType="num">
+                                      <p:cBhvr>
+                                        <p:cTn id="12" dur="500" fill="hold"/>
+                                        <p:tgtEl>
+                                          <p:spTgt spid="3">
+                                            <p:txEl>
+                                              <p:pRg st="0" end="0"/>
+                                            </p:txEl>
+                                          </p:spTgt>
+                                        </p:tgtEl>
+                                        <p:attrNameLst>
+                                          <p:attrName>ppt_h</p:attrName>
+                                        </p:attrNameLst>
+                                      </p:cBhvr>
+                                      <p:tavLst>
+                                        <p:tav tm="0">
+                                          <p:val>
+                                            <p:fltVal val="0"/>
+                                          </p:val>
+                                        </p:tav>
+                                        <p:tav tm="100000">
+                                          <p:val>
+                                            <p:strVal val="#ppt_h"/>
+                                          </p:val>
+                                        </p:tav>
+                                      </p:tavLst>
+                                    </p:anim>
+                                    <p:animEffect transition="in" filter="fade">
+                                      <p:cBhvr>
+                                        <p:cTn id="13" dur="500"/>
+                                        <p:tgtEl>
+                                          <p:spTgt spid="3">
+                                            <p:txEl>
+                                              <p:pRg st="0" end="0"/>
+                                            </p:txEl>
+                                          </p:spTgt>
+                                        </p:tgtEl>
+                                      </p:cBhvr>
+                                    </p:animEffect>
+                                  </p:childTnLst>
+                                </p:cTn>
+                              </p:par>
+                            </p:childTnLst>
+                          </p:cTn>
+                        </p:par>
+                      </p:childTnLst>
+                    </p:cTn>
+                  </p:par>
+                  <p:par>
+                    <p:cTn id="14" fill="hold">
+                      <p:stCondLst>
+                        <p:cond delay="indefinite"/>
+                      </p:stCondLst>
+                      <p:childTnLst>
+                        <p:par>
+                          <p:cTn id="15" fill="hold">
+                            <p:stCondLst>
+                              <p:cond delay="0"/>
+                            </p:stCondLst>
+                            <p:childTnLst>
+                              <p:par>
+                                <p:cTn id="16" presetID="53" presetClass="entr" presetSubtype="16" fill="hold" nodeType="clickEffect">
+                                  <p:stCondLst>
+                                    <p:cond delay="0"/>
+                                  </p:stCondLst>
+                                  <p:childTnLst>
+                                    <p:set>
+                                      <p:cBhvr>
+                                        <p:cTn id="17" dur="1" fill="hold">
+                                          <p:stCondLst>
+                                            <p:cond delay="0"/>
+                                          </p:stCondLst>
+                                        </p:cTn>
+                                        <p:tgtEl>
+                                          <p:spTgt spid="3">
+                                            <p:txEl>
+                                              <p:pRg st="2" end="2"/>
+                                            </p:txEl>
+                                          </p:spTgt>
+                                        </p:tgtEl>
+                                        <p:attrNameLst>
+                                          <p:attrName>style.visibility</p:attrName>
+                                        </p:attrNameLst>
+                                      </p:cBhvr>
+                                      <p:to>
+                                        <p:strVal val="visible"/>
+                                      </p:to>
+                                    </p:set>
+                                    <p:anim calcmode="lin" valueType="num">
+                                      <p:cBhvr>
+                                        <p:cTn id="18" dur="500" fill="hold"/>
+                                        <p:tgtEl>
+                                          <p:spTgt spid="3">
+                                            <p:txEl>
+                                              <p:pRg st="2" end="2"/>
+                                            </p:txEl>
+                                          </p:spTgt>
+                                        </p:tgtEl>
+                                        <p:attrNameLst>
+                                          <p:attrName>ppt_w</p:attrName>
+                                        </p:attrNameLst>
+                                      </p:cBhvr>
+                                      <p:tavLst>
+                                        <p:tav tm="0">
+                                          <p:val>
+                                            <p:fltVal val="0"/>
+                                          </p:val>
+                                        </p:tav>
+                                        <p:tav tm="100000">
+                                          <p:val>
+                                            <p:strVal val="#ppt_w"/>
+                                          </p:val>
+                                        </p:tav>
+                                      </p:tavLst>
+                                    </p:anim>
+                                    <p:anim calcmode="lin" valueType="num">
+                                      <p:cBhvr>
+                                        <p:cTn id="19" dur="500" fill="hold"/>
+                                        <p:tgtEl>
+                                          <p:spTgt spid="3">
+                                            <p:txEl>
+                                              <p:pRg st="2" end="2"/>
+                                            </p:txEl>
+                                          </p:spTgt>
+                                        </p:tgtEl>
+                                        <p:attrNameLst>
+                                          <p:attrName>ppt_h</p:attrName>
+                                        </p:attrNameLst>
+                                      </p:cBhvr>
+                                      <p:tavLst>
+                                        <p:tav tm="0">
+                                          <p:val>
+                                            <p:fltVal val="0"/>
+                                          </p:val>
+                                        </p:tav>
+                                        <p:tav tm="100000">
+                                          <p:val>
+                                            <p:strVal val="#ppt_h"/>
+                                          </p:val>
+                                        </p:tav>
+                                      </p:tavLst>
+                                    </p:anim>
+                                    <p:animEffect transition="in" filter="fade">
+                                      <p:cBhvr>
+                                        <p:cTn id="20" dur="500"/>
+                                        <p:tgtEl>
+                                          <p:spTgt spid="3">
+                                            <p:txEl>
+                                              <p:pRg st="2" end="2"/>
+                                            </p:txEl>
+                                          </p:spTgt>
+                                        </p:tgtEl>
+                                      </p:cBhvr>
+                                    </p:animEffect>
+                                  </p:childTnLst>
+                                </p:cTn>
+                              </p:par>
+                            </p:childTnLst>
+                          </p:cTn>
+                        </p:par>
+                      </p:childTnLst>
+                    </p:cTn>
+                  </p:par>
+                  <p:par>
+                    <p:cTn id="21" fill="hold">
+                      <p:stCondLst>
+                        <p:cond delay="indefinite"/>
+                      </p:stCondLst>
+                      <p:childTnLst>
+                        <p:par>
+                          <p:cTn id="22" fill="hold">
+                            <p:stCondLst>
+                              <p:cond delay="0"/>
+                            </p:stCondLst>
+                            <p:childTnLst>
+                              <p:par>
+                                <p:cTn id="23" presetID="53" presetClass="entr" presetSubtype="16" fill="hold" nodeType="clickEffect">
+                                  <p:stCondLst>
+                                    <p:cond delay="0"/>
+                                  </p:stCondLst>
+                                  <p:childTnLst>
+                                    <p:set>
+                                      <p:cBhvr>
+                                        <p:cTn id="24" dur="1" fill="hold">
+                                          <p:stCondLst>
+                                            <p:cond delay="0"/>
+                                          </p:stCondLst>
+                                        </p:cTn>
+                                        <p:tgtEl>
+                                          <p:spTgt spid="4">
+                                            <p:txEl>
+                                              <p:pRg st="0" end="0"/>
+                                            </p:txEl>
+                                          </p:spTgt>
+                                        </p:tgtEl>
+                                        <p:attrNameLst>
+                                          <p:attrName>style.visibility</p:attrName>
+                                        </p:attrNameLst>
+                                      </p:cBhvr>
+                                      <p:to>
+                                        <p:strVal val="visible"/>
+                                      </p:to>
+                                    </p:set>
+                                    <p:anim calcmode="lin" valueType="num">
+                                      <p:cBhvr>
+                                        <p:cTn id="25" dur="500" fill="hold"/>
+                                        <p:tgtEl>
+                                          <p:spTgt spid="4">
+                                            <p:txEl>
+                                              <p:pRg st="0" end="0"/>
+                                            </p:txEl>
+                                          </p:spTgt>
+                                        </p:tgtEl>
+                                        <p:attrNameLst>
+                                          <p:attrName>ppt_w</p:attrName>
+                                        </p:attrNameLst>
+                                      </p:cBhvr>
+                                      <p:tavLst>
+                                        <p:tav tm="0">
+                                          <p:val>
+                                            <p:fltVal val="0"/>
+                                          </p:val>
+                                        </p:tav>
+                                        <p:tav tm="100000">
+                                          <p:val>
+                                            <p:strVal val="#ppt_w"/>
+                                          </p:val>
+                                        </p:tav>
+                                      </p:tavLst>
+                                    </p:anim>
+                                    <p:anim calcmode="lin" valueType="num">
+                                      <p:cBhvr>
+                                        <p:cTn id="26" dur="500" fill="hold"/>
+                                        <p:tgtEl>
+                                          <p:spTgt spid="4">
+                                            <p:txEl>
+                                              <p:pRg st="0" end="0"/>
+                                            </p:txEl>
+                                          </p:spTgt>
+                                        </p:tgtEl>
+                                        <p:attrNameLst>
+                                          <p:attrName>ppt_h</p:attrName>
+                                        </p:attrNameLst>
+                                      </p:cBhvr>
+                                      <p:tavLst>
+                                        <p:tav tm="0">
+                                          <p:val>
+                                            <p:fltVal val="0"/>
+                                          </p:val>
+                                        </p:tav>
+                                        <p:tav tm="100000">
+                                          <p:val>
+                                            <p:strVal val="#ppt_h"/>
+                                          </p:val>
+                                        </p:tav>
+                                      </p:tavLst>
+                                    </p:anim>
+                                    <p:animEffect transition="in" filter="fade">
+                                      <p:cBhvr>
+                                        <p:cTn id="27" dur="500"/>
+                                        <p:tgtEl>
+                                          <p:spTgt spid="4">
+                                            <p:txEl>
+                                              <p:pRg st="0" end="0"/>
+                                            </p:txEl>
+                                          </p:spTgt>
+                                        </p:tgtEl>
+                                      </p:cBhvr>
+                                    </p:animEffect>
+                                  </p:childTnLst>
+                                </p:cTn>
+                              </p:par>
+                            </p:childTnLst>
+                          </p:cTn>
+                        </p:par>
+                      </p:childTnLst>
+                    </p:cTn>
+                  </p:par>
+                  <p:par>
+                    <p:cTn id="28" fill="hold">
+                      <p:stCondLst>
+                        <p:cond delay="indefinite"/>
+                      </p:stCondLst>
+                      <p:childTnLst>
+                        <p:par>
+                          <p:cTn id="29" fill="hold">
+                            <p:stCondLst>
+                              <p:cond delay="0"/>
+                            </p:stCondLst>
+                            <p:childTnLst>
+                              <p:par>
+                                <p:cTn id="30" presetID="53" presetClass="entr" presetSubtype="16" fill="hold" nodeType="clickEffect">
+                                  <p:stCondLst>
+                                    <p:cond delay="0"/>
+                                  </p:stCondLst>
+                                  <p:childTnLst>
+                                    <p:set>
+                                      <p:cBhvr>
+                                        <p:cTn id="31" dur="1" fill="hold">
+                                          <p:stCondLst>
+                                            <p:cond delay="0"/>
+                                          </p:stCondLst>
+                                        </p:cTn>
+                                        <p:tgtEl>
+                                          <p:spTgt spid="4">
+                                            <p:txEl>
+                                              <p:pRg st="1" end="1"/>
+                                            </p:txEl>
+                                          </p:spTgt>
+                                        </p:tgtEl>
+                                        <p:attrNameLst>
+                                          <p:attrName>style.visibility</p:attrName>
+                                        </p:attrNameLst>
+                                      </p:cBhvr>
+                                      <p:to>
+                                        <p:strVal val="visible"/>
+                                      </p:to>
+                                    </p:set>
+                                    <p:anim calcmode="lin" valueType="num">
+                                      <p:cBhvr>
+                                        <p:cTn id="32" dur="500" fill="hold"/>
+                                        <p:tgtEl>
+                                          <p:spTgt spid="4">
+                                            <p:txEl>
+                                              <p:pRg st="1" end="1"/>
+                                            </p:txEl>
+                                          </p:spTgt>
+                                        </p:tgtEl>
+                                        <p:attrNameLst>
+                                          <p:attrName>ppt_w</p:attrName>
+                                        </p:attrNameLst>
+                                      </p:cBhvr>
+                                      <p:tavLst>
+                                        <p:tav tm="0">
+                                          <p:val>
+                                            <p:fltVal val="0"/>
+                                          </p:val>
+                                        </p:tav>
+                                        <p:tav tm="100000">
+                                          <p:val>
+                                            <p:strVal val="#ppt_w"/>
+                                          </p:val>
+                                        </p:tav>
+                                      </p:tavLst>
+                                    </p:anim>
+                                    <p:anim calcmode="lin" valueType="num">
+                                      <p:cBhvr>
+                                        <p:cTn id="33" dur="500" fill="hold"/>
+                                        <p:tgtEl>
+                                          <p:spTgt spid="4">
+                                            <p:txEl>
+                                              <p:pRg st="1" end="1"/>
+                                            </p:txEl>
+                                          </p:spTgt>
+                                        </p:tgtEl>
+                                        <p:attrNameLst>
+                                          <p:attrName>ppt_h</p:attrName>
+                                        </p:attrNameLst>
+                                      </p:cBhvr>
+                                      <p:tavLst>
+                                        <p:tav tm="0">
+                                          <p:val>
+                                            <p:fltVal val="0"/>
+                                          </p:val>
+                                        </p:tav>
+                                        <p:tav tm="100000">
+                                          <p:val>
+                                            <p:strVal val="#ppt_h"/>
+                                          </p:val>
+                                        </p:tav>
+                                      </p:tavLst>
+                                    </p:anim>
+                                    <p:animEffect transition="in" filter="fade">
+                                      <p:cBhvr>
+                                        <p:cTn id="34" dur="500"/>
+                                        <p:tgtEl>
+                                          <p:spTgt spid="4">
+                                            <p:txEl>
+                                              <p:pRg st="1" end="1"/>
+                                            </p:txEl>
+                                          </p:spTgt>
+                                        </p:tgtEl>
+                                      </p:cBhvr>
+                                    </p:animEffect>
+                                  </p:childTnLst>
+                                </p:cTn>
+                              </p:par>
+                            </p:childTnLst>
+                          </p:cTn>
+                        </p:par>
+                      </p:childTnLst>
+                    </p:cTn>
+                  </p:par>
+                </p:childTnLst>
+              </p:cTn>
+              <p:prevCondLst>
+                <p:cond evt="onPrev" delay="0">
+                  <p:tgtEl>
+                    <p:sldTgt/>
+                  </p:tgtEl>
+                </p:cond>
+              </p:prevCondLst>
+              <p:nextCondLst>
+                <p:cond evt="onNext" delay="0">
+                  <p:tgtEl>
+                    <p:sldTgt/>
+                  </p:tgtEl>
+                </p:cond>
+              </p:nextCondLst>
+            </p:seq>
+          </p:childTnLst>
+        </p:cTn>
+      </p:par>
+    </p:tnLst>
+    <p:bldLst>
+      <p:bldP spid="2" grpId="0"/>
+    </p:bldLst>
+  </p:timing>
 </p:sld>
 </file>
 
@@ -4557,766 +8583,62 @@
           <a:chExt cx="0" cy="0"/>
         </a:xfrm>
       </p:grpSpPr>
-      <p:pic>
-        <p:nvPicPr>
-          <p:cNvPr id="1026" name="Picture 2" descr="La Identidad Digital Web3 en una Sociedad Descentralizada (SBTs) - Juan  Merodio">
-            <a:extLst>
-              <a:ext uri="{FF2B5EF4-FFF2-40B4-BE49-F238E27FC236}">
-                <a16:creationId xmlns:a16="http://schemas.microsoft.com/office/drawing/2014/main" id="{9F1140A1-9705-4605-A852-D4D2421C25A0}"/>
-              </a:ext>
-            </a:extLst>
-          </p:cNvPr>
-          <p:cNvPicPr>
-            <a:picLocks noChangeAspect="1" noChangeArrowheads="1"/>
-          </p:cNvPicPr>
-          <p:nvPr/>
-        </p:nvPicPr>
-        <p:blipFill>
-          <a:blip r:embed="rId2">
-            <a:extLst>
-              <a:ext uri="{28A0092B-C50C-407E-A947-70E740481C1C}">
-                <a14:useLocalDpi xmlns:a14="http://schemas.microsoft.com/office/drawing/2010/main" val="0"/>
-              </a:ext>
-            </a:extLst>
-          </a:blip>
-          <a:srcRect/>
-          <a:stretch>
-            <a:fillRect/>
-          </a:stretch>
-        </p:blipFill>
-        <p:spPr bwMode="auto">
-          <a:xfrm>
-            <a:off x="-914400" y="0"/>
-            <a:ext cx="13106400" cy="6858000"/>
-          </a:xfrm>
-          <a:prstGeom prst="rect">
-            <a:avLst/>
-          </a:prstGeom>
-          <a:noFill/>
-          <a:extLst>
-            <a:ext uri="{909E8E84-426E-40DD-AFC4-6F175D3DCCD1}">
-              <a14:hiddenFill xmlns:a14="http://schemas.microsoft.com/office/drawing/2010/main">
-                <a:solidFill>
-                  <a:srgbClr val="FFFFFF"/>
-                </a:solidFill>
-              </a14:hiddenFill>
-            </a:ext>
-          </a:extLst>
-        </p:spPr>
-      </p:pic>
-      <p:sp>
-        <p:nvSpPr>
-          <p:cNvPr id="6" name="CuadroTexto 5">
-            <a:extLst>
-              <a:ext uri="{FF2B5EF4-FFF2-40B4-BE49-F238E27FC236}">
-                <a16:creationId xmlns:a16="http://schemas.microsoft.com/office/drawing/2014/main" id="{8BE63573-B47C-4BFE-B2C3-BC8ACBE94EF3}"/>
-              </a:ext>
-            </a:extLst>
-          </p:cNvPr>
-          <p:cNvSpPr txBox="1"/>
-          <p:nvPr/>
-        </p:nvSpPr>
-        <p:spPr>
-          <a:xfrm>
-            <a:off x="8048625" y="228600"/>
-            <a:ext cx="3619500" cy="1107996"/>
-          </a:xfrm>
-          <a:prstGeom prst="rect">
-            <a:avLst/>
-          </a:prstGeom>
-          <a:noFill/>
-        </p:spPr>
-        <p:txBody>
-          <a:bodyPr wrap="square" rtlCol="0">
-            <a:spAutoFit/>
+      <p:sp>
+        <p:nvSpPr>
+          <p:cNvPr id="2" name="Título 1">
+            <a:extLst>
+              <a:ext uri="{FF2B5EF4-FFF2-40B4-BE49-F238E27FC236}">
+                <a16:creationId xmlns:a16="http://schemas.microsoft.com/office/drawing/2014/main" id="{AC374E6B-9E5B-4001-875F-63578C431AC7}"/>
+              </a:ext>
+            </a:extLst>
+          </p:cNvPr>
+          <p:cNvSpPr>
+            <a:spLocks noGrp="1"/>
+          </p:cNvSpPr>
+          <p:nvPr>
+            <p:ph type="ctrTitle"/>
+          </p:nvPr>
+        </p:nvSpPr>
+        <p:spPr/>
+        <p:txBody>
+          <a:bodyPr>
+            <a:normAutofit/>
           </a:bodyPr>
           <a:lstStyle/>
           <a:p>
-            <a:pPr algn="ctr"/>
-            <a:r>
-              <a:rPr lang="es-ES" sz="6600" b="1" dirty="0">
-                <a:solidFill>
-                  <a:schemeClr val="bg1"/>
-                </a:solidFill>
-              </a:rPr>
-              <a:t>¿Qué es?</a:t>
-            </a:r>
-            <a:endParaRPr lang="es-CO" sz="6600" b="1" dirty="0">
-              <a:solidFill>
-                <a:schemeClr val="bg1"/>
-              </a:solidFill>
-            </a:endParaRPr>
-          </a:p>
-        </p:txBody>
-      </p:sp>
-      <p:sp>
-        <p:nvSpPr>
-          <p:cNvPr id="7" name="CuadroTexto 6">
-            <a:extLst>
-              <a:ext uri="{FF2B5EF4-FFF2-40B4-BE49-F238E27FC236}">
-                <a16:creationId xmlns:a16="http://schemas.microsoft.com/office/drawing/2014/main" id="{E30DB31E-E67B-4530-93F1-837AF8F9EAA3}"/>
-              </a:ext>
-            </a:extLst>
-          </p:cNvPr>
-          <p:cNvSpPr txBox="1"/>
-          <p:nvPr/>
-        </p:nvSpPr>
-        <p:spPr>
-          <a:xfrm>
-            <a:off x="5000625" y="1392109"/>
-            <a:ext cx="6572250" cy="830997"/>
-          </a:xfrm>
-          <a:prstGeom prst="rect">
-            <a:avLst/>
-          </a:prstGeom>
-          <a:noFill/>
-        </p:spPr>
-        <p:txBody>
-          <a:bodyPr wrap="square" rtlCol="0">
-            <a:spAutoFit/>
-          </a:bodyPr>
+            <a:r>
+              <a:rPr lang="es-MX" dirty="0"/>
+              <a:t>Andrés Camilo</a:t>
+            </a:r>
+            <a:endParaRPr lang="es-CO" dirty="0"/>
+          </a:p>
+        </p:txBody>
+      </p:sp>
+      <p:sp>
+        <p:nvSpPr>
+          <p:cNvPr id="3" name="Subtítulo 2">
+            <a:extLst>
+              <a:ext uri="{FF2B5EF4-FFF2-40B4-BE49-F238E27FC236}">
+                <a16:creationId xmlns:a16="http://schemas.microsoft.com/office/drawing/2014/main" id="{011DA0AB-AD76-4F94-AAA6-82C7D77F1508}"/>
+              </a:ext>
+            </a:extLst>
+          </p:cNvPr>
+          <p:cNvSpPr>
+            <a:spLocks noGrp="1"/>
+          </p:cNvSpPr>
+          <p:nvPr>
+            <p:ph type="subTitle" idx="1"/>
+          </p:nvPr>
+        </p:nvSpPr>
+        <p:spPr/>
+        <p:txBody>
+          <a:bodyPr/>
           <a:lstStyle/>
           <a:p>
-            <a:pPr algn="just"/>
-            <a:r>
-              <a:rPr lang="es-ES" sz="2400" dirty="0">
-                <a:solidFill>
-                  <a:schemeClr val="bg1"/>
-                </a:solidFill>
-              </a:rPr>
-              <a:t>Se refiere a la representación electrónica de una persona, entidad o cosa en el entorno digital.</a:t>
-            </a:r>
-            <a:endParaRPr lang="es-CO" sz="2400" dirty="0">
-              <a:solidFill>
-                <a:schemeClr val="bg1"/>
-              </a:solidFill>
-            </a:endParaRPr>
-          </a:p>
-        </p:txBody>
-      </p:sp>
-      <p:sp>
-        <p:nvSpPr>
-          <p:cNvPr id="8" name="CuadroTexto 7">
-            <a:extLst>
-              <a:ext uri="{FF2B5EF4-FFF2-40B4-BE49-F238E27FC236}">
-                <a16:creationId xmlns:a16="http://schemas.microsoft.com/office/drawing/2014/main" id="{9841AE1C-89D4-41BA-A9EB-340FFA46AA3B}"/>
-              </a:ext>
-            </a:extLst>
-          </p:cNvPr>
-          <p:cNvSpPr txBox="1"/>
-          <p:nvPr/>
-        </p:nvSpPr>
-        <p:spPr>
-          <a:xfrm>
-            <a:off x="8905875" y="4088800"/>
-            <a:ext cx="2933700" cy="369332"/>
-          </a:xfrm>
-          <a:prstGeom prst="rect">
-            <a:avLst/>
-          </a:prstGeom>
-        </p:spPr>
-        <p:style>
-          <a:lnRef idx="0">
-            <a:schemeClr val="accent4"/>
-          </a:lnRef>
-          <a:fillRef idx="3">
-            <a:schemeClr val="accent4"/>
-          </a:fillRef>
-          <a:effectRef idx="3">
-            <a:schemeClr val="accent4"/>
-          </a:effectRef>
-          <a:fontRef idx="minor">
-            <a:schemeClr val="lt1"/>
-          </a:fontRef>
-        </p:style>
-        <p:txBody>
-          <a:bodyPr wrap="square" rtlCol="0">
-            <a:spAutoFit/>
-          </a:bodyPr>
-          <a:lstStyle/>
-          <a:p>
-            <a:pPr algn="ctr"/>
-            <a:r>
-              <a:rPr lang="es-ES" dirty="0"/>
-              <a:t>Información personal</a:t>
-            </a:r>
-            <a:endParaRPr lang="es-CO" dirty="0"/>
-          </a:p>
-        </p:txBody>
-      </p:sp>
-      <p:sp>
-        <p:nvSpPr>
-          <p:cNvPr id="10" name="CuadroTexto 9">
-            <a:extLst>
-              <a:ext uri="{FF2B5EF4-FFF2-40B4-BE49-F238E27FC236}">
-                <a16:creationId xmlns:a16="http://schemas.microsoft.com/office/drawing/2014/main" id="{E063B991-68AE-4DA3-88D6-0571572D0E63}"/>
-              </a:ext>
-            </a:extLst>
-          </p:cNvPr>
-          <p:cNvSpPr txBox="1"/>
-          <p:nvPr/>
-        </p:nvSpPr>
-        <p:spPr>
-          <a:xfrm>
-            <a:off x="5181600" y="6156602"/>
-            <a:ext cx="2933700" cy="369332"/>
-          </a:xfrm>
-          <a:prstGeom prst="rect">
-            <a:avLst/>
-          </a:prstGeom>
-        </p:spPr>
-        <p:style>
-          <a:lnRef idx="0">
-            <a:schemeClr val="accent4"/>
-          </a:lnRef>
-          <a:fillRef idx="3">
-            <a:schemeClr val="accent4"/>
-          </a:fillRef>
-          <a:effectRef idx="3">
-            <a:schemeClr val="accent4"/>
-          </a:effectRef>
-          <a:fontRef idx="minor">
-            <a:schemeClr val="lt1"/>
-          </a:fontRef>
-        </p:style>
-        <p:txBody>
-          <a:bodyPr wrap="square" rtlCol="0">
-            <a:spAutoFit/>
-          </a:bodyPr>
-          <a:lstStyle/>
-          <a:p>
-            <a:pPr algn="ctr"/>
-            <a:r>
-              <a:rPr lang="es-ES" dirty="0"/>
-              <a:t>Datos de autenticación</a:t>
-            </a:r>
-            <a:endParaRPr lang="es-CO" dirty="0"/>
-          </a:p>
-        </p:txBody>
-      </p:sp>
-      <p:sp>
-        <p:nvSpPr>
-          <p:cNvPr id="11" name="CuadroTexto 10">
-            <a:extLst>
-              <a:ext uri="{FF2B5EF4-FFF2-40B4-BE49-F238E27FC236}">
-                <a16:creationId xmlns:a16="http://schemas.microsoft.com/office/drawing/2014/main" id="{AA4877FF-34E0-4D34-8DC0-32667C1AD4B4}"/>
-              </a:ext>
-            </a:extLst>
-          </p:cNvPr>
-          <p:cNvSpPr txBox="1"/>
-          <p:nvPr/>
-        </p:nvSpPr>
-        <p:spPr>
-          <a:xfrm>
-            <a:off x="5200650" y="5455205"/>
-            <a:ext cx="2933700" cy="369332"/>
-          </a:xfrm>
-          <a:prstGeom prst="rect">
-            <a:avLst/>
-          </a:prstGeom>
-        </p:spPr>
-        <p:style>
-          <a:lnRef idx="0">
-            <a:schemeClr val="accent4"/>
-          </a:lnRef>
-          <a:fillRef idx="3">
-            <a:schemeClr val="accent4"/>
-          </a:fillRef>
-          <a:effectRef idx="3">
-            <a:schemeClr val="accent4"/>
-          </a:effectRef>
-          <a:fontRef idx="minor">
-            <a:schemeClr val="lt1"/>
-          </a:fontRef>
-        </p:style>
-        <p:txBody>
-          <a:bodyPr wrap="square" rtlCol="0">
-            <a:spAutoFit/>
-          </a:bodyPr>
-          <a:lstStyle/>
-          <a:p>
-            <a:pPr algn="ctr"/>
-            <a:r>
-              <a:rPr lang="es-ES" dirty="0"/>
-              <a:t>Actividades digitales</a:t>
-            </a:r>
-            <a:endParaRPr lang="es-CO" dirty="0"/>
-          </a:p>
-        </p:txBody>
-      </p:sp>
-      <p:sp>
-        <p:nvSpPr>
-          <p:cNvPr id="12" name="CuadroTexto 11">
-            <a:extLst>
-              <a:ext uri="{FF2B5EF4-FFF2-40B4-BE49-F238E27FC236}">
-                <a16:creationId xmlns:a16="http://schemas.microsoft.com/office/drawing/2014/main" id="{FF92689A-DDDD-4C88-9C80-99D4D36FB8E7}"/>
-              </a:ext>
-            </a:extLst>
-          </p:cNvPr>
-          <p:cNvSpPr txBox="1"/>
-          <p:nvPr/>
-        </p:nvSpPr>
-        <p:spPr>
-          <a:xfrm>
-            <a:off x="5191125" y="4791075"/>
-            <a:ext cx="2933700" cy="369332"/>
-          </a:xfrm>
-          <a:prstGeom prst="rect">
-            <a:avLst/>
-          </a:prstGeom>
-        </p:spPr>
-        <p:style>
-          <a:lnRef idx="0">
-            <a:schemeClr val="accent4"/>
-          </a:lnRef>
-          <a:fillRef idx="3">
-            <a:schemeClr val="accent4"/>
-          </a:fillRef>
-          <a:effectRef idx="3">
-            <a:schemeClr val="accent4"/>
-          </a:effectRef>
-          <a:fontRef idx="minor">
-            <a:schemeClr val="lt1"/>
-          </a:fontRef>
-        </p:style>
-        <p:txBody>
-          <a:bodyPr wrap="square" rtlCol="0">
-            <a:spAutoFit/>
-          </a:bodyPr>
-          <a:lstStyle/>
-          <a:p>
-            <a:pPr algn="ctr"/>
-            <a:r>
-              <a:rPr lang="es-ES" dirty="0"/>
-              <a:t>Registros</a:t>
-            </a:r>
-            <a:endParaRPr lang="es-CO" dirty="0"/>
-          </a:p>
-        </p:txBody>
-      </p:sp>
-      <p:sp>
-        <p:nvSpPr>
-          <p:cNvPr id="15" name="CuadroTexto 14">
-            <a:extLst>
-              <a:ext uri="{FF2B5EF4-FFF2-40B4-BE49-F238E27FC236}">
-                <a16:creationId xmlns:a16="http://schemas.microsoft.com/office/drawing/2014/main" id="{5F573346-E5D5-4040-9024-07FB1538CBB1}"/>
-              </a:ext>
-            </a:extLst>
-          </p:cNvPr>
-          <p:cNvSpPr txBox="1"/>
-          <p:nvPr/>
-        </p:nvSpPr>
-        <p:spPr>
-          <a:xfrm>
-            <a:off x="8905875" y="4772441"/>
-            <a:ext cx="2933700" cy="369332"/>
-          </a:xfrm>
-          <a:prstGeom prst="rect">
-            <a:avLst/>
-          </a:prstGeom>
-        </p:spPr>
-        <p:style>
-          <a:lnRef idx="0">
-            <a:schemeClr val="accent4"/>
-          </a:lnRef>
-          <a:fillRef idx="3">
-            <a:schemeClr val="accent4"/>
-          </a:fillRef>
-          <a:effectRef idx="3">
-            <a:schemeClr val="accent4"/>
-          </a:effectRef>
-          <a:fontRef idx="minor">
-            <a:schemeClr val="lt1"/>
-          </a:fontRef>
-        </p:style>
-        <p:txBody>
-          <a:bodyPr wrap="square" rtlCol="0">
-            <a:spAutoFit/>
-          </a:bodyPr>
-          <a:lstStyle/>
-          <a:p>
-            <a:pPr algn="ctr"/>
-            <a:r>
-              <a:rPr lang="es-ES" dirty="0"/>
-              <a:t>Biometría</a:t>
-            </a:r>
-            <a:endParaRPr lang="es-CO" dirty="0"/>
-          </a:p>
-        </p:txBody>
-      </p:sp>
-      <p:sp>
-        <p:nvSpPr>
-          <p:cNvPr id="16" name="CuadroTexto 15">
-            <a:extLst>
-              <a:ext uri="{FF2B5EF4-FFF2-40B4-BE49-F238E27FC236}">
-                <a16:creationId xmlns:a16="http://schemas.microsoft.com/office/drawing/2014/main" id="{02CF0935-4663-465D-8C35-8CDCF9EC9A05}"/>
-              </a:ext>
-            </a:extLst>
-          </p:cNvPr>
-          <p:cNvSpPr txBox="1"/>
-          <p:nvPr/>
-        </p:nvSpPr>
-        <p:spPr>
-          <a:xfrm>
-            <a:off x="8905875" y="5426095"/>
-            <a:ext cx="2933700" cy="369332"/>
-          </a:xfrm>
-          <a:prstGeom prst="rect">
-            <a:avLst/>
-          </a:prstGeom>
-        </p:spPr>
-        <p:style>
-          <a:lnRef idx="0">
-            <a:schemeClr val="accent4"/>
-          </a:lnRef>
-          <a:fillRef idx="3">
-            <a:schemeClr val="accent4"/>
-          </a:fillRef>
-          <a:effectRef idx="3">
-            <a:schemeClr val="accent4"/>
-          </a:effectRef>
-          <a:fontRef idx="minor">
-            <a:schemeClr val="lt1"/>
-          </a:fontRef>
-        </p:style>
-        <p:txBody>
-          <a:bodyPr wrap="square" rtlCol="0">
-            <a:spAutoFit/>
-          </a:bodyPr>
-          <a:lstStyle/>
-          <a:p>
-            <a:pPr algn="ctr"/>
-            <a:r>
-              <a:rPr lang="es-ES" dirty="0"/>
-              <a:t>Certificación digitales</a:t>
-            </a:r>
-            <a:endParaRPr lang="es-CO" dirty="0"/>
-          </a:p>
-        </p:txBody>
-      </p:sp>
-      <p:sp>
-        <p:nvSpPr>
-          <p:cNvPr id="17" name="CuadroTexto 16">
-            <a:extLst>
-              <a:ext uri="{FF2B5EF4-FFF2-40B4-BE49-F238E27FC236}">
-                <a16:creationId xmlns:a16="http://schemas.microsoft.com/office/drawing/2014/main" id="{CDC1FF37-20C3-42EC-8E75-E9D3711696A3}"/>
-              </a:ext>
-            </a:extLst>
-          </p:cNvPr>
-          <p:cNvSpPr txBox="1"/>
-          <p:nvPr/>
-        </p:nvSpPr>
-        <p:spPr>
-          <a:xfrm>
-            <a:off x="8905875" y="6156602"/>
-            <a:ext cx="2933700" cy="369332"/>
-          </a:xfrm>
-          <a:prstGeom prst="rect">
-            <a:avLst/>
-          </a:prstGeom>
-        </p:spPr>
-        <p:style>
-          <a:lnRef idx="0">
-            <a:schemeClr val="accent4"/>
-          </a:lnRef>
-          <a:fillRef idx="3">
-            <a:schemeClr val="accent4"/>
-          </a:fillRef>
-          <a:effectRef idx="3">
-            <a:schemeClr val="accent4"/>
-          </a:effectRef>
-          <a:fontRef idx="minor">
-            <a:schemeClr val="lt1"/>
-          </a:fontRef>
-        </p:style>
-        <p:txBody>
-          <a:bodyPr wrap="square" rtlCol="0">
-            <a:spAutoFit/>
-          </a:bodyPr>
-          <a:lstStyle/>
-          <a:p>
-            <a:pPr algn="ctr"/>
-            <a:r>
-              <a:rPr lang="es-ES" dirty="0"/>
-              <a:t>Redes sociales</a:t>
-            </a:r>
-            <a:endParaRPr lang="es-CO" dirty="0"/>
-          </a:p>
-        </p:txBody>
-      </p:sp>
-      <p:pic>
-        <p:nvPicPr>
-          <p:cNvPr id="18" name="Gráfico 17" descr="Identificación de empleado con relleno sólido">
-            <a:extLst>
-              <a:ext uri="{FF2B5EF4-FFF2-40B4-BE49-F238E27FC236}">
-                <a16:creationId xmlns:a16="http://schemas.microsoft.com/office/drawing/2014/main" id="{32378042-80C8-45C0-87DB-DC4E1141C49A}"/>
-              </a:ext>
-            </a:extLst>
-          </p:cNvPr>
-          <p:cNvPicPr>
-            <a:picLocks noChangeAspect="1"/>
-          </p:cNvPicPr>
-          <p:nvPr/>
-        </p:nvPicPr>
-        <p:blipFill>
-          <a:blip r:embed="rId3">
-            <a:extLst>
-              <a:ext uri="{28A0092B-C50C-407E-A947-70E740481C1C}">
-                <a14:useLocalDpi xmlns:a14="http://schemas.microsoft.com/office/drawing/2010/main" val="0"/>
-              </a:ext>
-              <a:ext uri="{96DAC541-7B7A-43D3-8B79-37D633B846F1}">
-                <asvg:svgBlip xmlns:asvg="http://schemas.microsoft.com/office/drawing/2016/SVG/main" r:embed="rId4"/>
-              </a:ext>
-            </a:extLst>
-          </a:blip>
-          <a:stretch>
-            <a:fillRect/>
-          </a:stretch>
-        </p:blipFill>
-        <p:spPr>
-          <a:xfrm>
-            <a:off x="4419600" y="4634895"/>
-            <a:ext cx="619125" cy="619125"/>
-          </a:xfrm>
-          <a:prstGeom prst="rect">
-            <a:avLst/>
-          </a:prstGeom>
-        </p:spPr>
-      </p:pic>
-      <p:pic>
-        <p:nvPicPr>
-          <p:cNvPr id="20" name="Gráfico 19" descr="Identificación de empleado con relleno sólido">
-            <a:extLst>
-              <a:ext uri="{FF2B5EF4-FFF2-40B4-BE49-F238E27FC236}">
-                <a16:creationId xmlns:a16="http://schemas.microsoft.com/office/drawing/2014/main" id="{4BCA02C2-D32A-40EE-B48D-8F31F2DCA076}"/>
-              </a:ext>
-            </a:extLst>
-          </p:cNvPr>
-          <p:cNvPicPr>
-            <a:picLocks noChangeAspect="1"/>
-          </p:cNvPicPr>
-          <p:nvPr/>
-        </p:nvPicPr>
-        <p:blipFill>
-          <a:blip r:embed="rId3">
-            <a:extLst>
-              <a:ext uri="{28A0092B-C50C-407E-A947-70E740481C1C}">
-                <a14:useLocalDpi xmlns:a14="http://schemas.microsoft.com/office/drawing/2010/main" val="0"/>
-              </a:ext>
-              <a:ext uri="{96DAC541-7B7A-43D3-8B79-37D633B846F1}">
-                <asvg:svgBlip xmlns:asvg="http://schemas.microsoft.com/office/drawing/2016/SVG/main" r:embed="rId4"/>
-              </a:ext>
-            </a:extLst>
-          </a:blip>
-          <a:stretch>
-            <a:fillRect/>
-          </a:stretch>
-        </p:blipFill>
-        <p:spPr>
-          <a:xfrm>
-            <a:off x="8220074" y="3968196"/>
-            <a:ext cx="619125" cy="619125"/>
-          </a:xfrm>
-          <a:prstGeom prst="rect">
-            <a:avLst/>
-          </a:prstGeom>
-        </p:spPr>
-      </p:pic>
-      <p:pic>
-        <p:nvPicPr>
-          <p:cNvPr id="21" name="Gráfico 20" descr="Identificación de empleado con relleno sólido">
-            <a:extLst>
-              <a:ext uri="{FF2B5EF4-FFF2-40B4-BE49-F238E27FC236}">
-                <a16:creationId xmlns:a16="http://schemas.microsoft.com/office/drawing/2014/main" id="{74CB75BD-E1A1-42EF-9163-E1949F76E31B}"/>
-              </a:ext>
-            </a:extLst>
-          </p:cNvPr>
-          <p:cNvPicPr>
-            <a:picLocks noChangeAspect="1"/>
-          </p:cNvPicPr>
-          <p:nvPr/>
-        </p:nvPicPr>
-        <p:blipFill>
-          <a:blip r:embed="rId3">
-            <a:extLst>
-              <a:ext uri="{28A0092B-C50C-407E-A947-70E740481C1C}">
-                <a14:useLocalDpi xmlns:a14="http://schemas.microsoft.com/office/drawing/2010/main" val="0"/>
-              </a:ext>
-              <a:ext uri="{96DAC541-7B7A-43D3-8B79-37D633B846F1}">
-                <asvg:svgBlip xmlns:asvg="http://schemas.microsoft.com/office/drawing/2016/SVG/main" r:embed="rId4"/>
-              </a:ext>
-            </a:extLst>
-          </a:blip>
-          <a:stretch>
-            <a:fillRect/>
-          </a:stretch>
-        </p:blipFill>
-        <p:spPr>
-          <a:xfrm>
-            <a:off x="8205787" y="4647544"/>
-            <a:ext cx="619125" cy="619125"/>
-          </a:xfrm>
-          <a:prstGeom prst="rect">
-            <a:avLst/>
-          </a:prstGeom>
-        </p:spPr>
-      </p:pic>
-      <p:pic>
-        <p:nvPicPr>
-          <p:cNvPr id="22" name="Gráfico 21" descr="Identificación de empleado con relleno sólido">
-            <a:extLst>
-              <a:ext uri="{FF2B5EF4-FFF2-40B4-BE49-F238E27FC236}">
-                <a16:creationId xmlns:a16="http://schemas.microsoft.com/office/drawing/2014/main" id="{2DA41EF5-3C40-484C-B40B-494A94DEF9CC}"/>
-              </a:ext>
-            </a:extLst>
-          </p:cNvPr>
-          <p:cNvPicPr>
-            <a:picLocks noChangeAspect="1"/>
-          </p:cNvPicPr>
-          <p:nvPr/>
-        </p:nvPicPr>
-        <p:blipFill>
-          <a:blip r:embed="rId3">
-            <a:extLst>
-              <a:ext uri="{28A0092B-C50C-407E-A947-70E740481C1C}">
-                <a14:useLocalDpi xmlns:a14="http://schemas.microsoft.com/office/drawing/2010/main" val="0"/>
-              </a:ext>
-              <a:ext uri="{96DAC541-7B7A-43D3-8B79-37D633B846F1}">
-                <asvg:svgBlip xmlns:asvg="http://schemas.microsoft.com/office/drawing/2016/SVG/main" r:embed="rId4"/>
-              </a:ext>
-            </a:extLst>
-          </a:blip>
-          <a:stretch>
-            <a:fillRect/>
-          </a:stretch>
-        </p:blipFill>
-        <p:spPr>
-          <a:xfrm>
-            <a:off x="4438649" y="5300989"/>
-            <a:ext cx="619125" cy="619125"/>
-          </a:xfrm>
-          <a:prstGeom prst="rect">
-            <a:avLst/>
-          </a:prstGeom>
-        </p:spPr>
-      </p:pic>
-      <p:pic>
-        <p:nvPicPr>
-          <p:cNvPr id="23" name="Gráfico 22" descr="Identificación de empleado con relleno sólido">
-            <a:extLst>
-              <a:ext uri="{FF2B5EF4-FFF2-40B4-BE49-F238E27FC236}">
-                <a16:creationId xmlns:a16="http://schemas.microsoft.com/office/drawing/2014/main" id="{6B524AAF-855A-4D32-B62F-73D8E8EA024B}"/>
-              </a:ext>
-            </a:extLst>
-          </p:cNvPr>
-          <p:cNvPicPr>
-            <a:picLocks noChangeAspect="1"/>
-          </p:cNvPicPr>
-          <p:nvPr/>
-        </p:nvPicPr>
-        <p:blipFill>
-          <a:blip r:embed="rId3">
-            <a:extLst>
-              <a:ext uri="{28A0092B-C50C-407E-A947-70E740481C1C}">
-                <a14:useLocalDpi xmlns:a14="http://schemas.microsoft.com/office/drawing/2010/main" val="0"/>
-              </a:ext>
-              <a:ext uri="{96DAC541-7B7A-43D3-8B79-37D633B846F1}">
-                <asvg:svgBlip xmlns:asvg="http://schemas.microsoft.com/office/drawing/2016/SVG/main" r:embed="rId4"/>
-              </a:ext>
-            </a:extLst>
-          </a:blip>
-          <a:stretch>
-            <a:fillRect/>
-          </a:stretch>
-        </p:blipFill>
-        <p:spPr>
-          <a:xfrm>
-            <a:off x="4452937" y="5966147"/>
-            <a:ext cx="619125" cy="619125"/>
-          </a:xfrm>
-          <a:prstGeom prst="rect">
-            <a:avLst/>
-          </a:prstGeom>
-        </p:spPr>
-      </p:pic>
-      <p:pic>
-        <p:nvPicPr>
-          <p:cNvPr id="24" name="Gráfico 23" descr="Identificación de empleado con relleno sólido">
-            <a:extLst>
-              <a:ext uri="{FF2B5EF4-FFF2-40B4-BE49-F238E27FC236}">
-                <a16:creationId xmlns:a16="http://schemas.microsoft.com/office/drawing/2014/main" id="{9FC5B365-A4B1-4D0C-883E-DFBD826DAFBF}"/>
-              </a:ext>
-            </a:extLst>
-          </p:cNvPr>
-          <p:cNvPicPr>
-            <a:picLocks noChangeAspect="1"/>
-          </p:cNvPicPr>
-          <p:nvPr/>
-        </p:nvPicPr>
-        <p:blipFill>
-          <a:blip r:embed="rId3">
-            <a:extLst>
-              <a:ext uri="{28A0092B-C50C-407E-A947-70E740481C1C}">
-                <a14:useLocalDpi xmlns:a14="http://schemas.microsoft.com/office/drawing/2010/main" val="0"/>
-              </a:ext>
-              <a:ext uri="{96DAC541-7B7A-43D3-8B79-37D633B846F1}">
-                <asvg:svgBlip xmlns:asvg="http://schemas.microsoft.com/office/drawing/2016/SVG/main" r:embed="rId4"/>
-              </a:ext>
-            </a:extLst>
-          </a:blip>
-          <a:stretch>
-            <a:fillRect/>
-          </a:stretch>
-        </p:blipFill>
-        <p:spPr>
-          <a:xfrm>
-            <a:off x="8224837" y="5300989"/>
-            <a:ext cx="619125" cy="619125"/>
-          </a:xfrm>
-          <a:prstGeom prst="rect">
-            <a:avLst/>
-          </a:prstGeom>
-        </p:spPr>
-      </p:pic>
-      <p:pic>
-        <p:nvPicPr>
-          <p:cNvPr id="25" name="Gráfico 24" descr="Identificación de empleado con relleno sólido">
-            <a:extLst>
-              <a:ext uri="{FF2B5EF4-FFF2-40B4-BE49-F238E27FC236}">
-                <a16:creationId xmlns:a16="http://schemas.microsoft.com/office/drawing/2014/main" id="{00693B41-102F-4762-8A98-3EBEAD09C152}"/>
-              </a:ext>
-            </a:extLst>
-          </p:cNvPr>
-          <p:cNvPicPr>
-            <a:picLocks noChangeAspect="1"/>
-          </p:cNvPicPr>
-          <p:nvPr/>
-        </p:nvPicPr>
-        <p:blipFill>
-          <a:blip r:embed="rId3">
-            <a:extLst>
-              <a:ext uri="{28A0092B-C50C-407E-A947-70E740481C1C}">
-                <a14:useLocalDpi xmlns:a14="http://schemas.microsoft.com/office/drawing/2010/main" val="0"/>
-              </a:ext>
-              <a:ext uri="{96DAC541-7B7A-43D3-8B79-37D633B846F1}">
-                <asvg:svgBlip xmlns:asvg="http://schemas.microsoft.com/office/drawing/2016/SVG/main" r:embed="rId4"/>
-              </a:ext>
-            </a:extLst>
-          </a:blip>
-          <a:stretch>
-            <a:fillRect/>
-          </a:stretch>
-        </p:blipFill>
-        <p:spPr>
-          <a:xfrm>
-            <a:off x="8229600" y="5987719"/>
-            <a:ext cx="619125" cy="619125"/>
-          </a:xfrm>
-          <a:prstGeom prst="rect">
-            <a:avLst/>
-          </a:prstGeom>
-        </p:spPr>
-      </p:pic>
+            <a:endParaRPr lang="es-CO"/>
+          </a:p>
+        </p:txBody>
+      </p:sp>
     </p:spTree>
     <p:extLst>
       <p:ext uri="{BB962C8B-B14F-4D97-AF65-F5344CB8AC3E}">
@@ -5447,619 +8769,60 @@
           <a:chExt cx="0" cy="0"/>
         </a:xfrm>
       </p:grpSpPr>
-      <p:pic>
-        <p:nvPicPr>
-          <p:cNvPr id="7" name="Imagen 6">
-            <a:extLst>
-              <a:ext uri="{FF2B5EF4-FFF2-40B4-BE49-F238E27FC236}">
-                <a16:creationId xmlns:a16="http://schemas.microsoft.com/office/drawing/2014/main" id="{6B6D0DF7-B6B2-47C4-B02D-A3A0D6510B34}"/>
-              </a:ext>
-            </a:extLst>
-          </p:cNvPr>
-          <p:cNvPicPr>
-            <a:picLocks noChangeAspect="1"/>
-          </p:cNvPicPr>
-          <p:nvPr/>
-        </p:nvPicPr>
-        <p:blipFill>
-          <a:blip r:embed="rId2"/>
-          <a:stretch>
-            <a:fillRect/>
-          </a:stretch>
-        </p:blipFill>
-        <p:spPr>
-          <a:xfrm>
-            <a:off x="0" y="-23813"/>
-            <a:ext cx="12192000" cy="6881813"/>
-          </a:xfrm>
-          <a:prstGeom prst="rect">
-            <a:avLst/>
-          </a:prstGeom>
-        </p:spPr>
-      </p:pic>
-      <p:sp>
-        <p:nvSpPr>
-          <p:cNvPr id="8" name="CuadroTexto 7">
-            <a:extLst>
-              <a:ext uri="{FF2B5EF4-FFF2-40B4-BE49-F238E27FC236}">
-                <a16:creationId xmlns:a16="http://schemas.microsoft.com/office/drawing/2014/main" id="{CFD24312-82C8-468E-8B3A-8E0963D5E9E2}"/>
-              </a:ext>
-            </a:extLst>
-          </p:cNvPr>
-          <p:cNvSpPr txBox="1"/>
-          <p:nvPr/>
-        </p:nvSpPr>
-        <p:spPr>
-          <a:xfrm>
-            <a:off x="123825" y="-23813"/>
-            <a:ext cx="11582400" cy="1107996"/>
-          </a:xfrm>
-          <a:prstGeom prst="rect">
-            <a:avLst/>
-          </a:prstGeom>
-          <a:noFill/>
-        </p:spPr>
-        <p:txBody>
-          <a:bodyPr wrap="square" rtlCol="0">
-            <a:spAutoFit/>
-          </a:bodyPr>
+      <p:sp>
+        <p:nvSpPr>
+          <p:cNvPr id="2" name="Título 1">
+            <a:extLst>
+              <a:ext uri="{FF2B5EF4-FFF2-40B4-BE49-F238E27FC236}">
+                <a16:creationId xmlns:a16="http://schemas.microsoft.com/office/drawing/2014/main" id="{5B16F082-CFE2-41C8-98CA-8E6376D0D047}"/>
+              </a:ext>
+            </a:extLst>
+          </p:cNvPr>
+          <p:cNvSpPr>
+            <a:spLocks noGrp="1"/>
+          </p:cNvSpPr>
+          <p:nvPr>
+            <p:ph type="title"/>
+          </p:nvPr>
+        </p:nvSpPr>
+        <p:spPr/>
+        <p:txBody>
+          <a:bodyPr/>
           <a:lstStyle/>
           <a:p>
-            <a:pPr algn="ctr"/>
-            <a:r>
-              <a:rPr lang="es-ES" sz="6600" b="1" dirty="0">
-                <a:solidFill>
-                  <a:schemeClr val="bg1"/>
-                </a:solidFill>
-              </a:rPr>
-              <a:t>Evolución de la identidad digital</a:t>
-            </a:r>
-            <a:endParaRPr lang="es-CO" sz="6600" b="1" dirty="0">
-              <a:solidFill>
-                <a:schemeClr val="bg1"/>
-              </a:solidFill>
-            </a:endParaRPr>
-          </a:p>
-        </p:txBody>
-      </p:sp>
-      <p:sp>
-        <p:nvSpPr>
-          <p:cNvPr id="9" name="CuadroTexto 8">
-            <a:extLst>
-              <a:ext uri="{FF2B5EF4-FFF2-40B4-BE49-F238E27FC236}">
-                <a16:creationId xmlns:a16="http://schemas.microsoft.com/office/drawing/2014/main" id="{994344CB-5E2E-4DF6-BEA9-A85F5A5D0EE4}"/>
-              </a:ext>
-            </a:extLst>
-          </p:cNvPr>
-          <p:cNvSpPr txBox="1"/>
-          <p:nvPr/>
-        </p:nvSpPr>
-        <p:spPr>
-          <a:xfrm>
-            <a:off x="809625" y="1508389"/>
-            <a:ext cx="2933700" cy="369332"/>
-          </a:xfrm>
-          <a:prstGeom prst="rect">
-            <a:avLst/>
-          </a:prstGeom>
-        </p:spPr>
-        <p:style>
-          <a:lnRef idx="2">
-            <a:schemeClr val="dk1">
-              <a:shade val="50000"/>
-            </a:schemeClr>
-          </a:lnRef>
-          <a:fillRef idx="1">
-            <a:schemeClr val="dk1"/>
-          </a:fillRef>
-          <a:effectRef idx="0">
-            <a:schemeClr val="dk1"/>
-          </a:effectRef>
-          <a:fontRef idx="minor">
-            <a:schemeClr val="lt1"/>
-          </a:fontRef>
-        </p:style>
-        <p:txBody>
-          <a:bodyPr wrap="square" rtlCol="0">
-            <a:spAutoFit/>
-          </a:bodyPr>
+            <a:r>
+              <a:rPr lang="es-MX" dirty="0"/>
+              <a:t>1:Evolución de la identidad digital</a:t>
+            </a:r>
+            <a:br>
+              <a:rPr lang="es-MX" dirty="0"/>
+            </a:br>
+            <a:endParaRPr lang="es-CO" dirty="0"/>
+          </a:p>
+        </p:txBody>
+      </p:sp>
+      <p:sp>
+        <p:nvSpPr>
+          <p:cNvPr id="3" name="Marcador de contenido 2">
+            <a:extLst>
+              <a:ext uri="{FF2B5EF4-FFF2-40B4-BE49-F238E27FC236}">
+                <a16:creationId xmlns:a16="http://schemas.microsoft.com/office/drawing/2014/main" id="{44712DC9-686C-444F-8CD8-ACDBDE10001D}"/>
+              </a:ext>
+            </a:extLst>
+          </p:cNvPr>
+          <p:cNvSpPr>
+            <a:spLocks noGrp="1"/>
+          </p:cNvSpPr>
+          <p:nvPr>
+            <p:ph idx="1"/>
+          </p:nvPr>
+        </p:nvSpPr>
+        <p:spPr/>
+        <p:txBody>
+          <a:bodyPr/>
           <a:lstStyle/>
           <a:p>
-            <a:pPr algn="ctr"/>
-            <a:r>
-              <a:rPr lang="es-ES" dirty="0"/>
-              <a:t>Entorno estático</a:t>
-            </a:r>
-            <a:endParaRPr lang="es-CO" dirty="0"/>
-          </a:p>
-        </p:txBody>
-      </p:sp>
-      <p:sp>
-        <p:nvSpPr>
-          <p:cNvPr id="10" name="CuadroTexto 9">
-            <a:extLst>
-              <a:ext uri="{FF2B5EF4-FFF2-40B4-BE49-F238E27FC236}">
-                <a16:creationId xmlns:a16="http://schemas.microsoft.com/office/drawing/2014/main" id="{0BA0FCB8-CF65-4124-89E8-85308EBB2DC2}"/>
-              </a:ext>
-            </a:extLst>
-          </p:cNvPr>
-          <p:cNvSpPr txBox="1"/>
-          <p:nvPr/>
-        </p:nvSpPr>
-        <p:spPr>
-          <a:xfrm>
-            <a:off x="8181975" y="1549986"/>
-            <a:ext cx="2933700" cy="369332"/>
-          </a:xfrm>
-          <a:prstGeom prst="rect">
-            <a:avLst/>
-          </a:prstGeom>
-        </p:spPr>
-        <p:style>
-          <a:lnRef idx="2">
-            <a:schemeClr val="dk1">
-              <a:shade val="50000"/>
-            </a:schemeClr>
-          </a:lnRef>
-          <a:fillRef idx="1">
-            <a:schemeClr val="dk1"/>
-          </a:fillRef>
-          <a:effectRef idx="0">
-            <a:schemeClr val="dk1"/>
-          </a:effectRef>
-          <a:fontRef idx="minor">
-            <a:schemeClr val="lt1"/>
-          </a:fontRef>
-        </p:style>
-        <p:txBody>
-          <a:bodyPr wrap="square" rtlCol="0">
-            <a:spAutoFit/>
-          </a:bodyPr>
-          <a:lstStyle/>
-          <a:p>
-            <a:pPr algn="ctr"/>
-            <a:r>
-              <a:rPr lang="es-ES" dirty="0"/>
-              <a:t>Entorno dinámico</a:t>
-            </a:r>
-            <a:endParaRPr lang="es-CO" dirty="0"/>
-          </a:p>
-        </p:txBody>
-      </p:sp>
-      <p:sp>
-        <p:nvSpPr>
-          <p:cNvPr id="11" name="CuadroTexto 10">
-            <a:extLst>
-              <a:ext uri="{FF2B5EF4-FFF2-40B4-BE49-F238E27FC236}">
-                <a16:creationId xmlns:a16="http://schemas.microsoft.com/office/drawing/2014/main" id="{3FC1C46D-75BA-4DE5-A720-7C6212BEAF3B}"/>
-              </a:ext>
-            </a:extLst>
-          </p:cNvPr>
-          <p:cNvSpPr txBox="1"/>
-          <p:nvPr/>
-        </p:nvSpPr>
-        <p:spPr>
-          <a:xfrm>
-            <a:off x="600075" y="2274838"/>
-            <a:ext cx="3352800" cy="2308324"/>
-          </a:xfrm>
-          <a:prstGeom prst="rect">
-            <a:avLst/>
-          </a:prstGeom>
-        </p:spPr>
-        <p:style>
-          <a:lnRef idx="1">
-            <a:schemeClr val="dk1"/>
-          </a:lnRef>
-          <a:fillRef idx="2">
-            <a:schemeClr val="dk1"/>
-          </a:fillRef>
-          <a:effectRef idx="1">
-            <a:schemeClr val="dk1"/>
-          </a:effectRef>
-          <a:fontRef idx="minor">
-            <a:schemeClr val="dk1"/>
-          </a:fontRef>
-        </p:style>
-        <p:txBody>
-          <a:bodyPr wrap="square" rtlCol="0">
-            <a:spAutoFit/>
-          </a:bodyPr>
-          <a:lstStyle/>
-          <a:p>
-            <a:pPr marL="285750" indent="-285750">
-              <a:buFont typeface="Arial" panose="020B0604020202020204" pitchFamily="34" charset="0"/>
-              <a:buChar char="•"/>
-            </a:pPr>
-            <a:r>
-              <a:rPr lang="es-ES" dirty="0">
-                <a:solidFill>
-                  <a:schemeClr val="bg1"/>
-                </a:solidFill>
-              </a:rPr>
-              <a:t>Datos básicos almacenados en servidores centralizados.</a:t>
-            </a:r>
-          </a:p>
-          <a:p>
-            <a:pPr marL="285750" indent="-285750">
-              <a:buFont typeface="Arial" panose="020B0604020202020204" pitchFamily="34" charset="0"/>
-              <a:buChar char="•"/>
-            </a:pPr>
-            <a:r>
-              <a:rPr lang="es-ES" dirty="0">
-                <a:solidFill>
-                  <a:schemeClr val="bg1"/>
-                </a:solidFill>
-              </a:rPr>
-              <a:t>Uso en correos electrónicos y sector financiero.</a:t>
-            </a:r>
-          </a:p>
-          <a:p>
-            <a:pPr marL="285750" indent="-285750">
-              <a:buFont typeface="Arial" panose="020B0604020202020204" pitchFamily="34" charset="0"/>
-              <a:buChar char="•"/>
-            </a:pPr>
-            <a:r>
-              <a:rPr lang="es-CO" dirty="0">
-                <a:solidFill>
-                  <a:schemeClr val="bg1"/>
-                </a:solidFill>
-              </a:rPr>
-              <a:t>Dependiente de terceros.</a:t>
-            </a:r>
-          </a:p>
-          <a:p>
-            <a:pPr marL="285750" indent="-285750">
-              <a:buFont typeface="Arial" panose="020B0604020202020204" pitchFamily="34" charset="0"/>
-              <a:buChar char="•"/>
-            </a:pPr>
-            <a:r>
-              <a:rPr lang="es-CO" dirty="0">
-                <a:solidFill>
-                  <a:schemeClr val="bg1"/>
-                </a:solidFill>
-              </a:rPr>
-              <a:t>Enfoque aislado.</a:t>
-            </a:r>
-          </a:p>
-          <a:p>
-            <a:pPr marL="285750" indent="-285750">
-              <a:buFont typeface="Arial" panose="020B0604020202020204" pitchFamily="34" charset="0"/>
-              <a:buChar char="•"/>
-            </a:pPr>
-            <a:r>
-              <a:rPr lang="es-CO" dirty="0">
-                <a:solidFill>
-                  <a:schemeClr val="bg1"/>
-                </a:solidFill>
-              </a:rPr>
-              <a:t>Verificación manual.</a:t>
-            </a:r>
-          </a:p>
-          <a:p>
-            <a:endParaRPr lang="es-CO" dirty="0">
-              <a:solidFill>
-                <a:schemeClr val="bg1"/>
-              </a:solidFill>
-            </a:endParaRPr>
-          </a:p>
-        </p:txBody>
-      </p:sp>
-      <p:sp>
-        <p:nvSpPr>
-          <p:cNvPr id="12" name="CuadroTexto 11">
-            <a:extLst>
-              <a:ext uri="{FF2B5EF4-FFF2-40B4-BE49-F238E27FC236}">
-                <a16:creationId xmlns:a16="http://schemas.microsoft.com/office/drawing/2014/main" id="{034CE3B3-092C-4DB9-BDA9-777223169CA8}"/>
-              </a:ext>
-            </a:extLst>
-          </p:cNvPr>
-          <p:cNvSpPr txBox="1"/>
-          <p:nvPr/>
-        </p:nvSpPr>
-        <p:spPr>
-          <a:xfrm>
-            <a:off x="8048625" y="2274838"/>
-            <a:ext cx="3352800" cy="3139321"/>
-          </a:xfrm>
-          <a:prstGeom prst="rect">
-            <a:avLst/>
-          </a:prstGeom>
-        </p:spPr>
-        <p:style>
-          <a:lnRef idx="1">
-            <a:schemeClr val="dk1"/>
-          </a:lnRef>
-          <a:fillRef idx="2">
-            <a:schemeClr val="dk1"/>
-          </a:fillRef>
-          <a:effectRef idx="1">
-            <a:schemeClr val="dk1"/>
-          </a:effectRef>
-          <a:fontRef idx="minor">
-            <a:schemeClr val="dk1"/>
-          </a:fontRef>
-        </p:style>
-        <p:txBody>
-          <a:bodyPr wrap="square" rtlCol="0">
-            <a:spAutoFit/>
-          </a:bodyPr>
-          <a:lstStyle/>
-          <a:p>
-            <a:pPr marL="285750" indent="-285750">
-              <a:buFont typeface="Arial" panose="020B0604020202020204" pitchFamily="34" charset="0"/>
-              <a:buChar char="•"/>
-            </a:pPr>
-            <a:r>
-              <a:rPr lang="es-ES" dirty="0">
-                <a:solidFill>
-                  <a:schemeClr val="bg1"/>
-                </a:solidFill>
-              </a:rPr>
-              <a:t>Datos declarados de los usuarios, mas allá de la información básica.</a:t>
-            </a:r>
-          </a:p>
-          <a:p>
-            <a:pPr marL="285750" indent="-285750">
-              <a:buFont typeface="Arial" panose="020B0604020202020204" pitchFamily="34" charset="0"/>
-              <a:buChar char="•"/>
-            </a:pPr>
-            <a:r>
-              <a:rPr lang="es-ES" dirty="0">
-                <a:solidFill>
-                  <a:schemeClr val="bg1"/>
-                </a:solidFill>
-              </a:rPr>
-              <a:t>Comportamiento en la red (historial de búsquedas, compras realizadas, interacciones en redes sociales, entre otros).</a:t>
-            </a:r>
-          </a:p>
-          <a:p>
-            <a:pPr marL="285750" indent="-285750">
-              <a:buFont typeface="Arial" panose="020B0604020202020204" pitchFamily="34" charset="0"/>
-              <a:buChar char="•"/>
-            </a:pPr>
-            <a:r>
-              <a:rPr lang="es-ES" dirty="0">
-                <a:solidFill>
-                  <a:schemeClr val="bg1"/>
-                </a:solidFill>
-              </a:rPr>
-              <a:t>Garantías de seguridad y privacidad de la información.</a:t>
-            </a:r>
-            <a:endParaRPr lang="es-CO" dirty="0">
-              <a:solidFill>
-                <a:schemeClr val="bg1"/>
-              </a:solidFill>
-            </a:endParaRPr>
-          </a:p>
-          <a:p>
-            <a:endParaRPr lang="es-CO" dirty="0">
-              <a:solidFill>
-                <a:schemeClr val="bg1"/>
-              </a:solidFill>
-            </a:endParaRPr>
-          </a:p>
-        </p:txBody>
-      </p:sp>
-      <p:sp>
-        <p:nvSpPr>
-          <p:cNvPr id="13" name="Flecha: curvada hacia arriba 12">
-            <a:extLst>
-              <a:ext uri="{FF2B5EF4-FFF2-40B4-BE49-F238E27FC236}">
-                <a16:creationId xmlns:a16="http://schemas.microsoft.com/office/drawing/2014/main" id="{BA19105A-27D7-48F2-A1E8-296489138B4C}"/>
-              </a:ext>
-            </a:extLst>
-          </p:cNvPr>
-          <p:cNvSpPr/>
-          <p:nvPr/>
-        </p:nvSpPr>
-        <p:spPr>
-          <a:xfrm>
-            <a:off x="3367088" y="5414158"/>
-            <a:ext cx="4976812" cy="1443841"/>
-          </a:xfrm>
-          <a:prstGeom prst="curvedUpArrow">
-            <a:avLst>
-              <a:gd name="adj1" fmla="val 19952"/>
-              <a:gd name="adj2" fmla="val 50000"/>
-              <a:gd name="adj3" fmla="val 43890"/>
-            </a:avLst>
-          </a:prstGeom>
-        </p:spPr>
-        <p:style>
-          <a:lnRef idx="2">
-            <a:schemeClr val="accent6"/>
-          </a:lnRef>
-          <a:fillRef idx="1">
-            <a:schemeClr val="lt1"/>
-          </a:fillRef>
-          <a:effectRef idx="0">
-            <a:schemeClr val="accent6"/>
-          </a:effectRef>
-          <a:fontRef idx="minor">
-            <a:schemeClr val="dk1"/>
-          </a:fontRef>
-        </p:style>
-        <p:txBody>
-          <a:bodyPr rtlCol="0" anchor="ctr"/>
-          <a:lstStyle/>
-          <a:p>
-            <a:pPr algn="ctr"/>
-            <a:endParaRPr lang="es-CO">
-              <a:solidFill>
-                <a:schemeClr val="tx1"/>
-              </a:solidFill>
-            </a:endParaRPr>
-          </a:p>
-        </p:txBody>
-      </p:sp>
-      <p:pic>
-        <p:nvPicPr>
-          <p:cNvPr id="15" name="Gráfico 14" descr="Internet con relleno sólido">
-            <a:extLst>
-              <a:ext uri="{FF2B5EF4-FFF2-40B4-BE49-F238E27FC236}">
-                <a16:creationId xmlns:a16="http://schemas.microsoft.com/office/drawing/2014/main" id="{6EC42FC6-7A25-4A84-AA63-553A3AA7D369}"/>
-              </a:ext>
-            </a:extLst>
-          </p:cNvPr>
-          <p:cNvPicPr>
-            <a:picLocks noChangeAspect="1"/>
-          </p:cNvPicPr>
-          <p:nvPr/>
-        </p:nvPicPr>
-        <p:blipFill>
-          <a:blip r:embed="rId3">
-            <a:extLst>
-              <a:ext uri="{28A0092B-C50C-407E-A947-70E740481C1C}">
-                <a14:useLocalDpi xmlns:a14="http://schemas.microsoft.com/office/drawing/2010/main" val="0"/>
-              </a:ext>
-              <a:ext uri="{96DAC541-7B7A-43D3-8B79-37D633B846F1}">
-                <asvg:svgBlip xmlns:asvg="http://schemas.microsoft.com/office/drawing/2016/SVG/main" r:embed="rId4"/>
-              </a:ext>
-            </a:extLst>
-          </a:blip>
-          <a:stretch>
-            <a:fillRect/>
-          </a:stretch>
-        </p:blipFill>
-        <p:spPr>
-          <a:xfrm>
-            <a:off x="5439977" y="5738345"/>
-            <a:ext cx="914400" cy="914400"/>
-          </a:xfrm>
-          <a:prstGeom prst="rect">
-            <a:avLst/>
-          </a:prstGeom>
-        </p:spPr>
-      </p:pic>
-      <p:pic>
-        <p:nvPicPr>
-          <p:cNvPr id="17" name="Gráfico 16" descr="Informática en la nube con relleno sólido">
-            <a:extLst>
-              <a:ext uri="{FF2B5EF4-FFF2-40B4-BE49-F238E27FC236}">
-                <a16:creationId xmlns:a16="http://schemas.microsoft.com/office/drawing/2014/main" id="{73E4625D-101D-4020-811F-DEA3EEC8D266}"/>
-              </a:ext>
-            </a:extLst>
-          </p:cNvPr>
-          <p:cNvPicPr>
-            <a:picLocks noChangeAspect="1"/>
-          </p:cNvPicPr>
-          <p:nvPr/>
-        </p:nvPicPr>
-        <p:blipFill>
-          <a:blip r:embed="rId5">
-            <a:extLst>
-              <a:ext uri="{28A0092B-C50C-407E-A947-70E740481C1C}">
-                <a14:useLocalDpi xmlns:a14="http://schemas.microsoft.com/office/drawing/2010/main" val="0"/>
-              </a:ext>
-              <a:ext uri="{96DAC541-7B7A-43D3-8B79-37D633B846F1}">
-                <asvg:svgBlip xmlns:asvg="http://schemas.microsoft.com/office/drawing/2016/SVG/main" r:embed="rId6"/>
-              </a:ext>
-            </a:extLst>
-          </a:blip>
-          <a:stretch>
-            <a:fillRect/>
-          </a:stretch>
-        </p:blipFill>
-        <p:spPr>
-          <a:xfrm>
-            <a:off x="4528537" y="5634770"/>
-            <a:ext cx="914400" cy="914400"/>
-          </a:xfrm>
-          <a:prstGeom prst="rect">
-            <a:avLst/>
-          </a:prstGeom>
-        </p:spPr>
-      </p:pic>
-      <p:pic>
-        <p:nvPicPr>
-          <p:cNvPr id="19" name="Gráfico 18" descr="Robot con relleno sólido">
-            <a:extLst>
-              <a:ext uri="{FF2B5EF4-FFF2-40B4-BE49-F238E27FC236}">
-                <a16:creationId xmlns:a16="http://schemas.microsoft.com/office/drawing/2014/main" id="{6A88425B-4879-4DB3-8447-398344B603F8}"/>
-              </a:ext>
-            </a:extLst>
-          </p:cNvPr>
-          <p:cNvPicPr>
-            <a:picLocks noChangeAspect="1"/>
-          </p:cNvPicPr>
-          <p:nvPr/>
-        </p:nvPicPr>
-        <p:blipFill>
-          <a:blip r:embed="rId7">
-            <a:extLst>
-              <a:ext uri="{28A0092B-C50C-407E-A947-70E740481C1C}">
-                <a14:useLocalDpi xmlns:a14="http://schemas.microsoft.com/office/drawing/2010/main" val="0"/>
-              </a:ext>
-              <a:ext uri="{96DAC541-7B7A-43D3-8B79-37D633B846F1}">
-                <asvg:svgBlip xmlns:asvg="http://schemas.microsoft.com/office/drawing/2016/SVG/main" r:embed="rId8"/>
-              </a:ext>
-            </a:extLst>
-          </a:blip>
-          <a:stretch>
-            <a:fillRect/>
-          </a:stretch>
-        </p:blipFill>
-        <p:spPr>
-          <a:xfrm>
-            <a:off x="6294824" y="5663345"/>
-            <a:ext cx="914400" cy="914400"/>
-          </a:xfrm>
-          <a:prstGeom prst="rect">
-            <a:avLst/>
-          </a:prstGeom>
-        </p:spPr>
-      </p:pic>
-      <p:sp>
-        <p:nvSpPr>
-          <p:cNvPr id="20" name="CuadroTexto 19">
-            <a:extLst>
-              <a:ext uri="{FF2B5EF4-FFF2-40B4-BE49-F238E27FC236}">
-                <a16:creationId xmlns:a16="http://schemas.microsoft.com/office/drawing/2014/main" id="{62F2D9C7-8CF0-4EDF-8C92-BEEB43434842}"/>
-              </a:ext>
-            </a:extLst>
-          </p:cNvPr>
-          <p:cNvSpPr txBox="1"/>
-          <p:nvPr/>
-        </p:nvSpPr>
-        <p:spPr>
-          <a:xfrm>
-            <a:off x="8217394" y="6091970"/>
-            <a:ext cx="2933700" cy="523220"/>
-          </a:xfrm>
-          <a:prstGeom prst="rect">
-            <a:avLst/>
-          </a:prstGeom>
-          <a:solidFill>
-            <a:srgbClr val="FF0000"/>
-          </a:solidFill>
-        </p:spPr>
-        <p:style>
-          <a:lnRef idx="0">
-            <a:schemeClr val="accent4"/>
-          </a:lnRef>
-          <a:fillRef idx="3">
-            <a:schemeClr val="accent4"/>
-          </a:fillRef>
-          <a:effectRef idx="3">
-            <a:schemeClr val="accent4"/>
-          </a:effectRef>
-          <a:fontRef idx="minor">
-            <a:schemeClr val="lt1"/>
-          </a:fontRef>
-        </p:style>
-        <p:txBody>
-          <a:bodyPr wrap="square" rtlCol="0">
-            <a:spAutoFit/>
-          </a:bodyPr>
-          <a:lstStyle/>
-          <a:p>
-            <a:pPr algn="ctr"/>
-            <a:r>
-              <a:rPr lang="es-ES" sz="2800" dirty="0"/>
-              <a:t>Desafíos</a:t>
-            </a:r>
-            <a:endParaRPr lang="es-CO" sz="2800" dirty="0"/>
+            <a:endParaRPr lang="es-CO"/>
           </a:p>
         </p:txBody>
       </p:sp>
@@ -6101,384 +8864,56 @@
           <a:chExt cx="0" cy="0"/>
         </a:xfrm>
       </p:grpSpPr>
-      <p:pic>
-        <p:nvPicPr>
-          <p:cNvPr id="3076" name="Picture 4">
-            <a:extLst>
-              <a:ext uri="{FF2B5EF4-FFF2-40B4-BE49-F238E27FC236}">
-                <a16:creationId xmlns:a16="http://schemas.microsoft.com/office/drawing/2014/main" id="{403EF3F3-64A8-4D70-BD65-26B25CB851FF}"/>
-              </a:ext>
-            </a:extLst>
-          </p:cNvPr>
-          <p:cNvPicPr>
-            <a:picLocks noChangeAspect="1" noChangeArrowheads="1"/>
-          </p:cNvPicPr>
-          <p:nvPr/>
-        </p:nvPicPr>
-        <p:blipFill>
-          <a:blip r:embed="rId2">
-            <a:extLst>
-              <a:ext uri="{28A0092B-C50C-407E-A947-70E740481C1C}">
-                <a14:useLocalDpi xmlns:a14="http://schemas.microsoft.com/office/drawing/2010/main" val="0"/>
-              </a:ext>
-            </a:extLst>
-          </a:blip>
-          <a:srcRect/>
-          <a:stretch>
-            <a:fillRect/>
-          </a:stretch>
-        </p:blipFill>
-        <p:spPr bwMode="auto">
-          <a:xfrm>
-            <a:off x="0" y="0"/>
-            <a:ext cx="12192000" cy="6858000"/>
-          </a:xfrm>
-          <a:prstGeom prst="rect">
-            <a:avLst/>
-          </a:prstGeom>
-          <a:noFill/>
-          <a:extLst>
-            <a:ext uri="{909E8E84-426E-40DD-AFC4-6F175D3DCCD1}">
-              <a14:hiddenFill xmlns:a14="http://schemas.microsoft.com/office/drawing/2010/main">
-                <a:solidFill>
-                  <a:srgbClr val="FFFFFF"/>
-                </a:solidFill>
-              </a14:hiddenFill>
-            </a:ext>
-          </a:extLst>
-        </p:spPr>
-      </p:pic>
-      <p:sp>
-        <p:nvSpPr>
-          <p:cNvPr id="8" name="CuadroTexto 7">
-            <a:extLst>
-              <a:ext uri="{FF2B5EF4-FFF2-40B4-BE49-F238E27FC236}">
-                <a16:creationId xmlns:a16="http://schemas.microsoft.com/office/drawing/2014/main" id="{D078429F-8DB6-49D5-88F0-832F055DB3A5}"/>
-              </a:ext>
-            </a:extLst>
-          </p:cNvPr>
-          <p:cNvSpPr txBox="1"/>
-          <p:nvPr/>
-        </p:nvSpPr>
-        <p:spPr>
-          <a:xfrm>
-            <a:off x="304800" y="19050"/>
-            <a:ext cx="11582400" cy="923330"/>
-          </a:xfrm>
-          <a:prstGeom prst="rect">
-            <a:avLst/>
-          </a:prstGeom>
-          <a:noFill/>
-        </p:spPr>
-        <p:txBody>
-          <a:bodyPr wrap="square" rtlCol="0">
-            <a:spAutoFit/>
-          </a:bodyPr>
+      <p:sp>
+        <p:nvSpPr>
+          <p:cNvPr id="2" name="Título 1">
+            <a:extLst>
+              <a:ext uri="{FF2B5EF4-FFF2-40B4-BE49-F238E27FC236}">
+                <a16:creationId xmlns:a16="http://schemas.microsoft.com/office/drawing/2014/main" id="{21CE44BB-D189-4E76-9EBB-B0E694634822}"/>
+              </a:ext>
+            </a:extLst>
+          </p:cNvPr>
+          <p:cNvSpPr>
+            <a:spLocks noGrp="1"/>
+          </p:cNvSpPr>
+          <p:nvPr>
+            <p:ph type="title"/>
+          </p:nvPr>
+        </p:nvSpPr>
+        <p:spPr/>
+        <p:txBody>
+          <a:bodyPr/>
           <a:lstStyle/>
           <a:p>
-            <a:pPr algn="ctr"/>
-            <a:r>
-              <a:rPr lang="es-ES" sz="5400" b="1" dirty="0">
-                <a:solidFill>
-                  <a:schemeClr val="bg1"/>
-                </a:solidFill>
-              </a:rPr>
-              <a:t>Privacidad y protección de información</a:t>
-            </a:r>
-            <a:endParaRPr lang="es-CO" sz="5400" b="1" dirty="0">
-              <a:solidFill>
-                <a:schemeClr val="bg1"/>
-              </a:solidFill>
-            </a:endParaRPr>
-          </a:p>
-        </p:txBody>
-      </p:sp>
-      <p:sp>
-        <p:nvSpPr>
-          <p:cNvPr id="6" name="CuadroTexto 5">
-            <a:extLst>
-              <a:ext uri="{FF2B5EF4-FFF2-40B4-BE49-F238E27FC236}">
-                <a16:creationId xmlns:a16="http://schemas.microsoft.com/office/drawing/2014/main" id="{9AFD180D-E730-4B7B-8CE7-D5A9905D833D}"/>
-              </a:ext>
-            </a:extLst>
-          </p:cNvPr>
-          <p:cNvSpPr txBox="1"/>
-          <p:nvPr/>
-        </p:nvSpPr>
-        <p:spPr>
-          <a:xfrm>
-            <a:off x="133349" y="2028826"/>
-            <a:ext cx="3590926" cy="646331"/>
-          </a:xfrm>
-          <a:prstGeom prst="rect">
-            <a:avLst/>
-          </a:prstGeom>
-          <a:solidFill>
-            <a:schemeClr val="accent1">
-              <a:alpha val="50000"/>
-            </a:schemeClr>
-          </a:solidFill>
-          <a:ln>
-            <a:noFill/>
-          </a:ln>
-        </p:spPr>
-        <p:style>
-          <a:lnRef idx="0">
-            <a:scrgbClr r="0" g="0" b="0"/>
-          </a:lnRef>
-          <a:fillRef idx="0">
-            <a:scrgbClr r="0" g="0" b="0"/>
-          </a:fillRef>
-          <a:effectRef idx="0">
-            <a:scrgbClr r="0" g="0" b="0"/>
-          </a:effectRef>
-          <a:fontRef idx="minor">
-            <a:schemeClr val="lt1"/>
-          </a:fontRef>
-        </p:style>
-        <p:txBody>
-          <a:bodyPr wrap="square" rtlCol="0">
-            <a:spAutoFit/>
-          </a:bodyPr>
+            <a:r>
+              <a:rPr lang="es-MX" dirty="0"/>
+              <a:t>2. Privacidad y protección de datos</a:t>
+            </a:r>
+            <a:endParaRPr lang="es-CO" dirty="0"/>
+          </a:p>
+        </p:txBody>
+      </p:sp>
+      <p:sp>
+        <p:nvSpPr>
+          <p:cNvPr id="3" name="Marcador de contenido 2">
+            <a:extLst>
+              <a:ext uri="{FF2B5EF4-FFF2-40B4-BE49-F238E27FC236}">
+                <a16:creationId xmlns:a16="http://schemas.microsoft.com/office/drawing/2014/main" id="{9D312866-685F-4E6E-832E-D9072C52ADA1}"/>
+              </a:ext>
+            </a:extLst>
+          </p:cNvPr>
+          <p:cNvSpPr>
+            <a:spLocks noGrp="1"/>
+          </p:cNvSpPr>
+          <p:nvPr>
+            <p:ph idx="1"/>
+          </p:nvPr>
+        </p:nvSpPr>
+        <p:spPr/>
+        <p:txBody>
+          <a:bodyPr/>
           <a:lstStyle/>
           <a:p>
-            <a:pPr algn="ctr"/>
-            <a:r>
-              <a:rPr lang="es-ES" dirty="0"/>
-              <a:t>Centralización vs. Descentralización de identidades</a:t>
-            </a:r>
-            <a:endParaRPr lang="es-CO" dirty="0"/>
-          </a:p>
-        </p:txBody>
-      </p:sp>
-      <p:sp>
-        <p:nvSpPr>
-          <p:cNvPr id="10" name="CuadroTexto 9">
-            <a:extLst>
-              <a:ext uri="{FF2B5EF4-FFF2-40B4-BE49-F238E27FC236}">
-                <a16:creationId xmlns:a16="http://schemas.microsoft.com/office/drawing/2014/main" id="{E30BB307-5FE0-4A59-A19B-A49ACA9D4385}"/>
-              </a:ext>
-            </a:extLst>
-          </p:cNvPr>
-          <p:cNvSpPr txBox="1"/>
-          <p:nvPr/>
-        </p:nvSpPr>
-        <p:spPr>
-          <a:xfrm>
-            <a:off x="4300537" y="5800726"/>
-            <a:ext cx="3590926" cy="646331"/>
-          </a:xfrm>
-          <a:prstGeom prst="rect">
-            <a:avLst/>
-          </a:prstGeom>
-          <a:solidFill>
-            <a:schemeClr val="accent1">
-              <a:alpha val="50000"/>
-            </a:schemeClr>
-          </a:solidFill>
-          <a:ln>
-            <a:noFill/>
-          </a:ln>
-        </p:spPr>
-        <p:style>
-          <a:lnRef idx="0">
-            <a:scrgbClr r="0" g="0" b="0"/>
-          </a:lnRef>
-          <a:fillRef idx="0">
-            <a:scrgbClr r="0" g="0" b="0"/>
-          </a:fillRef>
-          <a:effectRef idx="0">
-            <a:scrgbClr r="0" g="0" b="0"/>
-          </a:effectRef>
-          <a:fontRef idx="minor">
-            <a:schemeClr val="lt1"/>
-          </a:fontRef>
-        </p:style>
-        <p:txBody>
-          <a:bodyPr wrap="square" rtlCol="0">
-            <a:spAutoFit/>
-          </a:bodyPr>
-          <a:lstStyle/>
-          <a:p>
-            <a:pPr algn="ctr"/>
-            <a:r>
-              <a:rPr lang="es-ES" dirty="0"/>
-              <a:t>Uso inadecuado de datos personales</a:t>
-            </a:r>
-          </a:p>
-          <a:p>
-            <a:pPr algn="ctr"/>
-            <a:r>
-              <a:rPr lang="es-ES" dirty="0"/>
-              <a:t>(Usabilidad)</a:t>
-            </a:r>
-            <a:endParaRPr lang="es-CO" dirty="0"/>
-          </a:p>
-        </p:txBody>
-      </p:sp>
-      <p:sp>
-        <p:nvSpPr>
-          <p:cNvPr id="11" name="CuadroTexto 10">
-            <a:extLst>
-              <a:ext uri="{FF2B5EF4-FFF2-40B4-BE49-F238E27FC236}">
-                <a16:creationId xmlns:a16="http://schemas.microsoft.com/office/drawing/2014/main" id="{C06CC2D3-D803-4815-921A-11CA1A33AE4A}"/>
-              </a:ext>
-            </a:extLst>
-          </p:cNvPr>
-          <p:cNvSpPr txBox="1"/>
-          <p:nvPr/>
-        </p:nvSpPr>
-        <p:spPr>
-          <a:xfrm>
-            <a:off x="323848" y="5800726"/>
-            <a:ext cx="3590926" cy="646331"/>
-          </a:xfrm>
-          <a:prstGeom prst="rect">
-            <a:avLst/>
-          </a:prstGeom>
-          <a:solidFill>
-            <a:schemeClr val="accent1">
-              <a:alpha val="50000"/>
-            </a:schemeClr>
-          </a:solidFill>
-          <a:ln>
-            <a:noFill/>
-          </a:ln>
-        </p:spPr>
-        <p:style>
-          <a:lnRef idx="0">
-            <a:scrgbClr r="0" g="0" b="0"/>
-          </a:lnRef>
-          <a:fillRef idx="0">
-            <a:scrgbClr r="0" g="0" b="0"/>
-          </a:fillRef>
-          <a:effectRef idx="0">
-            <a:scrgbClr r="0" g="0" b="0"/>
-          </a:effectRef>
-          <a:fontRef idx="minor">
-            <a:schemeClr val="lt1"/>
-          </a:fontRef>
-        </p:style>
-        <p:txBody>
-          <a:bodyPr wrap="square" rtlCol="0">
-            <a:spAutoFit/>
-          </a:bodyPr>
-          <a:lstStyle/>
-          <a:p>
-            <a:pPr algn="ctr"/>
-            <a:r>
-              <a:rPr lang="es-ES" dirty="0"/>
-              <a:t>Fuga de datos y violaciones de privacidad</a:t>
-            </a:r>
-            <a:endParaRPr lang="es-CO" dirty="0"/>
-          </a:p>
-        </p:txBody>
-      </p:sp>
-      <p:sp>
-        <p:nvSpPr>
-          <p:cNvPr id="12" name="CuadroTexto 11">
-            <a:extLst>
-              <a:ext uri="{FF2B5EF4-FFF2-40B4-BE49-F238E27FC236}">
-                <a16:creationId xmlns:a16="http://schemas.microsoft.com/office/drawing/2014/main" id="{B2C2FFE5-44AA-4999-8FC6-D86451D0E87E}"/>
-              </a:ext>
-            </a:extLst>
-          </p:cNvPr>
-          <p:cNvSpPr txBox="1"/>
-          <p:nvPr/>
-        </p:nvSpPr>
-        <p:spPr>
-          <a:xfrm>
-            <a:off x="8277226" y="5800726"/>
-            <a:ext cx="3590926" cy="646331"/>
-          </a:xfrm>
-          <a:prstGeom prst="rect">
-            <a:avLst/>
-          </a:prstGeom>
-          <a:solidFill>
-            <a:schemeClr val="accent1">
-              <a:alpha val="50000"/>
-            </a:schemeClr>
-          </a:solidFill>
-          <a:ln>
-            <a:noFill/>
-          </a:ln>
-        </p:spPr>
-        <p:style>
-          <a:lnRef idx="0">
-            <a:scrgbClr r="0" g="0" b="0"/>
-          </a:lnRef>
-          <a:fillRef idx="0">
-            <a:scrgbClr r="0" g="0" b="0"/>
-          </a:fillRef>
-          <a:effectRef idx="0">
-            <a:scrgbClr r="0" g="0" b="0"/>
-          </a:effectRef>
-          <a:fontRef idx="minor">
-            <a:schemeClr val="lt1"/>
-          </a:fontRef>
-        </p:style>
-        <p:txBody>
-          <a:bodyPr wrap="square" rtlCol="0">
-            <a:spAutoFit/>
-          </a:bodyPr>
-          <a:lstStyle/>
-          <a:p>
-            <a:pPr algn="ctr"/>
-            <a:r>
-              <a:rPr lang="es-CO" dirty="0"/>
-              <a:t>Cumplimiento de normativas globales</a:t>
-            </a:r>
-          </a:p>
-        </p:txBody>
-      </p:sp>
-      <p:sp>
-        <p:nvSpPr>
-          <p:cNvPr id="7" name="Flecha: hacia abajo 6">
-            <a:extLst>
-              <a:ext uri="{FF2B5EF4-FFF2-40B4-BE49-F238E27FC236}">
-                <a16:creationId xmlns:a16="http://schemas.microsoft.com/office/drawing/2014/main" id="{0351690C-E838-4A33-A538-52433C6BD134}"/>
-              </a:ext>
-            </a:extLst>
-          </p:cNvPr>
-          <p:cNvSpPr/>
-          <p:nvPr/>
-        </p:nvSpPr>
-        <p:spPr>
-          <a:xfrm>
-            <a:off x="1600198" y="2905125"/>
-            <a:ext cx="519113" cy="2609850"/>
-          </a:xfrm>
-          <a:prstGeom prst="downArrow">
-            <a:avLst/>
-          </a:prstGeom>
-          <a:solidFill>
-            <a:schemeClr val="accent1">
-              <a:alpha val="50000"/>
-            </a:schemeClr>
-          </a:solidFill>
-          <a:ln>
-            <a:noFill/>
-          </a:ln>
-        </p:spPr>
-        <p:style>
-          <a:lnRef idx="0">
-            <a:scrgbClr r="0" g="0" b="0"/>
-          </a:lnRef>
-          <a:fillRef idx="0">
-            <a:scrgbClr r="0" g="0" b="0"/>
-          </a:fillRef>
-          <a:effectRef idx="0">
-            <a:scrgbClr r="0" g="0" b="0"/>
-          </a:effectRef>
-          <a:fontRef idx="minor">
-            <a:schemeClr val="lt1"/>
-          </a:fontRef>
-        </p:style>
-        <p:txBody>
-          <a:bodyPr rtlCol="0" anchor="ctr"/>
-          <a:lstStyle/>
-          <a:p>
-            <a:pPr algn="ctr"/>
             <a:endParaRPr lang="es-CO"/>
           </a:p>
         </p:txBody>

--- a/Grupo 3/Presentación identidad digital.pptx
+++ b/Grupo 3/Presentación identidad digital.pptx
@@ -6,25 +6,27 @@
   </p:sldMasterIdLst>
   <p:sldIdLst>
     <p:sldId id="274" r:id="rId2"/>
-    <p:sldId id="256" r:id="rId3"/>
-    <p:sldId id="257" r:id="rId4"/>
-    <p:sldId id="258" r:id="rId5"/>
-    <p:sldId id="259" r:id="rId6"/>
-    <p:sldId id="260" r:id="rId7"/>
-    <p:sldId id="261" r:id="rId8"/>
-    <p:sldId id="262" r:id="rId9"/>
-    <p:sldId id="263" r:id="rId10"/>
-    <p:sldId id="264" r:id="rId11"/>
-    <p:sldId id="265" r:id="rId12"/>
-    <p:sldId id="266" r:id="rId13"/>
-    <p:sldId id="279" r:id="rId14"/>
-    <p:sldId id="268" r:id="rId15"/>
-    <p:sldId id="269" r:id="rId16"/>
-    <p:sldId id="270" r:id="rId17"/>
-    <p:sldId id="271" r:id="rId18"/>
-    <p:sldId id="272" r:id="rId19"/>
-    <p:sldId id="273" r:id="rId20"/>
-    <p:sldId id="275" r:id="rId21"/>
+    <p:sldId id="280" r:id="rId3"/>
+    <p:sldId id="281" r:id="rId4"/>
+    <p:sldId id="282" r:id="rId5"/>
+    <p:sldId id="257" r:id="rId6"/>
+    <p:sldId id="258" r:id="rId7"/>
+    <p:sldId id="259" r:id="rId8"/>
+    <p:sldId id="260" r:id="rId9"/>
+    <p:sldId id="261" r:id="rId10"/>
+    <p:sldId id="262" r:id="rId11"/>
+    <p:sldId id="263" r:id="rId12"/>
+    <p:sldId id="264" r:id="rId13"/>
+    <p:sldId id="265" r:id="rId14"/>
+    <p:sldId id="266" r:id="rId15"/>
+    <p:sldId id="279" r:id="rId16"/>
+    <p:sldId id="268" r:id="rId17"/>
+    <p:sldId id="269" r:id="rId18"/>
+    <p:sldId id="270" r:id="rId19"/>
+    <p:sldId id="271" r:id="rId20"/>
+    <p:sldId id="272" r:id="rId21"/>
+    <p:sldId id="273" r:id="rId22"/>
+    <p:sldId id="275" r:id="rId23"/>
   </p:sldIdLst>
   <p:sldSz cx="12192000" cy="6858000"/>
   <p:notesSz cx="6858000" cy="9144000"/>
@@ -3559,6 +3561,194 @@
           <p:cNvPr id="2" name="Título 1">
             <a:extLst>
               <a:ext uri="{FF2B5EF4-FFF2-40B4-BE49-F238E27FC236}">
+                <a16:creationId xmlns:a16="http://schemas.microsoft.com/office/drawing/2014/main" id="{C96D7D7A-8958-4FA2-B276-117158E345E0}"/>
+              </a:ext>
+            </a:extLst>
+          </p:cNvPr>
+          <p:cNvSpPr>
+            <a:spLocks noGrp="1"/>
+          </p:cNvSpPr>
+          <p:nvPr>
+            <p:ph type="title"/>
+          </p:nvPr>
+        </p:nvSpPr>
+        <p:spPr/>
+        <p:txBody>
+          <a:bodyPr/>
+          <a:lstStyle/>
+          <a:p>
+            <a:r>
+              <a:rPr lang="es-MX" dirty="0" err="1"/>
+              <a:t>Raul</a:t>
+            </a:r>
+            <a:r>
+              <a:rPr lang="es-MX" dirty="0"/>
+              <a:t> Garay</a:t>
+            </a:r>
+            <a:endParaRPr lang="es-CO" dirty="0"/>
+          </a:p>
+        </p:txBody>
+      </p:sp>
+      <p:sp>
+        <p:nvSpPr>
+          <p:cNvPr id="3" name="Marcador de contenido 2">
+            <a:extLst>
+              <a:ext uri="{FF2B5EF4-FFF2-40B4-BE49-F238E27FC236}">
+                <a16:creationId xmlns:a16="http://schemas.microsoft.com/office/drawing/2014/main" id="{80C5BB57-E45C-47FD-8AC8-E5D3BE66B2A4}"/>
+              </a:ext>
+            </a:extLst>
+          </p:cNvPr>
+          <p:cNvSpPr>
+            <a:spLocks noGrp="1"/>
+          </p:cNvSpPr>
+          <p:nvPr>
+            <p:ph idx="1"/>
+          </p:nvPr>
+        </p:nvSpPr>
+        <p:spPr/>
+        <p:txBody>
+          <a:bodyPr/>
+          <a:lstStyle/>
+          <a:p>
+            <a:endParaRPr lang="es-CO"/>
+          </a:p>
+        </p:txBody>
+      </p:sp>
+    </p:spTree>
+    <p:extLst>
+      <p:ext uri="{BB962C8B-B14F-4D97-AF65-F5344CB8AC3E}">
+        <p14:creationId xmlns:p14="http://schemas.microsoft.com/office/powerpoint/2010/main" val="2095245258"/>
+      </p:ext>
+    </p:extLst>
+  </p:cSld>
+  <p:clrMapOvr>
+    <a:masterClrMapping/>
+  </p:clrMapOvr>
+  <mc:AlternateContent xmlns:mc="http://schemas.openxmlformats.org/markup-compatibility/2006" xmlns:p14="http://schemas.microsoft.com/office/powerpoint/2010/main">
+    <mc:Choice Requires="p14">
+      <p:transition p14:dur="10" advClick="0" advTm="5400000"/>
+    </mc:Choice>
+    <mc:Fallback xmlns="">
+      <p:transition advClick="0" advTm="5400000"/>
+    </mc:Fallback>
+  </mc:AlternateContent>
+</p:sld>
+</file>
+
+<file path=ppt/slides/slide11.xml><?xml version="1.0" encoding="utf-8"?>
+<p:sld xmlns:a="http://schemas.openxmlformats.org/drawingml/2006/main" xmlns:r="http://schemas.openxmlformats.org/officeDocument/2006/relationships" xmlns:p="http://schemas.openxmlformats.org/presentationml/2006/main">
+  <p:cSld>
+    <p:spTree>
+      <p:nvGrpSpPr>
+        <p:cNvPr id="1" name=""/>
+        <p:cNvGrpSpPr/>
+        <p:nvPr/>
+      </p:nvGrpSpPr>
+      <p:grpSpPr>
+        <a:xfrm>
+          <a:off x="0" y="0"/>
+          <a:ext cx="0" cy="0"/>
+          <a:chOff x="0" y="0"/>
+          <a:chExt cx="0" cy="0"/>
+        </a:xfrm>
+      </p:grpSpPr>
+      <p:sp>
+        <p:nvSpPr>
+          <p:cNvPr id="2" name="Título 1">
+            <a:extLst>
+              <a:ext uri="{FF2B5EF4-FFF2-40B4-BE49-F238E27FC236}">
+                <a16:creationId xmlns:a16="http://schemas.microsoft.com/office/drawing/2014/main" id="{075B7DE7-63C5-48E2-ABD6-C29042A28050}"/>
+              </a:ext>
+            </a:extLst>
+          </p:cNvPr>
+          <p:cNvSpPr>
+            <a:spLocks noGrp="1"/>
+          </p:cNvSpPr>
+          <p:nvPr>
+            <p:ph type="title"/>
+          </p:nvPr>
+        </p:nvSpPr>
+        <p:spPr/>
+        <p:txBody>
+          <a:bodyPr/>
+          <a:lstStyle/>
+          <a:p>
+            <a:r>
+              <a:rPr lang="es-MX" dirty="0"/>
+              <a:t>5.	Autenticación y acceso</a:t>
+            </a:r>
+            <a:endParaRPr lang="es-CO" dirty="0"/>
+          </a:p>
+        </p:txBody>
+      </p:sp>
+      <p:sp>
+        <p:nvSpPr>
+          <p:cNvPr id="3" name="Marcador de contenido 2">
+            <a:extLst>
+              <a:ext uri="{FF2B5EF4-FFF2-40B4-BE49-F238E27FC236}">
+                <a16:creationId xmlns:a16="http://schemas.microsoft.com/office/drawing/2014/main" id="{39C09A13-4035-4711-87ED-8DE3DE2ED9AA}"/>
+              </a:ext>
+            </a:extLst>
+          </p:cNvPr>
+          <p:cNvSpPr>
+            <a:spLocks noGrp="1"/>
+          </p:cNvSpPr>
+          <p:nvPr>
+            <p:ph idx="1"/>
+          </p:nvPr>
+        </p:nvSpPr>
+        <p:spPr/>
+        <p:txBody>
+          <a:bodyPr/>
+          <a:lstStyle/>
+          <a:p>
+            <a:endParaRPr lang="es-CO"/>
+          </a:p>
+        </p:txBody>
+      </p:sp>
+    </p:spTree>
+    <p:extLst>
+      <p:ext uri="{BB962C8B-B14F-4D97-AF65-F5344CB8AC3E}">
+        <p14:creationId xmlns:p14="http://schemas.microsoft.com/office/powerpoint/2010/main" val="1600950127"/>
+      </p:ext>
+    </p:extLst>
+  </p:cSld>
+  <p:clrMapOvr>
+    <a:masterClrMapping/>
+  </p:clrMapOvr>
+  <mc:AlternateContent xmlns:mc="http://schemas.openxmlformats.org/markup-compatibility/2006" xmlns:p14="http://schemas.microsoft.com/office/powerpoint/2010/main">
+    <mc:Choice Requires="p14">
+      <p:transition p14:dur="10" advClick="0" advTm="5400000"/>
+    </mc:Choice>
+    <mc:Fallback xmlns="">
+      <p:transition advClick="0" advTm="5400000"/>
+    </mc:Fallback>
+  </mc:AlternateContent>
+</p:sld>
+</file>
+
+<file path=ppt/slides/slide12.xml><?xml version="1.0" encoding="utf-8"?>
+<p:sld xmlns:a="http://schemas.openxmlformats.org/drawingml/2006/main" xmlns:r="http://schemas.openxmlformats.org/officeDocument/2006/relationships" xmlns:p="http://schemas.openxmlformats.org/presentationml/2006/main">
+  <p:cSld>
+    <p:spTree>
+      <p:nvGrpSpPr>
+        <p:cNvPr id="1" name=""/>
+        <p:cNvGrpSpPr/>
+        <p:nvPr/>
+      </p:nvGrpSpPr>
+      <p:grpSpPr>
+        <a:xfrm>
+          <a:off x="0" y="0"/>
+          <a:ext cx="0" cy="0"/>
+          <a:chOff x="0" y="0"/>
+          <a:chExt cx="0" cy="0"/>
+        </a:xfrm>
+      </p:grpSpPr>
+      <p:sp>
+        <p:nvSpPr>
+          <p:cNvPr id="2" name="Título 1">
+            <a:extLst>
+              <a:ext uri="{FF2B5EF4-FFF2-40B4-BE49-F238E27FC236}">
                 <a16:creationId xmlns:a16="http://schemas.microsoft.com/office/drawing/2014/main" id="{55E123AC-0D93-45D3-92F4-7F96A7BE8A99}"/>
               </a:ext>
             </a:extLst>
@@ -3629,7 +3819,7 @@
 </p:sld>
 </file>
 
-<file path=ppt/slides/slide11.xml><?xml version="1.0" encoding="utf-8"?>
+<file path=ppt/slides/slide13.xml><?xml version="1.0" encoding="utf-8"?>
 <p:sld xmlns:a="http://schemas.openxmlformats.org/drawingml/2006/main" xmlns:r="http://schemas.openxmlformats.org/officeDocument/2006/relationships" xmlns:p="http://schemas.openxmlformats.org/presentationml/2006/main">
   <p:cSld>
     <p:bg>
@@ -4630,7 +4820,7 @@
 </p:sld>
 </file>
 
-<file path=ppt/slides/slide12.xml><?xml version="1.0" encoding="utf-8"?>
+<file path=ppt/slides/slide14.xml><?xml version="1.0" encoding="utf-8"?>
 <p:sld xmlns:a="http://schemas.openxmlformats.org/drawingml/2006/main" xmlns:r="http://schemas.openxmlformats.org/officeDocument/2006/relationships" xmlns:p="http://schemas.openxmlformats.org/presentationml/2006/main">
   <p:cSld>
     <p:bg>
@@ -6952,7 +7142,7 @@
 </p:sld>
 </file>
 
-<file path=ppt/slides/slide13.xml><?xml version="1.0" encoding="utf-8"?>
+<file path=ppt/slides/slide15.xml><?xml version="1.0" encoding="utf-8"?>
 <p:sld xmlns:a="http://schemas.openxmlformats.org/drawingml/2006/main" xmlns:r="http://schemas.openxmlformats.org/officeDocument/2006/relationships" xmlns:p="http://schemas.openxmlformats.org/presentationml/2006/main">
   <p:cSld>
     <p:bg>
@@ -7427,11 +7617,11 @@
   <p:clrMapOvr>
     <a:masterClrMapping/>
   </p:clrMapOvr>
-  <mc:AlternateContent xmlns:mc="http://schemas.openxmlformats.org/markup-compatibility/2006">
-    <mc:Choice xmlns:p14="http://schemas.microsoft.com/office/powerpoint/2010/main" Requires="p14">
+  <mc:AlternateContent xmlns:mc="http://schemas.openxmlformats.org/markup-compatibility/2006" xmlns:p14="http://schemas.microsoft.com/office/powerpoint/2010/main">
+    <mc:Choice Requires="p14">
       <p:transition p14:dur="10" advClick="0" advTm="5400000"/>
     </mc:Choice>
-    <mc:Fallback>
+    <mc:Fallback xmlns="">
       <p:transition advClick="0" advTm="5400000"/>
     </mc:Fallback>
   </mc:AlternateContent>
@@ -7976,206 +8166,6 @@
 </p:sld>
 </file>
 
-<file path=ppt/slides/slide14.xml><?xml version="1.0" encoding="utf-8"?>
-<p:sld xmlns:a="http://schemas.openxmlformats.org/drawingml/2006/main" xmlns:r="http://schemas.openxmlformats.org/officeDocument/2006/relationships" xmlns:p="http://schemas.openxmlformats.org/presentationml/2006/main">
-  <p:cSld>
-    <p:spTree>
-      <p:nvGrpSpPr>
-        <p:cNvPr id="1" name=""/>
-        <p:cNvGrpSpPr/>
-        <p:nvPr/>
-      </p:nvGrpSpPr>
-      <p:grpSpPr>
-        <a:xfrm>
-          <a:off x="0" y="0"/>
-          <a:ext cx="0" cy="0"/>
-          <a:chOff x="0" y="0"/>
-          <a:chExt cx="0" cy="0"/>
-        </a:xfrm>
-      </p:grpSpPr>
-      <p:sp>
-        <p:nvSpPr>
-          <p:cNvPr id="2" name="Título 1">
-            <a:extLst>
-              <a:ext uri="{FF2B5EF4-FFF2-40B4-BE49-F238E27FC236}">
-                <a16:creationId xmlns:a16="http://schemas.microsoft.com/office/drawing/2014/main" id="{EDC3F24B-364C-4C44-82C5-2C13CE3059A0}"/>
-              </a:ext>
-            </a:extLst>
-          </p:cNvPr>
-          <p:cNvSpPr>
-            <a:spLocks noGrp="1"/>
-          </p:cNvSpPr>
-          <p:nvPr>
-            <p:ph type="title"/>
-          </p:nvPr>
-        </p:nvSpPr>
-        <p:spPr/>
-        <p:txBody>
-          <a:bodyPr/>
-          <a:lstStyle/>
-          <a:p>
-            <a:r>
-              <a:rPr lang="es-MX" dirty="0"/>
-              <a:t>Oscar</a:t>
-            </a:r>
-            <a:endParaRPr lang="es-CO" dirty="0"/>
-          </a:p>
-        </p:txBody>
-      </p:sp>
-      <p:sp>
-        <p:nvSpPr>
-          <p:cNvPr id="3" name="Marcador de contenido 2">
-            <a:extLst>
-              <a:ext uri="{FF2B5EF4-FFF2-40B4-BE49-F238E27FC236}">
-                <a16:creationId xmlns:a16="http://schemas.microsoft.com/office/drawing/2014/main" id="{094386A6-2D45-4B42-84C8-836F9BBDA414}"/>
-              </a:ext>
-            </a:extLst>
-          </p:cNvPr>
-          <p:cNvSpPr>
-            <a:spLocks noGrp="1"/>
-          </p:cNvSpPr>
-          <p:nvPr>
-            <p:ph idx="1"/>
-          </p:nvPr>
-        </p:nvSpPr>
-        <p:spPr/>
-        <p:txBody>
-          <a:bodyPr/>
-          <a:lstStyle/>
-          <a:p>
-            <a:endParaRPr lang="es-CO"/>
-          </a:p>
-        </p:txBody>
-      </p:sp>
-    </p:spTree>
-    <p:extLst>
-      <p:ext uri="{BB962C8B-B14F-4D97-AF65-F5344CB8AC3E}">
-        <p14:creationId xmlns:p14="http://schemas.microsoft.com/office/powerpoint/2010/main" val="910729627"/>
-      </p:ext>
-    </p:extLst>
-  </p:cSld>
-  <p:clrMapOvr>
-    <a:masterClrMapping/>
-  </p:clrMapOvr>
-  <mc:AlternateContent xmlns:mc="http://schemas.openxmlformats.org/markup-compatibility/2006" xmlns:p14="http://schemas.microsoft.com/office/powerpoint/2010/main">
-    <mc:Choice Requires="p14">
-      <p:transition p14:dur="10" advClick="0" advTm="5400000"/>
-    </mc:Choice>
-    <mc:Fallback xmlns="">
-      <p:transition advClick="0" advTm="5400000"/>
-    </mc:Fallback>
-  </mc:AlternateContent>
-</p:sld>
-</file>
-
-<file path=ppt/slides/slide15.xml><?xml version="1.0" encoding="utf-8"?>
-<p:sld xmlns:a="http://schemas.openxmlformats.org/drawingml/2006/main" xmlns:r="http://schemas.openxmlformats.org/officeDocument/2006/relationships" xmlns:p="http://schemas.openxmlformats.org/presentationml/2006/main">
-  <p:cSld>
-    <p:spTree>
-      <p:nvGrpSpPr>
-        <p:cNvPr id="1" name=""/>
-        <p:cNvGrpSpPr/>
-        <p:nvPr/>
-      </p:nvGrpSpPr>
-      <p:grpSpPr>
-        <a:xfrm>
-          <a:off x="0" y="0"/>
-          <a:ext cx="0" cy="0"/>
-          <a:chOff x="0" y="0"/>
-          <a:chExt cx="0" cy="0"/>
-        </a:xfrm>
-      </p:grpSpPr>
-      <p:sp>
-        <p:nvSpPr>
-          <p:cNvPr id="2" name="Título 1">
-            <a:extLst>
-              <a:ext uri="{FF2B5EF4-FFF2-40B4-BE49-F238E27FC236}">
-                <a16:creationId xmlns:a16="http://schemas.microsoft.com/office/drawing/2014/main" id="{3F6C0E19-FE85-47E3-A4F3-57D359B6DACC}"/>
-              </a:ext>
-            </a:extLst>
-          </p:cNvPr>
-          <p:cNvSpPr>
-            <a:spLocks noGrp="1"/>
-          </p:cNvSpPr>
-          <p:nvPr>
-            <p:ph type="title"/>
-          </p:nvPr>
-        </p:nvSpPr>
-        <p:spPr/>
-        <p:txBody>
-          <a:bodyPr/>
-          <a:lstStyle/>
-          <a:p>
-            <a:r>
-              <a:rPr lang="es-MX" dirty="0"/>
-              <a:t>3. Autenticación sin contraseña (</a:t>
-            </a:r>
-            <a:r>
-              <a:rPr lang="es-MX" dirty="0" err="1"/>
-              <a:t>Passwordless</a:t>
-            </a:r>
-            <a:r>
-              <a:rPr lang="es-MX" dirty="0"/>
-              <a:t> </a:t>
-            </a:r>
-            <a:r>
-              <a:rPr lang="es-MX" dirty="0" err="1"/>
-              <a:t>Authentication</a:t>
-            </a:r>
-            <a:r>
-              <a:rPr lang="es-MX" dirty="0"/>
-              <a:t>)</a:t>
-            </a:r>
-            <a:endParaRPr lang="es-CO" dirty="0"/>
-          </a:p>
-        </p:txBody>
-      </p:sp>
-      <p:sp>
-        <p:nvSpPr>
-          <p:cNvPr id="3" name="Marcador de contenido 2">
-            <a:extLst>
-              <a:ext uri="{FF2B5EF4-FFF2-40B4-BE49-F238E27FC236}">
-                <a16:creationId xmlns:a16="http://schemas.microsoft.com/office/drawing/2014/main" id="{9B737E46-58B6-4F22-A80A-71241E96733A}"/>
-              </a:ext>
-            </a:extLst>
-          </p:cNvPr>
-          <p:cNvSpPr>
-            <a:spLocks noGrp="1"/>
-          </p:cNvSpPr>
-          <p:nvPr>
-            <p:ph idx="1"/>
-          </p:nvPr>
-        </p:nvSpPr>
-        <p:spPr/>
-        <p:txBody>
-          <a:bodyPr/>
-          <a:lstStyle/>
-          <a:p>
-            <a:endParaRPr lang="es-CO"/>
-          </a:p>
-        </p:txBody>
-      </p:sp>
-    </p:spTree>
-    <p:extLst>
-      <p:ext uri="{BB962C8B-B14F-4D97-AF65-F5344CB8AC3E}">
-        <p14:creationId xmlns:p14="http://schemas.microsoft.com/office/powerpoint/2010/main" val="2787419759"/>
-      </p:ext>
-    </p:extLst>
-  </p:cSld>
-  <p:clrMapOvr>
-    <a:masterClrMapping/>
-  </p:clrMapOvr>
-  <mc:AlternateContent xmlns:mc="http://schemas.openxmlformats.org/markup-compatibility/2006" xmlns:p14="http://schemas.microsoft.com/office/powerpoint/2010/main">
-    <mc:Choice Requires="p14">
-      <p:transition p14:dur="10" advClick="0" advTm="5400000"/>
-    </mc:Choice>
-    <mc:Fallback xmlns="">
-      <p:transition advClick="0" advTm="5400000"/>
-    </mc:Fallback>
-  </mc:AlternateContent>
-</p:sld>
-</file>
-
 <file path=ppt/slides/slide16.xml><?xml version="1.0" encoding="utf-8"?>
 <p:sld xmlns:a="http://schemas.openxmlformats.org/drawingml/2006/main" xmlns:r="http://schemas.openxmlformats.org/officeDocument/2006/relationships" xmlns:p="http://schemas.openxmlformats.org/presentationml/2006/main">
   <p:cSld>
@@ -8198,7 +8188,7 @@
           <p:cNvPr id="2" name="Título 1">
             <a:extLst>
               <a:ext uri="{FF2B5EF4-FFF2-40B4-BE49-F238E27FC236}">
-                <a16:creationId xmlns:a16="http://schemas.microsoft.com/office/drawing/2014/main" id="{76D5CDF9-F150-44D5-AB46-78F0F5C348AC}"/>
+                <a16:creationId xmlns:a16="http://schemas.microsoft.com/office/drawing/2014/main" id="{EDC3F24B-364C-4C44-82C5-2C13CE3059A0}"/>
               </a:ext>
             </a:extLst>
           </p:cNvPr>
@@ -8216,15 +8206,7 @@
           <a:p>
             <a:r>
               <a:rPr lang="es-MX" dirty="0"/>
-              <a:t>4. Autenticación </a:t>
-            </a:r>
-            <a:r>
-              <a:rPr lang="es-MX" dirty="0" err="1"/>
-              <a:t>multifactor</a:t>
-            </a:r>
-            <a:r>
-              <a:rPr lang="es-MX" dirty="0"/>
-              <a:t> (MFA) mejorada con IA</a:t>
+              <a:t>Oscar</a:t>
             </a:r>
             <a:endParaRPr lang="es-CO" dirty="0"/>
           </a:p>
@@ -8235,7 +8217,7 @@
           <p:cNvPr id="3" name="Marcador de contenido 2">
             <a:extLst>
               <a:ext uri="{FF2B5EF4-FFF2-40B4-BE49-F238E27FC236}">
-                <a16:creationId xmlns:a16="http://schemas.microsoft.com/office/drawing/2014/main" id="{BCFA120E-5CBF-4B20-B891-69A81CC2061C}"/>
+                <a16:creationId xmlns:a16="http://schemas.microsoft.com/office/drawing/2014/main" id="{094386A6-2D45-4B42-84C8-836F9BBDA414}"/>
               </a:ext>
             </a:extLst>
           </p:cNvPr>
@@ -8258,7 +8240,7 @@
     </p:spTree>
     <p:extLst>
       <p:ext uri="{BB962C8B-B14F-4D97-AF65-F5344CB8AC3E}">
-        <p14:creationId xmlns:p14="http://schemas.microsoft.com/office/powerpoint/2010/main" val="1631633433"/>
+        <p14:creationId xmlns:p14="http://schemas.microsoft.com/office/powerpoint/2010/main" val="910729627"/>
       </p:ext>
     </p:extLst>
   </p:cSld>
@@ -8298,7 +8280,7 @@
           <p:cNvPr id="2" name="Título 1">
             <a:extLst>
               <a:ext uri="{FF2B5EF4-FFF2-40B4-BE49-F238E27FC236}">
-                <a16:creationId xmlns:a16="http://schemas.microsoft.com/office/drawing/2014/main" id="{99E569F5-7491-44A0-AE96-19B11C7CECAA}"/>
+                <a16:creationId xmlns:a16="http://schemas.microsoft.com/office/drawing/2014/main" id="{3F6C0E19-FE85-47E3-A4F3-57D359B6DACC}"/>
               </a:ext>
             </a:extLst>
           </p:cNvPr>
@@ -8315,12 +8297,24 @@
           <a:lstStyle/>
           <a:p>
             <a:r>
-              <a:rPr lang="es-CO" dirty="0"/>
-              <a:t>Andrés </a:t>
-            </a:r>
-            <a:r>
-              <a:rPr lang="es-CO" dirty="0" err="1"/>
-              <a:t>Berdugo</a:t>
+              <a:rPr lang="es-MX" dirty="0"/>
+              <a:t>3. Autenticación sin contraseña (</a:t>
+            </a:r>
+            <a:r>
+              <a:rPr lang="es-MX" dirty="0" err="1"/>
+              <a:t>Passwordless</a:t>
+            </a:r>
+            <a:r>
+              <a:rPr lang="es-MX" dirty="0"/>
+              <a:t> </a:t>
+            </a:r>
+            <a:r>
+              <a:rPr lang="es-MX" dirty="0" err="1"/>
+              <a:t>Authentication</a:t>
+            </a:r>
+            <a:r>
+              <a:rPr lang="es-MX" dirty="0"/>
+              <a:t>)</a:t>
             </a:r>
             <a:endParaRPr lang="es-CO" dirty="0"/>
           </a:p>
@@ -8331,7 +8325,7 @@
           <p:cNvPr id="3" name="Marcador de contenido 2">
             <a:extLst>
               <a:ext uri="{FF2B5EF4-FFF2-40B4-BE49-F238E27FC236}">
-                <a16:creationId xmlns:a16="http://schemas.microsoft.com/office/drawing/2014/main" id="{42582AD2-309F-409B-BFA0-A6BBABF3F1FD}"/>
+                <a16:creationId xmlns:a16="http://schemas.microsoft.com/office/drawing/2014/main" id="{9B737E46-58B6-4F22-A80A-71241E96733A}"/>
               </a:ext>
             </a:extLst>
           </p:cNvPr>
@@ -8354,7 +8348,7 @@
     </p:spTree>
     <p:extLst>
       <p:ext uri="{BB962C8B-B14F-4D97-AF65-F5344CB8AC3E}">
-        <p14:creationId xmlns:p14="http://schemas.microsoft.com/office/powerpoint/2010/main" val="1053201561"/>
+        <p14:creationId xmlns:p14="http://schemas.microsoft.com/office/powerpoint/2010/main" val="2787419759"/>
       </p:ext>
     </p:extLst>
   </p:cSld>
@@ -8394,7 +8388,7 @@
           <p:cNvPr id="2" name="Título 1">
             <a:extLst>
               <a:ext uri="{FF2B5EF4-FFF2-40B4-BE49-F238E27FC236}">
-                <a16:creationId xmlns:a16="http://schemas.microsoft.com/office/drawing/2014/main" id="{D18B5F6A-F3C0-4585-BB00-74D7826DA468}"/>
+                <a16:creationId xmlns:a16="http://schemas.microsoft.com/office/drawing/2014/main" id="{76D5CDF9-F150-44D5-AB46-78F0F5C348AC}"/>
               </a:ext>
             </a:extLst>
           </p:cNvPr>
@@ -8407,14 +8401,20 @@
         </p:nvSpPr>
         <p:spPr/>
         <p:txBody>
-          <a:bodyPr>
-            <a:normAutofit/>
-          </a:bodyPr>
+          <a:bodyPr/>
           <a:lstStyle/>
           <a:p>
             <a:r>
               <a:rPr lang="es-MX" dirty="0"/>
-              <a:t>5.	Identidad Digital Federada</a:t>
+              <a:t>4. Autenticación </a:t>
+            </a:r>
+            <a:r>
+              <a:rPr lang="es-MX" dirty="0" err="1"/>
+              <a:t>multifactor</a:t>
+            </a:r>
+            <a:r>
+              <a:rPr lang="es-MX" dirty="0"/>
+              <a:t> (MFA) mejorada con IA</a:t>
             </a:r>
             <a:endParaRPr lang="es-CO" dirty="0"/>
           </a:p>
@@ -8425,7 +8425,7 @@
           <p:cNvPr id="3" name="Marcador de contenido 2">
             <a:extLst>
               <a:ext uri="{FF2B5EF4-FFF2-40B4-BE49-F238E27FC236}">
-                <a16:creationId xmlns:a16="http://schemas.microsoft.com/office/drawing/2014/main" id="{70B49BBE-0DFB-4914-A250-5D7564E2EBE0}"/>
+                <a16:creationId xmlns:a16="http://schemas.microsoft.com/office/drawing/2014/main" id="{BCFA120E-5CBF-4B20-B891-69A81CC2061C}"/>
               </a:ext>
             </a:extLst>
           </p:cNvPr>
@@ -8448,7 +8448,7 @@
     </p:spTree>
     <p:extLst>
       <p:ext uri="{BB962C8B-B14F-4D97-AF65-F5344CB8AC3E}">
-        <p14:creationId xmlns:p14="http://schemas.microsoft.com/office/powerpoint/2010/main" val="2636334350"/>
+        <p14:creationId xmlns:p14="http://schemas.microsoft.com/office/powerpoint/2010/main" val="1631633433"/>
       </p:ext>
     </p:extLst>
   </p:cSld>
@@ -8488,7 +8488,7 @@
           <p:cNvPr id="2" name="Título 1">
             <a:extLst>
               <a:ext uri="{FF2B5EF4-FFF2-40B4-BE49-F238E27FC236}">
-                <a16:creationId xmlns:a16="http://schemas.microsoft.com/office/drawing/2014/main" id="{D3F22A96-46D9-4EB8-88F3-7E4ED79F3A34}"/>
+                <a16:creationId xmlns:a16="http://schemas.microsoft.com/office/drawing/2014/main" id="{99E569F5-7491-44A0-AE96-19B11C7CECAA}"/>
               </a:ext>
             </a:extLst>
           </p:cNvPr>
@@ -8505,16 +8505,12 @@
           <a:lstStyle/>
           <a:p>
             <a:r>
-              <a:rPr lang="es-MX" dirty="0"/>
-              <a:t>6.	Identidad Digital para el Internet de las Cosas (</a:t>
-            </a:r>
-            <a:r>
-              <a:rPr lang="es-MX" dirty="0" err="1"/>
-              <a:t>IoT</a:t>
-            </a:r>
-            <a:r>
-              <a:rPr lang="es-MX" dirty="0"/>
-              <a:t>)</a:t>
+              <a:rPr lang="es-CO" dirty="0"/>
+              <a:t>Andrés </a:t>
+            </a:r>
+            <a:r>
+              <a:rPr lang="es-CO" dirty="0" err="1"/>
+              <a:t>Berdugo</a:t>
             </a:r>
             <a:endParaRPr lang="es-CO" dirty="0"/>
           </a:p>
@@ -8525,7 +8521,7 @@
           <p:cNvPr id="3" name="Marcador de contenido 2">
             <a:extLst>
               <a:ext uri="{FF2B5EF4-FFF2-40B4-BE49-F238E27FC236}">
-                <a16:creationId xmlns:a16="http://schemas.microsoft.com/office/drawing/2014/main" id="{6D54B4EB-7A49-43F4-B865-65E058C81D6C}"/>
+                <a16:creationId xmlns:a16="http://schemas.microsoft.com/office/drawing/2014/main" id="{42582AD2-309F-409B-BFA0-A6BBABF3F1FD}"/>
               </a:ext>
             </a:extLst>
           </p:cNvPr>
@@ -8548,7 +8544,7 @@
     </p:spTree>
     <p:extLst>
       <p:ext uri="{BB962C8B-B14F-4D97-AF65-F5344CB8AC3E}">
-        <p14:creationId xmlns:p14="http://schemas.microsoft.com/office/powerpoint/2010/main" val="1835682298"/>
+        <p14:creationId xmlns:p14="http://schemas.microsoft.com/office/powerpoint/2010/main" val="1053201561"/>
       </p:ext>
     </p:extLst>
   </p:cSld>
@@ -8583,32 +8579,188 @@
           <a:chExt cx="0" cy="0"/>
         </a:xfrm>
       </p:grpSpPr>
-      <p:sp>
-        <p:nvSpPr>
-          <p:cNvPr id="2" name="Título 1">
-            <a:extLst>
-              <a:ext uri="{FF2B5EF4-FFF2-40B4-BE49-F238E27FC236}">
-                <a16:creationId xmlns:a16="http://schemas.microsoft.com/office/drawing/2014/main" id="{AC374E6B-9E5B-4001-875F-63578C431AC7}"/>
-              </a:ext>
-            </a:extLst>
-          </p:cNvPr>
-          <p:cNvSpPr>
-            <a:spLocks noGrp="1"/>
-          </p:cNvSpPr>
-          <p:nvPr>
-            <p:ph type="ctrTitle"/>
-          </p:nvPr>
-        </p:nvSpPr>
-        <p:spPr/>
-        <p:txBody>
-          <a:bodyPr>
-            <a:normAutofit/>
+      <p:pic>
+        <p:nvPicPr>
+          <p:cNvPr id="1026" name="Picture 2" descr="La Identidad Digital Web3 en una Sociedad Descentralizada (SBTs) - Juan  Merodio">
+            <a:extLst>
+              <a:ext uri="{FF2B5EF4-FFF2-40B4-BE49-F238E27FC236}">
+                <a16:creationId xmlns:a16="http://schemas.microsoft.com/office/drawing/2014/main" id="{9F1140A1-9705-4605-A852-D4D2421C25A0}"/>
+              </a:ext>
+            </a:extLst>
+          </p:cNvPr>
+          <p:cNvPicPr>
+            <a:picLocks noChangeAspect="1" noChangeArrowheads="1"/>
+          </p:cNvPicPr>
+          <p:nvPr/>
+        </p:nvPicPr>
+        <p:blipFill>
+          <a:blip r:embed="rId2">
+            <a:extLst>
+              <a:ext uri="{28A0092B-C50C-407E-A947-70E740481C1C}">
+                <a14:useLocalDpi xmlns:a14="http://schemas.microsoft.com/office/drawing/2010/main" val="0"/>
+              </a:ext>
+            </a:extLst>
+          </a:blip>
+          <a:srcRect/>
+          <a:stretch>
+            <a:fillRect/>
+          </a:stretch>
+        </p:blipFill>
+        <p:spPr bwMode="auto">
+          <a:xfrm>
+            <a:off x="-914400" y="0"/>
+            <a:ext cx="13106400" cy="6858000"/>
+          </a:xfrm>
+          <a:prstGeom prst="rect">
+            <a:avLst/>
+          </a:prstGeom>
+          <a:noFill/>
+          <a:extLst>
+            <a:ext uri="{909E8E84-426E-40DD-AFC4-6F175D3DCCD1}">
+              <a14:hiddenFill xmlns:a14="http://schemas.microsoft.com/office/drawing/2010/main">
+                <a:solidFill>
+                  <a:srgbClr val="FFFFFF"/>
+                </a:solidFill>
+              </a14:hiddenFill>
+            </a:ext>
+          </a:extLst>
+        </p:spPr>
+      </p:pic>
+      <p:sp>
+        <p:nvSpPr>
+          <p:cNvPr id="6" name="CuadroTexto 5">
+            <a:extLst>
+              <a:ext uri="{FF2B5EF4-FFF2-40B4-BE49-F238E27FC236}">
+                <a16:creationId xmlns:a16="http://schemas.microsoft.com/office/drawing/2014/main" id="{8BE63573-B47C-4BFE-B2C3-BC8ACBE94EF3}"/>
+              </a:ext>
+            </a:extLst>
+          </p:cNvPr>
+          <p:cNvSpPr txBox="1"/>
+          <p:nvPr/>
+        </p:nvSpPr>
+        <p:spPr>
+          <a:xfrm>
+            <a:off x="8048625" y="228600"/>
+            <a:ext cx="3619500" cy="1107996"/>
+          </a:xfrm>
+          <a:prstGeom prst="rect">
+            <a:avLst/>
+          </a:prstGeom>
+          <a:noFill/>
+        </p:spPr>
+        <p:txBody>
+          <a:bodyPr wrap="square" rtlCol="0">
+            <a:spAutoFit/>
           </a:bodyPr>
           <a:lstStyle/>
           <a:p>
-            <a:r>
-              <a:rPr lang="es-MX" dirty="0"/>
-              <a:t>Andrés Camilo</a:t>
+            <a:pPr algn="ctr"/>
+            <a:r>
+              <a:rPr lang="es-ES" sz="6600" b="1" dirty="0">
+                <a:solidFill>
+                  <a:schemeClr val="bg1"/>
+                </a:solidFill>
+              </a:rPr>
+              <a:t>¿Qué es?</a:t>
+            </a:r>
+            <a:endParaRPr lang="es-CO" sz="6600" b="1" dirty="0">
+              <a:solidFill>
+                <a:schemeClr val="bg1"/>
+              </a:solidFill>
+            </a:endParaRPr>
+          </a:p>
+        </p:txBody>
+      </p:sp>
+      <p:sp>
+        <p:nvSpPr>
+          <p:cNvPr id="7" name="CuadroTexto 6">
+            <a:extLst>
+              <a:ext uri="{FF2B5EF4-FFF2-40B4-BE49-F238E27FC236}">
+                <a16:creationId xmlns:a16="http://schemas.microsoft.com/office/drawing/2014/main" id="{E30DB31E-E67B-4530-93F1-837AF8F9EAA3}"/>
+              </a:ext>
+            </a:extLst>
+          </p:cNvPr>
+          <p:cNvSpPr txBox="1"/>
+          <p:nvPr/>
+        </p:nvSpPr>
+        <p:spPr>
+          <a:xfrm>
+            <a:off x="5000625" y="1392109"/>
+            <a:ext cx="6572250" cy="830997"/>
+          </a:xfrm>
+          <a:prstGeom prst="rect">
+            <a:avLst/>
+          </a:prstGeom>
+          <a:noFill/>
+        </p:spPr>
+        <p:txBody>
+          <a:bodyPr wrap="square" rtlCol="0">
+            <a:spAutoFit/>
+          </a:bodyPr>
+          <a:lstStyle/>
+          <a:p>
+            <a:pPr algn="just"/>
+            <a:r>
+              <a:rPr lang="es-ES" sz="2400" dirty="0">
+                <a:solidFill>
+                  <a:schemeClr val="bg1"/>
+                </a:solidFill>
+              </a:rPr>
+              <a:t>Se refiere a la representación electrónica de una persona, entidad o cosa en el entorno digital.</a:t>
+            </a:r>
+            <a:endParaRPr lang="es-CO" sz="2400" dirty="0">
+              <a:solidFill>
+                <a:schemeClr val="bg1"/>
+              </a:solidFill>
+            </a:endParaRPr>
+          </a:p>
+        </p:txBody>
+      </p:sp>
+      <p:sp>
+        <p:nvSpPr>
+          <p:cNvPr id="8" name="CuadroTexto 7">
+            <a:extLst>
+              <a:ext uri="{FF2B5EF4-FFF2-40B4-BE49-F238E27FC236}">
+                <a16:creationId xmlns:a16="http://schemas.microsoft.com/office/drawing/2014/main" id="{9841AE1C-89D4-41BA-A9EB-340FFA46AA3B}"/>
+              </a:ext>
+            </a:extLst>
+          </p:cNvPr>
+          <p:cNvSpPr txBox="1"/>
+          <p:nvPr/>
+        </p:nvSpPr>
+        <p:spPr>
+          <a:xfrm>
+            <a:off x="8905875" y="4088800"/>
+            <a:ext cx="2933700" cy="369332"/>
+          </a:xfrm>
+          <a:prstGeom prst="rect">
+            <a:avLst/>
+          </a:prstGeom>
+        </p:spPr>
+        <p:style>
+          <a:lnRef idx="0">
+            <a:schemeClr val="accent4"/>
+          </a:lnRef>
+          <a:fillRef idx="3">
+            <a:schemeClr val="accent4"/>
+          </a:fillRef>
+          <a:effectRef idx="3">
+            <a:schemeClr val="accent4"/>
+          </a:effectRef>
+          <a:fontRef idx="minor">
+            <a:schemeClr val="lt1"/>
+          </a:fontRef>
+        </p:style>
+        <p:txBody>
+          <a:bodyPr wrap="square" rtlCol="0">
+            <a:spAutoFit/>
+          </a:bodyPr>
+          <a:lstStyle/>
+          <a:p>
+            <a:pPr algn="ctr"/>
+            <a:r>
+              <a:rPr lang="es-ES" dirty="0"/>
+              <a:t>Información personal</a:t>
             </a:r>
             <a:endParaRPr lang="es-CO" dirty="0"/>
           </a:p>
@@ -8616,33 +8768,581 @@
       </p:sp>
       <p:sp>
         <p:nvSpPr>
-          <p:cNvPr id="3" name="Subtítulo 2">
-            <a:extLst>
-              <a:ext uri="{FF2B5EF4-FFF2-40B4-BE49-F238E27FC236}">
-                <a16:creationId xmlns:a16="http://schemas.microsoft.com/office/drawing/2014/main" id="{011DA0AB-AD76-4F94-AAA6-82C7D77F1508}"/>
-              </a:ext>
-            </a:extLst>
-          </p:cNvPr>
-          <p:cNvSpPr>
-            <a:spLocks noGrp="1"/>
-          </p:cNvSpPr>
-          <p:nvPr>
-            <p:ph type="subTitle" idx="1"/>
-          </p:nvPr>
-        </p:nvSpPr>
-        <p:spPr/>
-        <p:txBody>
-          <a:bodyPr/>
+          <p:cNvPr id="10" name="CuadroTexto 9">
+            <a:extLst>
+              <a:ext uri="{FF2B5EF4-FFF2-40B4-BE49-F238E27FC236}">
+                <a16:creationId xmlns:a16="http://schemas.microsoft.com/office/drawing/2014/main" id="{E063B991-68AE-4DA3-88D6-0571572D0E63}"/>
+              </a:ext>
+            </a:extLst>
+          </p:cNvPr>
+          <p:cNvSpPr txBox="1"/>
+          <p:nvPr/>
+        </p:nvSpPr>
+        <p:spPr>
+          <a:xfrm>
+            <a:off x="5181600" y="6156602"/>
+            <a:ext cx="2933700" cy="369332"/>
+          </a:xfrm>
+          <a:prstGeom prst="rect">
+            <a:avLst/>
+          </a:prstGeom>
+        </p:spPr>
+        <p:style>
+          <a:lnRef idx="0">
+            <a:schemeClr val="accent4"/>
+          </a:lnRef>
+          <a:fillRef idx="3">
+            <a:schemeClr val="accent4"/>
+          </a:fillRef>
+          <a:effectRef idx="3">
+            <a:schemeClr val="accent4"/>
+          </a:effectRef>
+          <a:fontRef idx="minor">
+            <a:schemeClr val="lt1"/>
+          </a:fontRef>
+        </p:style>
+        <p:txBody>
+          <a:bodyPr wrap="square" rtlCol="0">
+            <a:spAutoFit/>
+          </a:bodyPr>
           <a:lstStyle/>
           <a:p>
-            <a:endParaRPr lang="es-CO"/>
-          </a:p>
-        </p:txBody>
-      </p:sp>
+            <a:pPr algn="ctr"/>
+            <a:r>
+              <a:rPr lang="es-ES" dirty="0"/>
+              <a:t>Datos de autenticación</a:t>
+            </a:r>
+            <a:endParaRPr lang="es-CO" dirty="0"/>
+          </a:p>
+        </p:txBody>
+      </p:sp>
+      <p:sp>
+        <p:nvSpPr>
+          <p:cNvPr id="11" name="CuadroTexto 10">
+            <a:extLst>
+              <a:ext uri="{FF2B5EF4-FFF2-40B4-BE49-F238E27FC236}">
+                <a16:creationId xmlns:a16="http://schemas.microsoft.com/office/drawing/2014/main" id="{AA4877FF-34E0-4D34-8DC0-32667C1AD4B4}"/>
+              </a:ext>
+            </a:extLst>
+          </p:cNvPr>
+          <p:cNvSpPr txBox="1"/>
+          <p:nvPr/>
+        </p:nvSpPr>
+        <p:spPr>
+          <a:xfrm>
+            <a:off x="5200650" y="5455205"/>
+            <a:ext cx="2933700" cy="369332"/>
+          </a:xfrm>
+          <a:prstGeom prst="rect">
+            <a:avLst/>
+          </a:prstGeom>
+        </p:spPr>
+        <p:style>
+          <a:lnRef idx="0">
+            <a:schemeClr val="accent4"/>
+          </a:lnRef>
+          <a:fillRef idx="3">
+            <a:schemeClr val="accent4"/>
+          </a:fillRef>
+          <a:effectRef idx="3">
+            <a:schemeClr val="accent4"/>
+          </a:effectRef>
+          <a:fontRef idx="minor">
+            <a:schemeClr val="lt1"/>
+          </a:fontRef>
+        </p:style>
+        <p:txBody>
+          <a:bodyPr wrap="square" rtlCol="0">
+            <a:spAutoFit/>
+          </a:bodyPr>
+          <a:lstStyle/>
+          <a:p>
+            <a:pPr algn="ctr"/>
+            <a:r>
+              <a:rPr lang="es-ES" dirty="0"/>
+              <a:t>Actividades digitales</a:t>
+            </a:r>
+            <a:endParaRPr lang="es-CO" dirty="0"/>
+          </a:p>
+        </p:txBody>
+      </p:sp>
+      <p:sp>
+        <p:nvSpPr>
+          <p:cNvPr id="12" name="CuadroTexto 11">
+            <a:extLst>
+              <a:ext uri="{FF2B5EF4-FFF2-40B4-BE49-F238E27FC236}">
+                <a16:creationId xmlns:a16="http://schemas.microsoft.com/office/drawing/2014/main" id="{FF92689A-DDDD-4C88-9C80-99D4D36FB8E7}"/>
+              </a:ext>
+            </a:extLst>
+          </p:cNvPr>
+          <p:cNvSpPr txBox="1"/>
+          <p:nvPr/>
+        </p:nvSpPr>
+        <p:spPr>
+          <a:xfrm>
+            <a:off x="5191125" y="4791075"/>
+            <a:ext cx="2933700" cy="369332"/>
+          </a:xfrm>
+          <a:prstGeom prst="rect">
+            <a:avLst/>
+          </a:prstGeom>
+        </p:spPr>
+        <p:style>
+          <a:lnRef idx="0">
+            <a:schemeClr val="accent4"/>
+          </a:lnRef>
+          <a:fillRef idx="3">
+            <a:schemeClr val="accent4"/>
+          </a:fillRef>
+          <a:effectRef idx="3">
+            <a:schemeClr val="accent4"/>
+          </a:effectRef>
+          <a:fontRef idx="minor">
+            <a:schemeClr val="lt1"/>
+          </a:fontRef>
+        </p:style>
+        <p:txBody>
+          <a:bodyPr wrap="square" rtlCol="0">
+            <a:spAutoFit/>
+          </a:bodyPr>
+          <a:lstStyle/>
+          <a:p>
+            <a:pPr algn="ctr"/>
+            <a:r>
+              <a:rPr lang="es-ES" dirty="0"/>
+              <a:t>Registros</a:t>
+            </a:r>
+            <a:endParaRPr lang="es-CO" dirty="0"/>
+          </a:p>
+        </p:txBody>
+      </p:sp>
+      <p:sp>
+        <p:nvSpPr>
+          <p:cNvPr id="15" name="CuadroTexto 14">
+            <a:extLst>
+              <a:ext uri="{FF2B5EF4-FFF2-40B4-BE49-F238E27FC236}">
+                <a16:creationId xmlns:a16="http://schemas.microsoft.com/office/drawing/2014/main" id="{5F573346-E5D5-4040-9024-07FB1538CBB1}"/>
+              </a:ext>
+            </a:extLst>
+          </p:cNvPr>
+          <p:cNvSpPr txBox="1"/>
+          <p:nvPr/>
+        </p:nvSpPr>
+        <p:spPr>
+          <a:xfrm>
+            <a:off x="8905875" y="4772441"/>
+            <a:ext cx="2933700" cy="369332"/>
+          </a:xfrm>
+          <a:prstGeom prst="rect">
+            <a:avLst/>
+          </a:prstGeom>
+        </p:spPr>
+        <p:style>
+          <a:lnRef idx="0">
+            <a:schemeClr val="accent4"/>
+          </a:lnRef>
+          <a:fillRef idx="3">
+            <a:schemeClr val="accent4"/>
+          </a:fillRef>
+          <a:effectRef idx="3">
+            <a:schemeClr val="accent4"/>
+          </a:effectRef>
+          <a:fontRef idx="minor">
+            <a:schemeClr val="lt1"/>
+          </a:fontRef>
+        </p:style>
+        <p:txBody>
+          <a:bodyPr wrap="square" rtlCol="0">
+            <a:spAutoFit/>
+          </a:bodyPr>
+          <a:lstStyle/>
+          <a:p>
+            <a:pPr algn="ctr"/>
+            <a:r>
+              <a:rPr lang="es-ES" dirty="0"/>
+              <a:t>Biometría</a:t>
+            </a:r>
+            <a:endParaRPr lang="es-CO" dirty="0"/>
+          </a:p>
+        </p:txBody>
+      </p:sp>
+      <p:sp>
+        <p:nvSpPr>
+          <p:cNvPr id="16" name="CuadroTexto 15">
+            <a:extLst>
+              <a:ext uri="{FF2B5EF4-FFF2-40B4-BE49-F238E27FC236}">
+                <a16:creationId xmlns:a16="http://schemas.microsoft.com/office/drawing/2014/main" id="{02CF0935-4663-465D-8C35-8CDCF9EC9A05}"/>
+              </a:ext>
+            </a:extLst>
+          </p:cNvPr>
+          <p:cNvSpPr txBox="1"/>
+          <p:nvPr/>
+        </p:nvSpPr>
+        <p:spPr>
+          <a:xfrm>
+            <a:off x="8905875" y="5426095"/>
+            <a:ext cx="2933700" cy="369332"/>
+          </a:xfrm>
+          <a:prstGeom prst="rect">
+            <a:avLst/>
+          </a:prstGeom>
+        </p:spPr>
+        <p:style>
+          <a:lnRef idx="0">
+            <a:schemeClr val="accent4"/>
+          </a:lnRef>
+          <a:fillRef idx="3">
+            <a:schemeClr val="accent4"/>
+          </a:fillRef>
+          <a:effectRef idx="3">
+            <a:schemeClr val="accent4"/>
+          </a:effectRef>
+          <a:fontRef idx="minor">
+            <a:schemeClr val="lt1"/>
+          </a:fontRef>
+        </p:style>
+        <p:txBody>
+          <a:bodyPr wrap="square" rtlCol="0">
+            <a:spAutoFit/>
+          </a:bodyPr>
+          <a:lstStyle/>
+          <a:p>
+            <a:pPr algn="ctr"/>
+            <a:r>
+              <a:rPr lang="es-ES" dirty="0"/>
+              <a:t>Certificación digitales</a:t>
+            </a:r>
+            <a:endParaRPr lang="es-CO" dirty="0"/>
+          </a:p>
+        </p:txBody>
+      </p:sp>
+      <p:sp>
+        <p:nvSpPr>
+          <p:cNvPr id="17" name="CuadroTexto 16">
+            <a:extLst>
+              <a:ext uri="{FF2B5EF4-FFF2-40B4-BE49-F238E27FC236}">
+                <a16:creationId xmlns:a16="http://schemas.microsoft.com/office/drawing/2014/main" id="{CDC1FF37-20C3-42EC-8E75-E9D3711696A3}"/>
+              </a:ext>
+            </a:extLst>
+          </p:cNvPr>
+          <p:cNvSpPr txBox="1"/>
+          <p:nvPr/>
+        </p:nvSpPr>
+        <p:spPr>
+          <a:xfrm>
+            <a:off x="8905875" y="6156602"/>
+            <a:ext cx="2933700" cy="369332"/>
+          </a:xfrm>
+          <a:prstGeom prst="rect">
+            <a:avLst/>
+          </a:prstGeom>
+        </p:spPr>
+        <p:style>
+          <a:lnRef idx="0">
+            <a:schemeClr val="accent4"/>
+          </a:lnRef>
+          <a:fillRef idx="3">
+            <a:schemeClr val="accent4"/>
+          </a:fillRef>
+          <a:effectRef idx="3">
+            <a:schemeClr val="accent4"/>
+          </a:effectRef>
+          <a:fontRef idx="minor">
+            <a:schemeClr val="lt1"/>
+          </a:fontRef>
+        </p:style>
+        <p:txBody>
+          <a:bodyPr wrap="square" rtlCol="0">
+            <a:spAutoFit/>
+          </a:bodyPr>
+          <a:lstStyle/>
+          <a:p>
+            <a:pPr algn="ctr"/>
+            <a:r>
+              <a:rPr lang="es-ES" dirty="0"/>
+              <a:t>Redes sociales</a:t>
+            </a:r>
+            <a:endParaRPr lang="es-CO" dirty="0"/>
+          </a:p>
+        </p:txBody>
+      </p:sp>
+      <p:pic>
+        <p:nvPicPr>
+          <p:cNvPr id="18" name="Gráfico 17" descr="Identificación de empleado con relleno sólido">
+            <a:extLst>
+              <a:ext uri="{FF2B5EF4-FFF2-40B4-BE49-F238E27FC236}">
+                <a16:creationId xmlns:a16="http://schemas.microsoft.com/office/drawing/2014/main" id="{32378042-80C8-45C0-87DB-DC4E1141C49A}"/>
+              </a:ext>
+            </a:extLst>
+          </p:cNvPr>
+          <p:cNvPicPr>
+            <a:picLocks noChangeAspect="1"/>
+          </p:cNvPicPr>
+          <p:nvPr/>
+        </p:nvPicPr>
+        <p:blipFill>
+          <a:blip r:embed="rId3">
+            <a:extLst>
+              <a:ext uri="{28A0092B-C50C-407E-A947-70E740481C1C}">
+                <a14:useLocalDpi xmlns:a14="http://schemas.microsoft.com/office/drawing/2010/main" val="0"/>
+              </a:ext>
+              <a:ext uri="{96DAC541-7B7A-43D3-8B79-37D633B846F1}">
+                <asvg:svgBlip xmlns:asvg="http://schemas.microsoft.com/office/drawing/2016/SVG/main" r:embed="rId4"/>
+              </a:ext>
+            </a:extLst>
+          </a:blip>
+          <a:stretch>
+            <a:fillRect/>
+          </a:stretch>
+        </p:blipFill>
+        <p:spPr>
+          <a:xfrm>
+            <a:off x="4419600" y="4634895"/>
+            <a:ext cx="619125" cy="619125"/>
+          </a:xfrm>
+          <a:prstGeom prst="rect">
+            <a:avLst/>
+          </a:prstGeom>
+        </p:spPr>
+      </p:pic>
+      <p:pic>
+        <p:nvPicPr>
+          <p:cNvPr id="20" name="Gráfico 19" descr="Identificación de empleado con relleno sólido">
+            <a:extLst>
+              <a:ext uri="{FF2B5EF4-FFF2-40B4-BE49-F238E27FC236}">
+                <a16:creationId xmlns:a16="http://schemas.microsoft.com/office/drawing/2014/main" id="{4BCA02C2-D32A-40EE-B48D-8F31F2DCA076}"/>
+              </a:ext>
+            </a:extLst>
+          </p:cNvPr>
+          <p:cNvPicPr>
+            <a:picLocks noChangeAspect="1"/>
+          </p:cNvPicPr>
+          <p:nvPr/>
+        </p:nvPicPr>
+        <p:blipFill>
+          <a:blip r:embed="rId3">
+            <a:extLst>
+              <a:ext uri="{28A0092B-C50C-407E-A947-70E740481C1C}">
+                <a14:useLocalDpi xmlns:a14="http://schemas.microsoft.com/office/drawing/2010/main" val="0"/>
+              </a:ext>
+              <a:ext uri="{96DAC541-7B7A-43D3-8B79-37D633B846F1}">
+                <asvg:svgBlip xmlns:asvg="http://schemas.microsoft.com/office/drawing/2016/SVG/main" r:embed="rId4"/>
+              </a:ext>
+            </a:extLst>
+          </a:blip>
+          <a:stretch>
+            <a:fillRect/>
+          </a:stretch>
+        </p:blipFill>
+        <p:spPr>
+          <a:xfrm>
+            <a:off x="8220074" y="3968196"/>
+            <a:ext cx="619125" cy="619125"/>
+          </a:xfrm>
+          <a:prstGeom prst="rect">
+            <a:avLst/>
+          </a:prstGeom>
+        </p:spPr>
+      </p:pic>
+      <p:pic>
+        <p:nvPicPr>
+          <p:cNvPr id="21" name="Gráfico 20" descr="Identificación de empleado con relleno sólido">
+            <a:extLst>
+              <a:ext uri="{FF2B5EF4-FFF2-40B4-BE49-F238E27FC236}">
+                <a16:creationId xmlns:a16="http://schemas.microsoft.com/office/drawing/2014/main" id="{74CB75BD-E1A1-42EF-9163-E1949F76E31B}"/>
+              </a:ext>
+            </a:extLst>
+          </p:cNvPr>
+          <p:cNvPicPr>
+            <a:picLocks noChangeAspect="1"/>
+          </p:cNvPicPr>
+          <p:nvPr/>
+        </p:nvPicPr>
+        <p:blipFill>
+          <a:blip r:embed="rId3">
+            <a:extLst>
+              <a:ext uri="{28A0092B-C50C-407E-A947-70E740481C1C}">
+                <a14:useLocalDpi xmlns:a14="http://schemas.microsoft.com/office/drawing/2010/main" val="0"/>
+              </a:ext>
+              <a:ext uri="{96DAC541-7B7A-43D3-8B79-37D633B846F1}">
+                <asvg:svgBlip xmlns:asvg="http://schemas.microsoft.com/office/drawing/2016/SVG/main" r:embed="rId4"/>
+              </a:ext>
+            </a:extLst>
+          </a:blip>
+          <a:stretch>
+            <a:fillRect/>
+          </a:stretch>
+        </p:blipFill>
+        <p:spPr>
+          <a:xfrm>
+            <a:off x="8205787" y="4647544"/>
+            <a:ext cx="619125" cy="619125"/>
+          </a:xfrm>
+          <a:prstGeom prst="rect">
+            <a:avLst/>
+          </a:prstGeom>
+        </p:spPr>
+      </p:pic>
+      <p:pic>
+        <p:nvPicPr>
+          <p:cNvPr id="22" name="Gráfico 21" descr="Identificación de empleado con relleno sólido">
+            <a:extLst>
+              <a:ext uri="{FF2B5EF4-FFF2-40B4-BE49-F238E27FC236}">
+                <a16:creationId xmlns:a16="http://schemas.microsoft.com/office/drawing/2014/main" id="{2DA41EF5-3C40-484C-B40B-494A94DEF9CC}"/>
+              </a:ext>
+            </a:extLst>
+          </p:cNvPr>
+          <p:cNvPicPr>
+            <a:picLocks noChangeAspect="1"/>
+          </p:cNvPicPr>
+          <p:nvPr/>
+        </p:nvPicPr>
+        <p:blipFill>
+          <a:blip r:embed="rId3">
+            <a:extLst>
+              <a:ext uri="{28A0092B-C50C-407E-A947-70E740481C1C}">
+                <a14:useLocalDpi xmlns:a14="http://schemas.microsoft.com/office/drawing/2010/main" val="0"/>
+              </a:ext>
+              <a:ext uri="{96DAC541-7B7A-43D3-8B79-37D633B846F1}">
+                <asvg:svgBlip xmlns:asvg="http://schemas.microsoft.com/office/drawing/2016/SVG/main" r:embed="rId4"/>
+              </a:ext>
+            </a:extLst>
+          </a:blip>
+          <a:stretch>
+            <a:fillRect/>
+          </a:stretch>
+        </p:blipFill>
+        <p:spPr>
+          <a:xfrm>
+            <a:off x="4438649" y="5300989"/>
+            <a:ext cx="619125" cy="619125"/>
+          </a:xfrm>
+          <a:prstGeom prst="rect">
+            <a:avLst/>
+          </a:prstGeom>
+        </p:spPr>
+      </p:pic>
+      <p:pic>
+        <p:nvPicPr>
+          <p:cNvPr id="23" name="Gráfico 22" descr="Identificación de empleado con relleno sólido">
+            <a:extLst>
+              <a:ext uri="{FF2B5EF4-FFF2-40B4-BE49-F238E27FC236}">
+                <a16:creationId xmlns:a16="http://schemas.microsoft.com/office/drawing/2014/main" id="{6B524AAF-855A-4D32-B62F-73D8E8EA024B}"/>
+              </a:ext>
+            </a:extLst>
+          </p:cNvPr>
+          <p:cNvPicPr>
+            <a:picLocks noChangeAspect="1"/>
+          </p:cNvPicPr>
+          <p:nvPr/>
+        </p:nvPicPr>
+        <p:blipFill>
+          <a:blip r:embed="rId3">
+            <a:extLst>
+              <a:ext uri="{28A0092B-C50C-407E-A947-70E740481C1C}">
+                <a14:useLocalDpi xmlns:a14="http://schemas.microsoft.com/office/drawing/2010/main" val="0"/>
+              </a:ext>
+              <a:ext uri="{96DAC541-7B7A-43D3-8B79-37D633B846F1}">
+                <asvg:svgBlip xmlns:asvg="http://schemas.microsoft.com/office/drawing/2016/SVG/main" r:embed="rId4"/>
+              </a:ext>
+            </a:extLst>
+          </a:blip>
+          <a:stretch>
+            <a:fillRect/>
+          </a:stretch>
+        </p:blipFill>
+        <p:spPr>
+          <a:xfrm>
+            <a:off x="4452937" y="5966147"/>
+            <a:ext cx="619125" cy="619125"/>
+          </a:xfrm>
+          <a:prstGeom prst="rect">
+            <a:avLst/>
+          </a:prstGeom>
+        </p:spPr>
+      </p:pic>
+      <p:pic>
+        <p:nvPicPr>
+          <p:cNvPr id="24" name="Gráfico 23" descr="Identificación de empleado con relleno sólido">
+            <a:extLst>
+              <a:ext uri="{FF2B5EF4-FFF2-40B4-BE49-F238E27FC236}">
+                <a16:creationId xmlns:a16="http://schemas.microsoft.com/office/drawing/2014/main" id="{9FC5B365-A4B1-4D0C-883E-DFBD826DAFBF}"/>
+              </a:ext>
+            </a:extLst>
+          </p:cNvPr>
+          <p:cNvPicPr>
+            <a:picLocks noChangeAspect="1"/>
+          </p:cNvPicPr>
+          <p:nvPr/>
+        </p:nvPicPr>
+        <p:blipFill>
+          <a:blip r:embed="rId3">
+            <a:extLst>
+              <a:ext uri="{28A0092B-C50C-407E-A947-70E740481C1C}">
+                <a14:useLocalDpi xmlns:a14="http://schemas.microsoft.com/office/drawing/2010/main" val="0"/>
+              </a:ext>
+              <a:ext uri="{96DAC541-7B7A-43D3-8B79-37D633B846F1}">
+                <asvg:svgBlip xmlns:asvg="http://schemas.microsoft.com/office/drawing/2016/SVG/main" r:embed="rId4"/>
+              </a:ext>
+            </a:extLst>
+          </a:blip>
+          <a:stretch>
+            <a:fillRect/>
+          </a:stretch>
+        </p:blipFill>
+        <p:spPr>
+          <a:xfrm>
+            <a:off x="8224837" y="5300989"/>
+            <a:ext cx="619125" cy="619125"/>
+          </a:xfrm>
+          <a:prstGeom prst="rect">
+            <a:avLst/>
+          </a:prstGeom>
+        </p:spPr>
+      </p:pic>
+      <p:pic>
+        <p:nvPicPr>
+          <p:cNvPr id="25" name="Gráfico 24" descr="Identificación de empleado con relleno sólido">
+            <a:extLst>
+              <a:ext uri="{FF2B5EF4-FFF2-40B4-BE49-F238E27FC236}">
+                <a16:creationId xmlns:a16="http://schemas.microsoft.com/office/drawing/2014/main" id="{00693B41-102F-4762-8A98-3EBEAD09C152}"/>
+              </a:ext>
+            </a:extLst>
+          </p:cNvPr>
+          <p:cNvPicPr>
+            <a:picLocks noChangeAspect="1"/>
+          </p:cNvPicPr>
+          <p:nvPr/>
+        </p:nvPicPr>
+        <p:blipFill>
+          <a:blip r:embed="rId3">
+            <a:extLst>
+              <a:ext uri="{28A0092B-C50C-407E-A947-70E740481C1C}">
+                <a14:useLocalDpi xmlns:a14="http://schemas.microsoft.com/office/drawing/2010/main" val="0"/>
+              </a:ext>
+              <a:ext uri="{96DAC541-7B7A-43D3-8B79-37D633B846F1}">
+                <asvg:svgBlip xmlns:asvg="http://schemas.microsoft.com/office/drawing/2016/SVG/main" r:embed="rId4"/>
+              </a:ext>
+            </a:extLst>
+          </a:blip>
+          <a:stretch>
+            <a:fillRect/>
+          </a:stretch>
+        </p:blipFill>
+        <p:spPr>
+          <a:xfrm>
+            <a:off x="8229600" y="5987719"/>
+            <a:ext cx="619125" cy="619125"/>
+          </a:xfrm>
+          <a:prstGeom prst="rect">
+            <a:avLst/>
+          </a:prstGeom>
+        </p:spPr>
+      </p:pic>
     </p:spTree>
     <p:extLst>
       <p:ext uri="{BB962C8B-B14F-4D97-AF65-F5344CB8AC3E}">
-        <p14:creationId xmlns:p14="http://schemas.microsoft.com/office/powerpoint/2010/main" val="945219257"/>
+        <p14:creationId xmlns:p14="http://schemas.microsoft.com/office/powerpoint/2010/main" val="3164696909"/>
       </p:ext>
     </p:extLst>
   </p:cSld>
@@ -8661,6 +9361,200 @@
 </file>
 
 <file path=ppt/slides/slide20.xml><?xml version="1.0" encoding="utf-8"?>
+<p:sld xmlns:a="http://schemas.openxmlformats.org/drawingml/2006/main" xmlns:r="http://schemas.openxmlformats.org/officeDocument/2006/relationships" xmlns:p="http://schemas.openxmlformats.org/presentationml/2006/main">
+  <p:cSld>
+    <p:spTree>
+      <p:nvGrpSpPr>
+        <p:cNvPr id="1" name=""/>
+        <p:cNvGrpSpPr/>
+        <p:nvPr/>
+      </p:nvGrpSpPr>
+      <p:grpSpPr>
+        <a:xfrm>
+          <a:off x="0" y="0"/>
+          <a:ext cx="0" cy="0"/>
+          <a:chOff x="0" y="0"/>
+          <a:chExt cx="0" cy="0"/>
+        </a:xfrm>
+      </p:grpSpPr>
+      <p:sp>
+        <p:nvSpPr>
+          <p:cNvPr id="2" name="Título 1">
+            <a:extLst>
+              <a:ext uri="{FF2B5EF4-FFF2-40B4-BE49-F238E27FC236}">
+                <a16:creationId xmlns:a16="http://schemas.microsoft.com/office/drawing/2014/main" id="{D18B5F6A-F3C0-4585-BB00-74D7826DA468}"/>
+              </a:ext>
+            </a:extLst>
+          </p:cNvPr>
+          <p:cNvSpPr>
+            <a:spLocks noGrp="1"/>
+          </p:cNvSpPr>
+          <p:nvPr>
+            <p:ph type="title"/>
+          </p:nvPr>
+        </p:nvSpPr>
+        <p:spPr/>
+        <p:txBody>
+          <a:bodyPr>
+            <a:normAutofit/>
+          </a:bodyPr>
+          <a:lstStyle/>
+          <a:p>
+            <a:r>
+              <a:rPr lang="es-MX" dirty="0"/>
+              <a:t>5.	Identidad Digital Federada</a:t>
+            </a:r>
+            <a:endParaRPr lang="es-CO" dirty="0"/>
+          </a:p>
+        </p:txBody>
+      </p:sp>
+      <p:sp>
+        <p:nvSpPr>
+          <p:cNvPr id="3" name="Marcador de contenido 2">
+            <a:extLst>
+              <a:ext uri="{FF2B5EF4-FFF2-40B4-BE49-F238E27FC236}">
+                <a16:creationId xmlns:a16="http://schemas.microsoft.com/office/drawing/2014/main" id="{70B49BBE-0DFB-4914-A250-5D7564E2EBE0}"/>
+              </a:ext>
+            </a:extLst>
+          </p:cNvPr>
+          <p:cNvSpPr>
+            <a:spLocks noGrp="1"/>
+          </p:cNvSpPr>
+          <p:nvPr>
+            <p:ph idx="1"/>
+          </p:nvPr>
+        </p:nvSpPr>
+        <p:spPr/>
+        <p:txBody>
+          <a:bodyPr/>
+          <a:lstStyle/>
+          <a:p>
+            <a:endParaRPr lang="es-CO"/>
+          </a:p>
+        </p:txBody>
+      </p:sp>
+    </p:spTree>
+    <p:extLst>
+      <p:ext uri="{BB962C8B-B14F-4D97-AF65-F5344CB8AC3E}">
+        <p14:creationId xmlns:p14="http://schemas.microsoft.com/office/powerpoint/2010/main" val="2636334350"/>
+      </p:ext>
+    </p:extLst>
+  </p:cSld>
+  <p:clrMapOvr>
+    <a:masterClrMapping/>
+  </p:clrMapOvr>
+  <mc:AlternateContent xmlns:mc="http://schemas.openxmlformats.org/markup-compatibility/2006" xmlns:p14="http://schemas.microsoft.com/office/powerpoint/2010/main">
+    <mc:Choice Requires="p14">
+      <p:transition p14:dur="10" advClick="0" advTm="5400000"/>
+    </mc:Choice>
+    <mc:Fallback xmlns="">
+      <p:transition advClick="0" advTm="5400000"/>
+    </mc:Fallback>
+  </mc:AlternateContent>
+</p:sld>
+</file>
+
+<file path=ppt/slides/slide21.xml><?xml version="1.0" encoding="utf-8"?>
+<p:sld xmlns:a="http://schemas.openxmlformats.org/drawingml/2006/main" xmlns:r="http://schemas.openxmlformats.org/officeDocument/2006/relationships" xmlns:p="http://schemas.openxmlformats.org/presentationml/2006/main">
+  <p:cSld>
+    <p:spTree>
+      <p:nvGrpSpPr>
+        <p:cNvPr id="1" name=""/>
+        <p:cNvGrpSpPr/>
+        <p:nvPr/>
+      </p:nvGrpSpPr>
+      <p:grpSpPr>
+        <a:xfrm>
+          <a:off x="0" y="0"/>
+          <a:ext cx="0" cy="0"/>
+          <a:chOff x="0" y="0"/>
+          <a:chExt cx="0" cy="0"/>
+        </a:xfrm>
+      </p:grpSpPr>
+      <p:sp>
+        <p:nvSpPr>
+          <p:cNvPr id="2" name="Título 1">
+            <a:extLst>
+              <a:ext uri="{FF2B5EF4-FFF2-40B4-BE49-F238E27FC236}">
+                <a16:creationId xmlns:a16="http://schemas.microsoft.com/office/drawing/2014/main" id="{D3F22A96-46D9-4EB8-88F3-7E4ED79F3A34}"/>
+              </a:ext>
+            </a:extLst>
+          </p:cNvPr>
+          <p:cNvSpPr>
+            <a:spLocks noGrp="1"/>
+          </p:cNvSpPr>
+          <p:nvPr>
+            <p:ph type="title"/>
+          </p:nvPr>
+        </p:nvSpPr>
+        <p:spPr/>
+        <p:txBody>
+          <a:bodyPr/>
+          <a:lstStyle/>
+          <a:p>
+            <a:r>
+              <a:rPr lang="es-MX" dirty="0"/>
+              <a:t>6.	Identidad Digital para el Internet de las Cosas (</a:t>
+            </a:r>
+            <a:r>
+              <a:rPr lang="es-MX" dirty="0" err="1"/>
+              <a:t>IoT</a:t>
+            </a:r>
+            <a:r>
+              <a:rPr lang="es-MX" dirty="0"/>
+              <a:t>)</a:t>
+            </a:r>
+            <a:endParaRPr lang="es-CO" dirty="0"/>
+          </a:p>
+        </p:txBody>
+      </p:sp>
+      <p:sp>
+        <p:nvSpPr>
+          <p:cNvPr id="3" name="Marcador de contenido 2">
+            <a:extLst>
+              <a:ext uri="{FF2B5EF4-FFF2-40B4-BE49-F238E27FC236}">
+                <a16:creationId xmlns:a16="http://schemas.microsoft.com/office/drawing/2014/main" id="{6D54B4EB-7A49-43F4-B865-65E058C81D6C}"/>
+              </a:ext>
+            </a:extLst>
+          </p:cNvPr>
+          <p:cNvSpPr>
+            <a:spLocks noGrp="1"/>
+          </p:cNvSpPr>
+          <p:nvPr>
+            <p:ph idx="1"/>
+          </p:nvPr>
+        </p:nvSpPr>
+        <p:spPr/>
+        <p:txBody>
+          <a:bodyPr/>
+          <a:lstStyle/>
+          <a:p>
+            <a:endParaRPr lang="es-CO"/>
+          </a:p>
+        </p:txBody>
+      </p:sp>
+    </p:spTree>
+    <p:extLst>
+      <p:ext uri="{BB962C8B-B14F-4D97-AF65-F5344CB8AC3E}">
+        <p14:creationId xmlns:p14="http://schemas.microsoft.com/office/powerpoint/2010/main" val="1835682298"/>
+      </p:ext>
+    </p:extLst>
+  </p:cSld>
+  <p:clrMapOvr>
+    <a:masterClrMapping/>
+  </p:clrMapOvr>
+  <mc:AlternateContent xmlns:mc="http://schemas.openxmlformats.org/markup-compatibility/2006" xmlns:p14="http://schemas.microsoft.com/office/powerpoint/2010/main">
+    <mc:Choice Requires="p14">
+      <p:transition p14:dur="10" advClick="0" advTm="5400000"/>
+    </mc:Choice>
+    <mc:Fallback xmlns="">
+      <p:transition advClick="0" advTm="5400000"/>
+    </mc:Fallback>
+  </mc:AlternateContent>
+</p:sld>
+</file>
+
+<file path=ppt/slides/slide22.xml><?xml version="1.0" encoding="utf-8"?>
 <p:sld xmlns:a="http://schemas.openxmlformats.org/drawingml/2006/main" xmlns:r="http://schemas.openxmlformats.org/officeDocument/2006/relationships" xmlns:p="http://schemas.openxmlformats.org/presentationml/2006/main">
   <p:cSld>
     <p:spTree>
@@ -8769,67 +9663,626 @@
           <a:chExt cx="0" cy="0"/>
         </a:xfrm>
       </p:grpSpPr>
-      <p:sp>
-        <p:nvSpPr>
-          <p:cNvPr id="2" name="Título 1">
-            <a:extLst>
-              <a:ext uri="{FF2B5EF4-FFF2-40B4-BE49-F238E27FC236}">
-                <a16:creationId xmlns:a16="http://schemas.microsoft.com/office/drawing/2014/main" id="{5B16F082-CFE2-41C8-98CA-8E6376D0D047}"/>
-              </a:ext>
-            </a:extLst>
-          </p:cNvPr>
-          <p:cNvSpPr>
-            <a:spLocks noGrp="1"/>
-          </p:cNvSpPr>
-          <p:nvPr>
-            <p:ph type="title"/>
-          </p:nvPr>
-        </p:nvSpPr>
-        <p:spPr/>
-        <p:txBody>
-          <a:bodyPr/>
+      <p:pic>
+        <p:nvPicPr>
+          <p:cNvPr id="7" name="Imagen 6">
+            <a:extLst>
+              <a:ext uri="{FF2B5EF4-FFF2-40B4-BE49-F238E27FC236}">
+                <a16:creationId xmlns:a16="http://schemas.microsoft.com/office/drawing/2014/main" id="{6B6D0DF7-B6B2-47C4-B02D-A3A0D6510B34}"/>
+              </a:ext>
+            </a:extLst>
+          </p:cNvPr>
+          <p:cNvPicPr>
+            <a:picLocks noChangeAspect="1"/>
+          </p:cNvPicPr>
+          <p:nvPr/>
+        </p:nvPicPr>
+        <p:blipFill>
+          <a:blip r:embed="rId2"/>
+          <a:stretch>
+            <a:fillRect/>
+          </a:stretch>
+        </p:blipFill>
+        <p:spPr>
+          <a:xfrm>
+            <a:off x="0" y="-23813"/>
+            <a:ext cx="12192000" cy="6881813"/>
+          </a:xfrm>
+          <a:prstGeom prst="rect">
+            <a:avLst/>
+          </a:prstGeom>
+        </p:spPr>
+      </p:pic>
+      <p:sp>
+        <p:nvSpPr>
+          <p:cNvPr id="8" name="CuadroTexto 7">
+            <a:extLst>
+              <a:ext uri="{FF2B5EF4-FFF2-40B4-BE49-F238E27FC236}">
+                <a16:creationId xmlns:a16="http://schemas.microsoft.com/office/drawing/2014/main" id="{CFD24312-82C8-468E-8B3A-8E0963D5E9E2}"/>
+              </a:ext>
+            </a:extLst>
+          </p:cNvPr>
+          <p:cNvSpPr txBox="1"/>
+          <p:nvPr/>
+        </p:nvSpPr>
+        <p:spPr>
+          <a:xfrm>
+            <a:off x="123825" y="-23813"/>
+            <a:ext cx="11582400" cy="1107996"/>
+          </a:xfrm>
+          <a:prstGeom prst="rect">
+            <a:avLst/>
+          </a:prstGeom>
+          <a:noFill/>
+        </p:spPr>
+        <p:txBody>
+          <a:bodyPr wrap="square" rtlCol="0">
+            <a:spAutoFit/>
+          </a:bodyPr>
           <a:lstStyle/>
           <a:p>
-            <a:r>
-              <a:rPr lang="es-MX" dirty="0"/>
-              <a:t>1:Evolución de la identidad digital</a:t>
-            </a:r>
-            <a:br>
-              <a:rPr lang="es-MX" dirty="0"/>
-            </a:br>
+            <a:pPr algn="ctr"/>
+            <a:r>
+              <a:rPr lang="es-ES" sz="6600" b="1" dirty="0">
+                <a:solidFill>
+                  <a:schemeClr val="bg1"/>
+                </a:solidFill>
+              </a:rPr>
+              <a:t>Evolución de la identidad digital</a:t>
+            </a:r>
+            <a:endParaRPr lang="es-CO" sz="6600" b="1" dirty="0">
+              <a:solidFill>
+                <a:schemeClr val="bg1"/>
+              </a:solidFill>
+            </a:endParaRPr>
+          </a:p>
+        </p:txBody>
+      </p:sp>
+      <p:sp>
+        <p:nvSpPr>
+          <p:cNvPr id="9" name="CuadroTexto 8">
+            <a:extLst>
+              <a:ext uri="{FF2B5EF4-FFF2-40B4-BE49-F238E27FC236}">
+                <a16:creationId xmlns:a16="http://schemas.microsoft.com/office/drawing/2014/main" id="{994344CB-5E2E-4DF6-BEA9-A85F5A5D0EE4}"/>
+              </a:ext>
+            </a:extLst>
+          </p:cNvPr>
+          <p:cNvSpPr txBox="1"/>
+          <p:nvPr/>
+        </p:nvSpPr>
+        <p:spPr>
+          <a:xfrm>
+            <a:off x="809625" y="1508389"/>
+            <a:ext cx="2933700" cy="369332"/>
+          </a:xfrm>
+          <a:prstGeom prst="rect">
+            <a:avLst/>
+          </a:prstGeom>
+        </p:spPr>
+        <p:style>
+          <a:lnRef idx="2">
+            <a:schemeClr val="dk1">
+              <a:shade val="50000"/>
+            </a:schemeClr>
+          </a:lnRef>
+          <a:fillRef idx="1">
+            <a:schemeClr val="dk1"/>
+          </a:fillRef>
+          <a:effectRef idx="0">
+            <a:schemeClr val="dk1"/>
+          </a:effectRef>
+          <a:fontRef idx="minor">
+            <a:schemeClr val="lt1"/>
+          </a:fontRef>
+        </p:style>
+        <p:txBody>
+          <a:bodyPr wrap="square" rtlCol="0">
+            <a:spAutoFit/>
+          </a:bodyPr>
+          <a:lstStyle/>
+          <a:p>
+            <a:pPr algn="ctr"/>
+            <a:r>
+              <a:rPr lang="es-ES" dirty="0"/>
+              <a:t>Entorno estático</a:t>
+            </a:r>
             <a:endParaRPr lang="es-CO" dirty="0"/>
           </a:p>
         </p:txBody>
       </p:sp>
       <p:sp>
         <p:nvSpPr>
-          <p:cNvPr id="3" name="Marcador de contenido 2">
-            <a:extLst>
-              <a:ext uri="{FF2B5EF4-FFF2-40B4-BE49-F238E27FC236}">
-                <a16:creationId xmlns:a16="http://schemas.microsoft.com/office/drawing/2014/main" id="{44712DC9-686C-444F-8CD8-ACDBDE10001D}"/>
-              </a:ext>
-            </a:extLst>
-          </p:cNvPr>
-          <p:cNvSpPr>
-            <a:spLocks noGrp="1"/>
-          </p:cNvSpPr>
-          <p:nvPr>
-            <p:ph idx="1"/>
-          </p:nvPr>
-        </p:nvSpPr>
-        <p:spPr/>
-        <p:txBody>
-          <a:bodyPr/>
+          <p:cNvPr id="10" name="CuadroTexto 9">
+            <a:extLst>
+              <a:ext uri="{FF2B5EF4-FFF2-40B4-BE49-F238E27FC236}">
+                <a16:creationId xmlns:a16="http://schemas.microsoft.com/office/drawing/2014/main" id="{0BA0FCB8-CF65-4124-89E8-85308EBB2DC2}"/>
+              </a:ext>
+            </a:extLst>
+          </p:cNvPr>
+          <p:cNvSpPr txBox="1"/>
+          <p:nvPr/>
+        </p:nvSpPr>
+        <p:spPr>
+          <a:xfrm>
+            <a:off x="8181975" y="1549986"/>
+            <a:ext cx="2933700" cy="369332"/>
+          </a:xfrm>
+          <a:prstGeom prst="rect">
+            <a:avLst/>
+          </a:prstGeom>
+        </p:spPr>
+        <p:style>
+          <a:lnRef idx="2">
+            <a:schemeClr val="dk1">
+              <a:shade val="50000"/>
+            </a:schemeClr>
+          </a:lnRef>
+          <a:fillRef idx="1">
+            <a:schemeClr val="dk1"/>
+          </a:fillRef>
+          <a:effectRef idx="0">
+            <a:schemeClr val="dk1"/>
+          </a:effectRef>
+          <a:fontRef idx="minor">
+            <a:schemeClr val="lt1"/>
+          </a:fontRef>
+        </p:style>
+        <p:txBody>
+          <a:bodyPr wrap="square" rtlCol="0">
+            <a:spAutoFit/>
+          </a:bodyPr>
           <a:lstStyle/>
           <a:p>
-            <a:endParaRPr lang="es-CO"/>
+            <a:pPr algn="ctr"/>
+            <a:r>
+              <a:rPr lang="es-ES" dirty="0"/>
+              <a:t>Entorno dinámico</a:t>
+            </a:r>
+            <a:endParaRPr lang="es-CO" dirty="0"/>
+          </a:p>
+        </p:txBody>
+      </p:sp>
+      <p:sp>
+        <p:nvSpPr>
+          <p:cNvPr id="11" name="CuadroTexto 10">
+            <a:extLst>
+              <a:ext uri="{FF2B5EF4-FFF2-40B4-BE49-F238E27FC236}">
+                <a16:creationId xmlns:a16="http://schemas.microsoft.com/office/drawing/2014/main" id="{3FC1C46D-75BA-4DE5-A720-7C6212BEAF3B}"/>
+              </a:ext>
+            </a:extLst>
+          </p:cNvPr>
+          <p:cNvSpPr txBox="1"/>
+          <p:nvPr/>
+        </p:nvSpPr>
+        <p:spPr>
+          <a:xfrm>
+            <a:off x="600075" y="2274838"/>
+            <a:ext cx="3352800" cy="2308324"/>
+          </a:xfrm>
+          <a:prstGeom prst="rect">
+            <a:avLst/>
+          </a:prstGeom>
+        </p:spPr>
+        <p:style>
+          <a:lnRef idx="1">
+            <a:schemeClr val="dk1"/>
+          </a:lnRef>
+          <a:fillRef idx="2">
+            <a:schemeClr val="dk1"/>
+          </a:fillRef>
+          <a:effectRef idx="1">
+            <a:schemeClr val="dk1"/>
+          </a:effectRef>
+          <a:fontRef idx="minor">
+            <a:schemeClr val="dk1"/>
+          </a:fontRef>
+        </p:style>
+        <p:txBody>
+          <a:bodyPr wrap="square" rtlCol="0">
+            <a:spAutoFit/>
+          </a:bodyPr>
+          <a:lstStyle/>
+          <a:p>
+            <a:pPr marL="285750" indent="-285750">
+              <a:buFont typeface="Arial" panose="020B0604020202020204" pitchFamily="34" charset="0"/>
+              <a:buChar char="•"/>
+            </a:pPr>
+            <a:r>
+              <a:rPr lang="es-ES" dirty="0">
+                <a:solidFill>
+                  <a:schemeClr val="bg1"/>
+                </a:solidFill>
+              </a:rPr>
+              <a:t>Datos básicos almacenados en servidores centralizados.</a:t>
+            </a:r>
+          </a:p>
+          <a:p>
+            <a:pPr marL="285750" indent="-285750">
+              <a:buFont typeface="Arial" panose="020B0604020202020204" pitchFamily="34" charset="0"/>
+              <a:buChar char="•"/>
+            </a:pPr>
+            <a:r>
+              <a:rPr lang="es-ES" dirty="0">
+                <a:solidFill>
+                  <a:schemeClr val="bg1"/>
+                </a:solidFill>
+              </a:rPr>
+              <a:t>Uso en correos electrónicos y sector financiero.</a:t>
+            </a:r>
+          </a:p>
+          <a:p>
+            <a:pPr marL="285750" indent="-285750">
+              <a:buFont typeface="Arial" panose="020B0604020202020204" pitchFamily="34" charset="0"/>
+              <a:buChar char="•"/>
+            </a:pPr>
+            <a:r>
+              <a:rPr lang="es-CO" dirty="0">
+                <a:solidFill>
+                  <a:schemeClr val="bg1"/>
+                </a:solidFill>
+              </a:rPr>
+              <a:t>Dependiente de terceros.</a:t>
+            </a:r>
+          </a:p>
+          <a:p>
+            <a:pPr marL="285750" indent="-285750">
+              <a:buFont typeface="Arial" panose="020B0604020202020204" pitchFamily="34" charset="0"/>
+              <a:buChar char="•"/>
+            </a:pPr>
+            <a:r>
+              <a:rPr lang="es-CO" dirty="0">
+                <a:solidFill>
+                  <a:schemeClr val="bg1"/>
+                </a:solidFill>
+              </a:rPr>
+              <a:t>Enfoque aislado.</a:t>
+            </a:r>
+          </a:p>
+          <a:p>
+            <a:pPr marL="285750" indent="-285750">
+              <a:buFont typeface="Arial" panose="020B0604020202020204" pitchFamily="34" charset="0"/>
+              <a:buChar char="•"/>
+            </a:pPr>
+            <a:r>
+              <a:rPr lang="es-CO" dirty="0">
+                <a:solidFill>
+                  <a:schemeClr val="bg1"/>
+                </a:solidFill>
+              </a:rPr>
+              <a:t>Verificación manual.</a:t>
+            </a:r>
+          </a:p>
+          <a:p>
+            <a:endParaRPr lang="es-CO" dirty="0">
+              <a:solidFill>
+                <a:schemeClr val="bg1"/>
+              </a:solidFill>
+            </a:endParaRPr>
+          </a:p>
+        </p:txBody>
+      </p:sp>
+      <p:sp>
+        <p:nvSpPr>
+          <p:cNvPr id="12" name="CuadroTexto 11">
+            <a:extLst>
+              <a:ext uri="{FF2B5EF4-FFF2-40B4-BE49-F238E27FC236}">
+                <a16:creationId xmlns:a16="http://schemas.microsoft.com/office/drawing/2014/main" id="{034CE3B3-092C-4DB9-BDA9-777223169CA8}"/>
+              </a:ext>
+            </a:extLst>
+          </p:cNvPr>
+          <p:cNvSpPr txBox="1"/>
+          <p:nvPr/>
+        </p:nvSpPr>
+        <p:spPr>
+          <a:xfrm>
+            <a:off x="8048625" y="2274838"/>
+            <a:ext cx="3352800" cy="3139321"/>
+          </a:xfrm>
+          <a:prstGeom prst="rect">
+            <a:avLst/>
+          </a:prstGeom>
+        </p:spPr>
+        <p:style>
+          <a:lnRef idx="1">
+            <a:schemeClr val="dk1"/>
+          </a:lnRef>
+          <a:fillRef idx="2">
+            <a:schemeClr val="dk1"/>
+          </a:fillRef>
+          <a:effectRef idx="1">
+            <a:schemeClr val="dk1"/>
+          </a:effectRef>
+          <a:fontRef idx="minor">
+            <a:schemeClr val="dk1"/>
+          </a:fontRef>
+        </p:style>
+        <p:txBody>
+          <a:bodyPr wrap="square" rtlCol="0">
+            <a:spAutoFit/>
+          </a:bodyPr>
+          <a:lstStyle/>
+          <a:p>
+            <a:pPr marL="285750" indent="-285750">
+              <a:buFont typeface="Arial" panose="020B0604020202020204" pitchFamily="34" charset="0"/>
+              <a:buChar char="•"/>
+            </a:pPr>
+            <a:r>
+              <a:rPr lang="es-ES" dirty="0">
+                <a:solidFill>
+                  <a:schemeClr val="bg1"/>
+                </a:solidFill>
+              </a:rPr>
+              <a:t>Datos declarados de los usuarios, mas allá de la información básica.</a:t>
+            </a:r>
+          </a:p>
+          <a:p>
+            <a:pPr marL="285750" indent="-285750">
+              <a:buFont typeface="Arial" panose="020B0604020202020204" pitchFamily="34" charset="0"/>
+              <a:buChar char="•"/>
+            </a:pPr>
+            <a:r>
+              <a:rPr lang="es-ES" dirty="0">
+                <a:solidFill>
+                  <a:schemeClr val="bg1"/>
+                </a:solidFill>
+              </a:rPr>
+              <a:t>Comportamiento en la red (historial de búsquedas, compras realizadas, interacciones en redes sociales, entre otros).</a:t>
+            </a:r>
+          </a:p>
+          <a:p>
+            <a:pPr marL="285750" indent="-285750">
+              <a:buFont typeface="Arial" panose="020B0604020202020204" pitchFamily="34" charset="0"/>
+              <a:buChar char="•"/>
+            </a:pPr>
+            <a:r>
+              <a:rPr lang="es-ES" dirty="0">
+                <a:solidFill>
+                  <a:schemeClr val="bg1"/>
+                </a:solidFill>
+              </a:rPr>
+              <a:t>Garantías de seguridad y privacidad de la información.</a:t>
+            </a:r>
+            <a:endParaRPr lang="es-CO" dirty="0">
+              <a:solidFill>
+                <a:schemeClr val="bg1"/>
+              </a:solidFill>
+            </a:endParaRPr>
+          </a:p>
+          <a:p>
+            <a:endParaRPr lang="es-CO" dirty="0">
+              <a:solidFill>
+                <a:schemeClr val="bg1"/>
+              </a:solidFill>
+            </a:endParaRPr>
+          </a:p>
+        </p:txBody>
+      </p:sp>
+      <p:sp>
+        <p:nvSpPr>
+          <p:cNvPr id="13" name="Flecha: curvada hacia arriba 12">
+            <a:extLst>
+              <a:ext uri="{FF2B5EF4-FFF2-40B4-BE49-F238E27FC236}">
+                <a16:creationId xmlns:a16="http://schemas.microsoft.com/office/drawing/2014/main" id="{BA19105A-27D7-48F2-A1E8-296489138B4C}"/>
+              </a:ext>
+            </a:extLst>
+          </p:cNvPr>
+          <p:cNvSpPr/>
+          <p:nvPr/>
+        </p:nvSpPr>
+        <p:spPr>
+          <a:xfrm>
+            <a:off x="3367088" y="5414158"/>
+            <a:ext cx="4976812" cy="1443841"/>
+          </a:xfrm>
+          <a:prstGeom prst="curvedUpArrow">
+            <a:avLst>
+              <a:gd name="adj1" fmla="val 19952"/>
+              <a:gd name="adj2" fmla="val 50000"/>
+              <a:gd name="adj3" fmla="val 43890"/>
+            </a:avLst>
+          </a:prstGeom>
+        </p:spPr>
+        <p:style>
+          <a:lnRef idx="2">
+            <a:schemeClr val="accent6"/>
+          </a:lnRef>
+          <a:fillRef idx="1">
+            <a:schemeClr val="lt1"/>
+          </a:fillRef>
+          <a:effectRef idx="0">
+            <a:schemeClr val="accent6"/>
+          </a:effectRef>
+          <a:fontRef idx="minor">
+            <a:schemeClr val="dk1"/>
+          </a:fontRef>
+        </p:style>
+        <p:txBody>
+          <a:bodyPr rtlCol="0" anchor="ctr"/>
+          <a:lstStyle/>
+          <a:p>
+            <a:pPr algn="ctr"/>
+            <a:endParaRPr lang="es-CO">
+              <a:solidFill>
+                <a:schemeClr val="tx1"/>
+              </a:solidFill>
+            </a:endParaRPr>
+          </a:p>
+        </p:txBody>
+      </p:sp>
+      <p:pic>
+        <p:nvPicPr>
+          <p:cNvPr id="15" name="Gráfico 14" descr="Internet con relleno sólido">
+            <a:extLst>
+              <a:ext uri="{FF2B5EF4-FFF2-40B4-BE49-F238E27FC236}">
+                <a16:creationId xmlns:a16="http://schemas.microsoft.com/office/drawing/2014/main" id="{6EC42FC6-7A25-4A84-AA63-553A3AA7D369}"/>
+              </a:ext>
+            </a:extLst>
+          </p:cNvPr>
+          <p:cNvPicPr>
+            <a:picLocks noChangeAspect="1"/>
+          </p:cNvPicPr>
+          <p:nvPr/>
+        </p:nvPicPr>
+        <p:blipFill>
+          <a:blip r:embed="rId3">
+            <a:extLst>
+              <a:ext uri="{28A0092B-C50C-407E-A947-70E740481C1C}">
+                <a14:useLocalDpi xmlns:a14="http://schemas.microsoft.com/office/drawing/2010/main" val="0"/>
+              </a:ext>
+              <a:ext uri="{96DAC541-7B7A-43D3-8B79-37D633B846F1}">
+                <asvg:svgBlip xmlns:asvg="http://schemas.microsoft.com/office/drawing/2016/SVG/main" r:embed="rId4"/>
+              </a:ext>
+            </a:extLst>
+          </a:blip>
+          <a:stretch>
+            <a:fillRect/>
+          </a:stretch>
+        </p:blipFill>
+        <p:spPr>
+          <a:xfrm>
+            <a:off x="5439977" y="5738345"/>
+            <a:ext cx="914400" cy="914400"/>
+          </a:xfrm>
+          <a:prstGeom prst="rect">
+            <a:avLst/>
+          </a:prstGeom>
+        </p:spPr>
+      </p:pic>
+      <p:pic>
+        <p:nvPicPr>
+          <p:cNvPr id="17" name="Gráfico 16" descr="Informática en la nube con relleno sólido">
+            <a:extLst>
+              <a:ext uri="{FF2B5EF4-FFF2-40B4-BE49-F238E27FC236}">
+                <a16:creationId xmlns:a16="http://schemas.microsoft.com/office/drawing/2014/main" id="{73E4625D-101D-4020-811F-DEA3EEC8D266}"/>
+              </a:ext>
+            </a:extLst>
+          </p:cNvPr>
+          <p:cNvPicPr>
+            <a:picLocks noChangeAspect="1"/>
+          </p:cNvPicPr>
+          <p:nvPr/>
+        </p:nvPicPr>
+        <p:blipFill>
+          <a:blip r:embed="rId5">
+            <a:extLst>
+              <a:ext uri="{28A0092B-C50C-407E-A947-70E740481C1C}">
+                <a14:useLocalDpi xmlns:a14="http://schemas.microsoft.com/office/drawing/2010/main" val="0"/>
+              </a:ext>
+              <a:ext uri="{96DAC541-7B7A-43D3-8B79-37D633B846F1}">
+                <asvg:svgBlip xmlns:asvg="http://schemas.microsoft.com/office/drawing/2016/SVG/main" r:embed="rId6"/>
+              </a:ext>
+            </a:extLst>
+          </a:blip>
+          <a:stretch>
+            <a:fillRect/>
+          </a:stretch>
+        </p:blipFill>
+        <p:spPr>
+          <a:xfrm>
+            <a:off x="4528537" y="5634770"/>
+            <a:ext cx="914400" cy="914400"/>
+          </a:xfrm>
+          <a:prstGeom prst="rect">
+            <a:avLst/>
+          </a:prstGeom>
+        </p:spPr>
+      </p:pic>
+      <p:pic>
+        <p:nvPicPr>
+          <p:cNvPr id="19" name="Gráfico 18" descr="Robot con relleno sólido">
+            <a:extLst>
+              <a:ext uri="{FF2B5EF4-FFF2-40B4-BE49-F238E27FC236}">
+                <a16:creationId xmlns:a16="http://schemas.microsoft.com/office/drawing/2014/main" id="{6A88425B-4879-4DB3-8447-398344B603F8}"/>
+              </a:ext>
+            </a:extLst>
+          </p:cNvPr>
+          <p:cNvPicPr>
+            <a:picLocks noChangeAspect="1"/>
+          </p:cNvPicPr>
+          <p:nvPr/>
+        </p:nvPicPr>
+        <p:blipFill>
+          <a:blip r:embed="rId7">
+            <a:extLst>
+              <a:ext uri="{28A0092B-C50C-407E-A947-70E740481C1C}">
+                <a14:useLocalDpi xmlns:a14="http://schemas.microsoft.com/office/drawing/2010/main" val="0"/>
+              </a:ext>
+              <a:ext uri="{96DAC541-7B7A-43D3-8B79-37D633B846F1}">
+                <asvg:svgBlip xmlns:asvg="http://schemas.microsoft.com/office/drawing/2016/SVG/main" r:embed="rId8"/>
+              </a:ext>
+            </a:extLst>
+          </a:blip>
+          <a:stretch>
+            <a:fillRect/>
+          </a:stretch>
+        </p:blipFill>
+        <p:spPr>
+          <a:xfrm>
+            <a:off x="6294824" y="5663345"/>
+            <a:ext cx="914400" cy="914400"/>
+          </a:xfrm>
+          <a:prstGeom prst="rect">
+            <a:avLst/>
+          </a:prstGeom>
+        </p:spPr>
+      </p:pic>
+      <p:sp>
+        <p:nvSpPr>
+          <p:cNvPr id="20" name="CuadroTexto 19">
+            <a:extLst>
+              <a:ext uri="{FF2B5EF4-FFF2-40B4-BE49-F238E27FC236}">
+                <a16:creationId xmlns:a16="http://schemas.microsoft.com/office/drawing/2014/main" id="{62F2D9C7-8CF0-4EDF-8C92-BEEB43434842}"/>
+              </a:ext>
+            </a:extLst>
+          </p:cNvPr>
+          <p:cNvSpPr txBox="1"/>
+          <p:nvPr/>
+        </p:nvSpPr>
+        <p:spPr>
+          <a:xfrm>
+            <a:off x="8217394" y="6091970"/>
+            <a:ext cx="2933700" cy="523220"/>
+          </a:xfrm>
+          <a:prstGeom prst="rect">
+            <a:avLst/>
+          </a:prstGeom>
+          <a:solidFill>
+            <a:srgbClr val="FF0000"/>
+          </a:solidFill>
+        </p:spPr>
+        <p:style>
+          <a:lnRef idx="0">
+            <a:schemeClr val="accent4"/>
+          </a:lnRef>
+          <a:fillRef idx="3">
+            <a:schemeClr val="accent4"/>
+          </a:fillRef>
+          <a:effectRef idx="3">
+            <a:schemeClr val="accent4"/>
+          </a:effectRef>
+          <a:fontRef idx="minor">
+            <a:schemeClr val="lt1"/>
+          </a:fontRef>
+        </p:style>
+        <p:txBody>
+          <a:bodyPr wrap="square" rtlCol="0">
+            <a:spAutoFit/>
+          </a:bodyPr>
+          <a:lstStyle/>
+          <a:p>
+            <a:pPr algn="ctr"/>
+            <a:r>
+              <a:rPr lang="es-ES" sz="2800" dirty="0"/>
+              <a:t>Desafíos</a:t>
+            </a:r>
+            <a:endParaRPr lang="es-CO" sz="2800" dirty="0"/>
           </a:p>
         </p:txBody>
       </p:sp>
     </p:spTree>
     <p:extLst>
       <p:ext uri="{BB962C8B-B14F-4D97-AF65-F5344CB8AC3E}">
-        <p14:creationId xmlns:p14="http://schemas.microsoft.com/office/powerpoint/2010/main" val="1633117414"/>
+        <p14:creationId xmlns:p14="http://schemas.microsoft.com/office/powerpoint/2010/main" val="940589705"/>
       </p:ext>
     </p:extLst>
   </p:cSld>
@@ -8864,30 +10317,151 @@
           <a:chExt cx="0" cy="0"/>
         </a:xfrm>
       </p:grpSpPr>
-      <p:sp>
-        <p:nvSpPr>
-          <p:cNvPr id="2" name="Título 1">
-            <a:extLst>
-              <a:ext uri="{FF2B5EF4-FFF2-40B4-BE49-F238E27FC236}">
-                <a16:creationId xmlns:a16="http://schemas.microsoft.com/office/drawing/2014/main" id="{21CE44BB-D189-4E76-9EBB-B0E694634822}"/>
-              </a:ext>
-            </a:extLst>
-          </p:cNvPr>
-          <p:cNvSpPr>
-            <a:spLocks noGrp="1"/>
-          </p:cNvSpPr>
-          <p:nvPr>
-            <p:ph type="title"/>
-          </p:nvPr>
-        </p:nvSpPr>
-        <p:spPr/>
-        <p:txBody>
-          <a:bodyPr/>
+      <p:pic>
+        <p:nvPicPr>
+          <p:cNvPr id="3076" name="Picture 4">
+            <a:extLst>
+              <a:ext uri="{FF2B5EF4-FFF2-40B4-BE49-F238E27FC236}">
+                <a16:creationId xmlns:a16="http://schemas.microsoft.com/office/drawing/2014/main" id="{403EF3F3-64A8-4D70-BD65-26B25CB851FF}"/>
+              </a:ext>
+            </a:extLst>
+          </p:cNvPr>
+          <p:cNvPicPr>
+            <a:picLocks noChangeAspect="1" noChangeArrowheads="1"/>
+          </p:cNvPicPr>
+          <p:nvPr/>
+        </p:nvPicPr>
+        <p:blipFill>
+          <a:blip r:embed="rId2">
+            <a:extLst>
+              <a:ext uri="{28A0092B-C50C-407E-A947-70E740481C1C}">
+                <a14:useLocalDpi xmlns:a14="http://schemas.microsoft.com/office/drawing/2010/main" val="0"/>
+              </a:ext>
+            </a:extLst>
+          </a:blip>
+          <a:srcRect/>
+          <a:stretch>
+            <a:fillRect/>
+          </a:stretch>
+        </p:blipFill>
+        <p:spPr bwMode="auto">
+          <a:xfrm>
+            <a:off x="0" y="0"/>
+            <a:ext cx="12192000" cy="6858000"/>
+          </a:xfrm>
+          <a:prstGeom prst="rect">
+            <a:avLst/>
+          </a:prstGeom>
+          <a:noFill/>
+          <a:extLst>
+            <a:ext uri="{909E8E84-426E-40DD-AFC4-6F175D3DCCD1}">
+              <a14:hiddenFill xmlns:a14="http://schemas.microsoft.com/office/drawing/2010/main">
+                <a:solidFill>
+                  <a:srgbClr val="FFFFFF"/>
+                </a:solidFill>
+              </a14:hiddenFill>
+            </a:ext>
+          </a:extLst>
+        </p:spPr>
+      </p:pic>
+      <p:sp>
+        <p:nvSpPr>
+          <p:cNvPr id="8" name="CuadroTexto 7">
+            <a:extLst>
+              <a:ext uri="{FF2B5EF4-FFF2-40B4-BE49-F238E27FC236}">
+                <a16:creationId xmlns:a16="http://schemas.microsoft.com/office/drawing/2014/main" id="{D078429F-8DB6-49D5-88F0-832F055DB3A5}"/>
+              </a:ext>
+            </a:extLst>
+          </p:cNvPr>
+          <p:cNvSpPr txBox="1"/>
+          <p:nvPr/>
+        </p:nvSpPr>
+        <p:spPr>
+          <a:xfrm>
+            <a:off x="304800" y="19050"/>
+            <a:ext cx="11582400" cy="923330"/>
+          </a:xfrm>
+          <a:prstGeom prst="rect">
+            <a:avLst/>
+          </a:prstGeom>
+          <a:noFill/>
+        </p:spPr>
+        <p:txBody>
+          <a:bodyPr wrap="square" rtlCol="0">
+            <a:spAutoFit/>
+          </a:bodyPr>
           <a:lstStyle/>
           <a:p>
-            <a:r>
-              <a:rPr lang="es-MX" dirty="0"/>
-              <a:t>2. Privacidad y protección de datos</a:t>
+            <a:pPr algn="ctr"/>
+            <a:r>
+              <a:rPr lang="es-ES" sz="5400" b="1" dirty="0">
+                <a:solidFill>
+                  <a:schemeClr val="bg1"/>
+                </a:solidFill>
+              </a:rPr>
+              <a:t>Privacidad y protección de información</a:t>
+            </a:r>
+            <a:endParaRPr lang="es-CO" sz="5400" b="1" dirty="0">
+              <a:solidFill>
+                <a:schemeClr val="bg1"/>
+              </a:solidFill>
+            </a:endParaRPr>
+          </a:p>
+        </p:txBody>
+      </p:sp>
+      <p:sp>
+        <p:nvSpPr>
+          <p:cNvPr id="6" name="CuadroTexto 5">
+            <a:extLst>
+              <a:ext uri="{FF2B5EF4-FFF2-40B4-BE49-F238E27FC236}">
+                <a16:creationId xmlns:a16="http://schemas.microsoft.com/office/drawing/2014/main" id="{9AFD180D-E730-4B7B-8CE7-D5A9905D833D}"/>
+              </a:ext>
+            </a:extLst>
+          </p:cNvPr>
+          <p:cNvSpPr txBox="1"/>
+          <p:nvPr/>
+        </p:nvSpPr>
+        <p:spPr>
+          <a:xfrm>
+            <a:off x="133349" y="2028826"/>
+            <a:ext cx="3590926" cy="646331"/>
+          </a:xfrm>
+          <a:prstGeom prst="rect">
+            <a:avLst/>
+          </a:prstGeom>
+          <a:solidFill>
+            <a:schemeClr val="accent1">
+              <a:alpha val="50000"/>
+            </a:schemeClr>
+          </a:solidFill>
+          <a:ln>
+            <a:noFill/>
+          </a:ln>
+        </p:spPr>
+        <p:style>
+          <a:lnRef idx="0">
+            <a:scrgbClr r="0" g="0" b="0"/>
+          </a:lnRef>
+          <a:fillRef idx="0">
+            <a:scrgbClr r="0" g="0" b="0"/>
+          </a:fillRef>
+          <a:effectRef idx="0">
+            <a:scrgbClr r="0" g="0" b="0"/>
+          </a:effectRef>
+          <a:fontRef idx="minor">
+            <a:schemeClr val="lt1"/>
+          </a:fontRef>
+        </p:style>
+        <p:txBody>
+          <a:bodyPr wrap="square" rtlCol="0">
+            <a:spAutoFit/>
+          </a:bodyPr>
+          <a:lstStyle/>
+          <a:p>
+            <a:pPr algn="ctr"/>
+            <a:r>
+              <a:rPr lang="es-ES" dirty="0"/>
+              <a:t>Centralización vs. Descentralización de identidades</a:t>
             </a:r>
             <a:endParaRPr lang="es-CO" dirty="0"/>
           </a:p>
@@ -8895,25 +10469,232 @@
       </p:sp>
       <p:sp>
         <p:nvSpPr>
-          <p:cNvPr id="3" name="Marcador de contenido 2">
-            <a:extLst>
-              <a:ext uri="{FF2B5EF4-FFF2-40B4-BE49-F238E27FC236}">
-                <a16:creationId xmlns:a16="http://schemas.microsoft.com/office/drawing/2014/main" id="{9D312866-685F-4E6E-832E-D9072C52ADA1}"/>
-              </a:ext>
-            </a:extLst>
-          </p:cNvPr>
-          <p:cNvSpPr>
-            <a:spLocks noGrp="1"/>
-          </p:cNvSpPr>
-          <p:nvPr>
-            <p:ph idx="1"/>
-          </p:nvPr>
-        </p:nvSpPr>
-        <p:spPr/>
-        <p:txBody>
-          <a:bodyPr/>
+          <p:cNvPr id="10" name="CuadroTexto 9">
+            <a:extLst>
+              <a:ext uri="{FF2B5EF4-FFF2-40B4-BE49-F238E27FC236}">
+                <a16:creationId xmlns:a16="http://schemas.microsoft.com/office/drawing/2014/main" id="{E30BB307-5FE0-4A59-A19B-A49ACA9D4385}"/>
+              </a:ext>
+            </a:extLst>
+          </p:cNvPr>
+          <p:cNvSpPr txBox="1"/>
+          <p:nvPr/>
+        </p:nvSpPr>
+        <p:spPr>
+          <a:xfrm>
+            <a:off x="4300537" y="5800726"/>
+            <a:ext cx="3590926" cy="646331"/>
+          </a:xfrm>
+          <a:prstGeom prst="rect">
+            <a:avLst/>
+          </a:prstGeom>
+          <a:solidFill>
+            <a:schemeClr val="accent1">
+              <a:alpha val="50000"/>
+            </a:schemeClr>
+          </a:solidFill>
+          <a:ln>
+            <a:noFill/>
+          </a:ln>
+        </p:spPr>
+        <p:style>
+          <a:lnRef idx="0">
+            <a:scrgbClr r="0" g="0" b="0"/>
+          </a:lnRef>
+          <a:fillRef idx="0">
+            <a:scrgbClr r="0" g="0" b="0"/>
+          </a:fillRef>
+          <a:effectRef idx="0">
+            <a:scrgbClr r="0" g="0" b="0"/>
+          </a:effectRef>
+          <a:fontRef idx="minor">
+            <a:schemeClr val="lt1"/>
+          </a:fontRef>
+        </p:style>
+        <p:txBody>
+          <a:bodyPr wrap="square" rtlCol="0">
+            <a:spAutoFit/>
+          </a:bodyPr>
           <a:lstStyle/>
           <a:p>
+            <a:pPr algn="ctr"/>
+            <a:r>
+              <a:rPr lang="es-ES" dirty="0"/>
+              <a:t>Uso inadecuado de datos personales</a:t>
+            </a:r>
+          </a:p>
+          <a:p>
+            <a:pPr algn="ctr"/>
+            <a:r>
+              <a:rPr lang="es-ES" dirty="0"/>
+              <a:t>(Usabilidad)</a:t>
+            </a:r>
+            <a:endParaRPr lang="es-CO" dirty="0"/>
+          </a:p>
+        </p:txBody>
+      </p:sp>
+      <p:sp>
+        <p:nvSpPr>
+          <p:cNvPr id="11" name="CuadroTexto 10">
+            <a:extLst>
+              <a:ext uri="{FF2B5EF4-FFF2-40B4-BE49-F238E27FC236}">
+                <a16:creationId xmlns:a16="http://schemas.microsoft.com/office/drawing/2014/main" id="{C06CC2D3-D803-4815-921A-11CA1A33AE4A}"/>
+              </a:ext>
+            </a:extLst>
+          </p:cNvPr>
+          <p:cNvSpPr txBox="1"/>
+          <p:nvPr/>
+        </p:nvSpPr>
+        <p:spPr>
+          <a:xfrm>
+            <a:off x="323848" y="5800726"/>
+            <a:ext cx="3590926" cy="646331"/>
+          </a:xfrm>
+          <a:prstGeom prst="rect">
+            <a:avLst/>
+          </a:prstGeom>
+          <a:solidFill>
+            <a:schemeClr val="accent1">
+              <a:alpha val="50000"/>
+            </a:schemeClr>
+          </a:solidFill>
+          <a:ln>
+            <a:noFill/>
+          </a:ln>
+        </p:spPr>
+        <p:style>
+          <a:lnRef idx="0">
+            <a:scrgbClr r="0" g="0" b="0"/>
+          </a:lnRef>
+          <a:fillRef idx="0">
+            <a:scrgbClr r="0" g="0" b="0"/>
+          </a:fillRef>
+          <a:effectRef idx="0">
+            <a:scrgbClr r="0" g="0" b="0"/>
+          </a:effectRef>
+          <a:fontRef idx="minor">
+            <a:schemeClr val="lt1"/>
+          </a:fontRef>
+        </p:style>
+        <p:txBody>
+          <a:bodyPr wrap="square" rtlCol="0">
+            <a:spAutoFit/>
+          </a:bodyPr>
+          <a:lstStyle/>
+          <a:p>
+            <a:pPr algn="ctr"/>
+            <a:r>
+              <a:rPr lang="es-ES" dirty="0"/>
+              <a:t>Fuga de datos y violaciones de privacidad</a:t>
+            </a:r>
+            <a:endParaRPr lang="es-CO" dirty="0"/>
+          </a:p>
+        </p:txBody>
+      </p:sp>
+      <p:sp>
+        <p:nvSpPr>
+          <p:cNvPr id="12" name="CuadroTexto 11">
+            <a:extLst>
+              <a:ext uri="{FF2B5EF4-FFF2-40B4-BE49-F238E27FC236}">
+                <a16:creationId xmlns:a16="http://schemas.microsoft.com/office/drawing/2014/main" id="{B2C2FFE5-44AA-4999-8FC6-D86451D0E87E}"/>
+              </a:ext>
+            </a:extLst>
+          </p:cNvPr>
+          <p:cNvSpPr txBox="1"/>
+          <p:nvPr/>
+        </p:nvSpPr>
+        <p:spPr>
+          <a:xfrm>
+            <a:off x="8277226" y="5800726"/>
+            <a:ext cx="3590926" cy="646331"/>
+          </a:xfrm>
+          <a:prstGeom prst="rect">
+            <a:avLst/>
+          </a:prstGeom>
+          <a:solidFill>
+            <a:schemeClr val="accent1">
+              <a:alpha val="50000"/>
+            </a:schemeClr>
+          </a:solidFill>
+          <a:ln>
+            <a:noFill/>
+          </a:ln>
+        </p:spPr>
+        <p:style>
+          <a:lnRef idx="0">
+            <a:scrgbClr r="0" g="0" b="0"/>
+          </a:lnRef>
+          <a:fillRef idx="0">
+            <a:scrgbClr r="0" g="0" b="0"/>
+          </a:fillRef>
+          <a:effectRef idx="0">
+            <a:scrgbClr r="0" g="0" b="0"/>
+          </a:effectRef>
+          <a:fontRef idx="minor">
+            <a:schemeClr val="lt1"/>
+          </a:fontRef>
+        </p:style>
+        <p:txBody>
+          <a:bodyPr wrap="square" rtlCol="0">
+            <a:spAutoFit/>
+          </a:bodyPr>
+          <a:lstStyle/>
+          <a:p>
+            <a:pPr algn="ctr"/>
+            <a:r>
+              <a:rPr lang="es-CO" dirty="0"/>
+              <a:t>Cumplimiento de normativas globales</a:t>
+            </a:r>
+          </a:p>
+        </p:txBody>
+      </p:sp>
+      <p:sp>
+        <p:nvSpPr>
+          <p:cNvPr id="7" name="Flecha: hacia abajo 6">
+            <a:extLst>
+              <a:ext uri="{FF2B5EF4-FFF2-40B4-BE49-F238E27FC236}">
+                <a16:creationId xmlns:a16="http://schemas.microsoft.com/office/drawing/2014/main" id="{0351690C-E838-4A33-A538-52433C6BD134}"/>
+              </a:ext>
+            </a:extLst>
+          </p:cNvPr>
+          <p:cNvSpPr/>
+          <p:nvPr/>
+        </p:nvSpPr>
+        <p:spPr>
+          <a:xfrm>
+            <a:off x="1600198" y="2905125"/>
+            <a:ext cx="519113" cy="2609850"/>
+          </a:xfrm>
+          <a:prstGeom prst="downArrow">
+            <a:avLst/>
+          </a:prstGeom>
+          <a:solidFill>
+            <a:schemeClr val="accent1">
+              <a:alpha val="50000"/>
+            </a:schemeClr>
+          </a:solidFill>
+          <a:ln>
+            <a:noFill/>
+          </a:ln>
+        </p:spPr>
+        <p:style>
+          <a:lnRef idx="0">
+            <a:scrgbClr r="0" g="0" b="0"/>
+          </a:lnRef>
+          <a:fillRef idx="0">
+            <a:scrgbClr r="0" g="0" b="0"/>
+          </a:fillRef>
+          <a:effectRef idx="0">
+            <a:scrgbClr r="0" g="0" b="0"/>
+          </a:effectRef>
+          <a:fontRef idx="minor">
+            <a:schemeClr val="lt1"/>
+          </a:fontRef>
+        </p:style>
+        <p:txBody>
+          <a:bodyPr rtlCol="0" anchor="ctr"/>
+          <a:lstStyle/>
+          <a:p>
+            <a:pPr algn="ctr"/>
             <a:endParaRPr lang="es-CO"/>
           </a:p>
         </p:txBody>
@@ -8921,7 +10702,7 @@
     </p:spTree>
     <p:extLst>
       <p:ext uri="{BB962C8B-B14F-4D97-AF65-F5344CB8AC3E}">
-        <p14:creationId xmlns:p14="http://schemas.microsoft.com/office/powerpoint/2010/main" val="3824686634"/>
+        <p14:creationId xmlns:p14="http://schemas.microsoft.com/office/powerpoint/2010/main" val="1959432329"/>
       </p:ext>
     </p:extLst>
   </p:cSld>
@@ -8961,7 +10742,7 @@
           <p:cNvPr id="2" name="Título 1">
             <a:extLst>
               <a:ext uri="{FF2B5EF4-FFF2-40B4-BE49-F238E27FC236}">
-                <a16:creationId xmlns:a16="http://schemas.microsoft.com/office/drawing/2014/main" id="{E2DF751F-6D7F-46EC-B522-718056DB396E}"/>
+                <a16:creationId xmlns:a16="http://schemas.microsoft.com/office/drawing/2014/main" id="{5B16F082-CFE2-41C8-98CA-8E6376D0D047}"/>
               </a:ext>
             </a:extLst>
           </p:cNvPr>
@@ -8979,8 +10760,11 @@
           <a:p>
             <a:r>
               <a:rPr lang="es-MX" dirty="0"/>
-              <a:t>Enrique</a:t>
-            </a:r>
+              <a:t>1:Evolución de la identidad digital</a:t>
+            </a:r>
+            <a:br>
+              <a:rPr lang="es-MX" dirty="0"/>
+            </a:br>
             <a:endParaRPr lang="es-CO" dirty="0"/>
           </a:p>
         </p:txBody>
@@ -8990,7 +10774,7 @@
           <p:cNvPr id="3" name="Marcador de contenido 2">
             <a:extLst>
               <a:ext uri="{FF2B5EF4-FFF2-40B4-BE49-F238E27FC236}">
-                <a16:creationId xmlns:a16="http://schemas.microsoft.com/office/drawing/2014/main" id="{750E137D-099F-43D6-8CA2-EB1A916A252B}"/>
+                <a16:creationId xmlns:a16="http://schemas.microsoft.com/office/drawing/2014/main" id="{44712DC9-686C-444F-8CD8-ACDBDE10001D}"/>
               </a:ext>
             </a:extLst>
           </p:cNvPr>
@@ -9013,7 +10797,7 @@
     </p:spTree>
     <p:extLst>
       <p:ext uri="{BB962C8B-B14F-4D97-AF65-F5344CB8AC3E}">
-        <p14:creationId xmlns:p14="http://schemas.microsoft.com/office/powerpoint/2010/main" val="121238447"/>
+        <p14:creationId xmlns:p14="http://schemas.microsoft.com/office/powerpoint/2010/main" val="1633117414"/>
       </p:ext>
     </p:extLst>
   </p:cSld>
@@ -9053,7 +10837,7 @@
           <p:cNvPr id="2" name="Título 1">
             <a:extLst>
               <a:ext uri="{FF2B5EF4-FFF2-40B4-BE49-F238E27FC236}">
-                <a16:creationId xmlns:a16="http://schemas.microsoft.com/office/drawing/2014/main" id="{04C1A636-D3A2-4FA3-ADBF-CF55EC8AD1BE}"/>
+                <a16:creationId xmlns:a16="http://schemas.microsoft.com/office/drawing/2014/main" id="{21CE44BB-D189-4E76-9EBB-B0E694634822}"/>
               </a:ext>
             </a:extLst>
           </p:cNvPr>
@@ -9071,7 +10855,7 @@
           <a:p>
             <a:r>
               <a:rPr lang="es-MX" dirty="0"/>
-              <a:t>3. Interoperabilidad</a:t>
+              <a:t>2. Privacidad y protección de datos</a:t>
             </a:r>
             <a:endParaRPr lang="es-CO" dirty="0"/>
           </a:p>
@@ -9082,7 +10866,7 @@
           <p:cNvPr id="3" name="Marcador de contenido 2">
             <a:extLst>
               <a:ext uri="{FF2B5EF4-FFF2-40B4-BE49-F238E27FC236}">
-                <a16:creationId xmlns:a16="http://schemas.microsoft.com/office/drawing/2014/main" id="{5BADBB80-1CBF-445F-91DD-84C4F76158C4}"/>
+                <a16:creationId xmlns:a16="http://schemas.microsoft.com/office/drawing/2014/main" id="{9D312866-685F-4E6E-832E-D9072C52ADA1}"/>
               </a:ext>
             </a:extLst>
           </p:cNvPr>
@@ -9105,7 +10889,7 @@
     </p:spTree>
     <p:extLst>
       <p:ext uri="{BB962C8B-B14F-4D97-AF65-F5344CB8AC3E}">
-        <p14:creationId xmlns:p14="http://schemas.microsoft.com/office/powerpoint/2010/main" val="3638649812"/>
+        <p14:creationId xmlns:p14="http://schemas.microsoft.com/office/powerpoint/2010/main" val="3824686634"/>
       </p:ext>
     </p:extLst>
   </p:cSld>
@@ -9145,7 +10929,7 @@
           <p:cNvPr id="2" name="Título 1">
             <a:extLst>
               <a:ext uri="{FF2B5EF4-FFF2-40B4-BE49-F238E27FC236}">
-                <a16:creationId xmlns:a16="http://schemas.microsoft.com/office/drawing/2014/main" id="{141575A2-32DE-424C-A701-5330758742F2}"/>
+                <a16:creationId xmlns:a16="http://schemas.microsoft.com/office/drawing/2014/main" id="{E2DF751F-6D7F-46EC-B522-718056DB396E}"/>
               </a:ext>
             </a:extLst>
           </p:cNvPr>
@@ -9163,7 +10947,7 @@
           <a:p>
             <a:r>
               <a:rPr lang="es-MX" dirty="0"/>
-              <a:t>4. Seguridad y fraude</a:t>
+              <a:t>Enrique</a:t>
             </a:r>
             <a:endParaRPr lang="es-CO" dirty="0"/>
           </a:p>
@@ -9174,7 +10958,7 @@
           <p:cNvPr id="3" name="Marcador de contenido 2">
             <a:extLst>
               <a:ext uri="{FF2B5EF4-FFF2-40B4-BE49-F238E27FC236}">
-                <a16:creationId xmlns:a16="http://schemas.microsoft.com/office/drawing/2014/main" id="{D4A48BB2-44AA-4BDC-AE5E-47FB5B869CC6}"/>
+                <a16:creationId xmlns:a16="http://schemas.microsoft.com/office/drawing/2014/main" id="{750E137D-099F-43D6-8CA2-EB1A916A252B}"/>
               </a:ext>
             </a:extLst>
           </p:cNvPr>
@@ -9197,7 +10981,7 @@
     </p:spTree>
     <p:extLst>
       <p:ext uri="{BB962C8B-B14F-4D97-AF65-F5344CB8AC3E}">
-        <p14:creationId xmlns:p14="http://schemas.microsoft.com/office/powerpoint/2010/main" val="3909752439"/>
+        <p14:creationId xmlns:p14="http://schemas.microsoft.com/office/powerpoint/2010/main" val="121238447"/>
       </p:ext>
     </p:extLst>
   </p:cSld>
@@ -9237,7 +11021,7 @@
           <p:cNvPr id="2" name="Título 1">
             <a:extLst>
               <a:ext uri="{FF2B5EF4-FFF2-40B4-BE49-F238E27FC236}">
-                <a16:creationId xmlns:a16="http://schemas.microsoft.com/office/drawing/2014/main" id="{C96D7D7A-8958-4FA2-B276-117158E345E0}"/>
+                <a16:creationId xmlns:a16="http://schemas.microsoft.com/office/drawing/2014/main" id="{04C1A636-D3A2-4FA3-ADBF-CF55EC8AD1BE}"/>
               </a:ext>
             </a:extLst>
           </p:cNvPr>
@@ -9254,12 +11038,8 @@
           <a:lstStyle/>
           <a:p>
             <a:r>
-              <a:rPr lang="es-MX" dirty="0" err="1"/>
-              <a:t>Raul</a:t>
-            </a:r>
-            <a:r>
               <a:rPr lang="es-MX" dirty="0"/>
-              <a:t> Garay</a:t>
+              <a:t>3. Interoperabilidad</a:t>
             </a:r>
             <a:endParaRPr lang="es-CO" dirty="0"/>
           </a:p>
@@ -9270,7 +11050,7 @@
           <p:cNvPr id="3" name="Marcador de contenido 2">
             <a:extLst>
               <a:ext uri="{FF2B5EF4-FFF2-40B4-BE49-F238E27FC236}">
-                <a16:creationId xmlns:a16="http://schemas.microsoft.com/office/drawing/2014/main" id="{80C5BB57-E45C-47FD-8AC8-E5D3BE66B2A4}"/>
+                <a16:creationId xmlns:a16="http://schemas.microsoft.com/office/drawing/2014/main" id="{5BADBB80-1CBF-445F-91DD-84C4F76158C4}"/>
               </a:ext>
             </a:extLst>
           </p:cNvPr>
@@ -9293,7 +11073,7 @@
     </p:spTree>
     <p:extLst>
       <p:ext uri="{BB962C8B-B14F-4D97-AF65-F5344CB8AC3E}">
-        <p14:creationId xmlns:p14="http://schemas.microsoft.com/office/powerpoint/2010/main" val="2095245258"/>
+        <p14:creationId xmlns:p14="http://schemas.microsoft.com/office/powerpoint/2010/main" val="3638649812"/>
       </p:ext>
     </p:extLst>
   </p:cSld>
@@ -9333,7 +11113,7 @@
           <p:cNvPr id="2" name="Título 1">
             <a:extLst>
               <a:ext uri="{FF2B5EF4-FFF2-40B4-BE49-F238E27FC236}">
-                <a16:creationId xmlns:a16="http://schemas.microsoft.com/office/drawing/2014/main" id="{075B7DE7-63C5-48E2-ABD6-C29042A28050}"/>
+                <a16:creationId xmlns:a16="http://schemas.microsoft.com/office/drawing/2014/main" id="{141575A2-32DE-424C-A701-5330758742F2}"/>
               </a:ext>
             </a:extLst>
           </p:cNvPr>
@@ -9351,7 +11131,7 @@
           <a:p>
             <a:r>
               <a:rPr lang="es-MX" dirty="0"/>
-              <a:t>5.	Autenticación y acceso</a:t>
+              <a:t>4. Seguridad y fraude</a:t>
             </a:r>
             <a:endParaRPr lang="es-CO" dirty="0"/>
           </a:p>
@@ -9362,7 +11142,7 @@
           <p:cNvPr id="3" name="Marcador de contenido 2">
             <a:extLst>
               <a:ext uri="{FF2B5EF4-FFF2-40B4-BE49-F238E27FC236}">
-                <a16:creationId xmlns:a16="http://schemas.microsoft.com/office/drawing/2014/main" id="{39C09A13-4035-4711-87ED-8DE3DE2ED9AA}"/>
+                <a16:creationId xmlns:a16="http://schemas.microsoft.com/office/drawing/2014/main" id="{D4A48BB2-44AA-4BDC-AE5E-47FB5B869CC6}"/>
               </a:ext>
             </a:extLst>
           </p:cNvPr>
@@ -9385,7 +11165,7 @@
     </p:spTree>
     <p:extLst>
       <p:ext uri="{BB962C8B-B14F-4D97-AF65-F5344CB8AC3E}">
-        <p14:creationId xmlns:p14="http://schemas.microsoft.com/office/powerpoint/2010/main" val="1600950127"/>
+        <p14:creationId xmlns:p14="http://schemas.microsoft.com/office/powerpoint/2010/main" val="3909752439"/>
       </p:ext>
     </p:extLst>
   </p:cSld>
